--- a/PPT_solution-technique.pptx
+++ b/PPT_solution-technique.pptx
@@ -5,7 +5,7 @@
     <p:sldMasterId id="2147483660" r:id="rId1"/>
   </p:sldMasterIdLst>
   <p:notesMasterIdLst>
-    <p:notesMasterId r:id="rId17"/>
+    <p:notesMasterId r:id="rId18"/>
   </p:notesMasterIdLst>
   <p:sldIdLst>
     <p:sldId id="256" r:id="rId2"/>
@@ -15,14 +15,15 @@
     <p:sldId id="265" r:id="rId6"/>
     <p:sldId id="266" r:id="rId7"/>
     <p:sldId id="267" r:id="rId8"/>
-    <p:sldId id="268" r:id="rId9"/>
-    <p:sldId id="281" r:id="rId10"/>
-    <p:sldId id="278" r:id="rId11"/>
-    <p:sldId id="280" r:id="rId12"/>
-    <p:sldId id="279" r:id="rId13"/>
-    <p:sldId id="269" r:id="rId14"/>
-    <p:sldId id="270" r:id="rId15"/>
-    <p:sldId id="271" r:id="rId16"/>
+    <p:sldId id="282" r:id="rId9"/>
+    <p:sldId id="268" r:id="rId10"/>
+    <p:sldId id="281" r:id="rId11"/>
+    <p:sldId id="278" r:id="rId12"/>
+    <p:sldId id="280" r:id="rId13"/>
+    <p:sldId id="279" r:id="rId14"/>
+    <p:sldId id="269" r:id="rId15"/>
+    <p:sldId id="270" r:id="rId16"/>
+    <p:sldId id="271" r:id="rId17"/>
   </p:sldIdLst>
   <p:sldSz cx="12192000" cy="6858000"/>
   <p:notesSz cx="6858000" cy="9144000"/>
@@ -132,7 +133,7 @@
 <file path=ppt/revisionInfo.xml><?xml version="1.0" encoding="utf-8"?>
 <p1510:revInfo xmlns:a="http://schemas.openxmlformats.org/drawingml/2006/main" xmlns:r="http://schemas.openxmlformats.org/officeDocument/2006/relationships" xmlns:p1510="http://schemas.microsoft.com/office/powerpoint/2015/10/main">
   <p1510:revLst>
-    <p1510:client id="{77889339-52C1-4188-9D9C-C407E0F7439B}" v="1471" dt="2023-11-15T20:44:11.811"/>
+    <p1510:client id="{77889339-52C1-4188-9D9C-C407E0F7439B}" v="1502" dt="2023-11-16T16:50:26.302"/>
   </p1510:revLst>
 </p1510:revInfo>
 </file>
@@ -142,7 +143,7 @@
   <pc:docChgLst>
     <pc:chgData name="Maëlle N" userId="7baa61a33e5326fa" providerId="LiveId" clId="{77889339-52C1-4188-9D9C-C407E0F7439B}"/>
     <pc:docChg chg="undo redo custSel addSld delSld modSld sldOrd modMainMaster">
-      <pc:chgData name="Maëlle N" userId="7baa61a33e5326fa" providerId="LiveId" clId="{77889339-52C1-4188-9D9C-C407E0F7439B}" dt="2023-11-15T20:45:44.416" v="7186" actId="47"/>
+      <pc:chgData name="Maëlle N" userId="7baa61a33e5326fa" providerId="LiveId" clId="{77889339-52C1-4188-9D9C-C407E0F7439B}" dt="2023-11-16T16:47:46.098" v="7311" actId="1076"/>
       <pc:docMkLst>
         <pc:docMk/>
       </pc:docMkLst>
@@ -1114,7 +1115,7 @@
         </pc:cxnChg>
       </pc:sldChg>
       <pc:sldChg chg="addSp delSp modSp add mod ord">
-        <pc:chgData name="Maëlle N" userId="7baa61a33e5326fa" providerId="LiveId" clId="{77889339-52C1-4188-9D9C-C407E0F7439B}" dt="2023-11-15T13:58:55.304" v="2566" actId="20577"/>
+        <pc:chgData name="Maëlle N" userId="7baa61a33e5326fa" providerId="LiveId" clId="{77889339-52C1-4188-9D9C-C407E0F7439B}" dt="2023-11-16T14:52:59.322" v="7207" actId="1076"/>
         <pc:sldMkLst>
           <pc:docMk/>
           <pc:sldMk cId="1875018474" sldId="265"/>
@@ -1167,6 +1168,14 @@
             <ac:spMk id="12" creationId="{56FF49B2-242C-6679-38E1-2BD920FDE0E1}"/>
           </ac:spMkLst>
         </pc:spChg>
+        <pc:graphicFrameChg chg="add mod">
+          <ac:chgData name="Maëlle N" userId="7baa61a33e5326fa" providerId="LiveId" clId="{77889339-52C1-4188-9D9C-C407E0F7439B}" dt="2023-11-16T14:52:59.322" v="7207" actId="1076"/>
+          <ac:graphicFrameMkLst>
+            <pc:docMk/>
+            <pc:sldMk cId="1875018474" sldId="265"/>
+            <ac:graphicFrameMk id="2" creationId="{B773D9C4-9E83-59DC-D2F6-5887A7849EE6}"/>
+          </ac:graphicFrameMkLst>
+        </pc:graphicFrameChg>
         <pc:graphicFrameChg chg="add del mod modGraphic">
           <ac:chgData name="Maëlle N" userId="7baa61a33e5326fa" providerId="LiveId" clId="{77889339-52C1-4188-9D9C-C407E0F7439B}" dt="2023-11-15T13:38:24.312" v="1924" actId="478"/>
           <ac:graphicFrameMkLst>
@@ -1175,17 +1184,57 @@
             <ac:graphicFrameMk id="9" creationId="{D3BB31BC-2640-6EAF-A437-B12D67BF7C32}"/>
           </ac:graphicFrameMkLst>
         </pc:graphicFrameChg>
-        <pc:graphicFrameChg chg="add mod modGraphic">
-          <ac:chgData name="Maëlle N" userId="7baa61a33e5326fa" providerId="LiveId" clId="{77889339-52C1-4188-9D9C-C407E0F7439B}" dt="2023-11-15T13:58:55.304" v="2566" actId="20577"/>
+        <pc:graphicFrameChg chg="add del mod modGraphic">
+          <ac:chgData name="Maëlle N" userId="7baa61a33e5326fa" providerId="LiveId" clId="{77889339-52C1-4188-9D9C-C407E0F7439B}" dt="2023-11-16T14:52:56.486" v="7204" actId="478"/>
           <ac:graphicFrameMkLst>
             <pc:docMk/>
             <pc:sldMk cId="1875018474" sldId="265"/>
             <ac:graphicFrameMk id="10" creationId="{9B1F2A96-1698-6DEB-B16B-008ADA38EB56}"/>
           </ac:graphicFrameMkLst>
         </pc:graphicFrameChg>
+        <pc:picChg chg="add mod">
+          <ac:chgData name="Maëlle N" userId="7baa61a33e5326fa" providerId="LiveId" clId="{77889339-52C1-4188-9D9C-C407E0F7439B}" dt="2023-11-16T14:52:59.322" v="7207" actId="1076"/>
+          <ac:picMkLst>
+            <pc:docMk/>
+            <pc:sldMk cId="1875018474" sldId="265"/>
+            <ac:picMk id="3" creationId="{7475BAEA-3A80-377A-4226-84A7795BC7FB}"/>
+          </ac:picMkLst>
+        </pc:picChg>
+        <pc:picChg chg="add mod">
+          <ac:chgData name="Maëlle N" userId="7baa61a33e5326fa" providerId="LiveId" clId="{77889339-52C1-4188-9D9C-C407E0F7439B}" dt="2023-11-16T14:52:59.322" v="7207" actId="1076"/>
+          <ac:picMkLst>
+            <pc:docMk/>
+            <pc:sldMk cId="1875018474" sldId="265"/>
+            <ac:picMk id="4" creationId="{D98A567D-01C8-72B1-6AE4-7E907B125AEA}"/>
+          </ac:picMkLst>
+        </pc:picChg>
+        <pc:picChg chg="add mod">
+          <ac:chgData name="Maëlle N" userId="7baa61a33e5326fa" providerId="LiveId" clId="{77889339-52C1-4188-9D9C-C407E0F7439B}" dt="2023-11-16T14:52:59.322" v="7207" actId="1076"/>
+          <ac:picMkLst>
+            <pc:docMk/>
+            <pc:sldMk cId="1875018474" sldId="265"/>
+            <ac:picMk id="6" creationId="{BAF8DA36-1AD3-F391-7541-2719AAF9AEBE}"/>
+          </ac:picMkLst>
+        </pc:picChg>
+        <pc:picChg chg="add mod">
+          <ac:chgData name="Maëlle N" userId="7baa61a33e5326fa" providerId="LiveId" clId="{77889339-52C1-4188-9D9C-C407E0F7439B}" dt="2023-11-16T14:52:59.322" v="7207" actId="1076"/>
+          <ac:picMkLst>
+            <pc:docMk/>
+            <pc:sldMk cId="1875018474" sldId="265"/>
+            <ac:picMk id="7" creationId="{43C88F98-7852-454D-60D5-3A2611465D95}"/>
+          </ac:picMkLst>
+        </pc:picChg>
+        <pc:picChg chg="add mod">
+          <ac:chgData name="Maëlle N" userId="7baa61a33e5326fa" providerId="LiveId" clId="{77889339-52C1-4188-9D9C-C407E0F7439B}" dt="2023-11-16T14:52:59.322" v="7207" actId="1076"/>
+          <ac:picMkLst>
+            <pc:docMk/>
+            <pc:sldMk cId="1875018474" sldId="265"/>
+            <ac:picMk id="8" creationId="{1E85618C-AEFB-BB68-31DF-4DBAA7B826F5}"/>
+          </ac:picMkLst>
+        </pc:picChg>
       </pc:sldChg>
-      <pc:sldChg chg="addSp modSp add mod modTransition">
-        <pc:chgData name="Maëlle N" userId="7baa61a33e5326fa" providerId="LiveId" clId="{77889339-52C1-4188-9D9C-C407E0F7439B}" dt="2023-11-15T15:53:46.327" v="4102" actId="1076"/>
+      <pc:sldChg chg="addSp delSp modSp add mod modTransition">
+        <pc:chgData name="Maëlle N" userId="7baa61a33e5326fa" providerId="LiveId" clId="{77889339-52C1-4188-9D9C-C407E0F7439B}" dt="2023-11-16T16:47:46.098" v="7311" actId="1076"/>
         <pc:sldMkLst>
           <pc:docMk/>
           <pc:sldMk cId="1359850455" sldId="266"/>
@@ -1198,23 +1247,111 @@
             <ac:spMk id="2" creationId="{942BE2F9-3B6F-EFB5-07A3-5F147D4F9326}"/>
           </ac:spMkLst>
         </pc:spChg>
-        <pc:graphicFrameChg chg="add mod modGraphic">
-          <ac:chgData name="Maëlle N" userId="7baa61a33e5326fa" providerId="LiveId" clId="{77889339-52C1-4188-9D9C-C407E0F7439B}" dt="2023-11-15T15:53:46.327" v="4102" actId="1076"/>
+        <pc:spChg chg="del mod">
+          <ac:chgData name="Maëlle N" userId="7baa61a33e5326fa" providerId="LiveId" clId="{77889339-52C1-4188-9D9C-C407E0F7439B}" dt="2023-11-16T14:59:48.841" v="7228" actId="478"/>
+          <ac:spMkLst>
+            <pc:docMk/>
+            <pc:sldMk cId="1359850455" sldId="266"/>
+            <ac:spMk id="3" creationId="{4F2B4CFB-3DF0-6664-D3BD-0425922135B7}"/>
+          </ac:spMkLst>
+        </pc:spChg>
+        <pc:spChg chg="add mod">
+          <ac:chgData name="Maëlle N" userId="7baa61a33e5326fa" providerId="LiveId" clId="{77889339-52C1-4188-9D9C-C407E0F7439B}" dt="2023-11-16T16:47:46.098" v="7311" actId="1076"/>
+          <ac:spMkLst>
+            <pc:docMk/>
+            <pc:sldMk cId="1359850455" sldId="266"/>
+            <ac:spMk id="9" creationId="{C7756A48-7BBB-B07E-B910-2A8EBF17D5AD}"/>
+          </ac:spMkLst>
+        </pc:spChg>
+        <pc:graphicFrameChg chg="add del mod modGraphic">
+          <ac:chgData name="Maëlle N" userId="7baa61a33e5326fa" providerId="LiveId" clId="{77889339-52C1-4188-9D9C-C407E0F7439B}" dt="2023-11-16T14:59:48.841" v="7228" actId="478"/>
           <ac:graphicFrameMkLst>
             <pc:docMk/>
             <pc:sldMk cId="1359850455" sldId="266"/>
             <ac:graphicFrameMk id="4" creationId="{27E7E54A-9201-E876-E688-A5B210109BDC}"/>
           </ac:graphicFrameMkLst>
         </pc:graphicFrameChg>
+        <pc:graphicFrameChg chg="add del mod modGraphic">
+          <ac:chgData name="Maëlle N" userId="7baa61a33e5326fa" providerId="LiveId" clId="{77889339-52C1-4188-9D9C-C407E0F7439B}" dt="2023-11-16T16:46:28.195" v="7310" actId="20577"/>
+          <ac:graphicFrameMkLst>
+            <pc:docMk/>
+            <pc:sldMk cId="1359850455" sldId="266"/>
+            <ac:graphicFrameMk id="5" creationId="{17D16232-7A65-C7B3-CB31-A5774495023B}"/>
+          </ac:graphicFrameMkLst>
+        </pc:graphicFrameChg>
+        <pc:picChg chg="add del mod">
+          <ac:chgData name="Maëlle N" userId="7baa61a33e5326fa" providerId="LiveId" clId="{77889339-52C1-4188-9D9C-C407E0F7439B}" dt="2023-11-16T14:53:57.694" v="7214" actId="478"/>
+          <ac:picMkLst>
+            <pc:docMk/>
+            <pc:sldMk cId="1359850455" sldId="266"/>
+            <ac:picMk id="5" creationId="{300C4592-5B2A-A48D-BB9A-927E75D7D353}"/>
+          </ac:picMkLst>
+        </pc:picChg>
+        <pc:picChg chg="add del mod">
+          <ac:chgData name="Maëlle N" userId="7baa61a33e5326fa" providerId="LiveId" clId="{77889339-52C1-4188-9D9C-C407E0F7439B}" dt="2023-11-16T14:59:48.841" v="7228" actId="478"/>
+          <ac:picMkLst>
+            <pc:docMk/>
+            <pc:sldMk cId="1359850455" sldId="266"/>
+            <ac:picMk id="6" creationId="{6480F9C0-C5FA-34DB-CBFA-1081945B5D60}"/>
+          </ac:picMkLst>
+        </pc:picChg>
+        <pc:picChg chg="add del mod">
+          <ac:chgData name="Maëlle N" userId="7baa61a33e5326fa" providerId="LiveId" clId="{77889339-52C1-4188-9D9C-C407E0F7439B}" dt="2023-11-16T14:59:48.841" v="7228" actId="478"/>
+          <ac:picMkLst>
+            <pc:docMk/>
+            <pc:sldMk cId="1359850455" sldId="266"/>
+            <ac:picMk id="7" creationId="{7956EB70-F18D-328F-3E53-8003D6F07B07}"/>
+          </ac:picMkLst>
+        </pc:picChg>
+        <pc:picChg chg="add del mod">
+          <ac:chgData name="Maëlle N" userId="7baa61a33e5326fa" providerId="LiveId" clId="{77889339-52C1-4188-9D9C-C407E0F7439B}" dt="2023-11-16T14:59:48.841" v="7228" actId="478"/>
+          <ac:picMkLst>
+            <pc:docMk/>
+            <pc:sldMk cId="1359850455" sldId="266"/>
+            <ac:picMk id="8" creationId="{5534CC22-4835-37E3-78BE-9045C7D48092}"/>
+          </ac:picMkLst>
+        </pc:picChg>
+        <pc:picChg chg="add del mod">
+          <ac:chgData name="Maëlle N" userId="7baa61a33e5326fa" providerId="LiveId" clId="{77889339-52C1-4188-9D9C-C407E0F7439B}" dt="2023-11-16T16:31:03.736" v="7308" actId="1076"/>
+          <ac:picMkLst>
+            <pc:docMk/>
+            <pc:sldMk cId="1359850455" sldId="266"/>
+            <ac:picMk id="10" creationId="{D7740D84-F046-2981-3D16-C202F583A1E9}"/>
+          </ac:picMkLst>
+        </pc:picChg>
+        <pc:picChg chg="add del mod">
+          <ac:chgData name="Maëlle N" userId="7baa61a33e5326fa" providerId="LiveId" clId="{77889339-52C1-4188-9D9C-C407E0F7439B}" dt="2023-11-16T15:00:12.102" v="7237"/>
+          <ac:picMkLst>
+            <pc:docMk/>
+            <pc:sldMk cId="1359850455" sldId="266"/>
+            <ac:picMk id="11" creationId="{9960D718-7413-C337-E2B2-97032B9AB0D0}"/>
+          </ac:picMkLst>
+        </pc:picChg>
+        <pc:picChg chg="add del mod">
+          <ac:chgData name="Maëlle N" userId="7baa61a33e5326fa" providerId="LiveId" clId="{77889339-52C1-4188-9D9C-C407E0F7439B}" dt="2023-11-16T15:00:12.102" v="7237"/>
+          <ac:picMkLst>
+            <pc:docMk/>
+            <pc:sldMk cId="1359850455" sldId="266"/>
+            <ac:picMk id="12" creationId="{43619D70-56FE-C662-C5BA-458A8A1E5BA6}"/>
+          </ac:picMkLst>
+        </pc:picChg>
+        <pc:picChg chg="add del mod">
+          <ac:chgData name="Maëlle N" userId="7baa61a33e5326fa" providerId="LiveId" clId="{77889339-52C1-4188-9D9C-C407E0F7439B}" dt="2023-11-16T15:00:12.102" v="7237"/>
+          <ac:picMkLst>
+            <pc:docMk/>
+            <pc:sldMk cId="1359850455" sldId="266"/>
+            <ac:picMk id="13" creationId="{46C903C3-EC65-C5C5-1677-9E81A3655266}"/>
+          </ac:picMkLst>
+        </pc:picChg>
       </pc:sldChg>
       <pc:sldChg chg="addSp delSp modSp add mod">
-        <pc:chgData name="Maëlle N" userId="7baa61a33e5326fa" providerId="LiveId" clId="{77889339-52C1-4188-9D9C-C407E0F7439B}" dt="2023-11-15T15:31:53.688" v="3584" actId="1037"/>
+        <pc:chgData name="Maëlle N" userId="7baa61a33e5326fa" providerId="LiveId" clId="{77889339-52C1-4188-9D9C-C407E0F7439B}" dt="2023-11-16T15:00:27.549" v="7240"/>
         <pc:sldMkLst>
           <pc:docMk/>
           <pc:sldMk cId="649920403" sldId="267"/>
         </pc:sldMkLst>
         <pc:spChg chg="mod">
-          <ac:chgData name="Maëlle N" userId="7baa61a33e5326fa" providerId="LiveId" clId="{77889339-52C1-4188-9D9C-C407E0F7439B}" dt="2023-11-15T14:04:47.124" v="2801" actId="20577"/>
+          <ac:chgData name="Maëlle N" userId="7baa61a33e5326fa" providerId="LiveId" clId="{77889339-52C1-4188-9D9C-C407E0F7439B}" dt="2023-11-16T15:00:10.839" v="7235"/>
           <ac:spMkLst>
             <pc:docMk/>
             <pc:sldMk cId="649920403" sldId="267"/>
@@ -1230,6 +1367,62 @@
           </ac:spMkLst>
         </pc:spChg>
         <pc:spChg chg="add del mod">
+          <ac:chgData name="Maëlle N" userId="7baa61a33e5326fa" providerId="LiveId" clId="{77889339-52C1-4188-9D9C-C407E0F7439B}" dt="2023-11-16T15:00:26.741" v="7239" actId="478"/>
+          <ac:spMkLst>
+            <pc:docMk/>
+            <pc:sldMk cId="649920403" sldId="267"/>
+            <ac:spMk id="3" creationId="{52C2E5DE-50BE-9632-A049-10FB84AA04C9}"/>
+          </ac:spMkLst>
+        </pc:spChg>
+        <pc:spChg chg="add del mod">
+          <ac:chgData name="Maëlle N" userId="7baa61a33e5326fa" providerId="LiveId" clId="{77889339-52C1-4188-9D9C-C407E0F7439B}" dt="2023-11-16T15:00:26.741" v="7239" actId="478"/>
+          <ac:spMkLst>
+            <pc:docMk/>
+            <pc:sldMk cId="649920403" sldId="267"/>
+            <ac:spMk id="4" creationId="{B1300D02-759D-BD3C-79F9-08ED43EA9C3A}"/>
+          </ac:spMkLst>
+        </pc:spChg>
+        <pc:spChg chg="add del mod">
+          <ac:chgData name="Maëlle N" userId="7baa61a33e5326fa" providerId="LiveId" clId="{77889339-52C1-4188-9D9C-C407E0F7439B}" dt="2023-11-16T15:00:26.741" v="7239" actId="478"/>
+          <ac:spMkLst>
+            <pc:docMk/>
+            <pc:sldMk cId="649920403" sldId="267"/>
+            <ac:spMk id="5" creationId="{F8751822-DE53-AF4A-4EB5-CC134A55236E}"/>
+          </ac:spMkLst>
+        </pc:spChg>
+        <pc:spChg chg="add del mod">
+          <ac:chgData name="Maëlle N" userId="7baa61a33e5326fa" providerId="LiveId" clId="{77889339-52C1-4188-9D9C-C407E0F7439B}" dt="2023-11-16T15:00:26.741" v="7239" actId="478"/>
+          <ac:spMkLst>
+            <pc:docMk/>
+            <pc:sldMk cId="649920403" sldId="267"/>
+            <ac:spMk id="6" creationId="{4134ECB6-2A3D-2A85-032A-C85209D6FDAE}"/>
+          </ac:spMkLst>
+        </pc:spChg>
+        <pc:spChg chg="add del mod">
+          <ac:chgData name="Maëlle N" userId="7baa61a33e5326fa" providerId="LiveId" clId="{77889339-52C1-4188-9D9C-C407E0F7439B}" dt="2023-11-16T15:00:26.741" v="7239" actId="478"/>
+          <ac:spMkLst>
+            <pc:docMk/>
+            <pc:sldMk cId="649920403" sldId="267"/>
+            <ac:spMk id="7" creationId="{B6AF83E2-DBFC-D125-B303-AE539D2A3D03}"/>
+          </ac:spMkLst>
+        </pc:spChg>
+        <pc:spChg chg="add del mod">
+          <ac:chgData name="Maëlle N" userId="7baa61a33e5326fa" providerId="LiveId" clId="{77889339-52C1-4188-9D9C-C407E0F7439B}" dt="2023-11-16T15:00:26.741" v="7239" actId="478"/>
+          <ac:spMkLst>
+            <pc:docMk/>
+            <pc:sldMk cId="649920403" sldId="267"/>
+            <ac:spMk id="8" creationId="{DECFE7DB-38B7-6577-2612-87057E5CC9EE}"/>
+          </ac:spMkLst>
+        </pc:spChg>
+        <pc:spChg chg="add del mod">
+          <ac:chgData name="Maëlle N" userId="7baa61a33e5326fa" providerId="LiveId" clId="{77889339-52C1-4188-9D9C-C407E0F7439B}" dt="2023-11-16T15:00:26.741" v="7239" actId="478"/>
+          <ac:spMkLst>
+            <pc:docMk/>
+            <pc:sldMk cId="649920403" sldId="267"/>
+            <ac:spMk id="9" creationId="{B9D9434E-129B-BFCC-1501-2050350D0B89}"/>
+          </ac:spMkLst>
+        </pc:spChg>
+        <pc:spChg chg="add del mod">
           <ac:chgData name="Maëlle N" userId="7baa61a33e5326fa" providerId="LiveId" clId="{77889339-52C1-4188-9D9C-C407E0F7439B}" dt="2023-11-15T14:10:09.258" v="2804" actId="478"/>
           <ac:spMkLst>
             <pc:docMk/>
@@ -1237,108 +1430,156 @@
             <ac:spMk id="9" creationId="{D3AC919A-D537-2A8D-3B64-940F294298FF}"/>
           </ac:spMkLst>
         </pc:spChg>
+        <pc:spChg chg="add mod">
+          <ac:chgData name="Maëlle N" userId="7baa61a33e5326fa" providerId="LiveId" clId="{77889339-52C1-4188-9D9C-C407E0F7439B}" dt="2023-11-16T15:00:27.549" v="7240"/>
+          <ac:spMkLst>
+            <pc:docMk/>
+            <pc:sldMk cId="649920403" sldId="267"/>
+            <ac:spMk id="10" creationId="{4C698F99-D943-B05D-C01A-0A308CD703A6}"/>
+          </ac:spMkLst>
+        </pc:spChg>
         <pc:spChg chg="add del mod">
-          <ac:chgData name="Maëlle N" userId="7baa61a33e5326fa" providerId="LiveId" clId="{77889339-52C1-4188-9D9C-C407E0F7439B}" dt="2023-11-15T14:24:42.516" v="3409" actId="478"/>
+          <ac:chgData name="Maëlle N" userId="7baa61a33e5326fa" providerId="LiveId" clId="{77889339-52C1-4188-9D9C-C407E0F7439B}" dt="2023-11-16T13:38:17.587" v="7187" actId="478"/>
           <ac:spMkLst>
             <pc:docMk/>
             <pc:sldMk cId="649920403" sldId="267"/>
             <ac:spMk id="10" creationId="{60D7A9BB-9C68-75DD-1091-0D0151B9FE05}"/>
           </ac:spMkLst>
         </pc:spChg>
-        <pc:spChg chg="add mod">
-          <ac:chgData name="Maëlle N" userId="7baa61a33e5326fa" providerId="LiveId" clId="{77889339-52C1-4188-9D9C-C407E0F7439B}" dt="2023-11-15T14:23:15.717" v="3366" actId="113"/>
+        <pc:spChg chg="add del mod">
+          <ac:chgData name="Maëlle N" userId="7baa61a33e5326fa" providerId="LiveId" clId="{77889339-52C1-4188-9D9C-C407E0F7439B}" dt="2023-11-16T15:00:26.741" v="7239" actId="478"/>
+          <ac:spMkLst>
+            <pc:docMk/>
+            <pc:sldMk cId="649920403" sldId="267"/>
+            <ac:spMk id="11" creationId="{6AA07E7F-D107-1732-90AE-A1A38F3D6C7E}"/>
+          </ac:spMkLst>
+        </pc:spChg>
+        <pc:spChg chg="add del mod">
+          <ac:chgData name="Maëlle N" userId="7baa61a33e5326fa" providerId="LiveId" clId="{77889339-52C1-4188-9D9C-C407E0F7439B}" dt="2023-11-16T15:00:26.741" v="7239" actId="478"/>
+          <ac:spMkLst>
+            <pc:docMk/>
+            <pc:sldMk cId="649920403" sldId="267"/>
+            <ac:spMk id="12" creationId="{2509B1D5-E993-08AE-38A2-C2494894CC21}"/>
+          </ac:spMkLst>
+        </pc:spChg>
+        <pc:spChg chg="add del mod">
+          <ac:chgData name="Maëlle N" userId="7baa61a33e5326fa" providerId="LiveId" clId="{77889339-52C1-4188-9D9C-C407E0F7439B}" dt="2023-11-16T15:00:26.741" v="7239" actId="478"/>
+          <ac:spMkLst>
+            <pc:docMk/>
+            <pc:sldMk cId="649920403" sldId="267"/>
+            <ac:spMk id="13" creationId="{6893BA91-08E3-FABC-D864-F9D483FE680B}"/>
+          </ac:spMkLst>
+        </pc:spChg>
+        <pc:spChg chg="add del mod">
+          <ac:chgData name="Maëlle N" userId="7baa61a33e5326fa" providerId="LiveId" clId="{77889339-52C1-4188-9D9C-C407E0F7439B}" dt="2023-11-16T13:38:17.587" v="7187" actId="478"/>
           <ac:spMkLst>
             <pc:docMk/>
             <pc:sldMk cId="649920403" sldId="267"/>
             <ac:spMk id="14" creationId="{12FD1595-5234-A8C5-4A34-0881F8B3E1AE}"/>
           </ac:spMkLst>
         </pc:spChg>
-        <pc:spChg chg="add mod">
-          <ac:chgData name="Maëlle N" userId="7baa61a33e5326fa" providerId="LiveId" clId="{77889339-52C1-4188-9D9C-C407E0F7439B}" dt="2023-11-15T14:23:12.132" v="3365" actId="113"/>
+        <pc:spChg chg="add del mod">
+          <ac:chgData name="Maëlle N" userId="7baa61a33e5326fa" providerId="LiveId" clId="{77889339-52C1-4188-9D9C-C407E0F7439B}" dt="2023-11-16T13:38:17.587" v="7187" actId="478"/>
           <ac:spMkLst>
             <pc:docMk/>
             <pc:sldMk cId="649920403" sldId="267"/>
             <ac:spMk id="15" creationId="{FD3906DA-38A2-F2A3-5F86-48533E871518}"/>
           </ac:spMkLst>
         </pc:spChg>
-        <pc:spChg chg="add mod">
-          <ac:chgData name="Maëlle N" userId="7baa61a33e5326fa" providerId="LiveId" clId="{77889339-52C1-4188-9D9C-C407E0F7439B}" dt="2023-11-15T14:19:16.027" v="3199" actId="3064"/>
+        <pc:spChg chg="add del mod">
+          <ac:chgData name="Maëlle N" userId="7baa61a33e5326fa" providerId="LiveId" clId="{77889339-52C1-4188-9D9C-C407E0F7439B}" dt="2023-11-16T13:38:17.587" v="7187" actId="478"/>
           <ac:spMkLst>
             <pc:docMk/>
             <pc:sldMk cId="649920403" sldId="267"/>
             <ac:spMk id="16" creationId="{54F874C5-2BC5-ABDB-0D18-E885E904A28D}"/>
           </ac:spMkLst>
         </pc:spChg>
-        <pc:spChg chg="add mod">
-          <ac:chgData name="Maëlle N" userId="7baa61a33e5326fa" providerId="LiveId" clId="{77889339-52C1-4188-9D9C-C407E0F7439B}" dt="2023-11-15T14:23:15.717" v="3366" actId="113"/>
+        <pc:spChg chg="add del mod">
+          <ac:chgData name="Maëlle N" userId="7baa61a33e5326fa" providerId="LiveId" clId="{77889339-52C1-4188-9D9C-C407E0F7439B}" dt="2023-11-16T13:38:17.587" v="7187" actId="478"/>
           <ac:spMkLst>
             <pc:docMk/>
             <pc:sldMk cId="649920403" sldId="267"/>
             <ac:spMk id="17" creationId="{4D1238FF-D1AE-3C34-5864-529F61246946}"/>
           </ac:spMkLst>
         </pc:spChg>
-        <pc:spChg chg="add mod">
-          <ac:chgData name="Maëlle N" userId="7baa61a33e5326fa" providerId="LiveId" clId="{77889339-52C1-4188-9D9C-C407E0F7439B}" dt="2023-11-15T14:23:15.717" v="3366" actId="113"/>
+        <pc:spChg chg="add del mod">
+          <ac:chgData name="Maëlle N" userId="7baa61a33e5326fa" providerId="LiveId" clId="{77889339-52C1-4188-9D9C-C407E0F7439B}" dt="2023-11-16T13:38:17.587" v="7187" actId="478"/>
           <ac:spMkLst>
             <pc:docMk/>
             <pc:sldMk cId="649920403" sldId="267"/>
             <ac:spMk id="18" creationId="{06848ECA-EC83-E5E0-7AA3-A47986900A68}"/>
           </ac:spMkLst>
         </pc:spChg>
-        <pc:spChg chg="add mod">
-          <ac:chgData name="Maëlle N" userId="7baa61a33e5326fa" providerId="LiveId" clId="{77889339-52C1-4188-9D9C-C407E0F7439B}" dt="2023-11-15T14:23:15.717" v="3366" actId="113"/>
+        <pc:spChg chg="add del mod">
+          <ac:chgData name="Maëlle N" userId="7baa61a33e5326fa" providerId="LiveId" clId="{77889339-52C1-4188-9D9C-C407E0F7439B}" dt="2023-11-16T13:38:17.587" v="7187" actId="478"/>
           <ac:spMkLst>
             <pc:docMk/>
             <pc:sldMk cId="649920403" sldId="267"/>
             <ac:spMk id="19" creationId="{21E1AF47-B439-B905-FF2E-D94DA141E54B}"/>
           </ac:spMkLst>
         </pc:spChg>
-        <pc:spChg chg="add mod">
-          <ac:chgData name="Maëlle N" userId="7baa61a33e5326fa" providerId="LiveId" clId="{77889339-52C1-4188-9D9C-C407E0F7439B}" dt="2023-11-15T14:17:31.119" v="3096" actId="1582"/>
+        <pc:spChg chg="add del mod">
+          <ac:chgData name="Maëlle N" userId="7baa61a33e5326fa" providerId="LiveId" clId="{77889339-52C1-4188-9D9C-C407E0F7439B}" dt="2023-11-16T13:38:17.587" v="7187" actId="478"/>
           <ac:spMkLst>
             <pc:docMk/>
             <pc:sldMk cId="649920403" sldId="267"/>
             <ac:spMk id="20" creationId="{82CA3C1D-526D-5CEC-6FAE-C43AA7522617}"/>
           </ac:spMkLst>
         </pc:spChg>
-        <pc:spChg chg="add mod">
-          <ac:chgData name="Maëlle N" userId="7baa61a33e5326fa" providerId="LiveId" clId="{77889339-52C1-4188-9D9C-C407E0F7439B}" dt="2023-11-15T14:17:31.119" v="3096" actId="1582"/>
+        <pc:spChg chg="add del mod">
+          <ac:chgData name="Maëlle N" userId="7baa61a33e5326fa" providerId="LiveId" clId="{77889339-52C1-4188-9D9C-C407E0F7439B}" dt="2023-11-16T13:38:17.587" v="7187" actId="478"/>
           <ac:spMkLst>
             <pc:docMk/>
             <pc:sldMk cId="649920403" sldId="267"/>
             <ac:spMk id="21" creationId="{FE8CAA32-5B34-35F1-747D-8F70DE72F9EC}"/>
           </ac:spMkLst>
         </pc:spChg>
-        <pc:spChg chg="add mod">
-          <ac:chgData name="Maëlle N" userId="7baa61a33e5326fa" providerId="LiveId" clId="{77889339-52C1-4188-9D9C-C407E0F7439B}" dt="2023-11-15T14:17:31.119" v="3096" actId="1582"/>
+        <pc:spChg chg="add del mod">
+          <ac:chgData name="Maëlle N" userId="7baa61a33e5326fa" providerId="LiveId" clId="{77889339-52C1-4188-9D9C-C407E0F7439B}" dt="2023-11-16T13:38:17.587" v="7187" actId="478"/>
           <ac:spMkLst>
             <pc:docMk/>
             <pc:sldMk cId="649920403" sldId="267"/>
             <ac:spMk id="22" creationId="{9B47F80F-B7A1-6DD7-985C-F9EF5276055D}"/>
           </ac:spMkLst>
         </pc:spChg>
-        <pc:spChg chg="add mod">
-          <ac:chgData name="Maëlle N" userId="7baa61a33e5326fa" providerId="LiveId" clId="{77889339-52C1-4188-9D9C-C407E0F7439B}" dt="2023-11-15T14:17:31.119" v="3096" actId="1582"/>
+        <pc:spChg chg="add del mod">
+          <ac:chgData name="Maëlle N" userId="7baa61a33e5326fa" providerId="LiveId" clId="{77889339-52C1-4188-9D9C-C407E0F7439B}" dt="2023-11-16T13:38:17.587" v="7187" actId="478"/>
           <ac:spMkLst>
             <pc:docMk/>
             <pc:sldMk cId="649920403" sldId="267"/>
             <ac:spMk id="23" creationId="{318D7825-9F5D-5317-62BD-B9F7A401FF44}"/>
           </ac:spMkLst>
         </pc:spChg>
-        <pc:spChg chg="add mod">
-          <ac:chgData name="Maëlle N" userId="7baa61a33e5326fa" providerId="LiveId" clId="{77889339-52C1-4188-9D9C-C407E0F7439B}" dt="2023-11-15T15:31:53.688" v="3584" actId="1037"/>
+        <pc:spChg chg="add del mod">
+          <ac:chgData name="Maëlle N" userId="7baa61a33e5326fa" providerId="LiveId" clId="{77889339-52C1-4188-9D9C-C407E0F7439B}" dt="2023-11-16T13:38:17.587" v="7187" actId="478"/>
           <ac:spMkLst>
             <pc:docMk/>
             <pc:sldMk cId="649920403" sldId="267"/>
             <ac:spMk id="24" creationId="{741C9903-A641-A96E-A2CB-0267854791C4}"/>
           </ac:spMkLst>
         </pc:spChg>
-        <pc:spChg chg="add mod">
-          <ac:chgData name="Maëlle N" userId="7baa61a33e5326fa" providerId="LiveId" clId="{77889339-52C1-4188-9D9C-C407E0F7439B}" dt="2023-11-15T14:17:31.119" v="3096" actId="1582"/>
+        <pc:spChg chg="add del mod">
+          <ac:chgData name="Maëlle N" userId="7baa61a33e5326fa" providerId="LiveId" clId="{77889339-52C1-4188-9D9C-C407E0F7439B}" dt="2023-11-16T13:38:17.587" v="7187" actId="478"/>
           <ac:spMkLst>
             <pc:docMk/>
             <pc:sldMk cId="649920403" sldId="267"/>
             <ac:spMk id="25" creationId="{8EF6E771-EF64-DBEB-CB93-3EDBF9F649D2}"/>
+          </ac:spMkLst>
+        </pc:spChg>
+        <pc:spChg chg="add del mod">
+          <ac:chgData name="Maëlle N" userId="7baa61a33e5326fa" providerId="LiveId" clId="{77889339-52C1-4188-9D9C-C407E0F7439B}" dt="2023-11-16T15:00:26.741" v="7239" actId="478"/>
+          <ac:spMkLst>
+            <pc:docMk/>
+            <pc:sldMk cId="649920403" sldId="267"/>
+            <ac:spMk id="26" creationId="{D5399F87-A00C-5566-75C8-41FF6D54BD30}"/>
+          </ac:spMkLst>
+        </pc:spChg>
+        <pc:spChg chg="add del mod">
+          <ac:chgData name="Maëlle N" userId="7baa61a33e5326fa" providerId="LiveId" clId="{77889339-52C1-4188-9D9C-C407E0F7439B}" dt="2023-11-16T15:00:26.741" v="7239" actId="478"/>
+          <ac:spMkLst>
+            <pc:docMk/>
+            <pc:sldMk cId="649920403" sldId="267"/>
+            <ac:spMk id="29" creationId="{6BC99144-6817-A5CF-31CC-BC174C5E503E}"/>
           </ac:spMkLst>
         </pc:spChg>
         <pc:graphicFrameChg chg="add del modGraphic">
@@ -1357,17 +1598,57 @@
             <ac:graphicFrameMk id="13" creationId="{8CCAF388-8922-D123-442D-49487163F629}"/>
           </ac:graphicFrameMkLst>
         </pc:graphicFrameChg>
+        <pc:graphicFrameChg chg="add mod">
+          <ac:chgData name="Maëlle N" userId="7baa61a33e5326fa" providerId="LiveId" clId="{77889339-52C1-4188-9D9C-C407E0F7439B}" dt="2023-11-16T15:00:27.549" v="7240"/>
+          <ac:graphicFrameMkLst>
+            <pc:docMk/>
+            <pc:sldMk cId="649920403" sldId="267"/>
+            <ac:graphicFrameMk id="14" creationId="{1C1CB537-D9CF-1A34-0147-E9D09C1B3345}"/>
+          </ac:graphicFrameMkLst>
+        </pc:graphicFrameChg>
         <pc:picChg chg="add mod">
-          <ac:chgData name="Maëlle N" userId="7baa61a33e5326fa" providerId="LiveId" clId="{77889339-52C1-4188-9D9C-C407E0F7439B}" dt="2023-11-15T14:25:12.047" v="3411" actId="207"/>
+          <ac:chgData name="Maëlle N" userId="7baa61a33e5326fa" providerId="LiveId" clId="{77889339-52C1-4188-9D9C-C407E0F7439B}" dt="2023-11-16T15:00:27.549" v="7240"/>
+          <ac:picMkLst>
+            <pc:docMk/>
+            <pc:sldMk cId="649920403" sldId="267"/>
+            <ac:picMk id="15" creationId="{C4A5BB55-2419-589F-32BB-E77420B88A52}"/>
+          </ac:picMkLst>
+        </pc:picChg>
+        <pc:picChg chg="add mod">
+          <ac:chgData name="Maëlle N" userId="7baa61a33e5326fa" providerId="LiveId" clId="{77889339-52C1-4188-9D9C-C407E0F7439B}" dt="2023-11-16T15:00:27.549" v="7240"/>
+          <ac:picMkLst>
+            <pc:docMk/>
+            <pc:sldMk cId="649920403" sldId="267"/>
+            <ac:picMk id="16" creationId="{B39A3ED4-E766-4B13-205C-B62571D81C78}"/>
+          </ac:picMkLst>
+        </pc:picChg>
+        <pc:picChg chg="add mod">
+          <ac:chgData name="Maëlle N" userId="7baa61a33e5326fa" providerId="LiveId" clId="{77889339-52C1-4188-9D9C-C407E0F7439B}" dt="2023-11-16T15:00:27.549" v="7240"/>
+          <ac:picMkLst>
+            <pc:docMk/>
+            <pc:sldMk cId="649920403" sldId="267"/>
+            <ac:picMk id="17" creationId="{F5BC401B-D545-62DF-682B-07209DB49E1C}"/>
+          </ac:picMkLst>
+        </pc:picChg>
+        <pc:picChg chg="add del mod">
+          <ac:chgData name="Maëlle N" userId="7baa61a33e5326fa" providerId="LiveId" clId="{77889339-52C1-4188-9D9C-C407E0F7439B}" dt="2023-11-16T13:38:17.587" v="7187" actId="478"/>
           <ac:picMkLst>
             <pc:docMk/>
             <pc:sldMk cId="649920403" sldId="267"/>
             <ac:picMk id="27" creationId="{B7EEA3A1-B006-2614-9A25-5DB1B0955F33}"/>
           </ac:picMkLst>
         </pc:picChg>
+        <pc:picChg chg="add del mod">
+          <ac:chgData name="Maëlle N" userId="7baa61a33e5326fa" providerId="LiveId" clId="{77889339-52C1-4188-9D9C-C407E0F7439B}" dt="2023-11-16T15:00:26.741" v="7239" actId="478"/>
+          <ac:picMkLst>
+            <pc:docMk/>
+            <pc:sldMk cId="649920403" sldId="267"/>
+            <ac:picMk id="28" creationId="{62DAEE3B-B224-5B68-A661-E6BEFC771560}"/>
+          </ac:picMkLst>
+        </pc:picChg>
       </pc:sldChg>
       <pc:sldChg chg="addSp delSp modSp add mod">
-        <pc:chgData name="Maëlle N" userId="7baa61a33e5326fa" providerId="LiveId" clId="{77889339-52C1-4188-9D9C-C407E0F7439B}" dt="2023-11-15T15:46:46.179" v="3887" actId="207"/>
+        <pc:chgData name="Maëlle N" userId="7baa61a33e5326fa" providerId="LiveId" clId="{77889339-52C1-4188-9D9C-C407E0F7439B}" dt="2023-11-16T14:03:01.093" v="7193" actId="2085"/>
         <pc:sldMkLst>
           <pc:docMk/>
           <pc:sldMk cId="2143396034" sldId="268"/>
@@ -1389,6 +1670,14 @@
           </ac:spMkLst>
         </pc:spChg>
         <pc:spChg chg="add del mod">
+          <ac:chgData name="Maëlle N" userId="7baa61a33e5326fa" providerId="LiveId" clId="{77889339-52C1-4188-9D9C-C407E0F7439B}" dt="2023-11-16T14:01:04.736" v="7190" actId="478"/>
+          <ac:spMkLst>
+            <pc:docMk/>
+            <pc:sldMk cId="2143396034" sldId="268"/>
+            <ac:spMk id="4" creationId="{0E4B9EE5-6D25-8C4E-360A-7EF44FBE542C}"/>
+          </ac:spMkLst>
+        </pc:spChg>
+        <pc:spChg chg="add del mod">
           <ac:chgData name="Maëlle N" userId="7baa61a33e5326fa" providerId="LiveId" clId="{77889339-52C1-4188-9D9C-C407E0F7439B}" dt="2023-11-15T15:36:21.812" v="3597" actId="1032"/>
           <ac:spMkLst>
             <pc:docMk/>
@@ -1404,8 +1693,16 @@
             <ac:graphicFrameMk id="4" creationId="{581EB447-94AC-B347-753A-575D6728CBB8}"/>
           </ac:graphicFrameMkLst>
         </pc:graphicFrameChg>
-        <pc:graphicFrameChg chg="add mod modGraphic">
-          <ac:chgData name="Maëlle N" userId="7baa61a33e5326fa" providerId="LiveId" clId="{77889339-52C1-4188-9D9C-C407E0F7439B}" dt="2023-11-15T15:46:40.082" v="3875"/>
+        <pc:graphicFrameChg chg="add mod">
+          <ac:chgData name="Maëlle N" userId="7baa61a33e5326fa" providerId="LiveId" clId="{77889339-52C1-4188-9D9C-C407E0F7439B}" dt="2023-11-16T14:03:01.093" v="7193" actId="2085"/>
+          <ac:graphicFrameMkLst>
+            <pc:docMk/>
+            <pc:sldMk cId="2143396034" sldId="268"/>
+            <ac:graphicFrameMk id="5" creationId="{EA2E00EA-66B9-562B-2FA6-B78B42F96BB6}"/>
+          </ac:graphicFrameMkLst>
+        </pc:graphicFrameChg>
+        <pc:graphicFrameChg chg="add del mod modGraphic">
+          <ac:chgData name="Maëlle N" userId="7baa61a33e5326fa" providerId="LiveId" clId="{77889339-52C1-4188-9D9C-C407E0F7439B}" dt="2023-11-16T14:01:02.770" v="7189" actId="478"/>
           <ac:graphicFrameMkLst>
             <pc:docMk/>
             <pc:sldMk cId="2143396034" sldId="268"/>
@@ -1413,7 +1710,23 @@
           </ac:graphicFrameMkLst>
         </pc:graphicFrameChg>
         <pc:picChg chg="add mod">
-          <ac:chgData name="Maëlle N" userId="7baa61a33e5326fa" providerId="LiveId" clId="{77889339-52C1-4188-9D9C-C407E0F7439B}" dt="2023-11-15T15:45:44.588" v="3865" actId="207"/>
+          <ac:chgData name="Maëlle N" userId="7baa61a33e5326fa" providerId="LiveId" clId="{77889339-52C1-4188-9D9C-C407E0F7439B}" dt="2023-11-16T14:01:05.418" v="7191"/>
+          <ac:picMkLst>
+            <pc:docMk/>
+            <pc:sldMk cId="2143396034" sldId="268"/>
+            <ac:picMk id="6" creationId="{028FFA38-47D9-F2E9-1717-42C45854CF3D}"/>
+          </ac:picMkLst>
+        </pc:picChg>
+        <pc:picChg chg="add mod">
+          <ac:chgData name="Maëlle N" userId="7baa61a33e5326fa" providerId="LiveId" clId="{77889339-52C1-4188-9D9C-C407E0F7439B}" dt="2023-11-16T14:01:05.418" v="7191"/>
+          <ac:picMkLst>
+            <pc:docMk/>
+            <pc:sldMk cId="2143396034" sldId="268"/>
+            <ac:picMk id="8" creationId="{9177391A-03D4-E6F9-B5BC-AA77AD23F01F}"/>
+          </ac:picMkLst>
+        </pc:picChg>
+        <pc:picChg chg="add del mod">
+          <ac:chgData name="Maëlle N" userId="7baa61a33e5326fa" providerId="LiveId" clId="{77889339-52C1-4188-9D9C-C407E0F7439B}" dt="2023-11-16T14:01:02.770" v="7189" actId="478"/>
           <ac:picMkLst>
             <pc:docMk/>
             <pc:sldMk cId="2143396034" sldId="268"/>
@@ -1421,7 +1734,15 @@
           </ac:picMkLst>
         </pc:picChg>
         <pc:picChg chg="add mod">
-          <ac:chgData name="Maëlle N" userId="7baa61a33e5326fa" providerId="LiveId" clId="{77889339-52C1-4188-9D9C-C407E0F7439B}" dt="2023-11-15T15:45:33.627" v="3864" actId="207"/>
+          <ac:chgData name="Maëlle N" userId="7baa61a33e5326fa" providerId="LiveId" clId="{77889339-52C1-4188-9D9C-C407E0F7439B}" dt="2023-11-16T14:01:05.418" v="7191"/>
+          <ac:picMkLst>
+            <pc:docMk/>
+            <pc:sldMk cId="2143396034" sldId="268"/>
+            <ac:picMk id="10" creationId="{EBDD3B6D-649B-03D8-F60D-95D9ACB2CADB}"/>
+          </ac:picMkLst>
+        </pc:picChg>
+        <pc:picChg chg="add del mod">
+          <ac:chgData name="Maëlle N" userId="7baa61a33e5326fa" providerId="LiveId" clId="{77889339-52C1-4188-9D9C-C407E0F7439B}" dt="2023-11-16T14:01:02.770" v="7189" actId="478"/>
           <ac:picMkLst>
             <pc:docMk/>
             <pc:sldMk cId="2143396034" sldId="268"/>
@@ -1429,7 +1750,15 @@
           </ac:picMkLst>
         </pc:picChg>
         <pc:picChg chg="add mod">
-          <ac:chgData name="Maëlle N" userId="7baa61a33e5326fa" providerId="LiveId" clId="{77889339-52C1-4188-9D9C-C407E0F7439B}" dt="2023-11-15T15:45:44.588" v="3865" actId="207"/>
+          <ac:chgData name="Maëlle N" userId="7baa61a33e5326fa" providerId="LiveId" clId="{77889339-52C1-4188-9D9C-C407E0F7439B}" dt="2023-11-16T14:01:05.418" v="7191"/>
+          <ac:picMkLst>
+            <pc:docMk/>
+            <pc:sldMk cId="2143396034" sldId="268"/>
+            <ac:picMk id="12" creationId="{DC0D5795-EBF6-5681-4B6B-7CF9DFEE5CA0}"/>
+          </ac:picMkLst>
+        </pc:picChg>
+        <pc:picChg chg="add del mod">
+          <ac:chgData name="Maëlle N" userId="7baa61a33e5326fa" providerId="LiveId" clId="{77889339-52C1-4188-9D9C-C407E0F7439B}" dt="2023-11-16T14:01:02.770" v="7189" actId="478"/>
           <ac:picMkLst>
             <pc:docMk/>
             <pc:sldMk cId="2143396034" sldId="268"/>
@@ -1437,7 +1766,15 @@
           </ac:picMkLst>
         </pc:picChg>
         <pc:picChg chg="add mod">
-          <ac:chgData name="Maëlle N" userId="7baa61a33e5326fa" providerId="LiveId" clId="{77889339-52C1-4188-9D9C-C407E0F7439B}" dt="2023-11-15T15:45:33.627" v="3864" actId="207"/>
+          <ac:chgData name="Maëlle N" userId="7baa61a33e5326fa" providerId="LiveId" clId="{77889339-52C1-4188-9D9C-C407E0F7439B}" dt="2023-11-16T14:01:05.418" v="7191"/>
+          <ac:picMkLst>
+            <pc:docMk/>
+            <pc:sldMk cId="2143396034" sldId="268"/>
+            <ac:picMk id="14" creationId="{BB737382-25CF-EC70-743E-40738D8E2491}"/>
+          </ac:picMkLst>
+        </pc:picChg>
+        <pc:picChg chg="add del mod">
+          <ac:chgData name="Maëlle N" userId="7baa61a33e5326fa" providerId="LiveId" clId="{77889339-52C1-4188-9D9C-C407E0F7439B}" dt="2023-11-16T14:01:02.770" v="7189" actId="478"/>
           <ac:picMkLst>
             <pc:docMk/>
             <pc:sldMk cId="2143396034" sldId="268"/>
@@ -1445,7 +1782,15 @@
           </ac:picMkLst>
         </pc:picChg>
         <pc:picChg chg="add mod">
-          <ac:chgData name="Maëlle N" userId="7baa61a33e5326fa" providerId="LiveId" clId="{77889339-52C1-4188-9D9C-C407E0F7439B}" dt="2023-11-15T15:45:44.588" v="3865" actId="207"/>
+          <ac:chgData name="Maëlle N" userId="7baa61a33e5326fa" providerId="LiveId" clId="{77889339-52C1-4188-9D9C-C407E0F7439B}" dt="2023-11-16T14:01:05.418" v="7191"/>
+          <ac:picMkLst>
+            <pc:docMk/>
+            <pc:sldMk cId="2143396034" sldId="268"/>
+            <ac:picMk id="16" creationId="{3DEBB7C3-0B57-AC82-6FD9-10944874A00A}"/>
+          </ac:picMkLst>
+        </pc:picChg>
+        <pc:picChg chg="add del mod">
+          <ac:chgData name="Maëlle N" userId="7baa61a33e5326fa" providerId="LiveId" clId="{77889339-52C1-4188-9D9C-C407E0F7439B}" dt="2023-11-16T14:01:02.770" v="7189" actId="478"/>
           <ac:picMkLst>
             <pc:docMk/>
             <pc:sldMk cId="2143396034" sldId="268"/>
@@ -1453,7 +1798,15 @@
           </ac:picMkLst>
         </pc:picChg>
         <pc:picChg chg="add mod">
-          <ac:chgData name="Maëlle N" userId="7baa61a33e5326fa" providerId="LiveId" clId="{77889339-52C1-4188-9D9C-C407E0F7439B}" dt="2023-11-15T15:45:33.627" v="3864" actId="207"/>
+          <ac:chgData name="Maëlle N" userId="7baa61a33e5326fa" providerId="LiveId" clId="{77889339-52C1-4188-9D9C-C407E0F7439B}" dt="2023-11-16T14:01:05.418" v="7191"/>
+          <ac:picMkLst>
+            <pc:docMk/>
+            <pc:sldMk cId="2143396034" sldId="268"/>
+            <ac:picMk id="18" creationId="{67E6522F-1503-9D9A-D28F-62160B3188B4}"/>
+          </ac:picMkLst>
+        </pc:picChg>
+        <pc:picChg chg="add del mod">
+          <ac:chgData name="Maëlle N" userId="7baa61a33e5326fa" providerId="LiveId" clId="{77889339-52C1-4188-9D9C-C407E0F7439B}" dt="2023-11-16T14:01:02.770" v="7189" actId="478"/>
           <ac:picMkLst>
             <pc:docMk/>
             <pc:sldMk cId="2143396034" sldId="268"/>
@@ -1468,8 +1821,8 @@
             <ac:picMk id="21" creationId="{7F5A2151-1699-669C-7E5A-653A4E8EA54D}"/>
           </ac:picMkLst>
         </pc:picChg>
-        <pc:picChg chg="add mod">
-          <ac:chgData name="Maëlle N" userId="7baa61a33e5326fa" providerId="LiveId" clId="{77889339-52C1-4188-9D9C-C407E0F7439B}" dt="2023-11-15T15:46:46.179" v="3887" actId="207"/>
+        <pc:picChg chg="add del mod">
+          <ac:chgData name="Maëlle N" userId="7baa61a33e5326fa" providerId="LiveId" clId="{77889339-52C1-4188-9D9C-C407E0F7439B}" dt="2023-11-16T14:01:02.770" v="7189" actId="478"/>
           <ac:picMkLst>
             <pc:docMk/>
             <pc:sldMk cId="2143396034" sldId="268"/>
@@ -1540,7 +1893,7 @@
         </pc:spChg>
       </pc:sldChg>
       <pc:sldChg chg="addSp delSp modSp add mod">
-        <pc:chgData name="Maëlle N" userId="7baa61a33e5326fa" providerId="LiveId" clId="{77889339-52C1-4188-9D9C-C407E0F7439B}" dt="2023-11-15T17:31:40.409" v="6410" actId="167"/>
+        <pc:chgData name="Maëlle N" userId="7baa61a33e5326fa" providerId="LiveId" clId="{77889339-52C1-4188-9D9C-C407E0F7439B}" dt="2023-11-16T15:01:52.860" v="7304" actId="207"/>
         <pc:sldMkLst>
           <pc:docMk/>
           <pc:sldMk cId="861768400" sldId="271"/>
@@ -1562,6 +1915,22 @@
           </ac:spMkLst>
         </pc:spChg>
         <pc:spChg chg="add del mod">
+          <ac:chgData name="Maëlle N" userId="7baa61a33e5326fa" providerId="LiveId" clId="{77889339-52C1-4188-9D9C-C407E0F7439B}" dt="2023-11-16T14:51:52.226" v="7197" actId="478"/>
+          <ac:spMkLst>
+            <pc:docMk/>
+            <pc:sldMk cId="861768400" sldId="271"/>
+            <ac:spMk id="4" creationId="{6208F079-F460-0048-2F3F-C534E4DC1FED}"/>
+          </ac:spMkLst>
+        </pc:spChg>
+        <pc:spChg chg="add del mod">
+          <ac:chgData name="Maëlle N" userId="7baa61a33e5326fa" providerId="LiveId" clId="{77889339-52C1-4188-9D9C-C407E0F7439B}" dt="2023-11-16T14:51:50.798" v="7196"/>
+          <ac:spMkLst>
+            <pc:docMk/>
+            <pc:sldMk cId="861768400" sldId="271"/>
+            <ac:spMk id="5" creationId="{F11C6DBE-C5F3-9970-8DAA-9F3F98DD9AA8}"/>
+          </ac:spMkLst>
+        </pc:spChg>
+        <pc:spChg chg="add del mod">
           <ac:chgData name="Maëlle N" userId="7baa61a33e5326fa" providerId="LiveId" clId="{77889339-52C1-4188-9D9C-C407E0F7439B}" dt="2023-11-15T16:57:50.197" v="5109" actId="1032"/>
           <ac:spMkLst>
             <pc:docMk/>
@@ -1570,6 +1939,30 @@
           </ac:spMkLst>
         </pc:spChg>
         <pc:spChg chg="add del mod">
+          <ac:chgData name="Maëlle N" userId="7baa61a33e5326fa" providerId="LiveId" clId="{77889339-52C1-4188-9D9C-C407E0F7439B}" dt="2023-11-16T14:51:50.798" v="7196"/>
+          <ac:spMkLst>
+            <pc:docMk/>
+            <pc:sldMk cId="861768400" sldId="271"/>
+            <ac:spMk id="6" creationId="{C6D1FBAE-51CD-1F81-0DA4-B6B480A852AF}"/>
+          </ac:spMkLst>
+        </pc:spChg>
+        <pc:spChg chg="add del mod">
+          <ac:chgData name="Maëlle N" userId="7baa61a33e5326fa" providerId="LiveId" clId="{77889339-52C1-4188-9D9C-C407E0F7439B}" dt="2023-11-16T14:51:50.798" v="7196"/>
+          <ac:spMkLst>
+            <pc:docMk/>
+            <pc:sldMk cId="861768400" sldId="271"/>
+            <ac:spMk id="7" creationId="{A354B540-397F-641D-16BB-7323C29DB6CD}"/>
+          </ac:spMkLst>
+        </pc:spChg>
+        <pc:spChg chg="add del mod">
+          <ac:chgData name="Maëlle N" userId="7baa61a33e5326fa" providerId="LiveId" clId="{77889339-52C1-4188-9D9C-C407E0F7439B}" dt="2023-11-16T14:51:50.798" v="7196"/>
+          <ac:spMkLst>
+            <pc:docMk/>
+            <pc:sldMk cId="861768400" sldId="271"/>
+            <ac:spMk id="8" creationId="{3C98B0E0-8ED2-14AC-073D-CA37530D3E9F}"/>
+          </ac:spMkLst>
+        </pc:spChg>
+        <pc:spChg chg="add del mod">
           <ac:chgData name="Maëlle N" userId="7baa61a33e5326fa" providerId="LiveId" clId="{77889339-52C1-4188-9D9C-C407E0F7439B}" dt="2023-11-15T17:01:05.715" v="5170" actId="1032"/>
           <ac:spMkLst>
             <pc:docMk/>
@@ -1578,6 +1971,30 @@
           </ac:spMkLst>
         </pc:spChg>
         <pc:spChg chg="add del mod">
+          <ac:chgData name="Maëlle N" userId="7baa61a33e5326fa" providerId="LiveId" clId="{77889339-52C1-4188-9D9C-C407E0F7439B}" dt="2023-11-16T14:51:50.798" v="7196"/>
+          <ac:spMkLst>
+            <pc:docMk/>
+            <pc:sldMk cId="861768400" sldId="271"/>
+            <ac:spMk id="10" creationId="{EFA34825-5FEE-75CD-9EDB-D7AB20C4542C}"/>
+          </ac:spMkLst>
+        </pc:spChg>
+        <pc:spChg chg="add mod">
+          <ac:chgData name="Maëlle N" userId="7baa61a33e5326fa" providerId="LiveId" clId="{77889339-52C1-4188-9D9C-C407E0F7439B}" dt="2023-11-16T14:51:52.775" v="7198"/>
+          <ac:spMkLst>
+            <pc:docMk/>
+            <pc:sldMk cId="861768400" sldId="271"/>
+            <ac:spMk id="11" creationId="{52C3316E-9C56-944B-F3F7-24253D9AA233}"/>
+          </ac:spMkLst>
+        </pc:spChg>
+        <pc:spChg chg="add mod">
+          <ac:chgData name="Maëlle N" userId="7baa61a33e5326fa" providerId="LiveId" clId="{77889339-52C1-4188-9D9C-C407E0F7439B}" dt="2023-11-16T14:51:52.775" v="7198"/>
+          <ac:spMkLst>
+            <pc:docMk/>
+            <pc:sldMk cId="861768400" sldId="271"/>
+            <ac:spMk id="12" creationId="{64610234-12EB-F6E9-DA0E-F552DC5213E2}"/>
+          </ac:spMkLst>
+        </pc:spChg>
+        <pc:spChg chg="add del mod">
           <ac:chgData name="Maëlle N" userId="7baa61a33e5326fa" providerId="LiveId" clId="{77889339-52C1-4188-9D9C-C407E0F7439B}" dt="2023-11-15T17:02:27.947" v="5249" actId="1032"/>
           <ac:spMkLst>
             <pc:docMk/>
@@ -1585,32 +2002,32 @@
             <ac:spMk id="12" creationId="{B620A337-CFAB-5174-8376-5249AFF18DA6}"/>
           </ac:spMkLst>
         </pc:spChg>
-        <pc:spChg chg="add mod ord">
-          <ac:chgData name="Maëlle N" userId="7baa61a33e5326fa" providerId="LiveId" clId="{77889339-52C1-4188-9D9C-C407E0F7439B}" dt="2023-11-15T17:31:40.409" v="6410" actId="167"/>
+        <pc:spChg chg="add del mod ord">
+          <ac:chgData name="Maëlle N" userId="7baa61a33e5326fa" providerId="LiveId" clId="{77889339-52C1-4188-9D9C-C407E0F7439B}" dt="2023-11-16T14:51:47.564" v="7194" actId="478"/>
           <ac:spMkLst>
             <pc:docMk/>
             <pc:sldMk cId="861768400" sldId="271"/>
             <ac:spMk id="14" creationId="{1A3177B8-45D8-9F84-B382-753278A9FB88}"/>
           </ac:spMkLst>
         </pc:spChg>
-        <pc:spChg chg="add mod ord">
-          <ac:chgData name="Maëlle N" userId="7baa61a33e5326fa" providerId="LiveId" clId="{77889339-52C1-4188-9D9C-C407E0F7439B}" dt="2023-11-15T17:31:40.409" v="6410" actId="167"/>
+        <pc:spChg chg="add del mod ord">
+          <ac:chgData name="Maëlle N" userId="7baa61a33e5326fa" providerId="LiveId" clId="{77889339-52C1-4188-9D9C-C407E0F7439B}" dt="2023-11-16T14:51:47.564" v="7194" actId="478"/>
           <ac:spMkLst>
             <pc:docMk/>
             <pc:sldMk cId="861768400" sldId="271"/>
             <ac:spMk id="15" creationId="{3F635A76-DAE5-8C59-A618-C79B4D31B4DE}"/>
           </ac:spMkLst>
         </pc:spChg>
-        <pc:spChg chg="add mod ord">
-          <ac:chgData name="Maëlle N" userId="7baa61a33e5326fa" providerId="LiveId" clId="{77889339-52C1-4188-9D9C-C407E0F7439B}" dt="2023-11-15T17:31:40.409" v="6410" actId="167"/>
+        <pc:spChg chg="add del mod ord">
+          <ac:chgData name="Maëlle N" userId="7baa61a33e5326fa" providerId="LiveId" clId="{77889339-52C1-4188-9D9C-C407E0F7439B}" dt="2023-11-16T14:51:47.564" v="7194" actId="478"/>
           <ac:spMkLst>
             <pc:docMk/>
             <pc:sldMk cId="861768400" sldId="271"/>
             <ac:spMk id="16" creationId="{2CD94C28-A9C2-AA35-4211-BBCE02C20508}"/>
           </ac:spMkLst>
         </pc:spChg>
-        <pc:spChg chg="add mod ord">
-          <ac:chgData name="Maëlle N" userId="7baa61a33e5326fa" providerId="LiveId" clId="{77889339-52C1-4188-9D9C-C407E0F7439B}" dt="2023-11-15T17:31:40.409" v="6410" actId="167"/>
+        <pc:spChg chg="add del mod ord">
+          <ac:chgData name="Maëlle N" userId="7baa61a33e5326fa" providerId="LiveId" clId="{77889339-52C1-4188-9D9C-C407E0F7439B}" dt="2023-11-16T14:51:47.564" v="7194" actId="478"/>
           <ac:spMkLst>
             <pc:docMk/>
             <pc:sldMk cId="861768400" sldId="271"/>
@@ -1618,11 +2035,35 @@
           </ac:spMkLst>
         </pc:spChg>
         <pc:spChg chg="add mod">
-          <ac:chgData name="Maëlle N" userId="7baa61a33e5326fa" providerId="LiveId" clId="{77889339-52C1-4188-9D9C-C407E0F7439B}" dt="2023-11-15T17:31:34.729" v="6409" actId="12"/>
+          <ac:chgData name="Maëlle N" userId="7baa61a33e5326fa" providerId="LiveId" clId="{77889339-52C1-4188-9D9C-C407E0F7439B}" dt="2023-11-16T14:51:52.775" v="7198"/>
+          <ac:spMkLst>
+            <pc:docMk/>
+            <pc:sldMk cId="861768400" sldId="271"/>
+            <ac:spMk id="18" creationId="{9B634AC4-DAD1-6E9E-4057-C970FCB7AC40}"/>
+          </ac:spMkLst>
+        </pc:spChg>
+        <pc:spChg chg="add del mod">
+          <ac:chgData name="Maëlle N" userId="7baa61a33e5326fa" providerId="LiveId" clId="{77889339-52C1-4188-9D9C-C407E0F7439B}" dt="2023-11-16T14:51:47.564" v="7194" actId="478"/>
           <ac:spMkLst>
             <pc:docMk/>
             <pc:sldMk cId="861768400" sldId="271"/>
             <ac:spMk id="19" creationId="{C0A9C083-5C6C-2422-3683-7046225D7976}"/>
+          </ac:spMkLst>
+        </pc:spChg>
+        <pc:spChg chg="add mod">
+          <ac:chgData name="Maëlle N" userId="7baa61a33e5326fa" providerId="LiveId" clId="{77889339-52C1-4188-9D9C-C407E0F7439B}" dt="2023-11-16T14:51:52.775" v="7198"/>
+          <ac:spMkLst>
+            <pc:docMk/>
+            <pc:sldMk cId="861768400" sldId="271"/>
+            <ac:spMk id="20" creationId="{CAEAB647-3C29-957D-51D6-14A5815ED999}"/>
+          </ac:spMkLst>
+        </pc:spChg>
+        <pc:spChg chg="add mod">
+          <ac:chgData name="Maëlle N" userId="7baa61a33e5326fa" providerId="LiveId" clId="{77889339-52C1-4188-9D9C-C407E0F7439B}" dt="2023-11-16T14:51:52.775" v="7198"/>
+          <ac:spMkLst>
+            <pc:docMk/>
+            <pc:sldMk cId="861768400" sldId="271"/>
+            <ac:spMk id="22" creationId="{AA6D04F8-7108-C9BF-5B40-DD57198F3930}"/>
           </ac:spMkLst>
         </pc:spChg>
         <pc:graphicFrameChg chg="add del mod modGraphic">
@@ -1641,6 +2082,14 @@
             <ac:graphicFrameMk id="7" creationId="{C7EA2DE1-C111-55C3-8D37-C25F744322B8}"/>
           </ac:graphicFrameMkLst>
         </pc:graphicFrameChg>
+        <pc:graphicFrameChg chg="add del mod">
+          <ac:chgData name="Maëlle N" userId="7baa61a33e5326fa" providerId="LiveId" clId="{77889339-52C1-4188-9D9C-C407E0F7439B}" dt="2023-11-16T14:51:50.798" v="7196"/>
+          <ac:graphicFrameMkLst>
+            <pc:docMk/>
+            <pc:sldMk cId="861768400" sldId="271"/>
+            <ac:graphicFrameMk id="9" creationId="{8095E7EC-FFB0-4C0F-9530-EBCD15FC9AA7}"/>
+          </ac:graphicFrameMkLst>
+        </pc:graphicFrameChg>
         <pc:graphicFrameChg chg="add del mod modGraphic">
           <ac:chgData name="Maëlle N" userId="7baa61a33e5326fa" providerId="LiveId" clId="{77889339-52C1-4188-9D9C-C407E0F7439B}" dt="2023-11-15T17:02:21.350" v="5248" actId="478"/>
           <ac:graphicFrameMkLst>
@@ -1649,12 +2098,20 @@
             <ac:graphicFrameMk id="10" creationId="{CC582027-86BB-1550-30BF-E6CA1F1A18D1}"/>
           </ac:graphicFrameMkLst>
         </pc:graphicFrameChg>
-        <pc:graphicFrameChg chg="add mod modGraphic">
-          <ac:chgData name="Maëlle N" userId="7baa61a33e5326fa" providerId="LiveId" clId="{77889339-52C1-4188-9D9C-C407E0F7439B}" dt="2023-11-15T17:30:52.609" v="6368" actId="167"/>
+        <pc:graphicFrameChg chg="add del mod modGraphic">
+          <ac:chgData name="Maëlle N" userId="7baa61a33e5326fa" providerId="LiveId" clId="{77889339-52C1-4188-9D9C-C407E0F7439B}" dt="2023-11-16T14:51:47.564" v="7194" actId="478"/>
           <ac:graphicFrameMkLst>
             <pc:docMk/>
             <pc:sldMk cId="861768400" sldId="271"/>
             <ac:graphicFrameMk id="13" creationId="{D6B22519-DD45-FC95-5ADB-76758BBCFF7B}"/>
+          </ac:graphicFrameMkLst>
+        </pc:graphicFrameChg>
+        <pc:graphicFrameChg chg="add mod">
+          <ac:chgData name="Maëlle N" userId="7baa61a33e5326fa" providerId="LiveId" clId="{77889339-52C1-4188-9D9C-C407E0F7439B}" dt="2023-11-16T15:01:52.860" v="7304" actId="207"/>
+          <ac:graphicFrameMkLst>
+            <pc:docMk/>
+            <pc:sldMk cId="861768400" sldId="271"/>
+            <ac:graphicFrameMk id="21" creationId="{A51D3C36-55CB-6C47-F20C-743D691A83FC}"/>
           </ac:graphicFrameMkLst>
         </pc:graphicFrameChg>
       </pc:sldChg>
@@ -1906,7 +2363,7 @@
         </pc:picChg>
       </pc:sldChg>
       <pc:sldChg chg="addSp delSp modSp new mod">
-        <pc:chgData name="Maëlle N" userId="7baa61a33e5326fa" providerId="LiveId" clId="{77889339-52C1-4188-9D9C-C407E0F7439B}" dt="2023-11-15T20:22:27.305" v="6975"/>
+        <pc:chgData name="Maëlle N" userId="7baa61a33e5326fa" providerId="LiveId" clId="{77889339-52C1-4188-9D9C-C407E0F7439B}" dt="2023-11-16T14:52:31.233" v="7203" actId="1076"/>
         <pc:sldMkLst>
           <pc:docMk/>
           <pc:sldMk cId="3382508205" sldId="280"/>
@@ -2015,14 +2472,22 @@
             <ac:graphicFrameMk id="6" creationId="{3DC1100A-F0B4-8C07-32A1-EBED8BC0E6E0}"/>
           </ac:graphicFrameMkLst>
         </pc:graphicFrameChg>
-        <pc:graphicFrameChg chg="add mod modGraphic">
-          <ac:chgData name="Maëlle N" userId="7baa61a33e5326fa" providerId="LiveId" clId="{77889339-52C1-4188-9D9C-C407E0F7439B}" dt="2023-11-15T20:22:27.305" v="6975"/>
+        <pc:graphicFrameChg chg="add del mod modGraphic">
+          <ac:chgData name="Maëlle N" userId="7baa61a33e5326fa" providerId="LiveId" clId="{77889339-52C1-4188-9D9C-C407E0F7439B}" dt="2023-11-16T14:52:14.122" v="7199" actId="478"/>
           <ac:graphicFrameMkLst>
             <pc:docMk/>
             <pc:sldMk cId="3382508205" sldId="280"/>
             <ac:graphicFrameMk id="18" creationId="{C6A40649-259A-8B5E-0CBF-59A503F3BFA6}"/>
           </ac:graphicFrameMkLst>
         </pc:graphicFrameChg>
+        <pc:picChg chg="add mod">
+          <ac:chgData name="Maëlle N" userId="7baa61a33e5326fa" providerId="LiveId" clId="{77889339-52C1-4188-9D9C-C407E0F7439B}" dt="2023-11-16T14:52:31.233" v="7203" actId="1076"/>
+          <ac:picMkLst>
+            <pc:docMk/>
+            <pc:sldMk cId="3382508205" sldId="280"/>
+            <ac:picMk id="4" creationId="{B073243F-2663-F0C9-7CCD-255D4FC32A19}"/>
+          </ac:picMkLst>
+        </pc:picChg>
       </pc:sldChg>
       <pc:sldChg chg="addSp delSp modSp add mod">
         <pc:chgData name="Maëlle N" userId="7baa61a33e5326fa" providerId="LiveId" clId="{77889339-52C1-4188-9D9C-C407E0F7439B}" dt="2023-11-15T20:44:11.811" v="7185"/>
@@ -2246,6 +2711,29 @@
             <ac:picMk id="36" creationId="{34E4FD57-FF4A-6C04-4E5A-57F73B70915F}"/>
           </ac:picMkLst>
         </pc:picChg>
+      </pc:sldChg>
+      <pc:sldChg chg="modSp add mod">
+        <pc:chgData name="Maëlle N" userId="7baa61a33e5326fa" providerId="LiveId" clId="{77889339-52C1-4188-9D9C-C407E0F7439B}" dt="2023-11-16T15:01:23.908" v="7303" actId="1076"/>
+        <pc:sldMkLst>
+          <pc:docMk/>
+          <pc:sldMk cId="957368497" sldId="282"/>
+        </pc:sldMkLst>
+        <pc:spChg chg="mod">
+          <ac:chgData name="Maëlle N" userId="7baa61a33e5326fa" providerId="LiveId" clId="{77889339-52C1-4188-9D9C-C407E0F7439B}" dt="2023-11-16T15:00:58.892" v="7297" actId="20577"/>
+          <ac:spMkLst>
+            <pc:docMk/>
+            <pc:sldMk cId="957368497" sldId="282"/>
+            <ac:spMk id="2" creationId="{942BE2F9-3B6F-EFB5-07A3-5F147D4F9326}"/>
+          </ac:spMkLst>
+        </pc:spChg>
+        <pc:spChg chg="mod">
+          <ac:chgData name="Maëlle N" userId="7baa61a33e5326fa" providerId="LiveId" clId="{77889339-52C1-4188-9D9C-C407E0F7439B}" dt="2023-11-16T15:01:23.908" v="7303" actId="1076"/>
+          <ac:spMkLst>
+            <pc:docMk/>
+            <pc:sldMk cId="957368497" sldId="282"/>
+            <ac:spMk id="7" creationId="{B6AF83E2-DBFC-D125-B303-AE539D2A3D03}"/>
+          </ac:spMkLst>
+        </pc:spChg>
       </pc:sldChg>
       <pc:sldMasterChg chg="addSp delSp mod modSldLayout">
         <pc:chgData name="Maëlle N" userId="7baa61a33e5326fa" providerId="LiveId" clId="{77889339-52C1-4188-9D9C-C407E0F7439B}" dt="2023-11-15T12:14:36.095" v="147" actId="115"/>
@@ -4704,753 +5192,6 @@
 </dgm:colorsDef>
 </file>
 
-<file path=ppt/diagrams/colors4.xml><?xml version="1.0" encoding="utf-8"?>
-<dgm:colorsDef xmlns:dgm="http://schemas.openxmlformats.org/drawingml/2006/diagram" xmlns:a="http://schemas.openxmlformats.org/drawingml/2006/main" uniqueId="urn:microsoft.com/office/officeart/2005/8/colors/accent1_2">
-  <dgm:title val=""/>
-  <dgm:desc val=""/>
-  <dgm:catLst>
-    <dgm:cat type="accent1" pri="11200"/>
-  </dgm:catLst>
-  <dgm:styleLbl name="node0">
-    <dgm:fillClrLst meth="repeat">
-      <a:schemeClr val="accent1"/>
-    </dgm:fillClrLst>
-    <dgm:linClrLst meth="repeat">
-      <a:schemeClr val="lt1"/>
-    </dgm:linClrLst>
-    <dgm:effectClrLst/>
-    <dgm:txLinClrLst/>
-    <dgm:txFillClrLst/>
-    <dgm:txEffectClrLst/>
-  </dgm:styleLbl>
-  <dgm:styleLbl name="alignNode1">
-    <dgm:fillClrLst meth="repeat">
-      <a:schemeClr val="accent1"/>
-    </dgm:fillClrLst>
-    <dgm:linClrLst meth="repeat">
-      <a:schemeClr val="accent1"/>
-    </dgm:linClrLst>
-    <dgm:effectClrLst/>
-    <dgm:txLinClrLst/>
-    <dgm:txFillClrLst/>
-    <dgm:txEffectClrLst/>
-  </dgm:styleLbl>
-  <dgm:styleLbl name="node1">
-    <dgm:fillClrLst meth="repeat">
-      <a:schemeClr val="accent1"/>
-    </dgm:fillClrLst>
-    <dgm:linClrLst meth="repeat">
-      <a:schemeClr val="lt1"/>
-    </dgm:linClrLst>
-    <dgm:effectClrLst/>
-    <dgm:txLinClrLst/>
-    <dgm:txFillClrLst/>
-    <dgm:txEffectClrLst/>
-  </dgm:styleLbl>
-  <dgm:styleLbl name="lnNode1">
-    <dgm:fillClrLst meth="repeat">
-      <a:schemeClr val="accent1"/>
-    </dgm:fillClrLst>
-    <dgm:linClrLst meth="repeat">
-      <a:schemeClr val="lt1"/>
-    </dgm:linClrLst>
-    <dgm:effectClrLst/>
-    <dgm:txLinClrLst/>
-    <dgm:txFillClrLst/>
-    <dgm:txEffectClrLst/>
-  </dgm:styleLbl>
-  <dgm:styleLbl name="vennNode1">
-    <dgm:fillClrLst meth="repeat">
-      <a:schemeClr val="accent1">
-        <a:alpha val="50000"/>
-      </a:schemeClr>
-    </dgm:fillClrLst>
-    <dgm:linClrLst meth="repeat">
-      <a:schemeClr val="lt1"/>
-    </dgm:linClrLst>
-    <dgm:effectClrLst/>
-    <dgm:txLinClrLst/>
-    <dgm:txFillClrLst/>
-    <dgm:txEffectClrLst/>
-  </dgm:styleLbl>
-  <dgm:styleLbl name="node2">
-    <dgm:fillClrLst meth="repeat">
-      <a:schemeClr val="accent1"/>
-    </dgm:fillClrLst>
-    <dgm:linClrLst meth="repeat">
-      <a:schemeClr val="lt1"/>
-    </dgm:linClrLst>
-    <dgm:effectClrLst/>
-    <dgm:txLinClrLst/>
-    <dgm:txFillClrLst/>
-    <dgm:txEffectClrLst/>
-  </dgm:styleLbl>
-  <dgm:styleLbl name="node3">
-    <dgm:fillClrLst meth="repeat">
-      <a:schemeClr val="accent1"/>
-    </dgm:fillClrLst>
-    <dgm:linClrLst meth="repeat">
-      <a:schemeClr val="lt1"/>
-    </dgm:linClrLst>
-    <dgm:effectClrLst/>
-    <dgm:txLinClrLst/>
-    <dgm:txFillClrLst/>
-    <dgm:txEffectClrLst/>
-  </dgm:styleLbl>
-  <dgm:styleLbl name="node4">
-    <dgm:fillClrLst meth="repeat">
-      <a:schemeClr val="accent1"/>
-    </dgm:fillClrLst>
-    <dgm:linClrLst meth="repeat">
-      <a:schemeClr val="lt1"/>
-    </dgm:linClrLst>
-    <dgm:effectClrLst/>
-    <dgm:txLinClrLst/>
-    <dgm:txFillClrLst/>
-    <dgm:txEffectClrLst/>
-  </dgm:styleLbl>
-  <dgm:styleLbl name="fgImgPlace1">
-    <dgm:fillClrLst meth="repeat">
-      <a:schemeClr val="accent1">
-        <a:tint val="50000"/>
-      </a:schemeClr>
-    </dgm:fillClrLst>
-    <dgm:linClrLst meth="repeat">
-      <a:schemeClr val="lt1"/>
-    </dgm:linClrLst>
-    <dgm:effectClrLst/>
-    <dgm:txLinClrLst/>
-    <dgm:txFillClrLst meth="repeat">
-      <a:schemeClr val="lt1"/>
-    </dgm:txFillClrLst>
-    <dgm:txEffectClrLst/>
-  </dgm:styleLbl>
-  <dgm:styleLbl name="alignImgPlace1">
-    <dgm:fillClrLst meth="repeat">
-      <a:schemeClr val="accent1">
-        <a:tint val="50000"/>
-      </a:schemeClr>
-    </dgm:fillClrLst>
-    <dgm:linClrLst meth="repeat">
-      <a:schemeClr val="lt1"/>
-    </dgm:linClrLst>
-    <dgm:effectClrLst/>
-    <dgm:txLinClrLst/>
-    <dgm:txFillClrLst meth="repeat">
-      <a:schemeClr val="lt1"/>
-    </dgm:txFillClrLst>
-    <dgm:txEffectClrLst/>
-  </dgm:styleLbl>
-  <dgm:styleLbl name="bgImgPlace1">
-    <dgm:fillClrLst meth="repeat">
-      <a:schemeClr val="accent1">
-        <a:tint val="50000"/>
-      </a:schemeClr>
-    </dgm:fillClrLst>
-    <dgm:linClrLst meth="repeat">
-      <a:schemeClr val="lt1"/>
-    </dgm:linClrLst>
-    <dgm:effectClrLst/>
-    <dgm:txLinClrLst/>
-    <dgm:txFillClrLst meth="repeat">
-      <a:schemeClr val="lt1"/>
-    </dgm:txFillClrLst>
-    <dgm:txEffectClrLst/>
-  </dgm:styleLbl>
-  <dgm:styleLbl name="sibTrans2D1">
-    <dgm:fillClrLst meth="repeat">
-      <a:schemeClr val="accent1">
-        <a:tint val="60000"/>
-      </a:schemeClr>
-    </dgm:fillClrLst>
-    <dgm:linClrLst meth="repeat">
-      <a:schemeClr val="accent1">
-        <a:tint val="60000"/>
-      </a:schemeClr>
-    </dgm:linClrLst>
-    <dgm:effectClrLst/>
-    <dgm:txLinClrLst/>
-    <dgm:txFillClrLst/>
-    <dgm:txEffectClrLst/>
-  </dgm:styleLbl>
-  <dgm:styleLbl name="fgSibTrans2D1">
-    <dgm:fillClrLst meth="repeat">
-      <a:schemeClr val="accent1">
-        <a:tint val="60000"/>
-      </a:schemeClr>
-    </dgm:fillClrLst>
-    <dgm:linClrLst meth="repeat">
-      <a:schemeClr val="accent1">
-        <a:tint val="60000"/>
-      </a:schemeClr>
-    </dgm:linClrLst>
-    <dgm:effectClrLst/>
-    <dgm:txLinClrLst/>
-    <dgm:txFillClrLst/>
-    <dgm:txEffectClrLst/>
-  </dgm:styleLbl>
-  <dgm:styleLbl name="bgSibTrans2D1">
-    <dgm:fillClrLst meth="repeat">
-      <a:schemeClr val="accent1">
-        <a:tint val="60000"/>
-      </a:schemeClr>
-    </dgm:fillClrLst>
-    <dgm:linClrLst meth="repeat">
-      <a:schemeClr val="accent1">
-        <a:tint val="60000"/>
-      </a:schemeClr>
-    </dgm:linClrLst>
-    <dgm:effectClrLst/>
-    <dgm:txLinClrLst/>
-    <dgm:txFillClrLst/>
-    <dgm:txEffectClrLst/>
-  </dgm:styleLbl>
-  <dgm:styleLbl name="sibTrans1D1">
-    <dgm:fillClrLst meth="repeat">
-      <a:schemeClr val="accent1"/>
-    </dgm:fillClrLst>
-    <dgm:linClrLst meth="repeat">
-      <a:schemeClr val="accent1"/>
-    </dgm:linClrLst>
-    <dgm:effectClrLst/>
-    <dgm:txLinClrLst/>
-    <dgm:txFillClrLst meth="repeat">
-      <a:schemeClr val="tx1"/>
-    </dgm:txFillClrLst>
-    <dgm:txEffectClrLst/>
-  </dgm:styleLbl>
-  <dgm:styleLbl name="callout">
-    <dgm:fillClrLst meth="repeat">
-      <a:schemeClr val="accent1"/>
-    </dgm:fillClrLst>
-    <dgm:linClrLst meth="repeat">
-      <a:schemeClr val="accent1">
-        <a:tint val="50000"/>
-      </a:schemeClr>
-    </dgm:linClrLst>
-    <dgm:effectClrLst/>
-    <dgm:txLinClrLst/>
-    <dgm:txFillClrLst meth="repeat">
-      <a:schemeClr val="tx1"/>
-    </dgm:txFillClrLst>
-    <dgm:txEffectClrLst/>
-  </dgm:styleLbl>
-  <dgm:styleLbl name="asst0">
-    <dgm:fillClrLst meth="repeat">
-      <a:schemeClr val="accent1"/>
-    </dgm:fillClrLst>
-    <dgm:linClrLst meth="repeat">
-      <a:schemeClr val="lt1"/>
-    </dgm:linClrLst>
-    <dgm:effectClrLst/>
-    <dgm:txLinClrLst/>
-    <dgm:txFillClrLst/>
-    <dgm:txEffectClrLst/>
-  </dgm:styleLbl>
-  <dgm:styleLbl name="asst1">
-    <dgm:fillClrLst meth="repeat">
-      <a:schemeClr val="accent1"/>
-    </dgm:fillClrLst>
-    <dgm:linClrLst meth="repeat">
-      <a:schemeClr val="lt1"/>
-    </dgm:linClrLst>
-    <dgm:effectClrLst/>
-    <dgm:txLinClrLst/>
-    <dgm:txFillClrLst/>
-    <dgm:txEffectClrLst/>
-  </dgm:styleLbl>
-  <dgm:styleLbl name="asst2">
-    <dgm:fillClrLst meth="repeat">
-      <a:schemeClr val="accent1"/>
-    </dgm:fillClrLst>
-    <dgm:linClrLst meth="repeat">
-      <a:schemeClr val="lt1"/>
-    </dgm:linClrLst>
-    <dgm:effectClrLst/>
-    <dgm:txLinClrLst/>
-    <dgm:txFillClrLst/>
-    <dgm:txEffectClrLst/>
-  </dgm:styleLbl>
-  <dgm:styleLbl name="asst3">
-    <dgm:fillClrLst meth="repeat">
-      <a:schemeClr val="accent1"/>
-    </dgm:fillClrLst>
-    <dgm:linClrLst meth="repeat">
-      <a:schemeClr val="lt1"/>
-    </dgm:linClrLst>
-    <dgm:effectClrLst/>
-    <dgm:txLinClrLst/>
-    <dgm:txFillClrLst/>
-    <dgm:txEffectClrLst/>
-  </dgm:styleLbl>
-  <dgm:styleLbl name="asst4">
-    <dgm:fillClrLst meth="repeat">
-      <a:schemeClr val="accent1"/>
-    </dgm:fillClrLst>
-    <dgm:linClrLst meth="repeat">
-      <a:schemeClr val="lt1"/>
-    </dgm:linClrLst>
-    <dgm:effectClrLst/>
-    <dgm:txLinClrLst/>
-    <dgm:txFillClrLst/>
-    <dgm:txEffectClrLst/>
-  </dgm:styleLbl>
-  <dgm:styleLbl name="parChTrans2D1">
-    <dgm:fillClrLst meth="repeat">
-      <a:schemeClr val="accent1">
-        <a:tint val="60000"/>
-      </a:schemeClr>
-    </dgm:fillClrLst>
-    <dgm:linClrLst meth="repeat">
-      <a:schemeClr val="accent1">
-        <a:tint val="60000"/>
-      </a:schemeClr>
-    </dgm:linClrLst>
-    <dgm:effectClrLst/>
-    <dgm:txLinClrLst/>
-    <dgm:txFillClrLst meth="repeat">
-      <a:schemeClr val="lt1"/>
-    </dgm:txFillClrLst>
-    <dgm:txEffectClrLst/>
-  </dgm:styleLbl>
-  <dgm:styleLbl name="parChTrans2D2">
-    <dgm:fillClrLst meth="repeat">
-      <a:schemeClr val="accent1"/>
-    </dgm:fillClrLst>
-    <dgm:linClrLst meth="repeat">
-      <a:schemeClr val="accent1"/>
-    </dgm:linClrLst>
-    <dgm:effectClrLst/>
-    <dgm:txLinClrLst/>
-    <dgm:txFillClrLst meth="repeat">
-      <a:schemeClr val="lt1"/>
-    </dgm:txFillClrLst>
-    <dgm:txEffectClrLst/>
-  </dgm:styleLbl>
-  <dgm:styleLbl name="parChTrans2D3">
-    <dgm:fillClrLst meth="repeat">
-      <a:schemeClr val="accent1"/>
-    </dgm:fillClrLst>
-    <dgm:linClrLst meth="repeat">
-      <a:schemeClr val="accent1"/>
-    </dgm:linClrLst>
-    <dgm:effectClrLst/>
-    <dgm:txLinClrLst/>
-    <dgm:txFillClrLst meth="repeat">
-      <a:schemeClr val="lt1"/>
-    </dgm:txFillClrLst>
-    <dgm:txEffectClrLst/>
-  </dgm:styleLbl>
-  <dgm:styleLbl name="parChTrans2D4">
-    <dgm:fillClrLst meth="repeat">
-      <a:schemeClr val="accent1"/>
-    </dgm:fillClrLst>
-    <dgm:linClrLst meth="repeat">
-      <a:schemeClr val="accent1"/>
-    </dgm:linClrLst>
-    <dgm:effectClrLst/>
-    <dgm:txLinClrLst/>
-    <dgm:txFillClrLst meth="repeat">
-      <a:schemeClr val="lt1"/>
-    </dgm:txFillClrLst>
-    <dgm:txEffectClrLst/>
-  </dgm:styleLbl>
-  <dgm:styleLbl name="parChTrans1D1">
-    <dgm:fillClrLst meth="repeat">
-      <a:schemeClr val="accent1"/>
-    </dgm:fillClrLst>
-    <dgm:linClrLst meth="repeat">
-      <a:schemeClr val="accent1">
-        <a:shade val="60000"/>
-      </a:schemeClr>
-    </dgm:linClrLst>
-    <dgm:effectClrLst/>
-    <dgm:txLinClrLst/>
-    <dgm:txFillClrLst meth="repeat">
-      <a:schemeClr val="tx1"/>
-    </dgm:txFillClrLst>
-    <dgm:txEffectClrLst/>
-  </dgm:styleLbl>
-  <dgm:styleLbl name="parChTrans1D2">
-    <dgm:fillClrLst meth="repeat">
-      <a:schemeClr val="accent1"/>
-    </dgm:fillClrLst>
-    <dgm:linClrLst meth="repeat">
-      <a:schemeClr val="accent1">
-        <a:shade val="60000"/>
-      </a:schemeClr>
-    </dgm:linClrLst>
-    <dgm:effectClrLst/>
-    <dgm:txLinClrLst/>
-    <dgm:txFillClrLst meth="repeat">
-      <a:schemeClr val="tx1"/>
-    </dgm:txFillClrLst>
-    <dgm:txEffectClrLst/>
-  </dgm:styleLbl>
-  <dgm:styleLbl name="parChTrans1D3">
-    <dgm:fillClrLst meth="repeat">
-      <a:schemeClr val="accent1"/>
-    </dgm:fillClrLst>
-    <dgm:linClrLst meth="repeat">
-      <a:schemeClr val="accent1">
-        <a:shade val="80000"/>
-      </a:schemeClr>
-    </dgm:linClrLst>
-    <dgm:effectClrLst/>
-    <dgm:txLinClrLst/>
-    <dgm:txFillClrLst meth="repeat">
-      <a:schemeClr val="tx1"/>
-    </dgm:txFillClrLst>
-    <dgm:txEffectClrLst/>
-  </dgm:styleLbl>
-  <dgm:styleLbl name="parChTrans1D4">
-    <dgm:fillClrLst meth="repeat">
-      <a:schemeClr val="accent1"/>
-    </dgm:fillClrLst>
-    <dgm:linClrLst meth="repeat">
-      <a:schemeClr val="accent1">
-        <a:shade val="80000"/>
-      </a:schemeClr>
-    </dgm:linClrLst>
-    <dgm:effectClrLst/>
-    <dgm:txLinClrLst/>
-    <dgm:txFillClrLst meth="repeat">
-      <a:schemeClr val="tx1"/>
-    </dgm:txFillClrLst>
-    <dgm:txEffectClrLst/>
-  </dgm:styleLbl>
-  <dgm:styleLbl name="fgAcc1">
-    <dgm:fillClrLst meth="repeat">
-      <a:schemeClr val="lt1">
-        <a:alpha val="90000"/>
-      </a:schemeClr>
-    </dgm:fillClrLst>
-    <dgm:linClrLst meth="repeat">
-      <a:schemeClr val="accent1"/>
-    </dgm:linClrLst>
-    <dgm:effectClrLst/>
-    <dgm:txLinClrLst/>
-    <dgm:txFillClrLst meth="repeat">
-      <a:schemeClr val="dk1"/>
-    </dgm:txFillClrLst>
-    <dgm:txEffectClrLst/>
-  </dgm:styleLbl>
-  <dgm:styleLbl name="conFgAcc1">
-    <dgm:fillClrLst meth="repeat">
-      <a:schemeClr val="lt1">
-        <a:alpha val="90000"/>
-      </a:schemeClr>
-    </dgm:fillClrLst>
-    <dgm:linClrLst meth="repeat">
-      <a:schemeClr val="accent1"/>
-    </dgm:linClrLst>
-    <dgm:effectClrLst/>
-    <dgm:txLinClrLst/>
-    <dgm:txFillClrLst meth="repeat">
-      <a:schemeClr val="dk1"/>
-    </dgm:txFillClrLst>
-    <dgm:txEffectClrLst/>
-  </dgm:styleLbl>
-  <dgm:styleLbl name="alignAcc1">
-    <dgm:fillClrLst meth="repeat">
-      <a:schemeClr val="lt1">
-        <a:alpha val="90000"/>
-      </a:schemeClr>
-    </dgm:fillClrLst>
-    <dgm:linClrLst meth="repeat">
-      <a:schemeClr val="accent1"/>
-    </dgm:linClrLst>
-    <dgm:effectClrLst/>
-    <dgm:txLinClrLst/>
-    <dgm:txFillClrLst meth="repeat">
-      <a:schemeClr val="dk1"/>
-    </dgm:txFillClrLst>
-    <dgm:txEffectClrLst/>
-  </dgm:styleLbl>
-  <dgm:styleLbl name="trAlignAcc1">
-    <dgm:fillClrLst meth="repeat">
-      <a:schemeClr val="lt1">
-        <a:alpha val="40000"/>
-      </a:schemeClr>
-    </dgm:fillClrLst>
-    <dgm:linClrLst meth="repeat">
-      <a:schemeClr val="accent1"/>
-    </dgm:linClrLst>
-    <dgm:effectClrLst/>
-    <dgm:txLinClrLst/>
-    <dgm:txFillClrLst meth="repeat">
-      <a:schemeClr val="dk1"/>
-    </dgm:txFillClrLst>
-    <dgm:txEffectClrLst/>
-  </dgm:styleLbl>
-  <dgm:styleLbl name="bgAcc1">
-    <dgm:fillClrLst meth="repeat">
-      <a:schemeClr val="lt1">
-        <a:alpha val="90000"/>
-      </a:schemeClr>
-    </dgm:fillClrLst>
-    <dgm:linClrLst meth="repeat">
-      <a:schemeClr val="accent1"/>
-    </dgm:linClrLst>
-    <dgm:effectClrLst/>
-    <dgm:txLinClrLst/>
-    <dgm:txFillClrLst meth="repeat">
-      <a:schemeClr val="dk1"/>
-    </dgm:txFillClrLst>
-    <dgm:txEffectClrLst/>
-  </dgm:styleLbl>
-  <dgm:styleLbl name="solidFgAcc1">
-    <dgm:fillClrLst meth="repeat">
-      <a:schemeClr val="lt1"/>
-    </dgm:fillClrLst>
-    <dgm:linClrLst meth="repeat">
-      <a:schemeClr val="accent1"/>
-    </dgm:linClrLst>
-    <dgm:effectClrLst/>
-    <dgm:txLinClrLst/>
-    <dgm:txFillClrLst meth="repeat">
-      <a:schemeClr val="dk1"/>
-    </dgm:txFillClrLst>
-    <dgm:txEffectClrLst/>
-  </dgm:styleLbl>
-  <dgm:styleLbl name="solidAlignAcc1">
-    <dgm:fillClrLst meth="repeat">
-      <a:schemeClr val="lt1"/>
-    </dgm:fillClrLst>
-    <dgm:linClrLst meth="repeat">
-      <a:schemeClr val="accent1"/>
-    </dgm:linClrLst>
-    <dgm:effectClrLst/>
-    <dgm:txLinClrLst/>
-    <dgm:txFillClrLst meth="repeat">
-      <a:schemeClr val="dk1"/>
-    </dgm:txFillClrLst>
-    <dgm:txEffectClrLst/>
-  </dgm:styleLbl>
-  <dgm:styleLbl name="solidBgAcc1">
-    <dgm:fillClrLst meth="repeat">
-      <a:schemeClr val="lt1"/>
-    </dgm:fillClrLst>
-    <dgm:linClrLst meth="repeat">
-      <a:schemeClr val="accent1"/>
-    </dgm:linClrLst>
-    <dgm:effectClrLst/>
-    <dgm:txLinClrLst/>
-    <dgm:txFillClrLst meth="repeat">
-      <a:schemeClr val="dk1"/>
-    </dgm:txFillClrLst>
-    <dgm:txEffectClrLst/>
-  </dgm:styleLbl>
-  <dgm:styleLbl name="fgAccFollowNode1">
-    <dgm:fillClrLst meth="repeat">
-      <a:schemeClr val="accent1">
-        <a:alpha val="90000"/>
-        <a:tint val="40000"/>
-      </a:schemeClr>
-    </dgm:fillClrLst>
-    <dgm:linClrLst meth="repeat">
-      <a:schemeClr val="accent1">
-        <a:alpha val="90000"/>
-        <a:tint val="40000"/>
-      </a:schemeClr>
-    </dgm:linClrLst>
-    <dgm:effectClrLst/>
-    <dgm:txLinClrLst/>
-    <dgm:txFillClrLst meth="repeat">
-      <a:schemeClr val="dk1"/>
-    </dgm:txFillClrLst>
-    <dgm:txEffectClrLst/>
-  </dgm:styleLbl>
-  <dgm:styleLbl name="alignAccFollowNode1">
-    <dgm:fillClrLst meth="repeat">
-      <a:schemeClr val="accent1">
-        <a:alpha val="90000"/>
-        <a:tint val="40000"/>
-      </a:schemeClr>
-    </dgm:fillClrLst>
-    <dgm:linClrLst meth="repeat">
-      <a:schemeClr val="accent1">
-        <a:alpha val="90000"/>
-        <a:tint val="40000"/>
-      </a:schemeClr>
-    </dgm:linClrLst>
-    <dgm:effectClrLst/>
-    <dgm:txLinClrLst/>
-    <dgm:txFillClrLst meth="repeat">
-      <a:schemeClr val="dk1"/>
-    </dgm:txFillClrLst>
-    <dgm:txEffectClrLst/>
-  </dgm:styleLbl>
-  <dgm:styleLbl name="bgAccFollowNode1">
-    <dgm:fillClrLst meth="repeat">
-      <a:schemeClr val="accent1">
-        <a:alpha val="90000"/>
-        <a:tint val="40000"/>
-      </a:schemeClr>
-    </dgm:fillClrLst>
-    <dgm:linClrLst meth="repeat">
-      <a:schemeClr val="accent1">
-        <a:alpha val="90000"/>
-        <a:tint val="40000"/>
-      </a:schemeClr>
-    </dgm:linClrLst>
-    <dgm:effectClrLst/>
-    <dgm:txLinClrLst/>
-    <dgm:txFillClrLst meth="repeat">
-      <a:schemeClr val="dk1"/>
-    </dgm:txFillClrLst>
-    <dgm:txEffectClrLst/>
-  </dgm:styleLbl>
-  <dgm:styleLbl name="fgAcc0">
-    <dgm:fillClrLst meth="repeat">
-      <a:schemeClr val="lt1">
-        <a:alpha val="90000"/>
-      </a:schemeClr>
-    </dgm:fillClrLst>
-    <dgm:linClrLst meth="repeat">
-      <a:schemeClr val="accent1"/>
-    </dgm:linClrLst>
-    <dgm:effectClrLst/>
-    <dgm:txLinClrLst/>
-    <dgm:txFillClrLst meth="repeat">
-      <a:schemeClr val="dk1"/>
-    </dgm:txFillClrLst>
-    <dgm:txEffectClrLst/>
-  </dgm:styleLbl>
-  <dgm:styleLbl name="fgAcc2">
-    <dgm:fillClrLst meth="repeat">
-      <a:schemeClr val="lt1">
-        <a:alpha val="90000"/>
-      </a:schemeClr>
-    </dgm:fillClrLst>
-    <dgm:linClrLst meth="repeat">
-      <a:schemeClr val="accent1"/>
-    </dgm:linClrLst>
-    <dgm:effectClrLst/>
-    <dgm:txLinClrLst/>
-    <dgm:txFillClrLst meth="repeat">
-      <a:schemeClr val="dk1"/>
-    </dgm:txFillClrLst>
-    <dgm:txEffectClrLst/>
-  </dgm:styleLbl>
-  <dgm:styleLbl name="fgAcc3">
-    <dgm:fillClrLst meth="repeat">
-      <a:schemeClr val="lt1">
-        <a:alpha val="90000"/>
-      </a:schemeClr>
-    </dgm:fillClrLst>
-    <dgm:linClrLst meth="repeat">
-      <a:schemeClr val="accent1"/>
-    </dgm:linClrLst>
-    <dgm:effectClrLst/>
-    <dgm:txLinClrLst/>
-    <dgm:txFillClrLst meth="repeat">
-      <a:schemeClr val="dk1"/>
-    </dgm:txFillClrLst>
-    <dgm:txEffectClrLst/>
-  </dgm:styleLbl>
-  <dgm:styleLbl name="fgAcc4">
-    <dgm:fillClrLst meth="repeat">
-      <a:schemeClr val="lt1">
-        <a:alpha val="90000"/>
-      </a:schemeClr>
-    </dgm:fillClrLst>
-    <dgm:linClrLst meth="repeat">
-      <a:schemeClr val="accent1"/>
-    </dgm:linClrLst>
-    <dgm:effectClrLst/>
-    <dgm:txLinClrLst/>
-    <dgm:txFillClrLst meth="repeat">
-      <a:schemeClr val="dk1"/>
-    </dgm:txFillClrLst>
-    <dgm:txEffectClrLst/>
-  </dgm:styleLbl>
-  <dgm:styleLbl name="bgShp">
-    <dgm:fillClrLst meth="repeat">
-      <a:schemeClr val="accent1">
-        <a:tint val="40000"/>
-      </a:schemeClr>
-    </dgm:fillClrLst>
-    <dgm:linClrLst meth="repeat">
-      <a:schemeClr val="accent1"/>
-    </dgm:linClrLst>
-    <dgm:effectClrLst/>
-    <dgm:txLinClrLst/>
-    <dgm:txFillClrLst meth="repeat">
-      <a:schemeClr val="dk1"/>
-    </dgm:txFillClrLst>
-    <dgm:txEffectClrLst/>
-  </dgm:styleLbl>
-  <dgm:styleLbl name="dkBgShp">
-    <dgm:fillClrLst meth="repeat">
-      <a:schemeClr val="accent1">
-        <a:shade val="80000"/>
-      </a:schemeClr>
-    </dgm:fillClrLst>
-    <dgm:linClrLst meth="repeat">
-      <a:schemeClr val="accent1"/>
-    </dgm:linClrLst>
-    <dgm:effectClrLst/>
-    <dgm:txLinClrLst/>
-    <dgm:txFillClrLst meth="repeat">
-      <a:schemeClr val="lt1"/>
-    </dgm:txFillClrLst>
-    <dgm:txEffectClrLst/>
-  </dgm:styleLbl>
-  <dgm:styleLbl name="trBgShp">
-    <dgm:fillClrLst meth="repeat">
-      <a:schemeClr val="accent1">
-        <a:tint val="50000"/>
-        <a:alpha val="40000"/>
-      </a:schemeClr>
-    </dgm:fillClrLst>
-    <dgm:linClrLst meth="repeat">
-      <a:schemeClr val="accent1"/>
-    </dgm:linClrLst>
-    <dgm:effectClrLst/>
-    <dgm:txLinClrLst/>
-    <dgm:txFillClrLst meth="repeat">
-      <a:schemeClr val="lt1"/>
-    </dgm:txFillClrLst>
-    <dgm:txEffectClrLst/>
-  </dgm:styleLbl>
-  <dgm:styleLbl name="fgShp">
-    <dgm:fillClrLst meth="repeat">
-      <a:schemeClr val="accent1">
-        <a:tint val="60000"/>
-      </a:schemeClr>
-    </dgm:fillClrLst>
-    <dgm:linClrLst meth="repeat">
-      <a:schemeClr val="lt1"/>
-    </dgm:linClrLst>
-    <dgm:effectClrLst/>
-    <dgm:txLinClrLst/>
-    <dgm:txFillClrLst meth="repeat">
-      <a:schemeClr val="dk1"/>
-    </dgm:txFillClrLst>
-    <dgm:txEffectClrLst/>
-  </dgm:styleLbl>
-  <dgm:styleLbl name="revTx">
-    <dgm:fillClrLst meth="repeat">
-      <a:schemeClr val="lt1">
-        <a:alpha val="0"/>
-      </a:schemeClr>
-    </dgm:fillClrLst>
-    <dgm:linClrLst meth="repeat">
-      <a:schemeClr val="dk1">
-        <a:alpha val="0"/>
-      </a:schemeClr>
-    </dgm:linClrLst>
-    <dgm:effectClrLst/>
-    <dgm:txLinClrLst/>
-    <dgm:txFillClrLst meth="repeat">
-      <a:schemeClr val="tx1"/>
-    </dgm:txFillClrLst>
-    <dgm:txEffectClrLst/>
-  </dgm:styleLbl>
-</dgm:colorsDef>
-</file>
-
 <file path=ppt/diagrams/data1.xml><?xml version="1.0" encoding="utf-8"?>
 <dgm:dataModel xmlns:dgm="http://schemas.openxmlformats.org/drawingml/2006/diagram" xmlns:a="http://schemas.openxmlformats.org/drawingml/2006/main">
   <dgm:ptLst>
@@ -5466,18 +5207,21 @@
       </dgm:t>
     </dgm:pt>
     <dgm:pt modelId="{5D96F2B6-A2F3-4E58-A82D-05B9E82C4F2E}">
-      <dgm:prSet phldrT="[Texte]"/>
+      <dgm:prSet phldrT="[Texte]" custT="1"/>
       <dgm:spPr>
         <a:solidFill>
           <a:srgbClr val="8BC7B1"/>
         </a:solidFill>
+        <a:ln w="38100">
+          <a:noFill/>
+        </a:ln>
       </dgm:spPr>
       <dgm:t>
         <a:bodyPr/>
         <a:lstStyle/>
         <a:p>
           <a:r>
-            <a:rPr lang="fr-FR" dirty="0"/>
+            <a:rPr lang="fr-FR" sz="3200" b="0" dirty="0"/>
             <a:t>Mise à jour régulière</a:t>
           </a:r>
         </a:p>
@@ -5496,7 +5240,16 @@
     </dgm:pt>
     <dgm:pt modelId="{469A84E7-FB8A-4E04-8867-8E78EF4B66BB}" type="sibTrans" cxnId="{C9020509-71CB-4A9E-9DF4-50CB1FE52E39}">
       <dgm:prSet/>
-      <dgm:spPr/>
+      <dgm:spPr>
+        <a:solidFill>
+          <a:schemeClr val="tx1"/>
+        </a:solidFill>
+        <a:ln>
+          <a:solidFill>
+            <a:schemeClr val="tx1"/>
+          </a:solidFill>
+        </a:ln>
+      </dgm:spPr>
       <dgm:t>
         <a:bodyPr/>
         <a:lstStyle/>
@@ -5506,18 +5259,21 @@
       </dgm:t>
     </dgm:pt>
     <dgm:pt modelId="{71E88D92-DF82-4943-806A-402D84973E14}">
-      <dgm:prSet phldrT="[Texte]"/>
+      <dgm:prSet phldrT="[Texte]" custT="1"/>
       <dgm:spPr>
         <a:solidFill>
           <a:srgbClr val="C5A073"/>
         </a:solidFill>
+        <a:ln w="38100">
+          <a:noFill/>
+        </a:ln>
       </dgm:spPr>
       <dgm:t>
         <a:bodyPr/>
         <a:lstStyle/>
         <a:p>
           <a:r>
-            <a:rPr lang="fr-FR" dirty="0"/>
+            <a:rPr lang="fr-FR" sz="3200" b="0" dirty="0"/>
             <a:t>Sauvegarde régulière</a:t>
           </a:r>
         </a:p>
@@ -5546,19 +5302,22 @@
       </dgm:t>
     </dgm:pt>
     <dgm:pt modelId="{8684BB27-1228-4485-97CF-76909C5B82F4}">
-      <dgm:prSet phldrT="[Texte]"/>
+      <dgm:prSet phldrT="[Texte]" custT="1"/>
       <dgm:spPr>
         <a:solidFill>
           <a:srgbClr val="8BC7B1"/>
         </a:solidFill>
+        <a:ln w="38100">
+          <a:noFill/>
+        </a:ln>
       </dgm:spPr>
       <dgm:t>
         <a:bodyPr/>
         <a:lstStyle/>
         <a:p>
           <a:r>
-            <a:rPr lang="fr-FR" dirty="0"/>
-            <a:t>Audits de sécurité</a:t>
+            <a:rPr lang="fr-FR" sz="3200" b="0" dirty="0"/>
+            <a:t>Audits de sécurité réguliers</a:t>
           </a:r>
         </a:p>
       </dgm:t>
@@ -5586,18 +5345,21 @@
       </dgm:t>
     </dgm:pt>
     <dgm:pt modelId="{8BEBB4D6-DF5F-4B8B-BECC-2F4094910025}">
-      <dgm:prSet/>
+      <dgm:prSet custT="1"/>
       <dgm:spPr>
         <a:solidFill>
           <a:srgbClr val="C5A073"/>
         </a:solidFill>
+        <a:ln w="38100">
+          <a:noFill/>
+        </a:ln>
       </dgm:spPr>
       <dgm:t>
         <a:bodyPr/>
         <a:lstStyle/>
         <a:p>
           <a:r>
-            <a:rPr lang="fr-FR" dirty="0"/>
+            <a:rPr lang="fr-FR" sz="3200" b="0" dirty="0"/>
             <a:t>Optimisation des performances</a:t>
           </a:r>
         </a:p>
@@ -5626,18 +5388,21 @@
       </dgm:t>
     </dgm:pt>
     <dgm:pt modelId="{40B45828-C987-4DA6-B2E2-C5BAD9D6054A}">
-      <dgm:prSet/>
+      <dgm:prSet custT="1"/>
       <dgm:spPr>
         <a:solidFill>
           <a:srgbClr val="8BC7B1"/>
         </a:solidFill>
+        <a:ln w="38100">
+          <a:noFill/>
+        </a:ln>
       </dgm:spPr>
       <dgm:t>
         <a:bodyPr/>
         <a:lstStyle/>
         <a:p>
           <a:r>
-            <a:rPr lang="fr-FR" dirty="0"/>
+            <a:rPr lang="fr-FR" sz="3200" b="0" dirty="0"/>
             <a:t>Nettoyage et optimisation de la base de données</a:t>
           </a:r>
         </a:p>
@@ -5666,11 +5431,14 @@
       </dgm:t>
     </dgm:pt>
     <dgm:pt modelId="{0B483FEA-1D36-4B13-972E-DBF10D9D343E}">
-      <dgm:prSet/>
+      <dgm:prSet custT="1"/>
       <dgm:spPr>
         <a:solidFill>
           <a:srgbClr val="C5A073"/>
         </a:solidFill>
+        <a:ln w="38100">
+          <a:noFill/>
+        </a:ln>
       </dgm:spPr>
       <dgm:t>
         <a:bodyPr/>
@@ -5681,10 +5449,10 @@
             <a:buChar char="●"/>
           </a:pPr>
           <a:r>
-            <a:rPr lang="fr-FR" u="none" dirty="0"/>
+            <a:rPr lang="fr-FR" sz="3200" b="0" u="none" dirty="0"/>
             <a:t>Détection et résolution d'éventuels problèmes d’affichages</a:t>
           </a:r>
-          <a:endParaRPr lang="fr-FR" dirty="0"/>
+          <a:endParaRPr lang="fr-FR" sz="3200" b="0" dirty="0"/>
         </a:p>
       </dgm:t>
     </dgm:pt>
@@ -5758,7 +5526,13 @@
     </dgm:pt>
     <dgm:pt modelId="{2C175408-CDDD-4BEA-97E1-0AB71B504130}" type="pres">
       <dgm:prSet presAssocID="{5D96F2B6-A2F3-4E58-A82D-05B9E82C4F2E}" presName="accentRepeatNode" presStyleLbl="solidFgAcc1" presStyleIdx="0" presStyleCnt="6"/>
-      <dgm:spPr/>
+      <dgm:spPr>
+        <a:ln w="38100">
+          <a:solidFill>
+            <a:schemeClr val="tx1"/>
+          </a:solidFill>
+        </a:ln>
+      </dgm:spPr>
     </dgm:pt>
     <dgm:pt modelId="{9FE7C6CE-4039-4108-95C3-4CA33EA222E1}" type="pres">
       <dgm:prSet presAssocID="{71E88D92-DF82-4943-806A-402D84973E14}" presName="text_2" presStyleLbl="node1" presStyleIdx="1" presStyleCnt="6">
@@ -5774,7 +5548,13 @@
     </dgm:pt>
     <dgm:pt modelId="{D6EE7E7F-DD5B-4D01-9473-5FDA7A9107F6}" type="pres">
       <dgm:prSet presAssocID="{71E88D92-DF82-4943-806A-402D84973E14}" presName="accentRepeatNode" presStyleLbl="solidFgAcc1" presStyleIdx="1" presStyleCnt="6"/>
-      <dgm:spPr/>
+      <dgm:spPr>
+        <a:ln w="38100">
+          <a:solidFill>
+            <a:schemeClr val="tx1"/>
+          </a:solidFill>
+        </a:ln>
+      </dgm:spPr>
     </dgm:pt>
     <dgm:pt modelId="{ED8766F0-8808-4F75-B6A0-D3EB5CEA9AEC}" type="pres">
       <dgm:prSet presAssocID="{8684BB27-1228-4485-97CF-76909C5B82F4}" presName="text_3" presStyleLbl="node1" presStyleIdx="2" presStyleCnt="6">
@@ -5790,7 +5570,13 @@
     </dgm:pt>
     <dgm:pt modelId="{0F1B73EB-F73A-45F6-8B32-4C3299370954}" type="pres">
       <dgm:prSet presAssocID="{8684BB27-1228-4485-97CF-76909C5B82F4}" presName="accentRepeatNode" presStyleLbl="solidFgAcc1" presStyleIdx="2" presStyleCnt="6"/>
-      <dgm:spPr/>
+      <dgm:spPr>
+        <a:ln w="38100">
+          <a:solidFill>
+            <a:schemeClr val="tx1"/>
+          </a:solidFill>
+        </a:ln>
+      </dgm:spPr>
     </dgm:pt>
     <dgm:pt modelId="{7A68BA37-F61A-4FE6-8B59-76DE58BE6461}" type="pres">
       <dgm:prSet presAssocID="{8BEBB4D6-DF5F-4B8B-BECC-2F4094910025}" presName="text_4" presStyleLbl="node1" presStyleIdx="3" presStyleCnt="6">
@@ -5806,7 +5592,13 @@
     </dgm:pt>
     <dgm:pt modelId="{75F3C1F4-4814-45EF-AB70-873C56704444}" type="pres">
       <dgm:prSet presAssocID="{8BEBB4D6-DF5F-4B8B-BECC-2F4094910025}" presName="accentRepeatNode" presStyleLbl="solidFgAcc1" presStyleIdx="3" presStyleCnt="6"/>
-      <dgm:spPr/>
+      <dgm:spPr>
+        <a:ln w="38100">
+          <a:solidFill>
+            <a:schemeClr val="tx1"/>
+          </a:solidFill>
+        </a:ln>
+      </dgm:spPr>
     </dgm:pt>
     <dgm:pt modelId="{454379A3-7BF5-4B34-9907-27997BDA0F4B}" type="pres">
       <dgm:prSet presAssocID="{40B45828-C987-4DA6-B2E2-C5BAD9D6054A}" presName="text_5" presStyleLbl="node1" presStyleIdx="4" presStyleCnt="6">
@@ -5822,7 +5614,13 @@
     </dgm:pt>
     <dgm:pt modelId="{1E14C843-15AE-4162-8ED2-B4EE8D1C8AA7}" type="pres">
       <dgm:prSet presAssocID="{40B45828-C987-4DA6-B2E2-C5BAD9D6054A}" presName="accentRepeatNode" presStyleLbl="solidFgAcc1" presStyleIdx="4" presStyleCnt="6"/>
-      <dgm:spPr/>
+      <dgm:spPr>
+        <a:ln w="38100">
+          <a:solidFill>
+            <a:schemeClr val="tx1"/>
+          </a:solidFill>
+        </a:ln>
+      </dgm:spPr>
     </dgm:pt>
     <dgm:pt modelId="{23ECF827-1C5D-40BC-A5B0-E902547CA092}" type="pres">
       <dgm:prSet presAssocID="{0B483FEA-1D36-4B13-972E-DBF10D9D343E}" presName="text_6" presStyleLbl="node1" presStyleIdx="5" presStyleCnt="6">
@@ -5838,7 +5636,13 @@
     </dgm:pt>
     <dgm:pt modelId="{A3403343-6FD6-4DCD-BD34-56D61726336E}" type="pres">
       <dgm:prSet presAssocID="{0B483FEA-1D36-4B13-972E-DBF10D9D343E}" presName="accentRepeatNode" presStyleLbl="solidFgAcc1" presStyleIdx="5" presStyleCnt="6"/>
-      <dgm:spPr/>
+      <dgm:spPr>
+        <a:ln w="38100">
+          <a:solidFill>
+            <a:schemeClr val="tx1"/>
+          </a:solidFill>
+        </a:ln>
+      </dgm:spPr>
     </dgm:pt>
   </dgm:ptLst>
   <dgm:cxnLst>
@@ -6355,574 +6159,6 @@
 <file path=ppt/diagrams/data3.xml><?xml version="1.0" encoding="utf-8"?>
 <dgm:dataModel xmlns:dgm="http://schemas.openxmlformats.org/drawingml/2006/diagram" xmlns:a="http://schemas.openxmlformats.org/drawingml/2006/main">
   <dgm:ptLst>
-    <dgm:pt modelId="{8B292D4E-E4AA-466C-AB94-C1F22EEFD621}" type="doc">
-      <dgm:prSet loTypeId="urn:microsoft.com/office/officeart/2005/8/layout/pList2" loCatId="list" qsTypeId="urn:microsoft.com/office/officeart/2005/8/quickstyle/simple1" qsCatId="simple" csTypeId="urn:microsoft.com/office/officeart/2005/8/colors/accent1_2" csCatId="accent1" phldr="1"/>
-      <dgm:spPr/>
-      <dgm:t>
-        <a:bodyPr/>
-        <a:lstStyle/>
-        <a:p>
-          <a:endParaRPr lang="fr-FR"/>
-        </a:p>
-      </dgm:t>
-    </dgm:pt>
-    <dgm:pt modelId="{6FD6872C-7915-48A6-A46A-A2A54A9D316D}">
-      <dgm:prSet phldrT="[Texte]" custT="1"/>
-      <dgm:spPr>
-        <a:solidFill>
-          <a:srgbClr val="8BC7B1"/>
-        </a:solidFill>
-        <a:ln>
-          <a:noFill/>
-        </a:ln>
-      </dgm:spPr>
-      <dgm:t>
-        <a:bodyPr lIns="108000" rIns="108000"/>
-        <a:lstStyle/>
-        <a:p>
-          <a:r>
-            <a:rPr lang="fr-FR" sz="2800" b="1" dirty="0"/>
-            <a:t>Soufiane</a:t>
-          </a:r>
-          <a:endParaRPr lang="fr-FR" sz="2300" b="1" dirty="0"/>
-        </a:p>
-        <a:p>
-          <a:r>
-            <a:rPr lang="fr-FR" sz="2300" dirty="0"/>
-            <a:t>Product </a:t>
-          </a:r>
-          <a:r>
-            <a:rPr lang="fr-FR" sz="2300" dirty="0" err="1"/>
-            <a:t>Owner</a:t>
-          </a:r>
-          <a:endParaRPr lang="fr-FR" sz="2300" dirty="0"/>
-        </a:p>
-      </dgm:t>
-    </dgm:pt>
-    <dgm:pt modelId="{DE19533A-F274-4460-941E-F46BF7E98189}" type="parTrans" cxnId="{2C8D11AE-138D-44AB-88FB-34F1DCA0B8C7}">
-      <dgm:prSet/>
-      <dgm:spPr/>
-      <dgm:t>
-        <a:bodyPr/>
-        <a:lstStyle/>
-        <a:p>
-          <a:endParaRPr lang="fr-FR"/>
-        </a:p>
-      </dgm:t>
-    </dgm:pt>
-    <dgm:pt modelId="{B7FF2D59-3F08-4561-AA3C-8F2A5231A1F0}" type="sibTrans" cxnId="{2C8D11AE-138D-44AB-88FB-34F1DCA0B8C7}">
-      <dgm:prSet/>
-      <dgm:spPr/>
-      <dgm:t>
-        <a:bodyPr/>
-        <a:lstStyle/>
-        <a:p>
-          <a:endParaRPr lang="fr-FR"/>
-        </a:p>
-      </dgm:t>
-    </dgm:pt>
-    <dgm:pt modelId="{658CDD95-EE46-411D-8A0C-EABB56232424}">
-      <dgm:prSet phldrT="[Texte]" custT="1"/>
-      <dgm:spPr>
-        <a:solidFill>
-          <a:srgbClr val="8BC7B1"/>
-        </a:solidFill>
-        <a:ln>
-          <a:noFill/>
-        </a:ln>
-      </dgm:spPr>
-      <dgm:t>
-        <a:bodyPr lIns="108000" rIns="108000"/>
-        <a:lstStyle/>
-        <a:p>
-          <a:r>
-            <a:rPr lang="fr-FR" sz="2800" b="1" dirty="0"/>
-            <a:t>Samy</a:t>
-          </a:r>
-          <a:endParaRPr lang="fr-FR" sz="2300" b="1" dirty="0"/>
-        </a:p>
-        <a:p>
-          <a:r>
-            <a:rPr lang="fr-FR" sz="2300" dirty="0"/>
-            <a:t>Scrum Master</a:t>
-          </a:r>
-        </a:p>
-      </dgm:t>
-    </dgm:pt>
-    <dgm:pt modelId="{D1A18F50-316A-4399-A868-B7D5F6223426}" type="parTrans" cxnId="{B4E31C7C-DD4B-46FB-81CF-61954F27D5C3}">
-      <dgm:prSet/>
-      <dgm:spPr/>
-      <dgm:t>
-        <a:bodyPr/>
-        <a:lstStyle/>
-        <a:p>
-          <a:endParaRPr lang="fr-FR"/>
-        </a:p>
-      </dgm:t>
-    </dgm:pt>
-    <dgm:pt modelId="{3EB98609-7389-4423-92F3-5222A5693203}" type="sibTrans" cxnId="{B4E31C7C-DD4B-46FB-81CF-61954F27D5C3}">
-      <dgm:prSet/>
-      <dgm:spPr/>
-      <dgm:t>
-        <a:bodyPr/>
-        <a:lstStyle/>
-        <a:p>
-          <a:endParaRPr lang="fr-FR"/>
-        </a:p>
-      </dgm:t>
-    </dgm:pt>
-    <dgm:pt modelId="{8B1E9B4F-2812-498E-8C87-0BF4A42A2FBD}">
-      <dgm:prSet phldrT="[Texte]" custT="1"/>
-      <dgm:spPr>
-        <a:solidFill>
-          <a:srgbClr val="8BC7B1"/>
-        </a:solidFill>
-        <a:ln>
-          <a:noFill/>
-        </a:ln>
-      </dgm:spPr>
-      <dgm:t>
-        <a:bodyPr lIns="108000" rIns="108000"/>
-        <a:lstStyle/>
-        <a:p>
-          <a:r>
-            <a:rPr lang="fr-FR" sz="2800" b="1" dirty="0"/>
-            <a:t>Maëlle</a:t>
-          </a:r>
-          <a:endParaRPr lang="fr-FR" sz="2300" b="1" dirty="0"/>
-        </a:p>
-        <a:p>
-          <a:r>
-            <a:rPr lang="fr-FR" sz="2300" dirty="0"/>
-            <a:t>Développeur </a:t>
-          </a:r>
-          <a:r>
-            <a:rPr lang="fr-FR" sz="2300" dirty="0" err="1"/>
-            <a:t>front-end</a:t>
-          </a:r>
-          <a:endParaRPr lang="fr-FR" sz="2300" dirty="0"/>
-        </a:p>
-      </dgm:t>
-    </dgm:pt>
-    <dgm:pt modelId="{5CCF936B-E2AB-4398-976F-EA661DAE0B07}" type="parTrans" cxnId="{FDD0C3F1-AC52-4DEE-BC5F-6016DE918145}">
-      <dgm:prSet/>
-      <dgm:spPr/>
-      <dgm:t>
-        <a:bodyPr/>
-        <a:lstStyle/>
-        <a:p>
-          <a:endParaRPr lang="fr-FR"/>
-        </a:p>
-      </dgm:t>
-    </dgm:pt>
-    <dgm:pt modelId="{BCF57B33-D4A1-441E-A0BD-AECACA4C38DF}" type="sibTrans" cxnId="{FDD0C3F1-AC52-4DEE-BC5F-6016DE918145}">
-      <dgm:prSet/>
-      <dgm:spPr/>
-      <dgm:t>
-        <a:bodyPr/>
-        <a:lstStyle/>
-        <a:p>
-          <a:endParaRPr lang="fr-FR"/>
-        </a:p>
-      </dgm:t>
-    </dgm:pt>
-    <dgm:pt modelId="{56D60A54-9C40-4BA3-9BAD-AECF4E33F274}">
-      <dgm:prSet custT="1"/>
-      <dgm:spPr>
-        <a:solidFill>
-          <a:srgbClr val="8BC7B1"/>
-        </a:solidFill>
-        <a:ln>
-          <a:noFill/>
-        </a:ln>
-      </dgm:spPr>
-      <dgm:t>
-        <a:bodyPr lIns="108000" rIns="108000"/>
-        <a:lstStyle/>
-        <a:p>
-          <a:r>
-            <a:rPr lang="fr-FR" sz="2800" b="1" dirty="0"/>
-            <a:t>Jonathan</a:t>
-          </a:r>
-          <a:endParaRPr lang="fr-FR" sz="2300" b="1" dirty="0"/>
-        </a:p>
-        <a:p>
-          <a:r>
-            <a:rPr lang="fr-FR" sz="2300" dirty="0"/>
-            <a:t>Développeur back-end</a:t>
-          </a:r>
-        </a:p>
-      </dgm:t>
-    </dgm:pt>
-    <dgm:pt modelId="{1CDCCEC5-1B49-415B-BA4E-3C8CAA4F5C24}" type="parTrans" cxnId="{D8F6F5D5-5604-4DF9-A8EC-8AAB7A28FBDA}">
-      <dgm:prSet/>
-      <dgm:spPr/>
-      <dgm:t>
-        <a:bodyPr/>
-        <a:lstStyle/>
-        <a:p>
-          <a:endParaRPr lang="fr-FR"/>
-        </a:p>
-      </dgm:t>
-    </dgm:pt>
-    <dgm:pt modelId="{B2B12E31-701B-4A31-8A1A-8D08F1E32B6D}" type="sibTrans" cxnId="{D8F6F5D5-5604-4DF9-A8EC-8AAB7A28FBDA}">
-      <dgm:prSet/>
-      <dgm:spPr/>
-      <dgm:t>
-        <a:bodyPr/>
-        <a:lstStyle/>
-        <a:p>
-          <a:endParaRPr lang="fr-FR"/>
-        </a:p>
-      </dgm:t>
-    </dgm:pt>
-    <dgm:pt modelId="{BF100D5A-C241-4E99-8648-3CEB51F97248}">
-      <dgm:prSet custT="1"/>
-      <dgm:spPr>
-        <a:solidFill>
-          <a:srgbClr val="8BC7B1"/>
-        </a:solidFill>
-        <a:ln>
-          <a:noFill/>
-        </a:ln>
-      </dgm:spPr>
-      <dgm:t>
-        <a:bodyPr lIns="108000" rIns="108000"/>
-        <a:lstStyle/>
-        <a:p>
-          <a:r>
-            <a:rPr lang="fr-FR" sz="2800" b="1" dirty="0"/>
-            <a:t>Laura</a:t>
-          </a:r>
-          <a:endParaRPr lang="fr-FR" sz="2300" b="1" dirty="0"/>
-        </a:p>
-        <a:p>
-          <a:r>
-            <a:rPr lang="fr-FR" sz="2300" dirty="0"/>
-            <a:t>Développeur full-stack</a:t>
-          </a:r>
-        </a:p>
-      </dgm:t>
-    </dgm:pt>
-    <dgm:pt modelId="{BB0D0006-5A25-4936-A393-0939AAB63265}" type="parTrans" cxnId="{66E05959-8E98-4DBB-8DAB-772F3D83B363}">
-      <dgm:prSet/>
-      <dgm:spPr/>
-      <dgm:t>
-        <a:bodyPr/>
-        <a:lstStyle/>
-        <a:p>
-          <a:endParaRPr lang="fr-FR"/>
-        </a:p>
-      </dgm:t>
-    </dgm:pt>
-    <dgm:pt modelId="{A4BBCFC2-2653-4F14-86A6-229A77BC4904}" type="sibTrans" cxnId="{66E05959-8E98-4DBB-8DAB-772F3D83B363}">
-      <dgm:prSet/>
-      <dgm:spPr/>
-      <dgm:t>
-        <a:bodyPr/>
-        <a:lstStyle/>
-        <a:p>
-          <a:endParaRPr lang="fr-FR"/>
-        </a:p>
-      </dgm:t>
-    </dgm:pt>
-    <dgm:pt modelId="{7E0C76F9-BACF-4AA4-9732-CA7A167AA591}" type="pres">
-      <dgm:prSet presAssocID="{8B292D4E-E4AA-466C-AB94-C1F22EEFD621}" presName="Name0" presStyleCnt="0">
-        <dgm:presLayoutVars>
-          <dgm:dir/>
-          <dgm:resizeHandles val="exact"/>
-        </dgm:presLayoutVars>
-      </dgm:prSet>
-      <dgm:spPr/>
-    </dgm:pt>
-    <dgm:pt modelId="{1C719EC1-8216-46EF-B6C9-6C088C78991D}" type="pres">
-      <dgm:prSet presAssocID="{8B292D4E-E4AA-466C-AB94-C1F22EEFD621}" presName="bkgdShp" presStyleLbl="alignAccFollowNode1" presStyleIdx="0" presStyleCnt="1" custScaleX="97368" custScaleY="112808" custLinFactNeighborX="-117"/>
-      <dgm:spPr>
-        <a:solidFill>
-          <a:srgbClr val="8BC7B1">
-            <a:alpha val="32157"/>
-          </a:srgbClr>
-        </a:solidFill>
-      </dgm:spPr>
-    </dgm:pt>
-    <dgm:pt modelId="{2236451B-8630-423E-92F4-3D7CD2CA2C5D}" type="pres">
-      <dgm:prSet presAssocID="{8B292D4E-E4AA-466C-AB94-C1F22EEFD621}" presName="linComp" presStyleCnt="0"/>
-      <dgm:spPr/>
-    </dgm:pt>
-    <dgm:pt modelId="{AEDC568B-A7B3-4E4F-9FCA-DE9DA52F7978}" type="pres">
-      <dgm:prSet presAssocID="{6FD6872C-7915-48A6-A46A-A2A54A9D316D}" presName="compNode" presStyleCnt="0"/>
-      <dgm:spPr/>
-    </dgm:pt>
-    <dgm:pt modelId="{1C8C9B8B-2B08-4954-87BB-FBECFC49BB09}" type="pres">
-      <dgm:prSet presAssocID="{6FD6872C-7915-48A6-A46A-A2A54A9D316D}" presName="node" presStyleLbl="node1" presStyleIdx="0" presStyleCnt="5" custScaleY="78926" custLinFactNeighborX="-471" custLinFactNeighborY="-10982">
-        <dgm:presLayoutVars>
-          <dgm:bulletEnabled val="1"/>
-        </dgm:presLayoutVars>
-      </dgm:prSet>
-      <dgm:spPr/>
-    </dgm:pt>
-    <dgm:pt modelId="{3647E5F2-08DF-4471-84B4-0DC26400FC34}" type="pres">
-      <dgm:prSet presAssocID="{6FD6872C-7915-48A6-A46A-A2A54A9D316D}" presName="invisiNode" presStyleLbl="node1" presStyleIdx="0" presStyleCnt="5"/>
-      <dgm:spPr/>
-    </dgm:pt>
-    <dgm:pt modelId="{1ECCB3F3-9D78-4535-9A1B-0EA1C81DF89E}" type="pres">
-      <dgm:prSet presAssocID="{6FD6872C-7915-48A6-A46A-A2A54A9D316D}" presName="imagNode" presStyleLbl="fgImgPlace1" presStyleIdx="0" presStyleCnt="5" custScaleY="143705" custLinFactNeighborY="-5424"/>
-      <dgm:spPr>
-        <a:blipFill>
-          <a:blip xmlns:r="http://schemas.openxmlformats.org/officeDocument/2006/relationships" r:embed="rId1">
-            <a:extLst>
-              <a:ext uri="{28A0092B-C50C-407E-A947-70E740481C1C}">
-                <a14:useLocalDpi xmlns:a14="http://schemas.microsoft.com/office/drawing/2010/main" val="0"/>
-              </a:ext>
-            </a:extLst>
-          </a:blip>
-          <a:srcRect/>
-          <a:stretch>
-            <a:fillRect t="-3000" b="-3000"/>
-          </a:stretch>
-        </a:blipFill>
-        <a:ln w="38100">
-          <a:solidFill>
-            <a:schemeClr val="tx1"/>
-          </a:solidFill>
-        </a:ln>
-      </dgm:spPr>
-    </dgm:pt>
-    <dgm:pt modelId="{0C6F8F80-5A59-409D-88C1-17119AA98B15}" type="pres">
-      <dgm:prSet presAssocID="{B7FF2D59-3F08-4561-AA3C-8F2A5231A1F0}" presName="sibTrans" presStyleLbl="sibTrans2D1" presStyleIdx="0" presStyleCnt="0"/>
-      <dgm:spPr/>
-    </dgm:pt>
-    <dgm:pt modelId="{A1532042-8722-4E11-9F76-B3132E77D33E}" type="pres">
-      <dgm:prSet presAssocID="{658CDD95-EE46-411D-8A0C-EABB56232424}" presName="compNode" presStyleCnt="0"/>
-      <dgm:spPr/>
-    </dgm:pt>
-    <dgm:pt modelId="{142D871C-56D8-42FA-BA62-209C8B30A2FA}" type="pres">
-      <dgm:prSet presAssocID="{658CDD95-EE46-411D-8A0C-EABB56232424}" presName="node" presStyleLbl="node1" presStyleIdx="1" presStyleCnt="5" custScaleY="78926" custLinFactNeighborX="-471" custLinFactNeighborY="-10982">
-        <dgm:presLayoutVars>
-          <dgm:bulletEnabled val="1"/>
-        </dgm:presLayoutVars>
-      </dgm:prSet>
-      <dgm:spPr/>
-    </dgm:pt>
-    <dgm:pt modelId="{AF5DD5C0-7CBE-4B45-AF80-8C4BD46D9E46}" type="pres">
-      <dgm:prSet presAssocID="{658CDD95-EE46-411D-8A0C-EABB56232424}" presName="invisiNode" presStyleLbl="node1" presStyleIdx="1" presStyleCnt="5"/>
-      <dgm:spPr/>
-    </dgm:pt>
-    <dgm:pt modelId="{8D66C056-FE9C-438E-B0C2-B16612CB00FF}" type="pres">
-      <dgm:prSet presAssocID="{658CDD95-EE46-411D-8A0C-EABB56232424}" presName="imagNode" presStyleLbl="fgImgPlace1" presStyleIdx="1" presStyleCnt="5" custScaleY="143705" custLinFactNeighborY="-5424"/>
-      <dgm:spPr>
-        <a:blipFill>
-          <a:blip xmlns:r="http://schemas.openxmlformats.org/officeDocument/2006/relationships" r:embed="rId2">
-            <a:extLst>
-              <a:ext uri="{28A0092B-C50C-407E-A947-70E740481C1C}">
-                <a14:useLocalDpi xmlns:a14="http://schemas.microsoft.com/office/drawing/2010/main" val="0"/>
-              </a:ext>
-            </a:extLst>
-          </a:blip>
-          <a:srcRect/>
-          <a:stretch>
-            <a:fillRect t="-3000" b="-3000"/>
-          </a:stretch>
-        </a:blipFill>
-        <a:ln w="38100">
-          <a:solidFill>
-            <a:schemeClr val="tx1"/>
-          </a:solidFill>
-        </a:ln>
-      </dgm:spPr>
-    </dgm:pt>
-    <dgm:pt modelId="{605705FC-A387-44C2-A6B7-88E7C0507124}" type="pres">
-      <dgm:prSet presAssocID="{3EB98609-7389-4423-92F3-5222A5693203}" presName="sibTrans" presStyleLbl="sibTrans2D1" presStyleIdx="0" presStyleCnt="0"/>
-      <dgm:spPr/>
-    </dgm:pt>
-    <dgm:pt modelId="{AE44BE70-686F-40FB-AA24-E78ADEEF36DC}" type="pres">
-      <dgm:prSet presAssocID="{8B1E9B4F-2812-498E-8C87-0BF4A42A2FBD}" presName="compNode" presStyleCnt="0"/>
-      <dgm:spPr/>
-    </dgm:pt>
-    <dgm:pt modelId="{83E2EEA7-6893-49CB-83E0-7C41893E1113}" type="pres">
-      <dgm:prSet presAssocID="{8B1E9B4F-2812-498E-8C87-0BF4A42A2FBD}" presName="node" presStyleLbl="node1" presStyleIdx="2" presStyleCnt="5" custScaleY="78926" custLinFactNeighborX="-471" custLinFactNeighborY="-10982">
-        <dgm:presLayoutVars>
-          <dgm:bulletEnabled val="1"/>
-        </dgm:presLayoutVars>
-      </dgm:prSet>
-      <dgm:spPr/>
-    </dgm:pt>
-    <dgm:pt modelId="{1D130E05-98AF-41D4-A9B4-B2E140C9A4A6}" type="pres">
-      <dgm:prSet presAssocID="{8B1E9B4F-2812-498E-8C87-0BF4A42A2FBD}" presName="invisiNode" presStyleLbl="node1" presStyleIdx="2" presStyleCnt="5"/>
-      <dgm:spPr/>
-    </dgm:pt>
-    <dgm:pt modelId="{3E077112-7DAD-4823-9108-BEAF9D53921A}" type="pres">
-      <dgm:prSet presAssocID="{8B1E9B4F-2812-498E-8C87-0BF4A42A2FBD}" presName="imagNode" presStyleLbl="fgImgPlace1" presStyleIdx="2" presStyleCnt="5" custScaleY="143705" custLinFactNeighborY="-5424"/>
-      <dgm:spPr>
-        <a:blipFill>
-          <a:blip xmlns:r="http://schemas.openxmlformats.org/officeDocument/2006/relationships" r:embed="rId3">
-            <a:extLst>
-              <a:ext uri="{96DAC541-7B7A-43D3-8B79-37D633B846F1}">
-                <asvg:svgBlip xmlns:asvg="http://schemas.microsoft.com/office/drawing/2016/SVG/main" r:embed="rId4"/>
-              </a:ext>
-            </a:extLst>
-          </a:blip>
-          <a:srcRect/>
-          <a:stretch>
-            <a:fillRect t="-3000" b="-3000"/>
-          </a:stretch>
-        </a:blipFill>
-        <a:ln w="38100">
-          <a:solidFill>
-            <a:schemeClr val="tx1"/>
-          </a:solidFill>
-        </a:ln>
-      </dgm:spPr>
-    </dgm:pt>
-    <dgm:pt modelId="{B973585A-0527-4A35-9C97-45EC19B89FBC}" type="pres">
-      <dgm:prSet presAssocID="{BCF57B33-D4A1-441E-A0BD-AECACA4C38DF}" presName="sibTrans" presStyleLbl="sibTrans2D1" presStyleIdx="0" presStyleCnt="0"/>
-      <dgm:spPr/>
-    </dgm:pt>
-    <dgm:pt modelId="{11FC72C1-D2D1-47F7-A809-42AAD3B852EB}" type="pres">
-      <dgm:prSet presAssocID="{56D60A54-9C40-4BA3-9BAD-AECF4E33F274}" presName="compNode" presStyleCnt="0"/>
-      <dgm:spPr/>
-    </dgm:pt>
-    <dgm:pt modelId="{BE098F9A-349D-4C7C-A087-0A7F0134C226}" type="pres">
-      <dgm:prSet presAssocID="{56D60A54-9C40-4BA3-9BAD-AECF4E33F274}" presName="node" presStyleLbl="node1" presStyleIdx="3" presStyleCnt="5" custScaleY="78926" custLinFactNeighborX="-471" custLinFactNeighborY="-10982">
-        <dgm:presLayoutVars>
-          <dgm:bulletEnabled val="1"/>
-        </dgm:presLayoutVars>
-      </dgm:prSet>
-      <dgm:spPr/>
-    </dgm:pt>
-    <dgm:pt modelId="{DF5B0F72-7697-4004-8E7D-1F57F15C6696}" type="pres">
-      <dgm:prSet presAssocID="{56D60A54-9C40-4BA3-9BAD-AECF4E33F274}" presName="invisiNode" presStyleLbl="node1" presStyleIdx="3" presStyleCnt="5"/>
-      <dgm:spPr/>
-    </dgm:pt>
-    <dgm:pt modelId="{8FBA776F-3BC7-4E63-B2F2-4C0F22C0D9DD}" type="pres">
-      <dgm:prSet presAssocID="{56D60A54-9C40-4BA3-9BAD-AECF4E33F274}" presName="imagNode" presStyleLbl="fgImgPlace1" presStyleIdx="3" presStyleCnt="5" custScaleY="143705" custLinFactNeighborY="-5424"/>
-      <dgm:spPr>
-        <a:blipFill>
-          <a:blip xmlns:r="http://schemas.openxmlformats.org/officeDocument/2006/relationships" r:embed="rId5">
-            <a:extLst>
-              <a:ext uri="{28A0092B-C50C-407E-A947-70E740481C1C}">
-                <a14:useLocalDpi xmlns:a14="http://schemas.microsoft.com/office/drawing/2010/main" val="0"/>
-              </a:ext>
-              <a:ext uri="{96DAC541-7B7A-43D3-8B79-37D633B846F1}">
-                <asvg:svgBlip xmlns:asvg="http://schemas.microsoft.com/office/drawing/2016/SVG/main" r:embed="rId6"/>
-              </a:ext>
-            </a:extLst>
-          </a:blip>
-          <a:srcRect/>
-          <a:stretch>
-            <a:fillRect t="-3000" b="-3000"/>
-          </a:stretch>
-        </a:blipFill>
-        <a:ln w="38100">
-          <a:solidFill>
-            <a:schemeClr val="tx1"/>
-          </a:solidFill>
-        </a:ln>
-      </dgm:spPr>
-    </dgm:pt>
-    <dgm:pt modelId="{CA9C18AC-4C3C-4C34-83F5-D6058628EE91}" type="pres">
-      <dgm:prSet presAssocID="{B2B12E31-701B-4A31-8A1A-8D08F1E32B6D}" presName="sibTrans" presStyleLbl="sibTrans2D1" presStyleIdx="0" presStyleCnt="0"/>
-      <dgm:spPr/>
-    </dgm:pt>
-    <dgm:pt modelId="{4B934A98-165A-45F3-90E1-1D0B4AE4D625}" type="pres">
-      <dgm:prSet presAssocID="{BF100D5A-C241-4E99-8648-3CEB51F97248}" presName="compNode" presStyleCnt="0"/>
-      <dgm:spPr/>
-    </dgm:pt>
-    <dgm:pt modelId="{9580F47D-6F41-47AE-B7B7-831102FFAC49}" type="pres">
-      <dgm:prSet presAssocID="{BF100D5A-C241-4E99-8648-3CEB51F97248}" presName="node" presStyleLbl="node1" presStyleIdx="4" presStyleCnt="5" custScaleY="78926" custLinFactNeighborX="-471" custLinFactNeighborY="-10982">
-        <dgm:presLayoutVars>
-          <dgm:bulletEnabled val="1"/>
-        </dgm:presLayoutVars>
-      </dgm:prSet>
-      <dgm:spPr/>
-    </dgm:pt>
-    <dgm:pt modelId="{A3D7C00B-4FFD-4FB4-BFF8-501E10D5C8E4}" type="pres">
-      <dgm:prSet presAssocID="{BF100D5A-C241-4E99-8648-3CEB51F97248}" presName="invisiNode" presStyleLbl="node1" presStyleIdx="4" presStyleCnt="5"/>
-      <dgm:spPr/>
-    </dgm:pt>
-    <dgm:pt modelId="{B23FC5A9-D547-4D63-930C-4695045DC4BA}" type="pres">
-      <dgm:prSet presAssocID="{BF100D5A-C241-4E99-8648-3CEB51F97248}" presName="imagNode" presStyleLbl="fgImgPlace1" presStyleIdx="4" presStyleCnt="5" custScaleY="143705" custLinFactNeighborY="-5424"/>
-      <dgm:spPr>
-        <a:blipFill>
-          <a:blip xmlns:r="http://schemas.openxmlformats.org/officeDocument/2006/relationships" r:embed="rId7">
-            <a:extLst>
-              <a:ext uri="{28A0092B-C50C-407E-A947-70E740481C1C}">
-                <a14:useLocalDpi xmlns:a14="http://schemas.microsoft.com/office/drawing/2010/main" val="0"/>
-              </a:ext>
-              <a:ext uri="{96DAC541-7B7A-43D3-8B79-37D633B846F1}">
-                <asvg:svgBlip xmlns:asvg="http://schemas.microsoft.com/office/drawing/2016/SVG/main" r:embed="rId8"/>
-              </a:ext>
-            </a:extLst>
-          </a:blip>
-          <a:srcRect/>
-          <a:stretch>
-            <a:fillRect t="-3000" b="-3000"/>
-          </a:stretch>
-        </a:blipFill>
-        <a:ln w="38100">
-          <a:solidFill>
-            <a:schemeClr val="tx1"/>
-          </a:solidFill>
-        </a:ln>
-      </dgm:spPr>
-    </dgm:pt>
-  </dgm:ptLst>
-  <dgm:cxnLst>
-    <dgm:cxn modelId="{D62DE204-DBB9-4A27-A7DA-3F9D4E290CC7}" type="presOf" srcId="{6FD6872C-7915-48A6-A46A-A2A54A9D316D}" destId="{1C8C9B8B-2B08-4954-87BB-FBECFC49BB09}" srcOrd="0" destOrd="0" presId="urn:microsoft.com/office/officeart/2005/8/layout/pList2"/>
-    <dgm:cxn modelId="{588BC42D-ABC6-4649-8D08-66788C5FA156}" type="presOf" srcId="{BCF57B33-D4A1-441E-A0BD-AECACA4C38DF}" destId="{B973585A-0527-4A35-9C97-45EC19B89FBC}" srcOrd="0" destOrd="0" presId="urn:microsoft.com/office/officeart/2005/8/layout/pList2"/>
-    <dgm:cxn modelId="{13026E3A-9391-4057-B3F3-44FF9CA0F342}" type="presOf" srcId="{8B292D4E-E4AA-466C-AB94-C1F22EEFD621}" destId="{7E0C76F9-BACF-4AA4-9732-CA7A167AA591}" srcOrd="0" destOrd="0" presId="urn:microsoft.com/office/officeart/2005/8/layout/pList2"/>
-    <dgm:cxn modelId="{66E05959-8E98-4DBB-8DAB-772F3D83B363}" srcId="{8B292D4E-E4AA-466C-AB94-C1F22EEFD621}" destId="{BF100D5A-C241-4E99-8648-3CEB51F97248}" srcOrd="4" destOrd="0" parTransId="{BB0D0006-5A25-4936-A393-0939AAB63265}" sibTransId="{A4BBCFC2-2653-4F14-86A6-229A77BC4904}"/>
-    <dgm:cxn modelId="{B4E31C7C-DD4B-46FB-81CF-61954F27D5C3}" srcId="{8B292D4E-E4AA-466C-AB94-C1F22EEFD621}" destId="{658CDD95-EE46-411D-8A0C-EABB56232424}" srcOrd="1" destOrd="0" parTransId="{D1A18F50-316A-4399-A868-B7D5F6223426}" sibTransId="{3EB98609-7389-4423-92F3-5222A5693203}"/>
-    <dgm:cxn modelId="{E3A02A85-D57B-4FAB-899A-A68604368F43}" type="presOf" srcId="{B2B12E31-701B-4A31-8A1A-8D08F1E32B6D}" destId="{CA9C18AC-4C3C-4C34-83F5-D6058628EE91}" srcOrd="0" destOrd="0" presId="urn:microsoft.com/office/officeart/2005/8/layout/pList2"/>
-    <dgm:cxn modelId="{063CD8A4-2A8B-4293-9006-474B79B457C6}" type="presOf" srcId="{56D60A54-9C40-4BA3-9BAD-AECF4E33F274}" destId="{BE098F9A-349D-4C7C-A087-0A7F0134C226}" srcOrd="0" destOrd="0" presId="urn:microsoft.com/office/officeart/2005/8/layout/pList2"/>
-    <dgm:cxn modelId="{2C8D11AE-138D-44AB-88FB-34F1DCA0B8C7}" srcId="{8B292D4E-E4AA-466C-AB94-C1F22EEFD621}" destId="{6FD6872C-7915-48A6-A46A-A2A54A9D316D}" srcOrd="0" destOrd="0" parTransId="{DE19533A-F274-4460-941E-F46BF7E98189}" sibTransId="{B7FF2D59-3F08-4561-AA3C-8F2A5231A1F0}"/>
-    <dgm:cxn modelId="{338E3FB5-A6DE-44DF-B858-574F6A662273}" type="presOf" srcId="{8B1E9B4F-2812-498E-8C87-0BF4A42A2FBD}" destId="{83E2EEA7-6893-49CB-83E0-7C41893E1113}" srcOrd="0" destOrd="0" presId="urn:microsoft.com/office/officeart/2005/8/layout/pList2"/>
-    <dgm:cxn modelId="{1E2C28BE-4D02-4D90-9DFE-67F975849C14}" type="presOf" srcId="{658CDD95-EE46-411D-8A0C-EABB56232424}" destId="{142D871C-56D8-42FA-BA62-209C8B30A2FA}" srcOrd="0" destOrd="0" presId="urn:microsoft.com/office/officeart/2005/8/layout/pList2"/>
-    <dgm:cxn modelId="{518773C2-7C26-407B-B1C6-EB32BE63FAAA}" type="presOf" srcId="{3EB98609-7389-4423-92F3-5222A5693203}" destId="{605705FC-A387-44C2-A6B7-88E7C0507124}" srcOrd="0" destOrd="0" presId="urn:microsoft.com/office/officeart/2005/8/layout/pList2"/>
-    <dgm:cxn modelId="{D8F6F5D5-5604-4DF9-A8EC-8AAB7A28FBDA}" srcId="{8B292D4E-E4AA-466C-AB94-C1F22EEFD621}" destId="{56D60A54-9C40-4BA3-9BAD-AECF4E33F274}" srcOrd="3" destOrd="0" parTransId="{1CDCCEC5-1B49-415B-BA4E-3C8CAA4F5C24}" sibTransId="{B2B12E31-701B-4A31-8A1A-8D08F1E32B6D}"/>
-    <dgm:cxn modelId="{A3EC88D7-0701-4846-9A53-9B6EEADEACCF}" type="presOf" srcId="{BF100D5A-C241-4E99-8648-3CEB51F97248}" destId="{9580F47D-6F41-47AE-B7B7-831102FFAC49}" srcOrd="0" destOrd="0" presId="urn:microsoft.com/office/officeart/2005/8/layout/pList2"/>
-    <dgm:cxn modelId="{91498FD8-5DAD-41AD-AC48-9195E173DB42}" type="presOf" srcId="{B7FF2D59-3F08-4561-AA3C-8F2A5231A1F0}" destId="{0C6F8F80-5A59-409D-88C1-17119AA98B15}" srcOrd="0" destOrd="0" presId="urn:microsoft.com/office/officeart/2005/8/layout/pList2"/>
-    <dgm:cxn modelId="{FDD0C3F1-AC52-4DEE-BC5F-6016DE918145}" srcId="{8B292D4E-E4AA-466C-AB94-C1F22EEFD621}" destId="{8B1E9B4F-2812-498E-8C87-0BF4A42A2FBD}" srcOrd="2" destOrd="0" parTransId="{5CCF936B-E2AB-4398-976F-EA661DAE0B07}" sibTransId="{BCF57B33-D4A1-441E-A0BD-AECACA4C38DF}"/>
-    <dgm:cxn modelId="{15A71568-198B-45C8-97F7-A43C4E94A200}" type="presParOf" srcId="{7E0C76F9-BACF-4AA4-9732-CA7A167AA591}" destId="{1C719EC1-8216-46EF-B6C9-6C088C78991D}" srcOrd="0" destOrd="0" presId="urn:microsoft.com/office/officeart/2005/8/layout/pList2"/>
-    <dgm:cxn modelId="{6E9F1B23-D896-43C3-BFA6-055171F8A5A3}" type="presParOf" srcId="{7E0C76F9-BACF-4AA4-9732-CA7A167AA591}" destId="{2236451B-8630-423E-92F4-3D7CD2CA2C5D}" srcOrd="1" destOrd="0" presId="urn:microsoft.com/office/officeart/2005/8/layout/pList2"/>
-    <dgm:cxn modelId="{927B2385-2C35-4486-B72E-DE834D6929BD}" type="presParOf" srcId="{2236451B-8630-423E-92F4-3D7CD2CA2C5D}" destId="{AEDC568B-A7B3-4E4F-9FCA-DE9DA52F7978}" srcOrd="0" destOrd="0" presId="urn:microsoft.com/office/officeart/2005/8/layout/pList2"/>
-    <dgm:cxn modelId="{E5F6645E-3400-4A4B-84EE-D21182EF55A4}" type="presParOf" srcId="{AEDC568B-A7B3-4E4F-9FCA-DE9DA52F7978}" destId="{1C8C9B8B-2B08-4954-87BB-FBECFC49BB09}" srcOrd="0" destOrd="0" presId="urn:microsoft.com/office/officeart/2005/8/layout/pList2"/>
-    <dgm:cxn modelId="{749F81A2-6C2E-410F-BFD3-96250D1DE0A2}" type="presParOf" srcId="{AEDC568B-A7B3-4E4F-9FCA-DE9DA52F7978}" destId="{3647E5F2-08DF-4471-84B4-0DC26400FC34}" srcOrd="1" destOrd="0" presId="urn:microsoft.com/office/officeart/2005/8/layout/pList2"/>
-    <dgm:cxn modelId="{A0AD6180-14C1-4BA5-AE9B-C26268577C52}" type="presParOf" srcId="{AEDC568B-A7B3-4E4F-9FCA-DE9DA52F7978}" destId="{1ECCB3F3-9D78-4535-9A1B-0EA1C81DF89E}" srcOrd="2" destOrd="0" presId="urn:microsoft.com/office/officeart/2005/8/layout/pList2"/>
-    <dgm:cxn modelId="{6440ECF7-6E55-4D08-8312-760EECFC264B}" type="presParOf" srcId="{2236451B-8630-423E-92F4-3D7CD2CA2C5D}" destId="{0C6F8F80-5A59-409D-88C1-17119AA98B15}" srcOrd="1" destOrd="0" presId="urn:microsoft.com/office/officeart/2005/8/layout/pList2"/>
-    <dgm:cxn modelId="{EC2D78E6-235B-4959-BB32-95A6A6230A4F}" type="presParOf" srcId="{2236451B-8630-423E-92F4-3D7CD2CA2C5D}" destId="{A1532042-8722-4E11-9F76-B3132E77D33E}" srcOrd="2" destOrd="0" presId="urn:microsoft.com/office/officeart/2005/8/layout/pList2"/>
-    <dgm:cxn modelId="{54C5DB48-C5DC-4625-AE91-62A9C349965D}" type="presParOf" srcId="{A1532042-8722-4E11-9F76-B3132E77D33E}" destId="{142D871C-56D8-42FA-BA62-209C8B30A2FA}" srcOrd="0" destOrd="0" presId="urn:microsoft.com/office/officeart/2005/8/layout/pList2"/>
-    <dgm:cxn modelId="{51F3BF18-149C-4C94-903F-D85C16847B18}" type="presParOf" srcId="{A1532042-8722-4E11-9F76-B3132E77D33E}" destId="{AF5DD5C0-7CBE-4B45-AF80-8C4BD46D9E46}" srcOrd="1" destOrd="0" presId="urn:microsoft.com/office/officeart/2005/8/layout/pList2"/>
-    <dgm:cxn modelId="{8062C20C-EF71-44CE-A6BA-216287B87942}" type="presParOf" srcId="{A1532042-8722-4E11-9F76-B3132E77D33E}" destId="{8D66C056-FE9C-438E-B0C2-B16612CB00FF}" srcOrd="2" destOrd="0" presId="urn:microsoft.com/office/officeart/2005/8/layout/pList2"/>
-    <dgm:cxn modelId="{8BAD59CE-206F-4E62-8A1B-C1B0D801DEE8}" type="presParOf" srcId="{2236451B-8630-423E-92F4-3D7CD2CA2C5D}" destId="{605705FC-A387-44C2-A6B7-88E7C0507124}" srcOrd="3" destOrd="0" presId="urn:microsoft.com/office/officeart/2005/8/layout/pList2"/>
-    <dgm:cxn modelId="{2E70EBF4-4569-45B8-8802-151E35D48F08}" type="presParOf" srcId="{2236451B-8630-423E-92F4-3D7CD2CA2C5D}" destId="{AE44BE70-686F-40FB-AA24-E78ADEEF36DC}" srcOrd="4" destOrd="0" presId="urn:microsoft.com/office/officeart/2005/8/layout/pList2"/>
-    <dgm:cxn modelId="{DA96A60B-8EAC-4CA8-BD93-A3FBAA8A6626}" type="presParOf" srcId="{AE44BE70-686F-40FB-AA24-E78ADEEF36DC}" destId="{83E2EEA7-6893-49CB-83E0-7C41893E1113}" srcOrd="0" destOrd="0" presId="urn:microsoft.com/office/officeart/2005/8/layout/pList2"/>
-    <dgm:cxn modelId="{DE43650C-4B71-47EF-88D4-B9DAC50F3484}" type="presParOf" srcId="{AE44BE70-686F-40FB-AA24-E78ADEEF36DC}" destId="{1D130E05-98AF-41D4-A9B4-B2E140C9A4A6}" srcOrd="1" destOrd="0" presId="urn:microsoft.com/office/officeart/2005/8/layout/pList2"/>
-    <dgm:cxn modelId="{1366F3AC-B17C-4189-AED4-4BA3944ECD3A}" type="presParOf" srcId="{AE44BE70-686F-40FB-AA24-E78ADEEF36DC}" destId="{3E077112-7DAD-4823-9108-BEAF9D53921A}" srcOrd="2" destOrd="0" presId="urn:microsoft.com/office/officeart/2005/8/layout/pList2"/>
-    <dgm:cxn modelId="{7AE7A6CD-4770-42A0-805F-B4782ABEF2C0}" type="presParOf" srcId="{2236451B-8630-423E-92F4-3D7CD2CA2C5D}" destId="{B973585A-0527-4A35-9C97-45EC19B89FBC}" srcOrd="5" destOrd="0" presId="urn:microsoft.com/office/officeart/2005/8/layout/pList2"/>
-    <dgm:cxn modelId="{71C40210-48B3-4609-A6ED-492E59DA49EE}" type="presParOf" srcId="{2236451B-8630-423E-92F4-3D7CD2CA2C5D}" destId="{11FC72C1-D2D1-47F7-A809-42AAD3B852EB}" srcOrd="6" destOrd="0" presId="urn:microsoft.com/office/officeart/2005/8/layout/pList2"/>
-    <dgm:cxn modelId="{84B32858-AA7C-491B-A283-2CE57BA03857}" type="presParOf" srcId="{11FC72C1-D2D1-47F7-A809-42AAD3B852EB}" destId="{BE098F9A-349D-4C7C-A087-0A7F0134C226}" srcOrd="0" destOrd="0" presId="urn:microsoft.com/office/officeart/2005/8/layout/pList2"/>
-    <dgm:cxn modelId="{74C6EE8B-7FEE-4264-9DCA-D352DDDAA768}" type="presParOf" srcId="{11FC72C1-D2D1-47F7-A809-42AAD3B852EB}" destId="{DF5B0F72-7697-4004-8E7D-1F57F15C6696}" srcOrd="1" destOrd="0" presId="urn:microsoft.com/office/officeart/2005/8/layout/pList2"/>
-    <dgm:cxn modelId="{22D06910-D77B-4F94-A802-FDF3BF3573C4}" type="presParOf" srcId="{11FC72C1-D2D1-47F7-A809-42AAD3B852EB}" destId="{8FBA776F-3BC7-4E63-B2F2-4C0F22C0D9DD}" srcOrd="2" destOrd="0" presId="urn:microsoft.com/office/officeart/2005/8/layout/pList2"/>
-    <dgm:cxn modelId="{01F04D14-FB61-43B6-9D9F-F8FC0C3A7303}" type="presParOf" srcId="{2236451B-8630-423E-92F4-3D7CD2CA2C5D}" destId="{CA9C18AC-4C3C-4C34-83F5-D6058628EE91}" srcOrd="7" destOrd="0" presId="urn:microsoft.com/office/officeart/2005/8/layout/pList2"/>
-    <dgm:cxn modelId="{C7B37040-FD51-4667-A84B-07A061E5C210}" type="presParOf" srcId="{2236451B-8630-423E-92F4-3D7CD2CA2C5D}" destId="{4B934A98-165A-45F3-90E1-1D0B4AE4D625}" srcOrd="8" destOrd="0" presId="urn:microsoft.com/office/officeart/2005/8/layout/pList2"/>
-    <dgm:cxn modelId="{B726F835-E34C-4936-B39F-D65BB1407163}" type="presParOf" srcId="{4B934A98-165A-45F3-90E1-1D0B4AE4D625}" destId="{9580F47D-6F41-47AE-B7B7-831102FFAC49}" srcOrd="0" destOrd="0" presId="urn:microsoft.com/office/officeart/2005/8/layout/pList2"/>
-    <dgm:cxn modelId="{A1A20EA3-47BE-4AFE-85FB-2B1325C0072C}" type="presParOf" srcId="{4B934A98-165A-45F3-90E1-1D0B4AE4D625}" destId="{A3D7C00B-4FFD-4FB4-BFF8-501E10D5C8E4}" srcOrd="1" destOrd="0" presId="urn:microsoft.com/office/officeart/2005/8/layout/pList2"/>
-    <dgm:cxn modelId="{4CF82349-CE9A-4235-B343-60704178AF24}" type="presParOf" srcId="{4B934A98-165A-45F3-90E1-1D0B4AE4D625}" destId="{B23FC5A9-D547-4D63-930C-4695045DC4BA}" srcOrd="2" destOrd="0" presId="urn:microsoft.com/office/officeart/2005/8/layout/pList2"/>
-  </dgm:cxnLst>
-  <dgm:bg/>
-  <dgm:whole/>
-  <dgm:extLst>
-    <a:ext uri="http://schemas.microsoft.com/office/drawing/2008/diagram">
-      <dsp:dataModelExt xmlns:dsp="http://schemas.microsoft.com/office/drawing/2008/diagram" relId="rId6" minVer="http://schemas.openxmlformats.org/drawingml/2006/diagram"/>
-    </a:ext>
-  </dgm:extLst>
-</dgm:dataModel>
-</file>
-
-<file path=ppt/diagrams/data4.xml><?xml version="1.0" encoding="utf-8"?>
-<dgm:dataModel xmlns:dgm="http://schemas.openxmlformats.org/drawingml/2006/diagram" xmlns:a="http://schemas.openxmlformats.org/drawingml/2006/main">
-  <dgm:ptLst>
     <dgm:pt modelId="{59D30714-9006-46BC-89DD-C5040DE7D8AF}" type="doc">
       <dgm:prSet loTypeId="urn:microsoft.com/office/officeart/2005/8/layout/vList6" loCatId="list" qsTypeId="urn:microsoft.com/office/officeart/2005/8/quickstyle/simple1" qsCatId="simple" csTypeId="urn:microsoft.com/office/officeart/2005/8/colors/accent1_2" csCatId="accent1" phldr="1"/>
       <dgm:spPr/>
@@ -6938,7 +6174,7 @@
       <dgm:prSet phldrT="[Texte]" custT="1"/>
       <dgm:spPr>
         <a:solidFill>
-          <a:srgbClr val="C5A073"/>
+          <a:srgbClr val="8BC7B1"/>
         </a:solidFill>
         <a:ln w="76200">
           <a:solidFill>
@@ -6983,7 +6219,7 @@
       </dgm:t>
     </dgm:pt>
     <dgm:pt modelId="{5D4F2FC3-9F16-43AB-A95A-74D2C3026EEB}">
-      <dgm:prSet phldrT="[Texte]"/>
+      <dgm:prSet phldrT="[Texte]" custT="1"/>
       <dgm:spPr>
         <a:solidFill>
           <a:srgbClr val="FBF0E3">
@@ -6995,22 +6231,18 @@
         </a:ln>
       </dgm:spPr>
       <dgm:t>
-        <a:bodyPr anchor="ctr"/>
+        <a:bodyPr lIns="144000" rIns="0" anchor="ctr"/>
         <a:lstStyle/>
         <a:p>
           <a:r>
-            <a:rPr lang="fr-FR" b="1" dirty="0">
+            <a:rPr lang="fr-FR" sz="2400" b="0" dirty="0">
+              <a:solidFill>
+                <a:srgbClr val="A67A44"/>
+              </a:solidFill>
               <a:latin typeface="Arial" panose="020B0604020202020204" pitchFamily="34" charset="0"/>
               <a:cs typeface="Arial" panose="020B0604020202020204" pitchFamily="34" charset="0"/>
             </a:rPr>
-            <a:t>Service client </a:t>
-          </a:r>
-          <a:r>
-            <a:rPr lang="fr-FR" dirty="0">
-              <a:latin typeface="Arial" panose="020B0604020202020204" pitchFamily="34" charset="0"/>
-              <a:cs typeface="Arial" panose="020B0604020202020204" pitchFamily="34" charset="0"/>
-            </a:rPr>
-            <a:t>:</a:t>
+            <a:t>Service client :</a:t>
           </a:r>
         </a:p>
       </dgm:t>
@@ -7038,7 +6270,7 @@
       </dgm:t>
     </dgm:pt>
     <dgm:pt modelId="{1245F57A-56CA-4BFF-BCC2-DB3CCA36AAF7}">
-      <dgm:prSet phldrT="[Texte]"/>
+      <dgm:prSet phldrT="[Texte]" custT="1"/>
       <dgm:spPr>
         <a:solidFill>
           <a:srgbClr val="FBF0E3">
@@ -7050,36 +6282,38 @@
         </a:ln>
       </dgm:spPr>
       <dgm:t>
-        <a:bodyPr anchor="ctr"/>
+        <a:bodyPr lIns="144000" rIns="0" anchor="ctr"/>
         <a:lstStyle/>
         <a:p>
           <a:r>
-            <a:rPr lang="fr-FR" b="1" dirty="0">
+            <a:rPr lang="fr-FR" sz="2400" b="0" dirty="0">
+              <a:solidFill>
+                <a:srgbClr val="A67A44"/>
+              </a:solidFill>
               <a:latin typeface="Arial" panose="020B0604020202020204" pitchFamily="34" charset="0"/>
               <a:cs typeface="Arial" panose="020B0604020202020204" pitchFamily="34" charset="0"/>
             </a:rPr>
             <a:t>Notre Product </a:t>
           </a:r>
           <a:r>
-            <a:rPr lang="fr-FR" b="1" dirty="0" err="1">
+            <a:rPr lang="fr-FR" sz="2400" b="0" dirty="0" err="1">
+              <a:solidFill>
+                <a:srgbClr val="A67A44"/>
+              </a:solidFill>
               <a:latin typeface="Arial" panose="020B0604020202020204" pitchFamily="34" charset="0"/>
               <a:cs typeface="Arial" panose="020B0604020202020204" pitchFamily="34" charset="0"/>
             </a:rPr>
             <a:t>Owner</a:t>
           </a:r>
           <a:r>
-            <a:rPr lang="fr-FR" b="1" dirty="0">
+            <a:rPr lang="fr-FR" sz="2400" b="0" dirty="0">
+              <a:solidFill>
+                <a:srgbClr val="A67A44"/>
+              </a:solidFill>
               <a:latin typeface="Arial" panose="020B0604020202020204" pitchFamily="34" charset="0"/>
               <a:cs typeface="Arial" panose="020B0604020202020204" pitchFamily="34" charset="0"/>
             </a:rPr>
-            <a:t> </a:t>
-          </a:r>
-          <a:r>
-            <a:rPr lang="fr-FR" dirty="0">
-              <a:latin typeface="Arial" panose="020B0604020202020204" pitchFamily="34" charset="0"/>
-              <a:cs typeface="Arial" panose="020B0604020202020204" pitchFamily="34" charset="0"/>
-            </a:rPr>
-            <a:t>:</a:t>
+            <a:t> :</a:t>
           </a:r>
         </a:p>
       </dgm:t>
@@ -7110,7 +6344,7 @@
       <dgm:prSet phldrT="[Texte]" custT="1"/>
       <dgm:spPr>
         <a:solidFill>
-          <a:srgbClr val="C5A073"/>
+          <a:srgbClr val="8BC7B1"/>
         </a:solidFill>
         <a:ln w="76200">
           <a:solidFill>
@@ -7127,7 +6361,7 @@
               <a:latin typeface="Arial" panose="020B0604020202020204" pitchFamily="34" charset="0"/>
               <a:cs typeface="Arial" panose="020B0604020202020204" pitchFamily="34" charset="0"/>
             </a:rPr>
-            <a:t>Nos réseaux</a:t>
+            <a:t>Nos réseaux sociaux</a:t>
           </a:r>
         </a:p>
       </dgm:t>
@@ -7155,7 +6389,7 @@
       </dgm:t>
     </dgm:pt>
     <dgm:pt modelId="{463D7BB9-5F4A-45B1-95BA-DB4FAC88D4AC}">
-      <dgm:prSet phldrT="[Texte]"/>
+      <dgm:prSet phldrT="[Texte]" custT="1"/>
       <dgm:spPr>
         <a:solidFill>
           <a:srgbClr val="FBF0E3">
@@ -7167,31 +6401,31 @@
         </a:ln>
       </dgm:spPr>
       <dgm:t>
-        <a:bodyPr anchor="ctr"/>
+        <a:bodyPr lIns="144000" rIns="0" anchor="ctr"/>
         <a:lstStyle/>
         <a:p>
           <a:r>
-            <a:rPr lang="fr-FR" b="1" dirty="0">
+            <a:rPr lang="fr-FR" sz="2700" b="0" dirty="0">
               <a:latin typeface="Arial" panose="020B0604020202020204" pitchFamily="34" charset="0"/>
               <a:cs typeface="Arial" panose="020B0604020202020204" pitchFamily="34" charset="0"/>
             </a:rPr>
-            <a:t>Facebook</a:t>
+            <a:t>Facebook : </a:t>
           </a:r>
           <a:r>
-            <a:rPr lang="fr-FR" dirty="0">
+            <a:rPr lang="fr-FR" sz="2700" b="1" dirty="0">
               <a:latin typeface="Arial" panose="020B0604020202020204" pitchFamily="34" charset="0"/>
               <a:cs typeface="Arial" panose="020B0604020202020204" pitchFamily="34" charset="0"/>
             </a:rPr>
-            <a:t> : Agence </a:t>
+            <a:t>Agence </a:t>
           </a:r>
           <a:r>
-            <a:rPr lang="fr-FR" dirty="0" err="1">
+            <a:rPr lang="fr-FR" sz="2700" b="1" dirty="0" err="1">
               <a:latin typeface="Arial" panose="020B0604020202020204" pitchFamily="34" charset="0"/>
               <a:cs typeface="Arial" panose="020B0604020202020204" pitchFamily="34" charset="0"/>
             </a:rPr>
             <a:t>Webgencia</a:t>
           </a:r>
-          <a:endParaRPr lang="fr-FR" dirty="0">
+          <a:endParaRPr lang="fr-FR" sz="2700" b="1" dirty="0">
             <a:latin typeface="Arial" panose="020B0604020202020204" pitchFamily="34" charset="0"/>
             <a:cs typeface="Arial" panose="020B0604020202020204" pitchFamily="34" charset="0"/>
           </a:endParaRPr>
@@ -7221,7 +6455,7 @@
       </dgm:t>
     </dgm:pt>
     <dgm:pt modelId="{D8E09482-AB8A-44D9-AF62-6E90C5B822DA}">
-      <dgm:prSet phldrT="[Texte]"/>
+      <dgm:prSet phldrT="[Texte]" custT="1"/>
       <dgm:spPr>
         <a:solidFill>
           <a:srgbClr val="FBF0E3">
@@ -7233,22 +6467,29 @@
         </a:ln>
       </dgm:spPr>
       <dgm:t>
-        <a:bodyPr anchor="ctr"/>
+        <a:bodyPr lIns="144000" rIns="0" anchor="ctr"/>
         <a:lstStyle/>
         <a:p>
           <a:r>
-            <a:rPr lang="fr-FR" b="1" dirty="0">
+            <a:rPr lang="fr-FR" sz="2700" b="0" dirty="0">
               <a:latin typeface="Arial" panose="020B0604020202020204" pitchFamily="34" charset="0"/>
               <a:cs typeface="Arial" panose="020B0604020202020204" pitchFamily="34" charset="0"/>
             </a:rPr>
-            <a:t>Twitter</a:t>
+            <a:t>Twitter :</a:t>
           </a:r>
           <a:r>
-            <a:rPr lang="fr-FR" dirty="0">
+            <a:rPr lang="fr-FR" sz="2700" dirty="0">
               <a:latin typeface="Arial" panose="020B0604020202020204" pitchFamily="34" charset="0"/>
               <a:cs typeface="Arial" panose="020B0604020202020204" pitchFamily="34" charset="0"/>
             </a:rPr>
-            <a:t> : @webgencia</a:t>
+            <a:t> </a:t>
+          </a:r>
+          <a:r>
+            <a:rPr lang="fr-FR" sz="2700" b="1" dirty="0">
+              <a:latin typeface="Arial" panose="020B0604020202020204" pitchFamily="34" charset="0"/>
+              <a:cs typeface="Arial" panose="020B0604020202020204" pitchFamily="34" charset="0"/>
+            </a:rPr>
+            <a:t>@webgencia</a:t>
           </a:r>
         </a:p>
       </dgm:t>
@@ -7288,7 +6529,7 @@
         </a:ln>
       </dgm:spPr>
       <dgm:t>
-        <a:bodyPr anchor="ctr"/>
+        <a:bodyPr lIns="144000" rIns="0" anchor="ctr"/>
         <a:lstStyle/>
         <a:p>
           <a:pPr>
@@ -7297,11 +6538,18 @@
             <a:buChar char=""/>
           </a:pPr>
           <a:r>
-            <a:rPr lang="fr-FR" dirty="0">
+            <a:rPr lang="fr-FR" sz="2700" dirty="0">
               <a:latin typeface="Arial" panose="020B0604020202020204" pitchFamily="34" charset="0"/>
               <a:cs typeface="Arial" panose="020B0604020202020204" pitchFamily="34" charset="0"/>
             </a:rPr>
-            <a:t>  contact@webgencia.fr</a:t>
+            <a:t>  </a:t>
+          </a:r>
+          <a:r>
+            <a:rPr lang="fr-FR" sz="2700" b="1" dirty="0">
+              <a:latin typeface="Arial" panose="020B0604020202020204" pitchFamily="34" charset="0"/>
+              <a:cs typeface="Arial" panose="020B0604020202020204" pitchFamily="34" charset="0"/>
+            </a:rPr>
+            <a:t>contact@webgencia.fr</a:t>
           </a:r>
         </a:p>
       </dgm:t>
@@ -7341,7 +6589,7 @@
         </a:ln>
       </dgm:spPr>
       <dgm:t>
-        <a:bodyPr anchor="ctr"/>
+        <a:bodyPr lIns="144000" rIns="0" anchor="ctr"/>
         <a:lstStyle/>
         <a:p>
           <a:pPr>
@@ -7350,11 +6598,18 @@
             <a:buChar char=""/>
           </a:pPr>
           <a:r>
-            <a:rPr lang="fr-FR" dirty="0">
+            <a:rPr lang="fr-FR" sz="2700" dirty="0">
               <a:latin typeface="Arial" panose="020B0604020202020204" pitchFamily="34" charset="0"/>
               <a:cs typeface="Arial" panose="020B0604020202020204" pitchFamily="34" charset="0"/>
             </a:rPr>
-            <a:t>  PO-soufiane@webgencia.fr</a:t>
+            <a:t>  </a:t>
+          </a:r>
+          <a:r>
+            <a:rPr lang="fr-FR" sz="2700" b="1" dirty="0">
+              <a:latin typeface="Arial" panose="020B0604020202020204" pitchFamily="34" charset="0"/>
+              <a:cs typeface="Arial" panose="020B0604020202020204" pitchFamily="34" charset="0"/>
+            </a:rPr>
+            <a:t>PO-soufiane@webgencia.fr</a:t>
           </a:r>
         </a:p>
       </dgm:t>
@@ -7404,7 +6659,7 @@
       <dgm:spPr/>
     </dgm:pt>
     <dgm:pt modelId="{DF580ADD-F4F7-42D8-8E1B-D470F69BB4AF}" type="pres">
-      <dgm:prSet presAssocID="{1AC18A02-8E65-46D6-B6D4-0AD0F9430870}" presName="childShp" presStyleLbl="bgAccFollowNode1" presStyleIdx="0" presStyleCnt="2">
+      <dgm:prSet presAssocID="{1AC18A02-8E65-46D6-B6D4-0AD0F9430870}" presName="childShp" presStyleLbl="bgAccFollowNode1" presStyleIdx="0" presStyleCnt="2" custScaleX="107915" custLinFactNeighborY="-433">
         <dgm:presLayoutVars>
           <dgm:bulletEnabled val="1"/>
         </dgm:presLayoutVars>
@@ -7428,7 +6683,7 @@
       <dgm:spPr/>
     </dgm:pt>
     <dgm:pt modelId="{58CCF19F-80DF-4906-A893-6A2A9AD09A71}" type="pres">
-      <dgm:prSet presAssocID="{27D271BE-EF1C-4E2B-8D88-6B813BAFC349}" presName="childShp" presStyleLbl="bgAccFollowNode1" presStyleIdx="1" presStyleCnt="2">
+      <dgm:prSet presAssocID="{27D271BE-EF1C-4E2B-8D88-6B813BAFC349}" presName="childShp" presStyleLbl="bgAccFollowNode1" presStyleIdx="1" presStyleCnt="2" custScaleX="107287">
         <dgm:presLayoutVars>
           <dgm:bulletEnabled val="1"/>
         </dgm:presLayoutVars>
@@ -7497,16 +6752,12 @@
             <a:gd name="adj3" fmla="val 282"/>
           </a:avLst>
         </a:prstGeom>
-        <a:noFill/>
+        <a:solidFill>
+          <a:schemeClr val="tx1"/>
+        </a:solidFill>
         <a:ln w="12700" cap="flat" cmpd="sng" algn="ctr">
           <a:solidFill>
-            <a:schemeClr val="accent1">
-              <a:shade val="60000"/>
-              <a:hueOff val="0"/>
-              <a:satOff val="0"/>
-              <a:lumOff val="0"/>
-              <a:alphaOff val="0"/>
-            </a:schemeClr>
+            <a:schemeClr val="tx1"/>
           </a:solidFill>
           <a:prstDash val="solid"/>
           <a:miter lim="800000"/>
@@ -7542,15 +6793,8 @@
         <a:solidFill>
           <a:srgbClr val="8BC7B1"/>
         </a:solidFill>
-        <a:ln w="12700" cap="flat" cmpd="sng" algn="ctr">
-          <a:solidFill>
-            <a:schemeClr val="lt1">
-              <a:hueOff val="0"/>
-              <a:satOff val="0"/>
-              <a:lumOff val="0"/>
-              <a:alphaOff val="0"/>
-            </a:schemeClr>
-          </a:solidFill>
+        <a:ln w="38100" cap="flat" cmpd="sng" algn="ctr">
+          <a:noFill/>
           <a:prstDash val="solid"/>
           <a:miter lim="800000"/>
         </a:ln>
@@ -7571,12 +6815,12 @@
         </a:fontRef>
       </dsp:style>
       <dsp:txBody>
-        <a:bodyPr spcFirstLastPara="0" vert="horz" wrap="square" lIns="475988" tIns="78740" rIns="78740" bIns="78740" numCol="1" spcCol="1270" anchor="ctr" anchorCtr="0">
+        <a:bodyPr spcFirstLastPara="0" vert="horz" wrap="square" lIns="475988" tIns="81280" rIns="81280" bIns="81280" numCol="1" spcCol="1270" anchor="ctr" anchorCtr="0">
           <a:noAutofit/>
         </a:bodyPr>
         <a:lstStyle/>
         <a:p>
-          <a:pPr marL="0" lvl="0" indent="0" algn="l" defTabSz="1377950">
+          <a:pPr marL="0" lvl="0" indent="0" algn="l" defTabSz="1422400">
             <a:lnSpc>
               <a:spcPct val="90000"/>
             </a:lnSpc>
@@ -7589,7 +6833,7 @@
             <a:buNone/>
           </a:pPr>
           <a:r>
-            <a:rPr lang="fr-FR" sz="3100" kern="1200" dirty="0"/>
+            <a:rPr lang="fr-FR" sz="3200" b="0" kern="1200" dirty="0"/>
             <a:t>Mise à jour régulière</a:t>
           </a:r>
         </a:p>
@@ -7620,14 +6864,9 @@
             <a:alphaOff val="0"/>
           </a:schemeClr>
         </a:solidFill>
-        <a:ln w="12700" cap="flat" cmpd="sng" algn="ctr">
+        <a:ln w="38100" cap="flat" cmpd="sng" algn="ctr">
           <a:solidFill>
-            <a:schemeClr val="accent1">
-              <a:hueOff val="0"/>
-              <a:satOff val="0"/>
-              <a:lumOff val="0"/>
-              <a:alphaOff val="0"/>
-            </a:schemeClr>
+            <a:schemeClr val="tx1"/>
           </a:solidFill>
           <a:prstDash val="solid"/>
           <a:miter lim="800000"/>
@@ -7663,15 +6902,8 @@
         <a:solidFill>
           <a:srgbClr val="C5A073"/>
         </a:solidFill>
-        <a:ln w="12700" cap="flat" cmpd="sng" algn="ctr">
-          <a:solidFill>
-            <a:schemeClr val="lt1">
-              <a:hueOff val="0"/>
-              <a:satOff val="0"/>
-              <a:lumOff val="0"/>
-              <a:alphaOff val="0"/>
-            </a:schemeClr>
-          </a:solidFill>
+        <a:ln w="38100" cap="flat" cmpd="sng" algn="ctr">
+          <a:noFill/>
           <a:prstDash val="solid"/>
           <a:miter lim="800000"/>
         </a:ln>
@@ -7692,12 +6924,12 @@
         </a:fontRef>
       </dsp:style>
       <dsp:txBody>
-        <a:bodyPr spcFirstLastPara="0" vert="horz" wrap="square" lIns="475988" tIns="78740" rIns="78740" bIns="78740" numCol="1" spcCol="1270" anchor="ctr" anchorCtr="0">
+        <a:bodyPr spcFirstLastPara="0" vert="horz" wrap="square" lIns="475988" tIns="81280" rIns="81280" bIns="81280" numCol="1" spcCol="1270" anchor="ctr" anchorCtr="0">
           <a:noAutofit/>
         </a:bodyPr>
         <a:lstStyle/>
         <a:p>
-          <a:pPr marL="0" lvl="0" indent="0" algn="l" defTabSz="1377950">
+          <a:pPr marL="0" lvl="0" indent="0" algn="l" defTabSz="1422400">
             <a:lnSpc>
               <a:spcPct val="90000"/>
             </a:lnSpc>
@@ -7710,7 +6942,7 @@
             <a:buNone/>
           </a:pPr>
           <a:r>
-            <a:rPr lang="fr-FR" sz="3100" kern="1200" dirty="0"/>
+            <a:rPr lang="fr-FR" sz="3200" b="0" kern="1200" dirty="0"/>
             <a:t>Sauvegarde régulière</a:t>
           </a:r>
         </a:p>
@@ -7741,14 +6973,9 @@
             <a:alphaOff val="0"/>
           </a:schemeClr>
         </a:solidFill>
-        <a:ln w="12700" cap="flat" cmpd="sng" algn="ctr">
+        <a:ln w="38100" cap="flat" cmpd="sng" algn="ctr">
           <a:solidFill>
-            <a:schemeClr val="accent1">
-              <a:hueOff val="0"/>
-              <a:satOff val="0"/>
-              <a:lumOff val="0"/>
-              <a:alphaOff val="0"/>
-            </a:schemeClr>
+            <a:schemeClr val="tx1"/>
           </a:solidFill>
           <a:prstDash val="solid"/>
           <a:miter lim="800000"/>
@@ -7784,15 +7011,8 @@
         <a:solidFill>
           <a:srgbClr val="8BC7B1"/>
         </a:solidFill>
-        <a:ln w="12700" cap="flat" cmpd="sng" algn="ctr">
-          <a:solidFill>
-            <a:schemeClr val="lt1">
-              <a:hueOff val="0"/>
-              <a:satOff val="0"/>
-              <a:lumOff val="0"/>
-              <a:alphaOff val="0"/>
-            </a:schemeClr>
-          </a:solidFill>
+        <a:ln w="38100" cap="flat" cmpd="sng" algn="ctr">
+          <a:noFill/>
           <a:prstDash val="solid"/>
           <a:miter lim="800000"/>
         </a:ln>
@@ -7813,12 +7033,12 @@
         </a:fontRef>
       </dsp:style>
       <dsp:txBody>
-        <a:bodyPr spcFirstLastPara="0" vert="horz" wrap="square" lIns="475988" tIns="78740" rIns="78740" bIns="78740" numCol="1" spcCol="1270" anchor="ctr" anchorCtr="0">
+        <a:bodyPr spcFirstLastPara="0" vert="horz" wrap="square" lIns="475988" tIns="81280" rIns="81280" bIns="81280" numCol="1" spcCol="1270" anchor="ctr" anchorCtr="0">
           <a:noAutofit/>
         </a:bodyPr>
         <a:lstStyle/>
         <a:p>
-          <a:pPr marL="0" lvl="0" indent="0" algn="l" defTabSz="1377950">
+          <a:pPr marL="0" lvl="0" indent="0" algn="l" defTabSz="1422400">
             <a:lnSpc>
               <a:spcPct val="90000"/>
             </a:lnSpc>
@@ -7831,8 +7051,8 @@
             <a:buNone/>
           </a:pPr>
           <a:r>
-            <a:rPr lang="fr-FR" sz="3100" kern="1200" dirty="0"/>
-            <a:t>Audits de sécurité</a:t>
+            <a:rPr lang="fr-FR" sz="3200" b="0" kern="1200" dirty="0"/>
+            <a:t>Audits de sécurité réguliers</a:t>
           </a:r>
         </a:p>
       </dsp:txBody>
@@ -7862,14 +7082,9 @@
             <a:alphaOff val="0"/>
           </a:schemeClr>
         </a:solidFill>
-        <a:ln w="12700" cap="flat" cmpd="sng" algn="ctr">
+        <a:ln w="38100" cap="flat" cmpd="sng" algn="ctr">
           <a:solidFill>
-            <a:schemeClr val="accent1">
-              <a:hueOff val="0"/>
-              <a:satOff val="0"/>
-              <a:lumOff val="0"/>
-              <a:alphaOff val="0"/>
-            </a:schemeClr>
+            <a:schemeClr val="tx1"/>
           </a:solidFill>
           <a:prstDash val="solid"/>
           <a:miter lim="800000"/>
@@ -7905,15 +7120,8 @@
         <a:solidFill>
           <a:srgbClr val="C5A073"/>
         </a:solidFill>
-        <a:ln w="12700" cap="flat" cmpd="sng" algn="ctr">
-          <a:solidFill>
-            <a:schemeClr val="lt1">
-              <a:hueOff val="0"/>
-              <a:satOff val="0"/>
-              <a:lumOff val="0"/>
-              <a:alphaOff val="0"/>
-            </a:schemeClr>
-          </a:solidFill>
+        <a:ln w="38100" cap="flat" cmpd="sng" algn="ctr">
+          <a:noFill/>
           <a:prstDash val="solid"/>
           <a:miter lim="800000"/>
         </a:ln>
@@ -7934,12 +7142,12 @@
         </a:fontRef>
       </dsp:style>
       <dsp:txBody>
-        <a:bodyPr spcFirstLastPara="0" vert="horz" wrap="square" lIns="475988" tIns="78740" rIns="78740" bIns="78740" numCol="1" spcCol="1270" anchor="ctr" anchorCtr="0">
+        <a:bodyPr spcFirstLastPara="0" vert="horz" wrap="square" lIns="475988" tIns="81280" rIns="81280" bIns="81280" numCol="1" spcCol="1270" anchor="ctr" anchorCtr="0">
           <a:noAutofit/>
         </a:bodyPr>
         <a:lstStyle/>
         <a:p>
-          <a:pPr marL="0" lvl="0" indent="0" algn="l" defTabSz="1377950">
+          <a:pPr marL="0" lvl="0" indent="0" algn="l" defTabSz="1422400">
             <a:lnSpc>
               <a:spcPct val="90000"/>
             </a:lnSpc>
@@ -7952,7 +7160,7 @@
             <a:buNone/>
           </a:pPr>
           <a:r>
-            <a:rPr lang="fr-FR" sz="3100" kern="1200" dirty="0"/>
+            <a:rPr lang="fr-FR" sz="3200" b="0" kern="1200" dirty="0"/>
             <a:t>Optimisation des performances</a:t>
           </a:r>
         </a:p>
@@ -7983,14 +7191,9 @@
             <a:alphaOff val="0"/>
           </a:schemeClr>
         </a:solidFill>
-        <a:ln w="12700" cap="flat" cmpd="sng" algn="ctr">
+        <a:ln w="38100" cap="flat" cmpd="sng" algn="ctr">
           <a:solidFill>
-            <a:schemeClr val="accent1">
-              <a:hueOff val="0"/>
-              <a:satOff val="0"/>
-              <a:lumOff val="0"/>
-              <a:alphaOff val="0"/>
-            </a:schemeClr>
+            <a:schemeClr val="tx1"/>
           </a:solidFill>
           <a:prstDash val="solid"/>
           <a:miter lim="800000"/>
@@ -8026,15 +7229,8 @@
         <a:solidFill>
           <a:srgbClr val="8BC7B1"/>
         </a:solidFill>
-        <a:ln w="12700" cap="flat" cmpd="sng" algn="ctr">
-          <a:solidFill>
-            <a:schemeClr val="lt1">
-              <a:hueOff val="0"/>
-              <a:satOff val="0"/>
-              <a:lumOff val="0"/>
-              <a:alphaOff val="0"/>
-            </a:schemeClr>
-          </a:solidFill>
+        <a:ln w="38100" cap="flat" cmpd="sng" algn="ctr">
+          <a:noFill/>
           <a:prstDash val="solid"/>
           <a:miter lim="800000"/>
         </a:ln>
@@ -8055,12 +7251,12 @@
         </a:fontRef>
       </dsp:style>
       <dsp:txBody>
-        <a:bodyPr spcFirstLastPara="0" vert="horz" wrap="square" lIns="475988" tIns="78740" rIns="78740" bIns="78740" numCol="1" spcCol="1270" anchor="ctr" anchorCtr="0">
+        <a:bodyPr spcFirstLastPara="0" vert="horz" wrap="square" lIns="475988" tIns="81280" rIns="81280" bIns="81280" numCol="1" spcCol="1270" anchor="ctr" anchorCtr="0">
           <a:noAutofit/>
         </a:bodyPr>
         <a:lstStyle/>
         <a:p>
-          <a:pPr marL="0" lvl="0" indent="0" algn="l" defTabSz="1377950">
+          <a:pPr marL="0" lvl="0" indent="0" algn="l" defTabSz="1422400">
             <a:lnSpc>
               <a:spcPct val="90000"/>
             </a:lnSpc>
@@ -8073,7 +7269,7 @@
             <a:buNone/>
           </a:pPr>
           <a:r>
-            <a:rPr lang="fr-FR" sz="3100" kern="1200" dirty="0"/>
+            <a:rPr lang="fr-FR" sz="3200" b="0" kern="1200" dirty="0"/>
             <a:t>Nettoyage et optimisation de la base de données</a:t>
           </a:r>
         </a:p>
@@ -8104,14 +7300,9 @@
             <a:alphaOff val="0"/>
           </a:schemeClr>
         </a:solidFill>
-        <a:ln w="12700" cap="flat" cmpd="sng" algn="ctr">
+        <a:ln w="38100" cap="flat" cmpd="sng" algn="ctr">
           <a:solidFill>
-            <a:schemeClr val="accent1">
-              <a:hueOff val="0"/>
-              <a:satOff val="0"/>
-              <a:lumOff val="0"/>
-              <a:alphaOff val="0"/>
-            </a:schemeClr>
+            <a:schemeClr val="tx1"/>
           </a:solidFill>
           <a:prstDash val="solid"/>
           <a:miter lim="800000"/>
@@ -8147,15 +7338,8 @@
         <a:solidFill>
           <a:srgbClr val="C5A073"/>
         </a:solidFill>
-        <a:ln w="12700" cap="flat" cmpd="sng" algn="ctr">
-          <a:solidFill>
-            <a:schemeClr val="lt1">
-              <a:hueOff val="0"/>
-              <a:satOff val="0"/>
-              <a:lumOff val="0"/>
-              <a:alphaOff val="0"/>
-            </a:schemeClr>
-          </a:solidFill>
+        <a:ln w="38100" cap="flat" cmpd="sng" algn="ctr">
+          <a:noFill/>
           <a:prstDash val="solid"/>
           <a:miter lim="800000"/>
         </a:ln>
@@ -8176,12 +7360,12 @@
         </a:fontRef>
       </dsp:style>
       <dsp:txBody>
-        <a:bodyPr spcFirstLastPara="0" vert="horz" wrap="square" lIns="475988" tIns="78740" rIns="78740" bIns="78740" numCol="1" spcCol="1270" anchor="ctr" anchorCtr="0">
+        <a:bodyPr spcFirstLastPara="0" vert="horz" wrap="square" lIns="475988" tIns="81280" rIns="81280" bIns="81280" numCol="1" spcCol="1270" anchor="ctr" anchorCtr="0">
           <a:noAutofit/>
         </a:bodyPr>
         <a:lstStyle/>
         <a:p>
-          <a:pPr marL="0" lvl="0" indent="0" algn="l" defTabSz="1377950">
+          <a:pPr marL="0" lvl="0" indent="0" algn="l" defTabSz="1422400">
             <a:lnSpc>
               <a:spcPct val="90000"/>
             </a:lnSpc>
@@ -8195,10 +7379,10 @@
             <a:buNone/>
           </a:pPr>
           <a:r>
-            <a:rPr lang="fr-FR" sz="3100" u="none" kern="1200" dirty="0"/>
+            <a:rPr lang="fr-FR" sz="3200" b="0" u="none" kern="1200" dirty="0"/>
             <a:t>Détection et résolution d'éventuels problèmes d’affichages</a:t>
           </a:r>
-          <a:endParaRPr lang="fr-FR" sz="3100" kern="1200" dirty="0"/>
+          <a:endParaRPr lang="fr-FR" sz="3200" b="0" kern="1200" dirty="0"/>
         </a:p>
       </dsp:txBody>
       <dsp:txXfrm>
@@ -8227,14 +7411,9 @@
             <a:alphaOff val="0"/>
           </a:schemeClr>
         </a:solidFill>
-        <a:ln w="12700" cap="flat" cmpd="sng" algn="ctr">
+        <a:ln w="38100" cap="flat" cmpd="sng" algn="ctr">
           <a:solidFill>
-            <a:schemeClr val="accent1">
-              <a:hueOff val="0"/>
-              <a:satOff val="0"/>
-              <a:lumOff val="0"/>
-              <a:alphaOff val="0"/>
-            </a:schemeClr>
+            <a:schemeClr val="tx1"/>
           </a:solidFill>
           <a:prstDash val="solid"/>
           <a:miter lim="800000"/>
@@ -8941,773 +8120,6 @@
       <dsp:cNvGrpSpPr/>
     </dsp:nvGrpSpPr>
     <dsp:grpSpPr/>
-    <dsp:sp modelId="{1C719EC1-8216-46EF-B6C9-6C088C78991D}">
-      <dsp:nvSpPr>
-        <dsp:cNvPr id="0" name=""/>
-        <dsp:cNvSpPr/>
-      </dsp:nvSpPr>
-      <dsp:spPr>
-        <a:xfrm>
-          <a:off x="139300" y="-12558"/>
-          <a:ext cx="11312287" cy="2161886"/>
-        </a:xfrm>
-        <a:prstGeom prst="roundRect">
-          <a:avLst>
-            <a:gd name="adj" fmla="val 10000"/>
-          </a:avLst>
-        </a:prstGeom>
-        <a:solidFill>
-          <a:srgbClr val="8BC7B1">
-            <a:alpha val="32157"/>
-          </a:srgbClr>
-        </a:solidFill>
-        <a:ln w="12700" cap="flat" cmpd="sng" algn="ctr">
-          <a:solidFill>
-            <a:schemeClr val="accent1">
-              <a:alpha val="90000"/>
-              <a:tint val="40000"/>
-              <a:hueOff val="0"/>
-              <a:satOff val="0"/>
-              <a:lumOff val="0"/>
-              <a:alphaOff val="0"/>
-            </a:schemeClr>
-          </a:solidFill>
-          <a:prstDash val="solid"/>
-          <a:miter lim="800000"/>
-        </a:ln>
-        <a:effectLst/>
-      </dsp:spPr>
-      <dsp:style>
-        <a:lnRef idx="2">
-          <a:scrgbClr r="0" g="0" b="0"/>
-        </a:lnRef>
-        <a:fillRef idx="1">
-          <a:scrgbClr r="0" g="0" b="0"/>
-        </a:fillRef>
-        <a:effectRef idx="0">
-          <a:scrgbClr r="0" g="0" b="0"/>
-        </a:effectRef>
-        <a:fontRef idx="minor"/>
-      </dsp:style>
-    </dsp:sp>
-    <dsp:sp modelId="{1ECCB3F3-9D78-4535-9A1B-0EA1C81DF89E}">
-      <dsp:nvSpPr>
-        <dsp:cNvPr id="0" name=""/>
-        <dsp:cNvSpPr/>
-      </dsp:nvSpPr>
-      <dsp:spPr>
-        <a:xfrm>
-          <a:off x="352275" y="131552"/>
-          <a:ext cx="2021023" cy="2019604"/>
-        </a:xfrm>
-        <a:prstGeom prst="roundRect">
-          <a:avLst>
-            <a:gd name="adj" fmla="val 10000"/>
-          </a:avLst>
-        </a:prstGeom>
-        <a:blipFill>
-          <a:blip xmlns:r="http://schemas.openxmlformats.org/officeDocument/2006/relationships" r:embed="rId1">
-            <a:extLst>
-              <a:ext uri="{28A0092B-C50C-407E-A947-70E740481C1C}">
-                <a14:useLocalDpi xmlns:a14="http://schemas.microsoft.com/office/drawing/2010/main" val="0"/>
-              </a:ext>
-            </a:extLst>
-          </a:blip>
-          <a:srcRect/>
-          <a:stretch>
-            <a:fillRect t="-3000" b="-3000"/>
-          </a:stretch>
-        </a:blipFill>
-        <a:ln w="38100" cap="flat" cmpd="sng" algn="ctr">
-          <a:solidFill>
-            <a:schemeClr val="tx1"/>
-          </a:solidFill>
-          <a:prstDash val="solid"/>
-          <a:miter lim="800000"/>
-        </a:ln>
-        <a:effectLst/>
-      </dsp:spPr>
-      <dsp:style>
-        <a:lnRef idx="2">
-          <a:scrgbClr r="0" g="0" b="0"/>
-        </a:lnRef>
-        <a:fillRef idx="1">
-          <a:scrgbClr r="0" g="0" b="0"/>
-        </a:fillRef>
-        <a:effectRef idx="0">
-          <a:scrgbClr r="0" g="0" b="0"/>
-        </a:effectRef>
-        <a:fontRef idx="minor"/>
-      </dsp:style>
-    </dsp:sp>
-    <dsp:sp modelId="{1C8C9B8B-2B08-4954-87BB-FBECFC49BB09}">
-      <dsp:nvSpPr>
-        <dsp:cNvPr id="0" name=""/>
-        <dsp:cNvSpPr/>
-      </dsp:nvSpPr>
-      <dsp:spPr>
-        <a:xfrm rot="10800000">
-          <a:off x="342755" y="2165374"/>
-          <a:ext cx="2021023" cy="1848686"/>
-        </a:xfrm>
-        <a:prstGeom prst="round2SameRect">
-          <a:avLst>
-            <a:gd name="adj1" fmla="val 10500"/>
-            <a:gd name="adj2" fmla="val 0"/>
-          </a:avLst>
-        </a:prstGeom>
-        <a:solidFill>
-          <a:srgbClr val="8BC7B1"/>
-        </a:solidFill>
-        <a:ln w="12700" cap="flat" cmpd="sng" algn="ctr">
-          <a:noFill/>
-          <a:prstDash val="solid"/>
-          <a:miter lim="800000"/>
-        </a:ln>
-        <a:effectLst/>
-      </dsp:spPr>
-      <dsp:style>
-        <a:lnRef idx="2">
-          <a:scrgbClr r="0" g="0" b="0"/>
-        </a:lnRef>
-        <a:fillRef idx="1">
-          <a:scrgbClr r="0" g="0" b="0"/>
-        </a:fillRef>
-        <a:effectRef idx="0">
-          <a:scrgbClr r="0" g="0" b="0"/>
-        </a:effectRef>
-        <a:fontRef idx="minor">
-          <a:schemeClr val="lt1"/>
-        </a:fontRef>
-      </dsp:style>
-      <dsp:txBody>
-        <a:bodyPr spcFirstLastPara="0" vert="horz" wrap="square" lIns="108000" tIns="199136" rIns="108000" bIns="199136" numCol="1" spcCol="1270" anchor="t" anchorCtr="0">
-          <a:noAutofit/>
-        </a:bodyPr>
-        <a:lstStyle/>
-        <a:p>
-          <a:pPr marL="0" lvl="0" indent="0" algn="ctr" defTabSz="1244600">
-            <a:lnSpc>
-              <a:spcPct val="90000"/>
-            </a:lnSpc>
-            <a:spcBef>
-              <a:spcPct val="0"/>
-            </a:spcBef>
-            <a:spcAft>
-              <a:spcPct val="35000"/>
-            </a:spcAft>
-            <a:buNone/>
-          </a:pPr>
-          <a:r>
-            <a:rPr lang="fr-FR" sz="2800" b="1" kern="1200" dirty="0"/>
-            <a:t>Soufiane</a:t>
-          </a:r>
-          <a:endParaRPr lang="fr-FR" sz="2300" b="1" kern="1200" dirty="0"/>
-        </a:p>
-        <a:p>
-          <a:pPr marL="0" lvl="0" indent="0" algn="ctr" defTabSz="1244600">
-            <a:lnSpc>
-              <a:spcPct val="90000"/>
-            </a:lnSpc>
-            <a:spcBef>
-              <a:spcPct val="0"/>
-            </a:spcBef>
-            <a:spcAft>
-              <a:spcPct val="35000"/>
-            </a:spcAft>
-            <a:buNone/>
-          </a:pPr>
-          <a:r>
-            <a:rPr lang="fr-FR" sz="2300" kern="1200" dirty="0"/>
-            <a:t>Product </a:t>
-          </a:r>
-          <a:r>
-            <a:rPr lang="fr-FR" sz="2300" kern="1200" dirty="0" err="1"/>
-            <a:t>Owner</a:t>
-          </a:r>
-          <a:endParaRPr lang="fr-FR" sz="2300" kern="1200" dirty="0"/>
-        </a:p>
-      </dsp:txBody>
-      <dsp:txXfrm rot="10800000">
-        <a:off x="399608" y="2165374"/>
-        <a:ext cx="1907317" cy="1791833"/>
-      </dsp:txXfrm>
-    </dsp:sp>
-    <dsp:sp modelId="{8D66C056-FE9C-438E-B0C2-B16612CB00FF}">
-      <dsp:nvSpPr>
-        <dsp:cNvPr id="0" name=""/>
-        <dsp:cNvSpPr/>
-      </dsp:nvSpPr>
-      <dsp:spPr>
-        <a:xfrm>
-          <a:off x="2575400" y="131552"/>
-          <a:ext cx="2021023" cy="2019604"/>
-        </a:xfrm>
-        <a:prstGeom prst="roundRect">
-          <a:avLst>
-            <a:gd name="adj" fmla="val 10000"/>
-          </a:avLst>
-        </a:prstGeom>
-        <a:blipFill>
-          <a:blip xmlns:r="http://schemas.openxmlformats.org/officeDocument/2006/relationships" r:embed="rId2">
-            <a:extLst>
-              <a:ext uri="{28A0092B-C50C-407E-A947-70E740481C1C}">
-                <a14:useLocalDpi xmlns:a14="http://schemas.microsoft.com/office/drawing/2010/main" val="0"/>
-              </a:ext>
-            </a:extLst>
-          </a:blip>
-          <a:srcRect/>
-          <a:stretch>
-            <a:fillRect t="-3000" b="-3000"/>
-          </a:stretch>
-        </a:blipFill>
-        <a:ln w="38100" cap="flat" cmpd="sng" algn="ctr">
-          <a:solidFill>
-            <a:schemeClr val="tx1"/>
-          </a:solidFill>
-          <a:prstDash val="solid"/>
-          <a:miter lim="800000"/>
-        </a:ln>
-        <a:effectLst/>
-      </dsp:spPr>
-      <dsp:style>
-        <a:lnRef idx="2">
-          <a:scrgbClr r="0" g="0" b="0"/>
-        </a:lnRef>
-        <a:fillRef idx="1">
-          <a:scrgbClr r="0" g="0" b="0"/>
-        </a:fillRef>
-        <a:effectRef idx="0">
-          <a:scrgbClr r="0" g="0" b="0"/>
-        </a:effectRef>
-        <a:fontRef idx="minor"/>
-      </dsp:style>
-    </dsp:sp>
-    <dsp:sp modelId="{142D871C-56D8-42FA-BA62-209C8B30A2FA}">
-      <dsp:nvSpPr>
-        <dsp:cNvPr id="0" name=""/>
-        <dsp:cNvSpPr/>
-      </dsp:nvSpPr>
-      <dsp:spPr>
-        <a:xfrm rot="10800000">
-          <a:off x="2565881" y="2165374"/>
-          <a:ext cx="2021023" cy="1848686"/>
-        </a:xfrm>
-        <a:prstGeom prst="round2SameRect">
-          <a:avLst>
-            <a:gd name="adj1" fmla="val 10500"/>
-            <a:gd name="adj2" fmla="val 0"/>
-          </a:avLst>
-        </a:prstGeom>
-        <a:solidFill>
-          <a:srgbClr val="8BC7B1"/>
-        </a:solidFill>
-        <a:ln w="12700" cap="flat" cmpd="sng" algn="ctr">
-          <a:noFill/>
-          <a:prstDash val="solid"/>
-          <a:miter lim="800000"/>
-        </a:ln>
-        <a:effectLst/>
-      </dsp:spPr>
-      <dsp:style>
-        <a:lnRef idx="2">
-          <a:scrgbClr r="0" g="0" b="0"/>
-        </a:lnRef>
-        <a:fillRef idx="1">
-          <a:scrgbClr r="0" g="0" b="0"/>
-        </a:fillRef>
-        <a:effectRef idx="0">
-          <a:scrgbClr r="0" g="0" b="0"/>
-        </a:effectRef>
-        <a:fontRef idx="minor">
-          <a:schemeClr val="lt1"/>
-        </a:fontRef>
-      </dsp:style>
-      <dsp:txBody>
-        <a:bodyPr spcFirstLastPara="0" vert="horz" wrap="square" lIns="108000" tIns="199136" rIns="108000" bIns="199136" numCol="1" spcCol="1270" anchor="t" anchorCtr="0">
-          <a:noAutofit/>
-        </a:bodyPr>
-        <a:lstStyle/>
-        <a:p>
-          <a:pPr marL="0" lvl="0" indent="0" algn="ctr" defTabSz="1244600">
-            <a:lnSpc>
-              <a:spcPct val="90000"/>
-            </a:lnSpc>
-            <a:spcBef>
-              <a:spcPct val="0"/>
-            </a:spcBef>
-            <a:spcAft>
-              <a:spcPct val="35000"/>
-            </a:spcAft>
-            <a:buNone/>
-          </a:pPr>
-          <a:r>
-            <a:rPr lang="fr-FR" sz="2800" b="1" kern="1200" dirty="0"/>
-            <a:t>Samy</a:t>
-          </a:r>
-          <a:endParaRPr lang="fr-FR" sz="2300" b="1" kern="1200" dirty="0"/>
-        </a:p>
-        <a:p>
-          <a:pPr marL="0" lvl="0" indent="0" algn="ctr" defTabSz="1244600">
-            <a:lnSpc>
-              <a:spcPct val="90000"/>
-            </a:lnSpc>
-            <a:spcBef>
-              <a:spcPct val="0"/>
-            </a:spcBef>
-            <a:spcAft>
-              <a:spcPct val="35000"/>
-            </a:spcAft>
-            <a:buNone/>
-          </a:pPr>
-          <a:r>
-            <a:rPr lang="fr-FR" sz="2300" kern="1200" dirty="0"/>
-            <a:t>Scrum Master</a:t>
-          </a:r>
-        </a:p>
-      </dsp:txBody>
-      <dsp:txXfrm rot="10800000">
-        <a:off x="2622734" y="2165374"/>
-        <a:ext cx="1907317" cy="1791833"/>
-      </dsp:txXfrm>
-    </dsp:sp>
-    <dsp:sp modelId="{3E077112-7DAD-4823-9108-BEAF9D53921A}">
-      <dsp:nvSpPr>
-        <dsp:cNvPr id="0" name=""/>
-        <dsp:cNvSpPr/>
-      </dsp:nvSpPr>
-      <dsp:spPr>
-        <a:xfrm>
-          <a:off x="4798525" y="131552"/>
-          <a:ext cx="2021023" cy="2019604"/>
-        </a:xfrm>
-        <a:prstGeom prst="roundRect">
-          <a:avLst>
-            <a:gd name="adj" fmla="val 10000"/>
-          </a:avLst>
-        </a:prstGeom>
-        <a:blipFill>
-          <a:blip xmlns:r="http://schemas.openxmlformats.org/officeDocument/2006/relationships" r:embed="rId3">
-            <a:extLst>
-              <a:ext uri="{96DAC541-7B7A-43D3-8B79-37D633B846F1}">
-                <asvg:svgBlip xmlns:asvg="http://schemas.microsoft.com/office/drawing/2016/SVG/main" r:embed="rId4"/>
-              </a:ext>
-            </a:extLst>
-          </a:blip>
-          <a:srcRect/>
-          <a:stretch>
-            <a:fillRect t="-3000" b="-3000"/>
-          </a:stretch>
-        </a:blipFill>
-        <a:ln w="38100" cap="flat" cmpd="sng" algn="ctr">
-          <a:solidFill>
-            <a:schemeClr val="tx1"/>
-          </a:solidFill>
-          <a:prstDash val="solid"/>
-          <a:miter lim="800000"/>
-        </a:ln>
-        <a:effectLst/>
-      </dsp:spPr>
-      <dsp:style>
-        <a:lnRef idx="2">
-          <a:scrgbClr r="0" g="0" b="0"/>
-        </a:lnRef>
-        <a:fillRef idx="1">
-          <a:scrgbClr r="0" g="0" b="0"/>
-        </a:fillRef>
-        <a:effectRef idx="0">
-          <a:scrgbClr r="0" g="0" b="0"/>
-        </a:effectRef>
-        <a:fontRef idx="minor"/>
-      </dsp:style>
-    </dsp:sp>
-    <dsp:sp modelId="{83E2EEA7-6893-49CB-83E0-7C41893E1113}">
-      <dsp:nvSpPr>
-        <dsp:cNvPr id="0" name=""/>
-        <dsp:cNvSpPr/>
-      </dsp:nvSpPr>
-      <dsp:spPr>
-        <a:xfrm rot="10800000">
-          <a:off x="4789006" y="2165374"/>
-          <a:ext cx="2021023" cy="1848686"/>
-        </a:xfrm>
-        <a:prstGeom prst="round2SameRect">
-          <a:avLst>
-            <a:gd name="adj1" fmla="val 10500"/>
-            <a:gd name="adj2" fmla="val 0"/>
-          </a:avLst>
-        </a:prstGeom>
-        <a:solidFill>
-          <a:srgbClr val="8BC7B1"/>
-        </a:solidFill>
-        <a:ln w="12700" cap="flat" cmpd="sng" algn="ctr">
-          <a:noFill/>
-          <a:prstDash val="solid"/>
-          <a:miter lim="800000"/>
-        </a:ln>
-        <a:effectLst/>
-      </dsp:spPr>
-      <dsp:style>
-        <a:lnRef idx="2">
-          <a:scrgbClr r="0" g="0" b="0"/>
-        </a:lnRef>
-        <a:fillRef idx="1">
-          <a:scrgbClr r="0" g="0" b="0"/>
-        </a:fillRef>
-        <a:effectRef idx="0">
-          <a:scrgbClr r="0" g="0" b="0"/>
-        </a:effectRef>
-        <a:fontRef idx="minor">
-          <a:schemeClr val="lt1"/>
-        </a:fontRef>
-      </dsp:style>
-      <dsp:txBody>
-        <a:bodyPr spcFirstLastPara="0" vert="horz" wrap="square" lIns="108000" tIns="199136" rIns="108000" bIns="199136" numCol="1" spcCol="1270" anchor="t" anchorCtr="0">
-          <a:noAutofit/>
-        </a:bodyPr>
-        <a:lstStyle/>
-        <a:p>
-          <a:pPr marL="0" lvl="0" indent="0" algn="ctr" defTabSz="1244600">
-            <a:lnSpc>
-              <a:spcPct val="90000"/>
-            </a:lnSpc>
-            <a:spcBef>
-              <a:spcPct val="0"/>
-            </a:spcBef>
-            <a:spcAft>
-              <a:spcPct val="35000"/>
-            </a:spcAft>
-            <a:buNone/>
-          </a:pPr>
-          <a:r>
-            <a:rPr lang="fr-FR" sz="2800" b="1" kern="1200" dirty="0"/>
-            <a:t>Maëlle</a:t>
-          </a:r>
-          <a:endParaRPr lang="fr-FR" sz="2300" b="1" kern="1200" dirty="0"/>
-        </a:p>
-        <a:p>
-          <a:pPr marL="0" lvl="0" indent="0" algn="ctr" defTabSz="1244600">
-            <a:lnSpc>
-              <a:spcPct val="90000"/>
-            </a:lnSpc>
-            <a:spcBef>
-              <a:spcPct val="0"/>
-            </a:spcBef>
-            <a:spcAft>
-              <a:spcPct val="35000"/>
-            </a:spcAft>
-            <a:buNone/>
-          </a:pPr>
-          <a:r>
-            <a:rPr lang="fr-FR" sz="2300" kern="1200" dirty="0"/>
-            <a:t>Développeur </a:t>
-          </a:r>
-          <a:r>
-            <a:rPr lang="fr-FR" sz="2300" kern="1200" dirty="0" err="1"/>
-            <a:t>front-end</a:t>
-          </a:r>
-          <a:endParaRPr lang="fr-FR" sz="2300" kern="1200" dirty="0"/>
-        </a:p>
-      </dsp:txBody>
-      <dsp:txXfrm rot="10800000">
-        <a:off x="4845859" y="2165374"/>
-        <a:ext cx="1907317" cy="1791833"/>
-      </dsp:txXfrm>
-    </dsp:sp>
-    <dsp:sp modelId="{8FBA776F-3BC7-4E63-B2F2-4C0F22C0D9DD}">
-      <dsp:nvSpPr>
-        <dsp:cNvPr id="0" name=""/>
-        <dsp:cNvSpPr/>
-      </dsp:nvSpPr>
-      <dsp:spPr>
-        <a:xfrm>
-          <a:off x="7021651" y="131552"/>
-          <a:ext cx="2021023" cy="2019604"/>
-        </a:xfrm>
-        <a:prstGeom prst="roundRect">
-          <a:avLst>
-            <a:gd name="adj" fmla="val 10000"/>
-          </a:avLst>
-        </a:prstGeom>
-        <a:blipFill>
-          <a:blip xmlns:r="http://schemas.openxmlformats.org/officeDocument/2006/relationships" r:embed="rId5">
-            <a:extLst>
-              <a:ext uri="{28A0092B-C50C-407E-A947-70E740481C1C}">
-                <a14:useLocalDpi xmlns:a14="http://schemas.microsoft.com/office/drawing/2010/main" val="0"/>
-              </a:ext>
-              <a:ext uri="{96DAC541-7B7A-43D3-8B79-37D633B846F1}">
-                <asvg:svgBlip xmlns:asvg="http://schemas.microsoft.com/office/drawing/2016/SVG/main" r:embed="rId6"/>
-              </a:ext>
-            </a:extLst>
-          </a:blip>
-          <a:srcRect/>
-          <a:stretch>
-            <a:fillRect t="-3000" b="-3000"/>
-          </a:stretch>
-        </a:blipFill>
-        <a:ln w="38100" cap="flat" cmpd="sng" algn="ctr">
-          <a:solidFill>
-            <a:schemeClr val="tx1"/>
-          </a:solidFill>
-          <a:prstDash val="solid"/>
-          <a:miter lim="800000"/>
-        </a:ln>
-        <a:effectLst/>
-      </dsp:spPr>
-      <dsp:style>
-        <a:lnRef idx="2">
-          <a:scrgbClr r="0" g="0" b="0"/>
-        </a:lnRef>
-        <a:fillRef idx="1">
-          <a:scrgbClr r="0" g="0" b="0"/>
-        </a:fillRef>
-        <a:effectRef idx="0">
-          <a:scrgbClr r="0" g="0" b="0"/>
-        </a:effectRef>
-        <a:fontRef idx="minor"/>
-      </dsp:style>
-    </dsp:sp>
-    <dsp:sp modelId="{BE098F9A-349D-4C7C-A087-0A7F0134C226}">
-      <dsp:nvSpPr>
-        <dsp:cNvPr id="0" name=""/>
-        <dsp:cNvSpPr/>
-      </dsp:nvSpPr>
-      <dsp:spPr>
-        <a:xfrm rot="10800000">
-          <a:off x="7012132" y="2165374"/>
-          <a:ext cx="2021023" cy="1848686"/>
-        </a:xfrm>
-        <a:prstGeom prst="round2SameRect">
-          <a:avLst>
-            <a:gd name="adj1" fmla="val 10500"/>
-            <a:gd name="adj2" fmla="val 0"/>
-          </a:avLst>
-        </a:prstGeom>
-        <a:solidFill>
-          <a:srgbClr val="8BC7B1"/>
-        </a:solidFill>
-        <a:ln w="12700" cap="flat" cmpd="sng" algn="ctr">
-          <a:noFill/>
-          <a:prstDash val="solid"/>
-          <a:miter lim="800000"/>
-        </a:ln>
-        <a:effectLst/>
-      </dsp:spPr>
-      <dsp:style>
-        <a:lnRef idx="2">
-          <a:scrgbClr r="0" g="0" b="0"/>
-        </a:lnRef>
-        <a:fillRef idx="1">
-          <a:scrgbClr r="0" g="0" b="0"/>
-        </a:fillRef>
-        <a:effectRef idx="0">
-          <a:scrgbClr r="0" g="0" b="0"/>
-        </a:effectRef>
-        <a:fontRef idx="minor">
-          <a:schemeClr val="lt1"/>
-        </a:fontRef>
-      </dsp:style>
-      <dsp:txBody>
-        <a:bodyPr spcFirstLastPara="0" vert="horz" wrap="square" lIns="108000" tIns="199136" rIns="108000" bIns="199136" numCol="1" spcCol="1270" anchor="t" anchorCtr="0">
-          <a:noAutofit/>
-        </a:bodyPr>
-        <a:lstStyle/>
-        <a:p>
-          <a:pPr marL="0" lvl="0" indent="0" algn="ctr" defTabSz="1244600">
-            <a:lnSpc>
-              <a:spcPct val="90000"/>
-            </a:lnSpc>
-            <a:spcBef>
-              <a:spcPct val="0"/>
-            </a:spcBef>
-            <a:spcAft>
-              <a:spcPct val="35000"/>
-            </a:spcAft>
-            <a:buNone/>
-          </a:pPr>
-          <a:r>
-            <a:rPr lang="fr-FR" sz="2800" b="1" kern="1200" dirty="0"/>
-            <a:t>Jonathan</a:t>
-          </a:r>
-          <a:endParaRPr lang="fr-FR" sz="2300" b="1" kern="1200" dirty="0"/>
-        </a:p>
-        <a:p>
-          <a:pPr marL="0" lvl="0" indent="0" algn="ctr" defTabSz="1244600">
-            <a:lnSpc>
-              <a:spcPct val="90000"/>
-            </a:lnSpc>
-            <a:spcBef>
-              <a:spcPct val="0"/>
-            </a:spcBef>
-            <a:spcAft>
-              <a:spcPct val="35000"/>
-            </a:spcAft>
-            <a:buNone/>
-          </a:pPr>
-          <a:r>
-            <a:rPr lang="fr-FR" sz="2300" kern="1200" dirty="0"/>
-            <a:t>Développeur back-end</a:t>
-          </a:r>
-        </a:p>
-      </dsp:txBody>
-      <dsp:txXfrm rot="10800000">
-        <a:off x="7068985" y="2165374"/>
-        <a:ext cx="1907317" cy="1791833"/>
-      </dsp:txXfrm>
-    </dsp:sp>
-    <dsp:sp modelId="{B23FC5A9-D547-4D63-930C-4695045DC4BA}">
-      <dsp:nvSpPr>
-        <dsp:cNvPr id="0" name=""/>
-        <dsp:cNvSpPr/>
-      </dsp:nvSpPr>
-      <dsp:spPr>
-        <a:xfrm>
-          <a:off x="9244776" y="131552"/>
-          <a:ext cx="2021023" cy="2019604"/>
-        </a:xfrm>
-        <a:prstGeom prst="roundRect">
-          <a:avLst>
-            <a:gd name="adj" fmla="val 10000"/>
-          </a:avLst>
-        </a:prstGeom>
-        <a:blipFill>
-          <a:blip xmlns:r="http://schemas.openxmlformats.org/officeDocument/2006/relationships" r:embed="rId7">
-            <a:extLst>
-              <a:ext uri="{28A0092B-C50C-407E-A947-70E740481C1C}">
-                <a14:useLocalDpi xmlns:a14="http://schemas.microsoft.com/office/drawing/2010/main" val="0"/>
-              </a:ext>
-              <a:ext uri="{96DAC541-7B7A-43D3-8B79-37D633B846F1}">
-                <asvg:svgBlip xmlns:asvg="http://schemas.microsoft.com/office/drawing/2016/SVG/main" r:embed="rId8"/>
-              </a:ext>
-            </a:extLst>
-          </a:blip>
-          <a:srcRect/>
-          <a:stretch>
-            <a:fillRect t="-3000" b="-3000"/>
-          </a:stretch>
-        </a:blipFill>
-        <a:ln w="38100" cap="flat" cmpd="sng" algn="ctr">
-          <a:solidFill>
-            <a:schemeClr val="tx1"/>
-          </a:solidFill>
-          <a:prstDash val="solid"/>
-          <a:miter lim="800000"/>
-        </a:ln>
-        <a:effectLst/>
-      </dsp:spPr>
-      <dsp:style>
-        <a:lnRef idx="2">
-          <a:scrgbClr r="0" g="0" b="0"/>
-        </a:lnRef>
-        <a:fillRef idx="1">
-          <a:scrgbClr r="0" g="0" b="0"/>
-        </a:fillRef>
-        <a:effectRef idx="0">
-          <a:scrgbClr r="0" g="0" b="0"/>
-        </a:effectRef>
-        <a:fontRef idx="minor"/>
-      </dsp:style>
-    </dsp:sp>
-    <dsp:sp modelId="{9580F47D-6F41-47AE-B7B7-831102FFAC49}">
-      <dsp:nvSpPr>
-        <dsp:cNvPr id="0" name=""/>
-        <dsp:cNvSpPr/>
-      </dsp:nvSpPr>
-      <dsp:spPr>
-        <a:xfrm rot="10800000">
-          <a:off x="9235257" y="2165374"/>
-          <a:ext cx="2021023" cy="1848686"/>
-        </a:xfrm>
-        <a:prstGeom prst="round2SameRect">
-          <a:avLst>
-            <a:gd name="adj1" fmla="val 10500"/>
-            <a:gd name="adj2" fmla="val 0"/>
-          </a:avLst>
-        </a:prstGeom>
-        <a:solidFill>
-          <a:srgbClr val="8BC7B1"/>
-        </a:solidFill>
-        <a:ln w="12700" cap="flat" cmpd="sng" algn="ctr">
-          <a:noFill/>
-          <a:prstDash val="solid"/>
-          <a:miter lim="800000"/>
-        </a:ln>
-        <a:effectLst/>
-      </dsp:spPr>
-      <dsp:style>
-        <a:lnRef idx="2">
-          <a:scrgbClr r="0" g="0" b="0"/>
-        </a:lnRef>
-        <a:fillRef idx="1">
-          <a:scrgbClr r="0" g="0" b="0"/>
-        </a:fillRef>
-        <a:effectRef idx="0">
-          <a:scrgbClr r="0" g="0" b="0"/>
-        </a:effectRef>
-        <a:fontRef idx="minor">
-          <a:schemeClr val="lt1"/>
-        </a:fontRef>
-      </dsp:style>
-      <dsp:txBody>
-        <a:bodyPr spcFirstLastPara="0" vert="horz" wrap="square" lIns="108000" tIns="199136" rIns="108000" bIns="199136" numCol="1" spcCol="1270" anchor="t" anchorCtr="0">
-          <a:noAutofit/>
-        </a:bodyPr>
-        <a:lstStyle/>
-        <a:p>
-          <a:pPr marL="0" lvl="0" indent="0" algn="ctr" defTabSz="1244600">
-            <a:lnSpc>
-              <a:spcPct val="90000"/>
-            </a:lnSpc>
-            <a:spcBef>
-              <a:spcPct val="0"/>
-            </a:spcBef>
-            <a:spcAft>
-              <a:spcPct val="35000"/>
-            </a:spcAft>
-            <a:buNone/>
-          </a:pPr>
-          <a:r>
-            <a:rPr lang="fr-FR" sz="2800" b="1" kern="1200" dirty="0"/>
-            <a:t>Laura</a:t>
-          </a:r>
-          <a:endParaRPr lang="fr-FR" sz="2300" b="1" kern="1200" dirty="0"/>
-        </a:p>
-        <a:p>
-          <a:pPr marL="0" lvl="0" indent="0" algn="ctr" defTabSz="1244600">
-            <a:lnSpc>
-              <a:spcPct val="90000"/>
-            </a:lnSpc>
-            <a:spcBef>
-              <a:spcPct val="0"/>
-            </a:spcBef>
-            <a:spcAft>
-              <a:spcPct val="35000"/>
-            </a:spcAft>
-            <a:buNone/>
-          </a:pPr>
-          <a:r>
-            <a:rPr lang="fr-FR" sz="2300" kern="1200" dirty="0"/>
-            <a:t>Développeur full-stack</a:t>
-          </a:r>
-        </a:p>
-      </dsp:txBody>
-      <dsp:txXfrm rot="10800000">
-        <a:off x="9292110" y="2165374"/>
-        <a:ext cx="1907317" cy="1791833"/>
-      </dsp:txXfrm>
-    </dsp:sp>
-  </dsp:spTree>
-</dsp:drawing>
-</file>
-
-<file path=ppt/diagrams/drawing4.xml><?xml version="1.0" encoding="utf-8"?>
-<dsp:drawing xmlns:dgm="http://schemas.openxmlformats.org/drawingml/2006/diagram" xmlns:dsp="http://schemas.microsoft.com/office/drawing/2008/diagram" xmlns:a="http://schemas.openxmlformats.org/drawingml/2006/main">
-  <dsp:spTree>
-    <dsp:nvGrpSpPr>
-      <dsp:cNvPr id="0" name=""/>
-      <dsp:cNvGrpSpPr/>
-    </dsp:nvGrpSpPr>
-    <dsp:grpSpPr/>
     <dsp:sp modelId="{DF580ADD-F4F7-42D8-8E1B-D470F69BB4AF}">
       <dsp:nvSpPr>
         <dsp:cNvPr id="0" name=""/>
@@ -9715,8 +8127,8 @@
       </dsp:nvSpPr>
       <dsp:spPr>
         <a:xfrm>
-          <a:off x="3904496" y="599"/>
-          <a:ext cx="6065520" cy="2339856"/>
+          <a:off x="3692962" y="0"/>
+          <a:ext cx="6411369" cy="2339856"/>
         </a:xfrm>
         <a:prstGeom prst="rightArrow">
           <a:avLst>
@@ -9749,12 +8161,12 @@
         <a:fontRef idx="minor"/>
       </dsp:style>
       <dsp:txBody>
-        <a:bodyPr spcFirstLastPara="0" vert="horz" wrap="square" lIns="17145" tIns="17145" rIns="17145" bIns="17145" numCol="1" spcCol="1270" anchor="ctr" anchorCtr="0">
+        <a:bodyPr spcFirstLastPara="0" vert="horz" wrap="square" lIns="144000" tIns="15240" rIns="0" bIns="15240" numCol="1" spcCol="1270" anchor="ctr" anchorCtr="0">
           <a:noAutofit/>
         </a:bodyPr>
         <a:lstStyle/>
         <a:p>
-          <a:pPr marL="228600" lvl="1" indent="-228600" algn="l" defTabSz="1200150">
+          <a:pPr marL="228600" lvl="1" indent="-228600" algn="l" defTabSz="1066800">
             <a:lnSpc>
               <a:spcPct val="90000"/>
             </a:lnSpc>
@@ -9767,18 +8179,14 @@
             <a:buChar char="•"/>
           </a:pPr>
           <a:r>
-            <a:rPr lang="fr-FR" sz="2700" b="1" kern="1200" dirty="0">
+            <a:rPr lang="fr-FR" sz="2400" b="0" kern="1200" dirty="0">
+              <a:solidFill>
+                <a:srgbClr val="A67A44"/>
+              </a:solidFill>
               <a:latin typeface="Arial" panose="020B0604020202020204" pitchFamily="34" charset="0"/>
               <a:cs typeface="Arial" panose="020B0604020202020204" pitchFamily="34" charset="0"/>
             </a:rPr>
-            <a:t>Service client </a:t>
-          </a:r>
-          <a:r>
-            <a:rPr lang="fr-FR" sz="2700" kern="1200" dirty="0">
-              <a:latin typeface="Arial" panose="020B0604020202020204" pitchFamily="34" charset="0"/>
-              <a:cs typeface="Arial" panose="020B0604020202020204" pitchFamily="34" charset="0"/>
-            </a:rPr>
-            <a:t>:</a:t>
+            <a:t>Service client :</a:t>
           </a:r>
         </a:p>
         <a:p>
@@ -9801,11 +8209,18 @@
               <a:latin typeface="Arial" panose="020B0604020202020204" pitchFamily="34" charset="0"/>
               <a:cs typeface="Arial" panose="020B0604020202020204" pitchFamily="34" charset="0"/>
             </a:rPr>
-            <a:t>  contact@webgencia.fr</a:t>
+            <a:t>  </a:t>
+          </a:r>
+          <a:r>
+            <a:rPr lang="fr-FR" sz="2700" b="1" kern="1200" dirty="0">
+              <a:latin typeface="Arial" panose="020B0604020202020204" pitchFamily="34" charset="0"/>
+              <a:cs typeface="Arial" panose="020B0604020202020204" pitchFamily="34" charset="0"/>
+            </a:rPr>
+            <a:t>contact@webgencia.fr</a:t>
           </a:r>
         </a:p>
         <a:p>
-          <a:pPr marL="228600" lvl="1" indent="-228600" algn="l" defTabSz="1200150">
+          <a:pPr marL="228600" lvl="1" indent="-228600" algn="l" defTabSz="1066800">
             <a:lnSpc>
               <a:spcPct val="90000"/>
             </a:lnSpc>
@@ -9818,32 +8233,34 @@
             <a:buChar char="•"/>
           </a:pPr>
           <a:r>
-            <a:rPr lang="fr-FR" sz="2700" b="1" kern="1200" dirty="0">
+            <a:rPr lang="fr-FR" sz="2400" b="0" kern="1200" dirty="0">
+              <a:solidFill>
+                <a:srgbClr val="A67A44"/>
+              </a:solidFill>
               <a:latin typeface="Arial" panose="020B0604020202020204" pitchFamily="34" charset="0"/>
               <a:cs typeface="Arial" panose="020B0604020202020204" pitchFamily="34" charset="0"/>
             </a:rPr>
             <a:t>Notre Product </a:t>
           </a:r>
           <a:r>
-            <a:rPr lang="fr-FR" sz="2700" b="1" kern="1200" dirty="0" err="1">
+            <a:rPr lang="fr-FR" sz="2400" b="0" kern="1200" dirty="0" err="1">
+              <a:solidFill>
+                <a:srgbClr val="A67A44"/>
+              </a:solidFill>
               <a:latin typeface="Arial" panose="020B0604020202020204" pitchFamily="34" charset="0"/>
               <a:cs typeface="Arial" panose="020B0604020202020204" pitchFamily="34" charset="0"/>
             </a:rPr>
             <a:t>Owner</a:t>
           </a:r>
           <a:r>
-            <a:rPr lang="fr-FR" sz="2700" b="1" kern="1200" dirty="0">
+            <a:rPr lang="fr-FR" sz="2400" b="0" kern="1200" dirty="0">
+              <a:solidFill>
+                <a:srgbClr val="A67A44"/>
+              </a:solidFill>
               <a:latin typeface="Arial" panose="020B0604020202020204" pitchFamily="34" charset="0"/>
               <a:cs typeface="Arial" panose="020B0604020202020204" pitchFamily="34" charset="0"/>
             </a:rPr>
-            <a:t> </a:t>
-          </a:r>
-          <a:r>
-            <a:rPr lang="fr-FR" sz="2700" kern="1200" dirty="0">
-              <a:latin typeface="Arial" panose="020B0604020202020204" pitchFamily="34" charset="0"/>
-              <a:cs typeface="Arial" panose="020B0604020202020204" pitchFamily="34" charset="0"/>
-            </a:rPr>
-            <a:t>:</a:t>
+            <a:t> :</a:t>
           </a:r>
         </a:p>
         <a:p>
@@ -9866,13 +8283,20 @@
               <a:latin typeface="Arial" panose="020B0604020202020204" pitchFamily="34" charset="0"/>
               <a:cs typeface="Arial" panose="020B0604020202020204" pitchFamily="34" charset="0"/>
             </a:rPr>
-            <a:t>  PO-soufiane@webgencia.fr</a:t>
+            <a:t>  </a:t>
+          </a:r>
+          <a:r>
+            <a:rPr lang="fr-FR" sz="2700" b="1" kern="1200" dirty="0">
+              <a:latin typeface="Arial" panose="020B0604020202020204" pitchFamily="34" charset="0"/>
+              <a:cs typeface="Arial" panose="020B0604020202020204" pitchFamily="34" charset="0"/>
+            </a:rPr>
+            <a:t>PO-soufiane@webgencia.fr</a:t>
           </a:r>
         </a:p>
       </dsp:txBody>
       <dsp:txXfrm>
-        <a:off x="3904496" y="293081"/>
-        <a:ext cx="5188074" cy="1754892"/>
+        <a:off x="3692962" y="292482"/>
+        <a:ext cx="5533923" cy="1754892"/>
       </dsp:txXfrm>
     </dsp:sp>
     <dsp:sp modelId="{3A7D240A-97F1-4AC6-86CC-87BDAE507640}">
@@ -9882,14 +8306,14 @@
       </dsp:nvSpPr>
       <dsp:spPr>
         <a:xfrm>
-          <a:off x="109887" y="157499"/>
-          <a:ext cx="3765313" cy="2011598"/>
+          <a:off x="0" y="157499"/>
+          <a:ext cx="3688094" cy="2011598"/>
         </a:xfrm>
         <a:prstGeom prst="roundRect">
           <a:avLst/>
         </a:prstGeom>
         <a:solidFill>
-          <a:srgbClr val="C5A073"/>
+          <a:srgbClr val="8BC7B1"/>
         </a:solidFill>
         <a:ln w="76200" cap="flat" cmpd="sng" algn="ctr">
           <a:solidFill>
@@ -9942,8 +8366,8 @@
         </a:p>
       </dsp:txBody>
       <dsp:txXfrm>
-        <a:off x="208085" y="255697"/>
-        <a:ext cx="3568917" cy="1815202"/>
+        <a:off x="98198" y="255697"/>
+        <a:ext cx="3491698" cy="1815202"/>
       </dsp:txXfrm>
     </dsp:sp>
     <dsp:sp modelId="{58CCF19F-80DF-4906-A893-6A2A9AD09A71}">
@@ -9953,8 +8377,8 @@
       </dsp:nvSpPr>
       <dsp:spPr>
         <a:xfrm>
-          <a:off x="3904496" y="2574442"/>
-          <a:ext cx="6065520" cy="2339856"/>
+          <a:off x="3706261" y="2574442"/>
+          <a:ext cx="6399479" cy="2339856"/>
         </a:xfrm>
         <a:prstGeom prst="rightArrow">
           <a:avLst>
@@ -9987,7 +8411,7 @@
         <a:fontRef idx="minor"/>
       </dsp:style>
       <dsp:txBody>
-        <a:bodyPr spcFirstLastPara="0" vert="horz" wrap="square" lIns="17145" tIns="17145" rIns="17145" bIns="17145" numCol="1" spcCol="1270" anchor="ctr" anchorCtr="0">
+        <a:bodyPr spcFirstLastPara="0" vert="horz" wrap="square" lIns="144000" tIns="17145" rIns="0" bIns="17145" numCol="1" spcCol="1270" anchor="ctr" anchorCtr="0">
           <a:noAutofit/>
         </a:bodyPr>
         <a:lstStyle/>
@@ -10005,27 +8429,27 @@
             <a:buChar char="•"/>
           </a:pPr>
           <a:r>
+            <a:rPr lang="fr-FR" sz="2700" b="0" kern="1200" dirty="0">
+              <a:latin typeface="Arial" panose="020B0604020202020204" pitchFamily="34" charset="0"/>
+              <a:cs typeface="Arial" panose="020B0604020202020204" pitchFamily="34" charset="0"/>
+            </a:rPr>
+            <a:t>Facebook : </a:t>
+          </a:r>
+          <a:r>
             <a:rPr lang="fr-FR" sz="2700" b="1" kern="1200" dirty="0">
               <a:latin typeface="Arial" panose="020B0604020202020204" pitchFamily="34" charset="0"/>
               <a:cs typeface="Arial" panose="020B0604020202020204" pitchFamily="34" charset="0"/>
             </a:rPr>
-            <a:t>Facebook</a:t>
+            <a:t>Agence </a:t>
           </a:r>
           <a:r>
-            <a:rPr lang="fr-FR" sz="2700" kern="1200" dirty="0">
-              <a:latin typeface="Arial" panose="020B0604020202020204" pitchFamily="34" charset="0"/>
-              <a:cs typeface="Arial" panose="020B0604020202020204" pitchFamily="34" charset="0"/>
-            </a:rPr>
-            <a:t> : Agence </a:t>
-          </a:r>
-          <a:r>
-            <a:rPr lang="fr-FR" sz="2700" kern="1200" dirty="0" err="1">
+            <a:rPr lang="fr-FR" sz="2700" b="1" kern="1200" dirty="0" err="1">
               <a:latin typeface="Arial" panose="020B0604020202020204" pitchFamily="34" charset="0"/>
               <a:cs typeface="Arial" panose="020B0604020202020204" pitchFamily="34" charset="0"/>
             </a:rPr>
             <a:t>Webgencia</a:t>
           </a:r>
-          <a:endParaRPr lang="fr-FR" sz="2700" kern="1200" dirty="0">
+          <a:endParaRPr lang="fr-FR" sz="2700" b="1" kern="1200" dirty="0">
             <a:latin typeface="Arial" panose="020B0604020202020204" pitchFamily="34" charset="0"/>
             <a:cs typeface="Arial" panose="020B0604020202020204" pitchFamily="34" charset="0"/>
           </a:endParaRPr>
@@ -10044,24 +8468,31 @@
             <a:buChar char="•"/>
           </a:pPr>
           <a:r>
-            <a:rPr lang="fr-FR" sz="2700" b="1" kern="1200" dirty="0">
+            <a:rPr lang="fr-FR" sz="2700" b="0" kern="1200" dirty="0">
               <a:latin typeface="Arial" panose="020B0604020202020204" pitchFamily="34" charset="0"/>
               <a:cs typeface="Arial" panose="020B0604020202020204" pitchFamily="34" charset="0"/>
             </a:rPr>
-            <a:t>Twitter</a:t>
+            <a:t>Twitter :</a:t>
           </a:r>
           <a:r>
             <a:rPr lang="fr-FR" sz="2700" kern="1200" dirty="0">
               <a:latin typeface="Arial" panose="020B0604020202020204" pitchFamily="34" charset="0"/>
               <a:cs typeface="Arial" panose="020B0604020202020204" pitchFamily="34" charset="0"/>
             </a:rPr>
-            <a:t> : @webgencia</a:t>
+            <a:t> </a:t>
+          </a:r>
+          <a:r>
+            <a:rPr lang="fr-FR" sz="2700" b="1" kern="1200" dirty="0">
+              <a:latin typeface="Arial" panose="020B0604020202020204" pitchFamily="34" charset="0"/>
+              <a:cs typeface="Arial" panose="020B0604020202020204" pitchFamily="34" charset="0"/>
+            </a:rPr>
+            <a:t>@webgencia</a:t>
           </a:r>
         </a:p>
       </dsp:txBody>
       <dsp:txXfrm>
-        <a:off x="3904496" y="2866924"/>
-        <a:ext cx="5188074" cy="1754892"/>
+        <a:off x="3706261" y="2866924"/>
+        <a:ext cx="5522033" cy="1754892"/>
       </dsp:txXfrm>
     </dsp:sp>
     <dsp:sp modelId="{B2B95F56-6166-4B1C-8FEA-450C2CDA3586}">
@@ -10071,14 +8502,14 @@
       </dsp:nvSpPr>
       <dsp:spPr>
         <a:xfrm>
-          <a:off x="109887" y="2730475"/>
-          <a:ext cx="3765313" cy="2013329"/>
+          <a:off x="0" y="2730475"/>
+          <a:ext cx="3702802" cy="2013329"/>
         </a:xfrm>
         <a:prstGeom prst="roundRect">
           <a:avLst/>
         </a:prstGeom>
         <a:solidFill>
-          <a:srgbClr val="C5A073"/>
+          <a:srgbClr val="8BC7B1"/>
         </a:solidFill>
         <a:ln w="76200" cap="flat" cmpd="sng" algn="ctr">
           <a:solidFill>
@@ -10126,13 +8557,13 @@
               <a:latin typeface="Arial" panose="020B0604020202020204" pitchFamily="34" charset="0"/>
               <a:cs typeface="Arial" panose="020B0604020202020204" pitchFamily="34" charset="0"/>
             </a:rPr>
-            <a:t>Nos réseaux</a:t>
+            <a:t>Nos réseaux sociaux</a:t>
           </a:r>
         </a:p>
       </dsp:txBody>
       <dsp:txXfrm>
-        <a:off x="208170" y="2828758"/>
-        <a:ext cx="3568747" cy="1816763"/>
+        <a:off x="98283" y="2828758"/>
+        <a:ext cx="3506236" cy="1816763"/>
       </dsp:txXfrm>
     </dsp:sp>
   </dsp:spTree>
@@ -11581,195 +10012,6 @@
 </file>
 
 <file path=ppt/diagrams/layout3.xml><?xml version="1.0" encoding="utf-8"?>
-<dgm:layoutDef xmlns:dgm="http://schemas.openxmlformats.org/drawingml/2006/diagram" xmlns:a="http://schemas.openxmlformats.org/drawingml/2006/main" uniqueId="urn:microsoft.com/office/officeart/2005/8/layout/pList2">
-  <dgm:title val=""/>
-  <dgm:desc val=""/>
-  <dgm:catLst>
-    <dgm:cat type="list" pri="11000"/>
-    <dgm:cat type="picture" pri="24000"/>
-    <dgm:cat type="pictureconvert" pri="24000"/>
-  </dgm:catLst>
-  <dgm:sampData useDef="1">
-    <dgm:dataModel>
-      <dgm:ptLst/>
-      <dgm:bg/>
-      <dgm:whole/>
-    </dgm:dataModel>
-  </dgm:sampData>
-  <dgm:styleData>
-    <dgm:dataModel>
-      <dgm:ptLst>
-        <dgm:pt modelId="0" type="doc"/>
-        <dgm:pt modelId="1"/>
-        <dgm:pt modelId="2"/>
-      </dgm:ptLst>
-      <dgm:cxnLst>
-        <dgm:cxn modelId="3" srcId="0" destId="1" srcOrd="0" destOrd="0"/>
-        <dgm:cxn modelId="4" srcId="0" destId="2" srcOrd="1" destOrd="0"/>
-      </dgm:cxnLst>
-      <dgm:bg/>
-      <dgm:whole/>
-    </dgm:dataModel>
-  </dgm:styleData>
-  <dgm:clrData>
-    <dgm:dataModel>
-      <dgm:ptLst>
-        <dgm:pt modelId="0" type="doc"/>
-        <dgm:pt modelId="1"/>
-        <dgm:pt modelId="2"/>
-        <dgm:pt modelId="3"/>
-        <dgm:pt modelId="4"/>
-      </dgm:ptLst>
-      <dgm:cxnLst>
-        <dgm:cxn modelId="5" srcId="0" destId="1" srcOrd="0" destOrd="0"/>
-        <dgm:cxn modelId="6" srcId="0" destId="2" srcOrd="1" destOrd="0"/>
-        <dgm:cxn modelId="7" srcId="0" destId="3" srcOrd="2" destOrd="0"/>
-        <dgm:cxn modelId="8" srcId="0" destId="4" srcOrd="3" destOrd="0"/>
-      </dgm:cxnLst>
-      <dgm:bg/>
-      <dgm:whole/>
-    </dgm:dataModel>
-  </dgm:clrData>
-  <dgm:layoutNode name="Name0">
-    <dgm:varLst>
-      <dgm:dir/>
-      <dgm:resizeHandles val="exact"/>
-    </dgm:varLst>
-    <dgm:alg type="composite"/>
-    <dgm:shape xmlns:r="http://schemas.openxmlformats.org/officeDocument/2006/relationships" r:blip="">
-      <dgm:adjLst/>
-    </dgm:shape>
-    <dgm:presOf/>
-    <dgm:constrLst>
-      <dgm:constr type="w" for="ch" forName="bkgdShp" refType="w"/>
-      <dgm:constr type="h" for="ch" forName="bkgdShp" refType="h" fact="0.45"/>
-      <dgm:constr type="t" for="ch" forName="bkgdShp"/>
-      <dgm:constr type="w" for="ch" forName="linComp" refType="w" fact="0.94"/>
-      <dgm:constr type="h" for="ch" forName="linComp" refType="h"/>
-      <dgm:constr type="ctrX" for="ch" forName="linComp" refType="w" fact="0.5"/>
-    </dgm:constrLst>
-    <dgm:ruleLst/>
-    <dgm:choose name="Name1">
-      <dgm:if name="Name2" axis="ch" ptType="node" func="cnt" op="gte" val="1">
-        <dgm:layoutNode name="bkgdShp" styleLbl="alignAccFollowNode1">
-          <dgm:alg type="sp"/>
-          <dgm:shape xmlns:r="http://schemas.openxmlformats.org/officeDocument/2006/relationships" type="roundRect" r:blip="">
-            <dgm:adjLst>
-              <dgm:adj idx="1" val="0.1"/>
-            </dgm:adjLst>
-          </dgm:shape>
-          <dgm:presOf/>
-          <dgm:constrLst/>
-          <dgm:ruleLst/>
-        </dgm:layoutNode>
-        <dgm:layoutNode name="linComp">
-          <dgm:choose name="Name3">
-            <dgm:if name="Name4" func="var" arg="dir" op="equ" val="norm">
-              <dgm:alg type="lin"/>
-            </dgm:if>
-            <dgm:else name="Name5">
-              <dgm:alg type="lin">
-                <dgm:param type="linDir" val="fromR"/>
-              </dgm:alg>
-            </dgm:else>
-          </dgm:choose>
-          <dgm:shape xmlns:r="http://schemas.openxmlformats.org/officeDocument/2006/relationships" r:blip="">
-            <dgm:adjLst/>
-          </dgm:shape>
-          <dgm:presOf/>
-          <dgm:constrLst>
-            <dgm:constr type="w" for="ch" forName="compNode" refType="w"/>
-            <dgm:constr type="h" for="ch" forName="compNode" refType="h"/>
-            <dgm:constr type="w" for="ch" ptType="sibTrans" refType="w" refFor="ch" refForName="compNode" fact="0.1"/>
-            <dgm:constr type="h" for="ch" ptType="sibTrans" op="equ"/>
-            <dgm:constr type="h" for="ch" forName="compNode" op="equ"/>
-            <dgm:constr type="primFontSz" for="des" forName="node" op="equ"/>
-          </dgm:constrLst>
-          <dgm:ruleLst/>
-          <dgm:forEach name="nodesForEach" axis="ch" ptType="node">
-            <dgm:layoutNode name="compNode">
-              <dgm:alg type="composite"/>
-              <dgm:shape xmlns:r="http://schemas.openxmlformats.org/officeDocument/2006/relationships" r:blip="">
-                <dgm:adjLst/>
-              </dgm:shape>
-              <dgm:presOf/>
-              <dgm:constrLst>
-                <dgm:constr type="w" for="ch" forName="node" refType="w"/>
-                <dgm:constr type="h" for="ch" forName="node" refType="h" fact="0.55"/>
-                <dgm:constr type="b" for="ch" forName="node" refType="h"/>
-                <dgm:constr type="w" for="ch" forName="invisiNode" refType="w" fact="0.75"/>
-                <dgm:constr type="h" for="ch" forName="invisiNode" refType="h" fact="0.06"/>
-                <dgm:constr type="t" for="ch" forName="invisiNode"/>
-                <dgm:constr type="w" for="ch" forName="imagNode" refType="w"/>
-                <dgm:constr type="h" for="ch" forName="imagNode" refType="h" fact="0.33"/>
-                <dgm:constr type="ctrX" for="ch" forName="imagNode" refType="w" fact="0.5"/>
-                <dgm:constr type="t" for="ch" forName="imagNode" refType="h" fact="0.06"/>
-              </dgm:constrLst>
-              <dgm:ruleLst/>
-              <dgm:layoutNode name="node" styleLbl="node1">
-                <dgm:varLst>
-                  <dgm:bulletEnabled val="1"/>
-                </dgm:varLst>
-                <dgm:alg type="tx">
-                  <dgm:param type="txAnchorVert" val="t"/>
-                </dgm:alg>
-                <dgm:shape xmlns:r="http://schemas.openxmlformats.org/officeDocument/2006/relationships" rot="180" type="round2SameRect" r:blip="">
-                  <dgm:adjLst>
-                    <dgm:adj idx="1" val="0.105"/>
-                  </dgm:adjLst>
-                </dgm:shape>
-                <dgm:presOf axis="desOrSelf" ptType="node"/>
-                <dgm:constrLst>
-                  <dgm:constr type="primFontSz" val="65"/>
-                </dgm:constrLst>
-                <dgm:ruleLst>
-                  <dgm:rule type="primFontSz" val="5" fact="NaN" max="NaN"/>
-                </dgm:ruleLst>
-              </dgm:layoutNode>
-              <dgm:layoutNode name="invisiNode">
-                <dgm:alg type="sp"/>
-                <dgm:shape xmlns:r="http://schemas.openxmlformats.org/officeDocument/2006/relationships" type="roundRect" r:blip="" hideGeom="1">
-                  <dgm:adjLst>
-                    <dgm:adj idx="1" val="0.1"/>
-                  </dgm:adjLst>
-                </dgm:shape>
-                <dgm:presOf/>
-                <dgm:constrLst/>
-                <dgm:ruleLst/>
-              </dgm:layoutNode>
-              <dgm:layoutNode name="imagNode" styleLbl="fgImgPlace1">
-                <dgm:alg type="sp"/>
-                <dgm:shape xmlns:r="http://schemas.openxmlformats.org/officeDocument/2006/relationships" type="roundRect" r:blip="" zOrderOff="-2" blipPhldr="1">
-                  <dgm:adjLst>
-                    <dgm:adj idx="1" val="0.1"/>
-                  </dgm:adjLst>
-                </dgm:shape>
-                <dgm:presOf/>
-                <dgm:constrLst/>
-                <dgm:ruleLst/>
-              </dgm:layoutNode>
-            </dgm:layoutNode>
-            <dgm:forEach name="sibTransForEach" axis="followSib" ptType="sibTrans" cnt="1">
-              <dgm:layoutNode name="sibTrans">
-                <dgm:alg type="sp"/>
-                <dgm:shape xmlns:r="http://schemas.openxmlformats.org/officeDocument/2006/relationships" type="rect" r:blip="" hideGeom="1">
-                  <dgm:adjLst/>
-                </dgm:shape>
-                <dgm:presOf axis="self"/>
-                <dgm:constrLst/>
-                <dgm:ruleLst/>
-              </dgm:layoutNode>
-            </dgm:forEach>
-          </dgm:forEach>
-        </dgm:layoutNode>
-      </dgm:if>
-      <dgm:else name="Name6"/>
-    </dgm:choose>
-  </dgm:layoutNode>
-</dgm:layoutDef>
-</file>
-
-<file path=ppt/diagrams/layout4.xml><?xml version="1.0" encoding="utf-8"?>
 <dgm:layoutDef xmlns:dgm="http://schemas.openxmlformats.org/drawingml/2006/diagram" xmlns:a="http://schemas.openxmlformats.org/drawingml/2006/main" uniqueId="urn:microsoft.com/office/officeart/2005/8/layout/vList6">
   <dgm:title val=""/>
   <dgm:desc val=""/>
@@ -15077,1040 +13319,6 @@
 </dgm:styleDef>
 </file>
 
-<file path=ppt/diagrams/quickStyle4.xml><?xml version="1.0" encoding="utf-8"?>
-<dgm:styleDef xmlns:dgm="http://schemas.openxmlformats.org/drawingml/2006/diagram" xmlns:a="http://schemas.openxmlformats.org/drawingml/2006/main" uniqueId="urn:microsoft.com/office/officeart/2005/8/quickstyle/simple1">
-  <dgm:title val=""/>
-  <dgm:desc val=""/>
-  <dgm:catLst>
-    <dgm:cat type="simple" pri="10100"/>
-  </dgm:catLst>
-  <dgm:scene3d>
-    <a:camera prst="orthographicFront"/>
-    <a:lightRig rig="threePt" dir="t"/>
-  </dgm:scene3d>
-  <dgm:styleLbl name="node0">
-    <dgm:scene3d>
-      <a:camera prst="orthographicFront"/>
-      <a:lightRig rig="threePt" dir="t"/>
-    </dgm:scene3d>
-    <dgm:sp3d/>
-    <dgm:txPr/>
-    <dgm:style>
-      <a:lnRef idx="2">
-        <a:scrgbClr r="0" g="0" b="0"/>
-      </a:lnRef>
-      <a:fillRef idx="1">
-        <a:scrgbClr r="0" g="0" b="0"/>
-      </a:fillRef>
-      <a:effectRef idx="0">
-        <a:scrgbClr r="0" g="0" b="0"/>
-      </a:effectRef>
-      <a:fontRef idx="minor">
-        <a:schemeClr val="lt1"/>
-      </a:fontRef>
-    </dgm:style>
-  </dgm:styleLbl>
-  <dgm:styleLbl name="lnNode1">
-    <dgm:scene3d>
-      <a:camera prst="orthographicFront"/>
-      <a:lightRig rig="threePt" dir="t"/>
-    </dgm:scene3d>
-    <dgm:sp3d/>
-    <dgm:txPr/>
-    <dgm:style>
-      <a:lnRef idx="2">
-        <a:scrgbClr r="0" g="0" b="0"/>
-      </a:lnRef>
-      <a:fillRef idx="1">
-        <a:scrgbClr r="0" g="0" b="0"/>
-      </a:fillRef>
-      <a:effectRef idx="0">
-        <a:scrgbClr r="0" g="0" b="0"/>
-      </a:effectRef>
-      <a:fontRef idx="minor">
-        <a:schemeClr val="lt1"/>
-      </a:fontRef>
-    </dgm:style>
-  </dgm:styleLbl>
-  <dgm:styleLbl name="vennNode1">
-    <dgm:scene3d>
-      <a:camera prst="orthographicFront"/>
-      <a:lightRig rig="threePt" dir="t"/>
-    </dgm:scene3d>
-    <dgm:sp3d/>
-    <dgm:txPr/>
-    <dgm:style>
-      <a:lnRef idx="2">
-        <a:scrgbClr r="0" g="0" b="0"/>
-      </a:lnRef>
-      <a:fillRef idx="1">
-        <a:scrgbClr r="0" g="0" b="0"/>
-      </a:fillRef>
-      <a:effectRef idx="0">
-        <a:scrgbClr r="0" g="0" b="0"/>
-      </a:effectRef>
-      <a:fontRef idx="minor">
-        <a:schemeClr val="tx1"/>
-      </a:fontRef>
-    </dgm:style>
-  </dgm:styleLbl>
-  <dgm:styleLbl name="alignNode1">
-    <dgm:scene3d>
-      <a:camera prst="orthographicFront"/>
-      <a:lightRig rig="threePt" dir="t"/>
-    </dgm:scene3d>
-    <dgm:sp3d/>
-    <dgm:txPr/>
-    <dgm:style>
-      <a:lnRef idx="2">
-        <a:scrgbClr r="0" g="0" b="0"/>
-      </a:lnRef>
-      <a:fillRef idx="1">
-        <a:scrgbClr r="0" g="0" b="0"/>
-      </a:fillRef>
-      <a:effectRef idx="0">
-        <a:scrgbClr r="0" g="0" b="0"/>
-      </a:effectRef>
-      <a:fontRef idx="minor">
-        <a:schemeClr val="lt1"/>
-      </a:fontRef>
-    </dgm:style>
-  </dgm:styleLbl>
-  <dgm:styleLbl name="node1">
-    <dgm:scene3d>
-      <a:camera prst="orthographicFront"/>
-      <a:lightRig rig="threePt" dir="t"/>
-    </dgm:scene3d>
-    <dgm:sp3d/>
-    <dgm:txPr/>
-    <dgm:style>
-      <a:lnRef idx="2">
-        <a:scrgbClr r="0" g="0" b="0"/>
-      </a:lnRef>
-      <a:fillRef idx="1">
-        <a:scrgbClr r="0" g="0" b="0"/>
-      </a:fillRef>
-      <a:effectRef idx="0">
-        <a:scrgbClr r="0" g="0" b="0"/>
-      </a:effectRef>
-      <a:fontRef idx="minor">
-        <a:schemeClr val="lt1"/>
-      </a:fontRef>
-    </dgm:style>
-  </dgm:styleLbl>
-  <dgm:styleLbl name="node2">
-    <dgm:scene3d>
-      <a:camera prst="orthographicFront"/>
-      <a:lightRig rig="threePt" dir="t"/>
-    </dgm:scene3d>
-    <dgm:sp3d/>
-    <dgm:txPr/>
-    <dgm:style>
-      <a:lnRef idx="2">
-        <a:scrgbClr r="0" g="0" b="0"/>
-      </a:lnRef>
-      <a:fillRef idx="1">
-        <a:scrgbClr r="0" g="0" b="0"/>
-      </a:fillRef>
-      <a:effectRef idx="0">
-        <a:scrgbClr r="0" g="0" b="0"/>
-      </a:effectRef>
-      <a:fontRef idx="minor">
-        <a:schemeClr val="lt1"/>
-      </a:fontRef>
-    </dgm:style>
-  </dgm:styleLbl>
-  <dgm:styleLbl name="node3">
-    <dgm:scene3d>
-      <a:camera prst="orthographicFront"/>
-      <a:lightRig rig="threePt" dir="t"/>
-    </dgm:scene3d>
-    <dgm:sp3d/>
-    <dgm:txPr/>
-    <dgm:style>
-      <a:lnRef idx="2">
-        <a:scrgbClr r="0" g="0" b="0"/>
-      </a:lnRef>
-      <a:fillRef idx="1">
-        <a:scrgbClr r="0" g="0" b="0"/>
-      </a:fillRef>
-      <a:effectRef idx="0">
-        <a:scrgbClr r="0" g="0" b="0"/>
-      </a:effectRef>
-      <a:fontRef idx="minor">
-        <a:schemeClr val="lt1"/>
-      </a:fontRef>
-    </dgm:style>
-  </dgm:styleLbl>
-  <dgm:styleLbl name="node4">
-    <dgm:scene3d>
-      <a:camera prst="orthographicFront"/>
-      <a:lightRig rig="threePt" dir="t"/>
-    </dgm:scene3d>
-    <dgm:sp3d/>
-    <dgm:txPr/>
-    <dgm:style>
-      <a:lnRef idx="2">
-        <a:scrgbClr r="0" g="0" b="0"/>
-      </a:lnRef>
-      <a:fillRef idx="1">
-        <a:scrgbClr r="0" g="0" b="0"/>
-      </a:fillRef>
-      <a:effectRef idx="0">
-        <a:scrgbClr r="0" g="0" b="0"/>
-      </a:effectRef>
-      <a:fontRef idx="minor">
-        <a:schemeClr val="lt1"/>
-      </a:fontRef>
-    </dgm:style>
-  </dgm:styleLbl>
-  <dgm:styleLbl name="fgImgPlace1">
-    <dgm:scene3d>
-      <a:camera prst="orthographicFront"/>
-      <a:lightRig rig="threePt" dir="t"/>
-    </dgm:scene3d>
-    <dgm:sp3d/>
-    <dgm:txPr/>
-    <dgm:style>
-      <a:lnRef idx="2">
-        <a:scrgbClr r="0" g="0" b="0"/>
-      </a:lnRef>
-      <a:fillRef idx="1">
-        <a:scrgbClr r="0" g="0" b="0"/>
-      </a:fillRef>
-      <a:effectRef idx="0">
-        <a:scrgbClr r="0" g="0" b="0"/>
-      </a:effectRef>
-      <a:fontRef idx="minor"/>
-    </dgm:style>
-  </dgm:styleLbl>
-  <dgm:styleLbl name="alignImgPlace1">
-    <dgm:scene3d>
-      <a:camera prst="orthographicFront"/>
-      <a:lightRig rig="threePt" dir="t"/>
-    </dgm:scene3d>
-    <dgm:sp3d/>
-    <dgm:txPr/>
-    <dgm:style>
-      <a:lnRef idx="2">
-        <a:scrgbClr r="0" g="0" b="0"/>
-      </a:lnRef>
-      <a:fillRef idx="1">
-        <a:scrgbClr r="0" g="0" b="0"/>
-      </a:fillRef>
-      <a:effectRef idx="0">
-        <a:scrgbClr r="0" g="0" b="0"/>
-      </a:effectRef>
-      <a:fontRef idx="minor"/>
-    </dgm:style>
-  </dgm:styleLbl>
-  <dgm:styleLbl name="bgImgPlace1">
-    <dgm:scene3d>
-      <a:camera prst="orthographicFront"/>
-      <a:lightRig rig="threePt" dir="t"/>
-    </dgm:scene3d>
-    <dgm:sp3d/>
-    <dgm:txPr/>
-    <dgm:style>
-      <a:lnRef idx="2">
-        <a:scrgbClr r="0" g="0" b="0"/>
-      </a:lnRef>
-      <a:fillRef idx="1">
-        <a:scrgbClr r="0" g="0" b="0"/>
-      </a:fillRef>
-      <a:effectRef idx="0">
-        <a:scrgbClr r="0" g="0" b="0"/>
-      </a:effectRef>
-      <a:fontRef idx="minor"/>
-    </dgm:style>
-  </dgm:styleLbl>
-  <dgm:styleLbl name="sibTrans2D1">
-    <dgm:scene3d>
-      <a:camera prst="orthographicFront"/>
-      <a:lightRig rig="threePt" dir="t"/>
-    </dgm:scene3d>
-    <dgm:sp3d/>
-    <dgm:txPr/>
-    <dgm:style>
-      <a:lnRef idx="0">
-        <a:scrgbClr r="0" g="0" b="0"/>
-      </a:lnRef>
-      <a:fillRef idx="1">
-        <a:scrgbClr r="0" g="0" b="0"/>
-      </a:fillRef>
-      <a:effectRef idx="0">
-        <a:scrgbClr r="0" g="0" b="0"/>
-      </a:effectRef>
-      <a:fontRef idx="minor">
-        <a:schemeClr val="lt1"/>
-      </a:fontRef>
-    </dgm:style>
-  </dgm:styleLbl>
-  <dgm:styleLbl name="fgSibTrans2D1">
-    <dgm:scene3d>
-      <a:camera prst="orthographicFront"/>
-      <a:lightRig rig="threePt" dir="t"/>
-    </dgm:scene3d>
-    <dgm:sp3d/>
-    <dgm:txPr/>
-    <dgm:style>
-      <a:lnRef idx="0">
-        <a:scrgbClr r="0" g="0" b="0"/>
-      </a:lnRef>
-      <a:fillRef idx="1">
-        <a:scrgbClr r="0" g="0" b="0"/>
-      </a:fillRef>
-      <a:effectRef idx="0">
-        <a:scrgbClr r="0" g="0" b="0"/>
-      </a:effectRef>
-      <a:fontRef idx="minor">
-        <a:schemeClr val="lt1"/>
-      </a:fontRef>
-    </dgm:style>
-  </dgm:styleLbl>
-  <dgm:styleLbl name="bgSibTrans2D1">
-    <dgm:scene3d>
-      <a:camera prst="orthographicFront"/>
-      <a:lightRig rig="threePt" dir="t"/>
-    </dgm:scene3d>
-    <dgm:sp3d/>
-    <dgm:txPr/>
-    <dgm:style>
-      <a:lnRef idx="0">
-        <a:scrgbClr r="0" g="0" b="0"/>
-      </a:lnRef>
-      <a:fillRef idx="1">
-        <a:scrgbClr r="0" g="0" b="0"/>
-      </a:fillRef>
-      <a:effectRef idx="0">
-        <a:scrgbClr r="0" g="0" b="0"/>
-      </a:effectRef>
-      <a:fontRef idx="minor">
-        <a:schemeClr val="lt1"/>
-      </a:fontRef>
-    </dgm:style>
-  </dgm:styleLbl>
-  <dgm:styleLbl name="sibTrans1D1">
-    <dgm:scene3d>
-      <a:camera prst="orthographicFront"/>
-      <a:lightRig rig="threePt" dir="t"/>
-    </dgm:scene3d>
-    <dgm:sp3d/>
-    <dgm:txPr/>
-    <dgm:style>
-      <a:lnRef idx="1">
-        <a:scrgbClr r="0" g="0" b="0"/>
-      </a:lnRef>
-      <a:fillRef idx="0">
-        <a:scrgbClr r="0" g="0" b="0"/>
-      </a:fillRef>
-      <a:effectRef idx="0">
-        <a:scrgbClr r="0" g="0" b="0"/>
-      </a:effectRef>
-      <a:fontRef idx="minor"/>
-    </dgm:style>
-  </dgm:styleLbl>
-  <dgm:styleLbl name="callout">
-    <dgm:scene3d>
-      <a:camera prst="orthographicFront"/>
-      <a:lightRig rig="threePt" dir="t"/>
-    </dgm:scene3d>
-    <dgm:sp3d/>
-    <dgm:txPr/>
-    <dgm:style>
-      <a:lnRef idx="2">
-        <a:scrgbClr r="0" g="0" b="0"/>
-      </a:lnRef>
-      <a:fillRef idx="1">
-        <a:scrgbClr r="0" g="0" b="0"/>
-      </a:fillRef>
-      <a:effectRef idx="0">
-        <a:scrgbClr r="0" g="0" b="0"/>
-      </a:effectRef>
-      <a:fontRef idx="minor"/>
-    </dgm:style>
-  </dgm:styleLbl>
-  <dgm:styleLbl name="asst0">
-    <dgm:scene3d>
-      <a:camera prst="orthographicFront"/>
-      <a:lightRig rig="threePt" dir="t"/>
-    </dgm:scene3d>
-    <dgm:sp3d/>
-    <dgm:txPr/>
-    <dgm:style>
-      <a:lnRef idx="2">
-        <a:scrgbClr r="0" g="0" b="0"/>
-      </a:lnRef>
-      <a:fillRef idx="1">
-        <a:scrgbClr r="0" g="0" b="0"/>
-      </a:fillRef>
-      <a:effectRef idx="0">
-        <a:scrgbClr r="0" g="0" b="0"/>
-      </a:effectRef>
-      <a:fontRef idx="minor">
-        <a:schemeClr val="lt1"/>
-      </a:fontRef>
-    </dgm:style>
-  </dgm:styleLbl>
-  <dgm:styleLbl name="asst1">
-    <dgm:scene3d>
-      <a:camera prst="orthographicFront"/>
-      <a:lightRig rig="threePt" dir="t"/>
-    </dgm:scene3d>
-    <dgm:sp3d/>
-    <dgm:txPr/>
-    <dgm:style>
-      <a:lnRef idx="2">
-        <a:scrgbClr r="0" g="0" b="0"/>
-      </a:lnRef>
-      <a:fillRef idx="1">
-        <a:scrgbClr r="0" g="0" b="0"/>
-      </a:fillRef>
-      <a:effectRef idx="0">
-        <a:scrgbClr r="0" g="0" b="0"/>
-      </a:effectRef>
-      <a:fontRef idx="minor">
-        <a:schemeClr val="lt1"/>
-      </a:fontRef>
-    </dgm:style>
-  </dgm:styleLbl>
-  <dgm:styleLbl name="asst2">
-    <dgm:scene3d>
-      <a:camera prst="orthographicFront"/>
-      <a:lightRig rig="threePt" dir="t"/>
-    </dgm:scene3d>
-    <dgm:sp3d/>
-    <dgm:txPr/>
-    <dgm:style>
-      <a:lnRef idx="2">
-        <a:scrgbClr r="0" g="0" b="0"/>
-      </a:lnRef>
-      <a:fillRef idx="1">
-        <a:scrgbClr r="0" g="0" b="0"/>
-      </a:fillRef>
-      <a:effectRef idx="0">
-        <a:scrgbClr r="0" g="0" b="0"/>
-      </a:effectRef>
-      <a:fontRef idx="minor">
-        <a:schemeClr val="lt1"/>
-      </a:fontRef>
-    </dgm:style>
-  </dgm:styleLbl>
-  <dgm:styleLbl name="asst3">
-    <dgm:scene3d>
-      <a:camera prst="orthographicFront"/>
-      <a:lightRig rig="threePt" dir="t"/>
-    </dgm:scene3d>
-    <dgm:sp3d/>
-    <dgm:txPr/>
-    <dgm:style>
-      <a:lnRef idx="2">
-        <a:scrgbClr r="0" g="0" b="0"/>
-      </a:lnRef>
-      <a:fillRef idx="1">
-        <a:scrgbClr r="0" g="0" b="0"/>
-      </a:fillRef>
-      <a:effectRef idx="0">
-        <a:scrgbClr r="0" g="0" b="0"/>
-      </a:effectRef>
-      <a:fontRef idx="minor">
-        <a:schemeClr val="lt1"/>
-      </a:fontRef>
-    </dgm:style>
-  </dgm:styleLbl>
-  <dgm:styleLbl name="asst4">
-    <dgm:scene3d>
-      <a:camera prst="orthographicFront"/>
-      <a:lightRig rig="threePt" dir="t"/>
-    </dgm:scene3d>
-    <dgm:sp3d/>
-    <dgm:txPr/>
-    <dgm:style>
-      <a:lnRef idx="2">
-        <a:scrgbClr r="0" g="0" b="0"/>
-      </a:lnRef>
-      <a:fillRef idx="1">
-        <a:scrgbClr r="0" g="0" b="0"/>
-      </a:fillRef>
-      <a:effectRef idx="0">
-        <a:scrgbClr r="0" g="0" b="0"/>
-      </a:effectRef>
-      <a:fontRef idx="minor">
-        <a:schemeClr val="lt1"/>
-      </a:fontRef>
-    </dgm:style>
-  </dgm:styleLbl>
-  <dgm:styleLbl name="parChTrans2D1">
-    <dgm:scene3d>
-      <a:camera prst="orthographicFront"/>
-      <a:lightRig rig="threePt" dir="t"/>
-    </dgm:scene3d>
-    <dgm:sp3d/>
-    <dgm:txPr/>
-    <dgm:style>
-      <a:lnRef idx="2">
-        <a:scrgbClr r="0" g="0" b="0"/>
-      </a:lnRef>
-      <a:fillRef idx="1">
-        <a:scrgbClr r="0" g="0" b="0"/>
-      </a:fillRef>
-      <a:effectRef idx="0">
-        <a:scrgbClr r="0" g="0" b="0"/>
-      </a:effectRef>
-      <a:fontRef idx="minor">
-        <a:schemeClr val="lt1"/>
-      </a:fontRef>
-    </dgm:style>
-  </dgm:styleLbl>
-  <dgm:styleLbl name="parChTrans2D2">
-    <dgm:scene3d>
-      <a:camera prst="orthographicFront"/>
-      <a:lightRig rig="threePt" dir="t"/>
-    </dgm:scene3d>
-    <dgm:sp3d/>
-    <dgm:txPr/>
-    <dgm:style>
-      <a:lnRef idx="2">
-        <a:scrgbClr r="0" g="0" b="0"/>
-      </a:lnRef>
-      <a:fillRef idx="1">
-        <a:scrgbClr r="0" g="0" b="0"/>
-      </a:fillRef>
-      <a:effectRef idx="0">
-        <a:scrgbClr r="0" g="0" b="0"/>
-      </a:effectRef>
-      <a:fontRef idx="minor">
-        <a:schemeClr val="lt1"/>
-      </a:fontRef>
-    </dgm:style>
-  </dgm:styleLbl>
-  <dgm:styleLbl name="parChTrans2D3">
-    <dgm:scene3d>
-      <a:camera prst="orthographicFront"/>
-      <a:lightRig rig="threePt" dir="t"/>
-    </dgm:scene3d>
-    <dgm:sp3d/>
-    <dgm:txPr/>
-    <dgm:style>
-      <a:lnRef idx="2">
-        <a:scrgbClr r="0" g="0" b="0"/>
-      </a:lnRef>
-      <a:fillRef idx="1">
-        <a:scrgbClr r="0" g="0" b="0"/>
-      </a:fillRef>
-      <a:effectRef idx="0">
-        <a:scrgbClr r="0" g="0" b="0"/>
-      </a:effectRef>
-      <a:fontRef idx="minor">
-        <a:schemeClr val="lt1"/>
-      </a:fontRef>
-    </dgm:style>
-  </dgm:styleLbl>
-  <dgm:styleLbl name="parChTrans2D4">
-    <dgm:scene3d>
-      <a:camera prst="orthographicFront"/>
-      <a:lightRig rig="threePt" dir="t"/>
-    </dgm:scene3d>
-    <dgm:sp3d/>
-    <dgm:txPr/>
-    <dgm:style>
-      <a:lnRef idx="2">
-        <a:scrgbClr r="0" g="0" b="0"/>
-      </a:lnRef>
-      <a:fillRef idx="1">
-        <a:scrgbClr r="0" g="0" b="0"/>
-      </a:fillRef>
-      <a:effectRef idx="0">
-        <a:scrgbClr r="0" g="0" b="0"/>
-      </a:effectRef>
-      <a:fontRef idx="minor">
-        <a:schemeClr val="lt1"/>
-      </a:fontRef>
-    </dgm:style>
-  </dgm:styleLbl>
-  <dgm:styleLbl name="parChTrans1D1">
-    <dgm:scene3d>
-      <a:camera prst="orthographicFront"/>
-      <a:lightRig rig="threePt" dir="t"/>
-    </dgm:scene3d>
-    <dgm:sp3d/>
-    <dgm:txPr/>
-    <dgm:style>
-      <a:lnRef idx="2">
-        <a:scrgbClr r="0" g="0" b="0"/>
-      </a:lnRef>
-      <a:fillRef idx="0">
-        <a:scrgbClr r="0" g="0" b="0"/>
-      </a:fillRef>
-      <a:effectRef idx="0">
-        <a:scrgbClr r="0" g="0" b="0"/>
-      </a:effectRef>
-      <a:fontRef idx="minor"/>
-    </dgm:style>
-  </dgm:styleLbl>
-  <dgm:styleLbl name="parChTrans1D2">
-    <dgm:scene3d>
-      <a:camera prst="orthographicFront"/>
-      <a:lightRig rig="threePt" dir="t"/>
-    </dgm:scene3d>
-    <dgm:sp3d/>
-    <dgm:txPr/>
-    <dgm:style>
-      <a:lnRef idx="2">
-        <a:scrgbClr r="0" g="0" b="0"/>
-      </a:lnRef>
-      <a:fillRef idx="0">
-        <a:scrgbClr r="0" g="0" b="0"/>
-      </a:fillRef>
-      <a:effectRef idx="0">
-        <a:scrgbClr r="0" g="0" b="0"/>
-      </a:effectRef>
-      <a:fontRef idx="minor"/>
-    </dgm:style>
-  </dgm:styleLbl>
-  <dgm:styleLbl name="parChTrans1D3">
-    <dgm:scene3d>
-      <a:camera prst="orthographicFront"/>
-      <a:lightRig rig="threePt" dir="t"/>
-    </dgm:scene3d>
-    <dgm:sp3d/>
-    <dgm:txPr/>
-    <dgm:style>
-      <a:lnRef idx="2">
-        <a:scrgbClr r="0" g="0" b="0"/>
-      </a:lnRef>
-      <a:fillRef idx="0">
-        <a:scrgbClr r="0" g="0" b="0"/>
-      </a:fillRef>
-      <a:effectRef idx="0">
-        <a:scrgbClr r="0" g="0" b="0"/>
-      </a:effectRef>
-      <a:fontRef idx="minor"/>
-    </dgm:style>
-  </dgm:styleLbl>
-  <dgm:styleLbl name="parChTrans1D4">
-    <dgm:scene3d>
-      <a:camera prst="orthographicFront"/>
-      <a:lightRig rig="threePt" dir="t"/>
-    </dgm:scene3d>
-    <dgm:sp3d/>
-    <dgm:txPr/>
-    <dgm:style>
-      <a:lnRef idx="2">
-        <a:scrgbClr r="0" g="0" b="0"/>
-      </a:lnRef>
-      <a:fillRef idx="0">
-        <a:scrgbClr r="0" g="0" b="0"/>
-      </a:fillRef>
-      <a:effectRef idx="0">
-        <a:scrgbClr r="0" g="0" b="0"/>
-      </a:effectRef>
-      <a:fontRef idx="minor"/>
-    </dgm:style>
-  </dgm:styleLbl>
-  <dgm:styleLbl name="fgAcc1">
-    <dgm:scene3d>
-      <a:camera prst="orthographicFront"/>
-      <a:lightRig rig="threePt" dir="t"/>
-    </dgm:scene3d>
-    <dgm:sp3d/>
-    <dgm:txPr/>
-    <dgm:style>
-      <a:lnRef idx="2">
-        <a:scrgbClr r="0" g="0" b="0"/>
-      </a:lnRef>
-      <a:fillRef idx="1">
-        <a:scrgbClr r="0" g="0" b="0"/>
-      </a:fillRef>
-      <a:effectRef idx="0">
-        <a:scrgbClr r="0" g="0" b="0"/>
-      </a:effectRef>
-      <a:fontRef idx="minor"/>
-    </dgm:style>
-  </dgm:styleLbl>
-  <dgm:styleLbl name="conFgAcc1">
-    <dgm:scene3d>
-      <a:camera prst="orthographicFront"/>
-      <a:lightRig rig="threePt" dir="t"/>
-    </dgm:scene3d>
-    <dgm:sp3d/>
-    <dgm:txPr/>
-    <dgm:style>
-      <a:lnRef idx="2">
-        <a:scrgbClr r="0" g="0" b="0"/>
-      </a:lnRef>
-      <a:fillRef idx="1">
-        <a:scrgbClr r="0" g="0" b="0"/>
-      </a:fillRef>
-      <a:effectRef idx="0">
-        <a:scrgbClr r="0" g="0" b="0"/>
-      </a:effectRef>
-      <a:fontRef idx="minor"/>
-    </dgm:style>
-  </dgm:styleLbl>
-  <dgm:styleLbl name="alignAcc1">
-    <dgm:scene3d>
-      <a:camera prst="orthographicFront"/>
-      <a:lightRig rig="threePt" dir="t"/>
-    </dgm:scene3d>
-    <dgm:sp3d/>
-    <dgm:txPr/>
-    <dgm:style>
-      <a:lnRef idx="2">
-        <a:scrgbClr r="0" g="0" b="0"/>
-      </a:lnRef>
-      <a:fillRef idx="1">
-        <a:scrgbClr r="0" g="0" b="0"/>
-      </a:fillRef>
-      <a:effectRef idx="0">
-        <a:scrgbClr r="0" g="0" b="0"/>
-      </a:effectRef>
-      <a:fontRef idx="minor"/>
-    </dgm:style>
-  </dgm:styleLbl>
-  <dgm:styleLbl name="trAlignAcc1">
-    <dgm:scene3d>
-      <a:camera prst="orthographicFront"/>
-      <a:lightRig rig="threePt" dir="t"/>
-    </dgm:scene3d>
-    <dgm:sp3d/>
-    <dgm:txPr/>
-    <dgm:style>
-      <a:lnRef idx="1">
-        <a:scrgbClr r="0" g="0" b="0"/>
-      </a:lnRef>
-      <a:fillRef idx="1">
-        <a:scrgbClr r="0" g="0" b="0"/>
-      </a:fillRef>
-      <a:effectRef idx="0">
-        <a:scrgbClr r="0" g="0" b="0"/>
-      </a:effectRef>
-      <a:fontRef idx="minor"/>
-    </dgm:style>
-  </dgm:styleLbl>
-  <dgm:styleLbl name="bgAcc1">
-    <dgm:scene3d>
-      <a:camera prst="orthographicFront"/>
-      <a:lightRig rig="threePt" dir="t"/>
-    </dgm:scene3d>
-    <dgm:sp3d/>
-    <dgm:txPr/>
-    <dgm:style>
-      <a:lnRef idx="2">
-        <a:scrgbClr r="0" g="0" b="0"/>
-      </a:lnRef>
-      <a:fillRef idx="1">
-        <a:scrgbClr r="0" g="0" b="0"/>
-      </a:fillRef>
-      <a:effectRef idx="0">
-        <a:scrgbClr r="0" g="0" b="0"/>
-      </a:effectRef>
-      <a:fontRef idx="minor"/>
-    </dgm:style>
-  </dgm:styleLbl>
-  <dgm:styleLbl name="solidFgAcc1">
-    <dgm:scene3d>
-      <a:camera prst="orthographicFront"/>
-      <a:lightRig rig="threePt" dir="t"/>
-    </dgm:scene3d>
-    <dgm:sp3d/>
-    <dgm:txPr/>
-    <dgm:style>
-      <a:lnRef idx="2">
-        <a:scrgbClr r="0" g="0" b="0"/>
-      </a:lnRef>
-      <a:fillRef idx="1">
-        <a:scrgbClr r="0" g="0" b="0"/>
-      </a:fillRef>
-      <a:effectRef idx="0">
-        <a:scrgbClr r="0" g="0" b="0"/>
-      </a:effectRef>
-      <a:fontRef idx="minor"/>
-    </dgm:style>
-  </dgm:styleLbl>
-  <dgm:styleLbl name="solidAlignAcc1">
-    <dgm:scene3d>
-      <a:camera prst="orthographicFront"/>
-      <a:lightRig rig="threePt" dir="t"/>
-    </dgm:scene3d>
-    <dgm:sp3d/>
-    <dgm:txPr/>
-    <dgm:style>
-      <a:lnRef idx="2">
-        <a:scrgbClr r="0" g="0" b="0"/>
-      </a:lnRef>
-      <a:fillRef idx="1">
-        <a:scrgbClr r="0" g="0" b="0"/>
-      </a:fillRef>
-      <a:effectRef idx="0">
-        <a:scrgbClr r="0" g="0" b="0"/>
-      </a:effectRef>
-      <a:fontRef idx="minor"/>
-    </dgm:style>
-  </dgm:styleLbl>
-  <dgm:styleLbl name="solidBgAcc1">
-    <dgm:scene3d>
-      <a:camera prst="orthographicFront"/>
-      <a:lightRig rig="threePt" dir="t"/>
-    </dgm:scene3d>
-    <dgm:sp3d/>
-    <dgm:txPr/>
-    <dgm:style>
-      <a:lnRef idx="2">
-        <a:scrgbClr r="0" g="0" b="0"/>
-      </a:lnRef>
-      <a:fillRef idx="1">
-        <a:scrgbClr r="0" g="0" b="0"/>
-      </a:fillRef>
-      <a:effectRef idx="0">
-        <a:scrgbClr r="0" g="0" b="0"/>
-      </a:effectRef>
-      <a:fontRef idx="minor"/>
-    </dgm:style>
-  </dgm:styleLbl>
-  <dgm:styleLbl name="fgAccFollowNode1">
-    <dgm:scene3d>
-      <a:camera prst="orthographicFront"/>
-      <a:lightRig rig="threePt" dir="t"/>
-    </dgm:scene3d>
-    <dgm:sp3d/>
-    <dgm:txPr/>
-    <dgm:style>
-      <a:lnRef idx="2">
-        <a:scrgbClr r="0" g="0" b="0"/>
-      </a:lnRef>
-      <a:fillRef idx="1">
-        <a:scrgbClr r="0" g="0" b="0"/>
-      </a:fillRef>
-      <a:effectRef idx="0">
-        <a:scrgbClr r="0" g="0" b="0"/>
-      </a:effectRef>
-      <a:fontRef idx="minor"/>
-    </dgm:style>
-  </dgm:styleLbl>
-  <dgm:styleLbl name="alignAccFollowNode1">
-    <dgm:scene3d>
-      <a:camera prst="orthographicFront"/>
-      <a:lightRig rig="threePt" dir="t"/>
-    </dgm:scene3d>
-    <dgm:sp3d/>
-    <dgm:txPr/>
-    <dgm:style>
-      <a:lnRef idx="2">
-        <a:scrgbClr r="0" g="0" b="0"/>
-      </a:lnRef>
-      <a:fillRef idx="1">
-        <a:scrgbClr r="0" g="0" b="0"/>
-      </a:fillRef>
-      <a:effectRef idx="0">
-        <a:scrgbClr r="0" g="0" b="0"/>
-      </a:effectRef>
-      <a:fontRef idx="minor"/>
-    </dgm:style>
-  </dgm:styleLbl>
-  <dgm:styleLbl name="bgAccFollowNode1">
-    <dgm:scene3d>
-      <a:camera prst="orthographicFront"/>
-      <a:lightRig rig="threePt" dir="t"/>
-    </dgm:scene3d>
-    <dgm:sp3d/>
-    <dgm:txPr/>
-    <dgm:style>
-      <a:lnRef idx="2">
-        <a:scrgbClr r="0" g="0" b="0"/>
-      </a:lnRef>
-      <a:fillRef idx="1">
-        <a:scrgbClr r="0" g="0" b="0"/>
-      </a:fillRef>
-      <a:effectRef idx="0">
-        <a:scrgbClr r="0" g="0" b="0"/>
-      </a:effectRef>
-      <a:fontRef idx="minor"/>
-    </dgm:style>
-  </dgm:styleLbl>
-  <dgm:styleLbl name="fgAcc0">
-    <dgm:scene3d>
-      <a:camera prst="orthographicFront"/>
-      <a:lightRig rig="threePt" dir="t"/>
-    </dgm:scene3d>
-    <dgm:sp3d/>
-    <dgm:txPr/>
-    <dgm:style>
-      <a:lnRef idx="2">
-        <a:scrgbClr r="0" g="0" b="0"/>
-      </a:lnRef>
-      <a:fillRef idx="1">
-        <a:scrgbClr r="0" g="0" b="0"/>
-      </a:fillRef>
-      <a:effectRef idx="0">
-        <a:scrgbClr r="0" g="0" b="0"/>
-      </a:effectRef>
-      <a:fontRef idx="minor"/>
-    </dgm:style>
-  </dgm:styleLbl>
-  <dgm:styleLbl name="fgAcc2">
-    <dgm:scene3d>
-      <a:camera prst="orthographicFront"/>
-      <a:lightRig rig="threePt" dir="t"/>
-    </dgm:scene3d>
-    <dgm:sp3d/>
-    <dgm:txPr/>
-    <dgm:style>
-      <a:lnRef idx="2">
-        <a:scrgbClr r="0" g="0" b="0"/>
-      </a:lnRef>
-      <a:fillRef idx="1">
-        <a:scrgbClr r="0" g="0" b="0"/>
-      </a:fillRef>
-      <a:effectRef idx="0">
-        <a:scrgbClr r="0" g="0" b="0"/>
-      </a:effectRef>
-      <a:fontRef idx="minor"/>
-    </dgm:style>
-  </dgm:styleLbl>
-  <dgm:styleLbl name="fgAcc3">
-    <dgm:scene3d>
-      <a:camera prst="orthographicFront"/>
-      <a:lightRig rig="threePt" dir="t"/>
-    </dgm:scene3d>
-    <dgm:sp3d/>
-    <dgm:txPr/>
-    <dgm:style>
-      <a:lnRef idx="2">
-        <a:scrgbClr r="0" g="0" b="0"/>
-      </a:lnRef>
-      <a:fillRef idx="1">
-        <a:scrgbClr r="0" g="0" b="0"/>
-      </a:fillRef>
-      <a:effectRef idx="0">
-        <a:scrgbClr r="0" g="0" b="0"/>
-      </a:effectRef>
-      <a:fontRef idx="minor"/>
-    </dgm:style>
-  </dgm:styleLbl>
-  <dgm:styleLbl name="fgAcc4">
-    <dgm:scene3d>
-      <a:camera prst="orthographicFront"/>
-      <a:lightRig rig="threePt" dir="t"/>
-    </dgm:scene3d>
-    <dgm:sp3d/>
-    <dgm:txPr/>
-    <dgm:style>
-      <a:lnRef idx="2">
-        <a:scrgbClr r="0" g="0" b="0"/>
-      </a:lnRef>
-      <a:fillRef idx="1">
-        <a:scrgbClr r="0" g="0" b="0"/>
-      </a:fillRef>
-      <a:effectRef idx="0">
-        <a:scrgbClr r="0" g="0" b="0"/>
-      </a:effectRef>
-      <a:fontRef idx="minor"/>
-    </dgm:style>
-  </dgm:styleLbl>
-  <dgm:styleLbl name="bgShp">
-    <dgm:scene3d>
-      <a:camera prst="orthographicFront"/>
-      <a:lightRig rig="threePt" dir="t"/>
-    </dgm:scene3d>
-    <dgm:sp3d/>
-    <dgm:txPr/>
-    <dgm:style>
-      <a:lnRef idx="0">
-        <a:scrgbClr r="0" g="0" b="0"/>
-      </a:lnRef>
-      <a:fillRef idx="1">
-        <a:scrgbClr r="0" g="0" b="0"/>
-      </a:fillRef>
-      <a:effectRef idx="0">
-        <a:scrgbClr r="0" g="0" b="0"/>
-      </a:effectRef>
-      <a:fontRef idx="minor"/>
-    </dgm:style>
-  </dgm:styleLbl>
-  <dgm:styleLbl name="dkBgShp">
-    <dgm:scene3d>
-      <a:camera prst="orthographicFront"/>
-      <a:lightRig rig="threePt" dir="t"/>
-    </dgm:scene3d>
-    <dgm:sp3d/>
-    <dgm:txPr/>
-    <dgm:style>
-      <a:lnRef idx="0">
-        <a:scrgbClr r="0" g="0" b="0"/>
-      </a:lnRef>
-      <a:fillRef idx="1">
-        <a:scrgbClr r="0" g="0" b="0"/>
-      </a:fillRef>
-      <a:effectRef idx="0">
-        <a:scrgbClr r="0" g="0" b="0"/>
-      </a:effectRef>
-      <a:fontRef idx="minor"/>
-    </dgm:style>
-  </dgm:styleLbl>
-  <dgm:styleLbl name="trBgShp">
-    <dgm:scene3d>
-      <a:camera prst="orthographicFront"/>
-      <a:lightRig rig="threePt" dir="t"/>
-    </dgm:scene3d>
-    <dgm:sp3d/>
-    <dgm:txPr/>
-    <dgm:style>
-      <a:lnRef idx="0">
-        <a:scrgbClr r="0" g="0" b="0"/>
-      </a:lnRef>
-      <a:fillRef idx="1">
-        <a:scrgbClr r="0" g="0" b="0"/>
-      </a:fillRef>
-      <a:effectRef idx="0">
-        <a:scrgbClr r="0" g="0" b="0"/>
-      </a:effectRef>
-      <a:fontRef idx="minor"/>
-    </dgm:style>
-  </dgm:styleLbl>
-  <dgm:styleLbl name="fgShp">
-    <dgm:scene3d>
-      <a:camera prst="orthographicFront"/>
-      <a:lightRig rig="threePt" dir="t"/>
-    </dgm:scene3d>
-    <dgm:sp3d/>
-    <dgm:txPr/>
-    <dgm:style>
-      <a:lnRef idx="2">
-        <a:scrgbClr r="0" g="0" b="0"/>
-      </a:lnRef>
-      <a:fillRef idx="1">
-        <a:scrgbClr r="0" g="0" b="0"/>
-      </a:fillRef>
-      <a:effectRef idx="0">
-        <a:scrgbClr r="0" g="0" b="0"/>
-      </a:effectRef>
-      <a:fontRef idx="minor"/>
-    </dgm:style>
-  </dgm:styleLbl>
-  <dgm:styleLbl name="revTx">
-    <dgm:scene3d>
-      <a:camera prst="orthographicFront"/>
-      <a:lightRig rig="threePt" dir="t"/>
-    </dgm:scene3d>
-    <dgm:sp3d/>
-    <dgm:txPr/>
-    <dgm:style>
-      <a:lnRef idx="0">
-        <a:scrgbClr r="0" g="0" b="0"/>
-      </a:lnRef>
-      <a:fillRef idx="0">
-        <a:scrgbClr r="0" g="0" b="0"/>
-      </a:fillRef>
-      <a:effectRef idx="0">
-        <a:scrgbClr r="0" g="0" b="0"/>
-      </a:effectRef>
-      <a:fontRef idx="minor"/>
-    </dgm:style>
-  </dgm:styleLbl>
-</dgm:styleDef>
-</file>
-
 <file path=ppt/notesMasters/notesMaster1.xml><?xml version="1.0" encoding="utf-8"?>
 <p:notesMaster xmlns:a="http://schemas.openxmlformats.org/drawingml/2006/main" xmlns:r="http://schemas.openxmlformats.org/officeDocument/2006/relationships" xmlns:p="http://schemas.openxmlformats.org/presentationml/2006/main">
   <p:cSld>
@@ -16193,7 +13401,7 @@
           <a:p>
             <a:fld id="{C59530FB-1400-4896-B168-888D3D7BDE2E}" type="datetimeFigureOut">
               <a:rPr lang="fr-FR" smtClean="0"/>
-              <a:t>15/11/2023</a:t>
+              <a:t>16/11/2023</a:t>
             </a:fld>
             <a:endParaRPr lang="fr-FR" dirty="0"/>
           </a:p>
@@ -16693,7 +13901,7 @@
           <a:p>
             <a:fld id="{630E4388-42BC-45C1-858E-4775C69207AC}" type="slidenum">
               <a:rPr lang="fr-FR" smtClean="0"/>
-              <a:t>15</a:t>
+              <a:t>16</a:t>
             </a:fld>
             <a:endParaRPr lang="fr-FR" dirty="0"/>
           </a:p>
@@ -16923,7 +14131,7 @@
           <a:p>
             <a:fld id="{6B3DD98B-C874-41FD-896B-345350E0421B}" type="datetimeFigureOut">
               <a:rPr lang="fr-FR" smtClean="0"/>
-              <a:t>15/11/2023</a:t>
+              <a:t>16/11/2023</a:t>
             </a:fld>
             <a:endParaRPr lang="fr-FR" dirty="0"/>
           </a:p>
@@ -17101,7 +14309,7 @@
           <a:p>
             <a:fld id="{6B3DD98B-C874-41FD-896B-345350E0421B}" type="datetimeFigureOut">
               <a:rPr lang="fr-FR" smtClean="0"/>
-              <a:t>15/11/2023</a:t>
+              <a:t>16/11/2023</a:t>
             </a:fld>
             <a:endParaRPr lang="fr-FR" dirty="0"/>
           </a:p>
@@ -17352,7 +14560,7 @@
           <a:p>
             <a:fld id="{6B3DD98B-C874-41FD-896B-345350E0421B}" type="datetimeFigureOut">
               <a:rPr lang="fr-FR" smtClean="0"/>
-              <a:t>15/11/2023</a:t>
+              <a:t>16/11/2023</a:t>
             </a:fld>
             <a:endParaRPr lang="fr-FR" dirty="0"/>
           </a:p>
@@ -17637,7 +14845,7 @@
           <a:p>
             <a:fld id="{6B3DD98B-C874-41FD-896B-345350E0421B}" type="datetimeFigureOut">
               <a:rPr lang="fr-FR" smtClean="0"/>
-              <a:t>15/11/2023</a:t>
+              <a:t>16/11/2023</a:t>
             </a:fld>
             <a:endParaRPr lang="fr-FR" dirty="0"/>
           </a:p>
@@ -17955,7 +15163,7 @@
           <a:p>
             <a:fld id="{6B3DD98B-C874-41FD-896B-345350E0421B}" type="datetimeFigureOut">
               <a:rPr lang="fr-FR" smtClean="0"/>
-              <a:t>15/11/2023</a:t>
+              <a:t>16/11/2023</a:t>
             </a:fld>
             <a:endParaRPr lang="fr-FR" dirty="0"/>
           </a:p>
@@ -18263,7 +15471,7 @@
           <a:p>
             <a:fld id="{6B3DD98B-C874-41FD-896B-345350E0421B}" type="datetimeFigureOut">
               <a:rPr lang="fr-FR" smtClean="0"/>
-              <a:t>15/11/2023</a:t>
+              <a:t>16/11/2023</a:t>
             </a:fld>
             <a:endParaRPr lang="fr-FR" dirty="0"/>
           </a:p>
@@ -18718,7 +15926,7 @@
           <a:p>
             <a:fld id="{6B3DD98B-C874-41FD-896B-345350E0421B}" type="datetimeFigureOut">
               <a:rPr lang="fr-FR" smtClean="0"/>
-              <a:t>15/11/2023</a:t>
+              <a:t>16/11/2023</a:t>
             </a:fld>
             <a:endParaRPr lang="fr-FR" dirty="0"/>
           </a:p>
@@ -18902,7 +16110,7 @@
           <a:p>
             <a:fld id="{6B3DD98B-C874-41FD-896B-345350E0421B}" type="datetimeFigureOut">
               <a:rPr lang="fr-FR" smtClean="0"/>
-              <a:t>15/11/2023</a:t>
+              <a:t>16/11/2023</a:t>
             </a:fld>
             <a:endParaRPr lang="fr-FR" dirty="0"/>
           </a:p>
@@ -19058,7 +16266,7 @@
           <a:p>
             <a:fld id="{6B3DD98B-C874-41FD-896B-345350E0421B}" type="datetimeFigureOut">
               <a:rPr lang="fr-FR" smtClean="0"/>
-              <a:t>15/11/2023</a:t>
+              <a:t>16/11/2023</a:t>
             </a:fld>
             <a:endParaRPr lang="fr-FR" dirty="0"/>
           </a:p>
@@ -19412,7 +16620,7 @@
           <a:p>
             <a:fld id="{6B3DD98B-C874-41FD-896B-345350E0421B}" type="datetimeFigureOut">
               <a:rPr lang="fr-FR" smtClean="0"/>
-              <a:t>15/11/2023</a:t>
+              <a:t>16/11/2023</a:t>
             </a:fld>
             <a:endParaRPr lang="fr-FR" dirty="0"/>
           </a:p>
@@ -19746,7 +16954,7 @@
           <a:p>
             <a:fld id="{6B3DD98B-C874-41FD-896B-345350E0421B}" type="datetimeFigureOut">
               <a:rPr lang="fr-FR" smtClean="0"/>
-              <a:t>15/11/2023</a:t>
+              <a:t>16/11/2023</a:t>
             </a:fld>
             <a:endParaRPr lang="fr-FR" dirty="0"/>
           </a:p>
@@ -20096,7 +17304,7 @@
           <a:p>
             <a:fld id="{6B3DD98B-C874-41FD-896B-345350E0421B}" type="datetimeFigureOut">
               <a:rPr lang="fr-FR" smtClean="0"/>
-              <a:t>15/11/2023</a:t>
+              <a:t>16/11/2023</a:t>
             </a:fld>
             <a:endParaRPr lang="fr-FR" dirty="0"/>
           </a:p>
@@ -20868,6 +18076,440 @@
       </p:grpSpPr>
       <p:sp>
         <p:nvSpPr>
+          <p:cNvPr id="2" name="Titre 1">
+            <a:extLst>
+              <a:ext uri="{FF2B5EF4-FFF2-40B4-BE49-F238E27FC236}">
+                <a16:creationId xmlns:a16="http://schemas.microsoft.com/office/drawing/2014/main" id="{942BE2F9-3B6F-EFB5-07A3-5F147D4F9326}"/>
+              </a:ext>
+            </a:extLst>
+          </p:cNvPr>
+          <p:cNvSpPr>
+            <a:spLocks noGrp="1"/>
+          </p:cNvSpPr>
+          <p:nvPr>
+            <p:ph type="title"/>
+          </p:nvPr>
+        </p:nvSpPr>
+        <p:spPr/>
+        <p:txBody>
+          <a:bodyPr/>
+          <a:lstStyle/>
+          <a:p>
+            <a:r>
+              <a:rPr lang="fr-FR" dirty="0"/>
+              <a:t>Documents liés aux projets</a:t>
+            </a:r>
+          </a:p>
+        </p:txBody>
+      </p:sp>
+      <p:graphicFrame>
+        <p:nvGraphicFramePr>
+          <p:cNvPr id="6" name="Espace réservé du contenu 5">
+            <a:extLst>
+              <a:ext uri="{FF2B5EF4-FFF2-40B4-BE49-F238E27FC236}">
+                <a16:creationId xmlns:a16="http://schemas.microsoft.com/office/drawing/2014/main" id="{15466363-0577-41B8-BA82-65454DBF2E70}"/>
+              </a:ext>
+            </a:extLst>
+          </p:cNvPr>
+          <p:cNvGraphicFramePr>
+            <a:graphicFrameLocks noGrp="1"/>
+          </p:cNvGraphicFramePr>
+          <p:nvPr>
+            <p:ph idx="1"/>
+            <p:extLst>
+              <p:ext uri="{D42A27DB-BD31-4B8C-83A1-F6EECF244321}">
+                <p14:modId xmlns:p14="http://schemas.microsoft.com/office/powerpoint/2010/main" val="3254428582"/>
+              </p:ext>
+            </p:extLst>
+          </p:nvPr>
+        </p:nvGraphicFramePr>
+        <p:xfrm>
+          <a:off x="838200" y="1825625"/>
+          <a:ext cx="10515600" cy="4351338"/>
+        </p:xfrm>
+        <a:graphic>
+          <a:graphicData uri="http://schemas.openxmlformats.org/drawingml/2006/diagram">
+            <dgm:relIds xmlns:dgm="http://schemas.openxmlformats.org/drawingml/2006/diagram" xmlns:r="http://schemas.openxmlformats.org/officeDocument/2006/relationships" r:dm="rId2" r:lo="rId3" r:qs="rId4" r:cs="rId5"/>
+          </a:graphicData>
+        </a:graphic>
+      </p:graphicFrame>
+      <p:pic>
+        <p:nvPicPr>
+          <p:cNvPr id="10" name="Graphique 9" descr="Apprentissage des langues à distance contour">
+            <a:extLst>
+              <a:ext uri="{FF2B5EF4-FFF2-40B4-BE49-F238E27FC236}">
+                <a16:creationId xmlns:a16="http://schemas.microsoft.com/office/drawing/2014/main" id="{BD159E9C-4D21-6062-242A-C08DC4C9E7F6}"/>
+              </a:ext>
+            </a:extLst>
+          </p:cNvPr>
+          <p:cNvPicPr>
+            <a:picLocks noChangeAspect="1"/>
+          </p:cNvPicPr>
+          <p:nvPr/>
+        </p:nvPicPr>
+        <p:blipFill>
+          <a:blip r:embed="rId7">
+            <a:extLst>
+              <a:ext uri="{28A0092B-C50C-407E-A947-70E740481C1C}">
+                <a14:useLocalDpi xmlns:a14="http://schemas.microsoft.com/office/drawing/2010/main" val="0"/>
+              </a:ext>
+              <a:ext uri="{96DAC541-7B7A-43D3-8B79-37D633B846F1}">
+                <asvg:svgBlip xmlns:asvg="http://schemas.microsoft.com/office/drawing/2016/SVG/main" r:embed="rId8"/>
+              </a:ext>
+            </a:extLst>
+          </a:blip>
+          <a:stretch>
+            <a:fillRect/>
+          </a:stretch>
+        </p:blipFill>
+        <p:spPr>
+          <a:xfrm>
+            <a:off x="2508445" y="5557373"/>
+            <a:ext cx="540000" cy="540000"/>
+          </a:xfrm>
+          <a:prstGeom prst="rect">
+            <a:avLst/>
+          </a:prstGeom>
+        </p:spPr>
+      </p:pic>
+      <p:pic>
+        <p:nvPicPr>
+          <p:cNvPr id="14" name="Graphique 13" descr="Presse-papiers partiellement vérifié avec un remplissage uni">
+            <a:extLst>
+              <a:ext uri="{FF2B5EF4-FFF2-40B4-BE49-F238E27FC236}">
+                <a16:creationId xmlns:a16="http://schemas.microsoft.com/office/drawing/2014/main" id="{649D94CD-57AC-2BFF-A557-C625ACA04455}"/>
+              </a:ext>
+            </a:extLst>
+          </p:cNvPr>
+          <p:cNvPicPr>
+            <a:picLocks noChangeAspect="1"/>
+          </p:cNvPicPr>
+          <p:nvPr/>
+        </p:nvPicPr>
+        <p:blipFill>
+          <a:blip r:embed="rId9">
+            <a:extLst>
+              <a:ext uri="{28A0092B-C50C-407E-A947-70E740481C1C}">
+                <a14:useLocalDpi xmlns:a14="http://schemas.microsoft.com/office/drawing/2010/main" val="0"/>
+              </a:ext>
+              <a:ext uri="{96DAC541-7B7A-43D3-8B79-37D633B846F1}">
+                <asvg:svgBlip xmlns:asvg="http://schemas.microsoft.com/office/drawing/2016/SVG/main" r:embed="rId10"/>
+              </a:ext>
+            </a:extLst>
+          </a:blip>
+          <a:stretch>
+            <a:fillRect/>
+          </a:stretch>
+        </p:blipFill>
+        <p:spPr>
+          <a:xfrm>
+            <a:off x="2508445" y="4625480"/>
+            <a:ext cx="540000" cy="540000"/>
+          </a:xfrm>
+          <a:prstGeom prst="rect">
+            <a:avLst/>
+          </a:prstGeom>
+        </p:spPr>
+      </p:pic>
+      <p:pic>
+        <p:nvPicPr>
+          <p:cNvPr id="18" name="Graphique 17" descr="Engrenages avec un remplissage uni">
+            <a:extLst>
+              <a:ext uri="{FF2B5EF4-FFF2-40B4-BE49-F238E27FC236}">
+                <a16:creationId xmlns:a16="http://schemas.microsoft.com/office/drawing/2014/main" id="{6B49CC5E-A086-3952-0112-70B80EEDEC1A}"/>
+              </a:ext>
+            </a:extLst>
+          </p:cNvPr>
+          <p:cNvPicPr>
+            <a:picLocks noChangeAspect="1"/>
+          </p:cNvPicPr>
+          <p:nvPr/>
+        </p:nvPicPr>
+        <p:blipFill>
+          <a:blip r:embed="rId11">
+            <a:extLst>
+              <a:ext uri="{28A0092B-C50C-407E-A947-70E740481C1C}">
+                <a14:useLocalDpi xmlns:a14="http://schemas.microsoft.com/office/drawing/2010/main" val="0"/>
+              </a:ext>
+              <a:ext uri="{96DAC541-7B7A-43D3-8B79-37D633B846F1}">
+                <asvg:svgBlip xmlns:asvg="http://schemas.microsoft.com/office/drawing/2016/SVG/main" r:embed="rId12"/>
+              </a:ext>
+            </a:extLst>
+          </a:blip>
+          <a:stretch>
+            <a:fillRect/>
+          </a:stretch>
+        </p:blipFill>
+        <p:spPr>
+          <a:xfrm>
+            <a:off x="2508445" y="3740779"/>
+            <a:ext cx="540000" cy="540000"/>
+          </a:xfrm>
+          <a:prstGeom prst="rect">
+            <a:avLst/>
+          </a:prstGeom>
+        </p:spPr>
+      </p:pic>
+      <p:pic>
+        <p:nvPicPr>
+          <p:cNvPr id="21" name="Graphique 20" descr="Plan avec un remplissage uni">
+            <a:extLst>
+              <a:ext uri="{FF2B5EF4-FFF2-40B4-BE49-F238E27FC236}">
+                <a16:creationId xmlns:a16="http://schemas.microsoft.com/office/drawing/2014/main" id="{E929C302-82C6-8DB1-E0FF-C39CBF0904E4}"/>
+              </a:ext>
+            </a:extLst>
+          </p:cNvPr>
+          <p:cNvPicPr>
+            <a:picLocks noChangeAspect="1"/>
+          </p:cNvPicPr>
+          <p:nvPr/>
+        </p:nvPicPr>
+        <p:blipFill>
+          <a:blip r:embed="rId13">
+            <a:extLst>
+              <a:ext uri="{28A0092B-C50C-407E-A947-70E740481C1C}">
+                <a14:useLocalDpi xmlns:a14="http://schemas.microsoft.com/office/drawing/2010/main" val="0"/>
+              </a:ext>
+              <a:ext uri="{96DAC541-7B7A-43D3-8B79-37D633B846F1}">
+                <asvg:svgBlip xmlns:asvg="http://schemas.microsoft.com/office/drawing/2016/SVG/main" r:embed="rId14"/>
+              </a:ext>
+            </a:extLst>
+          </a:blip>
+          <a:stretch>
+            <a:fillRect/>
+          </a:stretch>
+        </p:blipFill>
+        <p:spPr>
+          <a:xfrm>
+            <a:off x="2508445" y="1914381"/>
+            <a:ext cx="540000" cy="540000"/>
+          </a:xfrm>
+          <a:prstGeom prst="rect">
+            <a:avLst/>
+          </a:prstGeom>
+        </p:spPr>
+      </p:pic>
+      <p:pic>
+        <p:nvPicPr>
+          <p:cNvPr id="24" name="Graphique 23" descr="Porte-bloc avec un remplissage uni">
+            <a:extLst>
+              <a:ext uri="{FF2B5EF4-FFF2-40B4-BE49-F238E27FC236}">
+                <a16:creationId xmlns:a16="http://schemas.microsoft.com/office/drawing/2014/main" id="{70844C5B-069B-6A1B-FE2F-F4EBD48B2B1B}"/>
+              </a:ext>
+            </a:extLst>
+          </p:cNvPr>
+          <p:cNvPicPr>
+            <a:picLocks noChangeAspect="1"/>
+          </p:cNvPicPr>
+          <p:nvPr/>
+        </p:nvPicPr>
+        <p:blipFill>
+          <a:blip r:embed="rId15">
+            <a:extLst>
+              <a:ext uri="{28A0092B-C50C-407E-A947-70E740481C1C}">
+                <a14:useLocalDpi xmlns:a14="http://schemas.microsoft.com/office/drawing/2010/main" val="0"/>
+              </a:ext>
+              <a:ext uri="{96DAC541-7B7A-43D3-8B79-37D633B846F1}">
+                <asvg:svgBlip xmlns:asvg="http://schemas.microsoft.com/office/drawing/2016/SVG/main" r:embed="rId16"/>
+              </a:ext>
+            </a:extLst>
+          </a:blip>
+          <a:stretch>
+            <a:fillRect/>
+          </a:stretch>
+        </p:blipFill>
+        <p:spPr>
+          <a:xfrm>
+            <a:off x="2508445" y="2819960"/>
+            <a:ext cx="540000" cy="540000"/>
+          </a:xfrm>
+          <a:prstGeom prst="rect">
+            <a:avLst/>
+          </a:prstGeom>
+        </p:spPr>
+      </p:pic>
+      <p:pic>
+        <p:nvPicPr>
+          <p:cNvPr id="32" name="Image 31">
+            <a:extLst>
+              <a:ext uri="{FF2B5EF4-FFF2-40B4-BE49-F238E27FC236}">
+                <a16:creationId xmlns:a16="http://schemas.microsoft.com/office/drawing/2014/main" id="{B6C80091-A2EF-5810-6765-DA6554E26760}"/>
+              </a:ext>
+            </a:extLst>
+          </p:cNvPr>
+          <p:cNvPicPr>
+            <a:picLocks noChangeAspect="1"/>
+          </p:cNvPicPr>
+          <p:nvPr/>
+        </p:nvPicPr>
+        <p:blipFill>
+          <a:blip r:embed="rId17"/>
+          <a:stretch>
+            <a:fillRect/>
+          </a:stretch>
+        </p:blipFill>
+        <p:spPr>
+          <a:xfrm>
+            <a:off x="7216140" y="2281661"/>
+            <a:ext cx="345440" cy="345440"/>
+          </a:xfrm>
+          <a:prstGeom prst="rect">
+            <a:avLst/>
+          </a:prstGeom>
+        </p:spPr>
+      </p:pic>
+      <p:pic>
+        <p:nvPicPr>
+          <p:cNvPr id="33" name="Image 32">
+            <a:extLst>
+              <a:ext uri="{FF2B5EF4-FFF2-40B4-BE49-F238E27FC236}">
+                <a16:creationId xmlns:a16="http://schemas.microsoft.com/office/drawing/2014/main" id="{E2660E6F-3E57-2977-2E41-34E5E85118AF}"/>
+              </a:ext>
+            </a:extLst>
+          </p:cNvPr>
+          <p:cNvPicPr>
+            <a:picLocks noChangeAspect="1"/>
+          </p:cNvPicPr>
+          <p:nvPr/>
+        </p:nvPicPr>
+        <p:blipFill>
+          <a:blip r:embed="rId17"/>
+          <a:stretch>
+            <a:fillRect/>
+          </a:stretch>
+        </p:blipFill>
+        <p:spPr>
+          <a:xfrm>
+            <a:off x="8798117" y="3187240"/>
+            <a:ext cx="345440" cy="345440"/>
+          </a:xfrm>
+          <a:prstGeom prst="rect">
+            <a:avLst/>
+          </a:prstGeom>
+        </p:spPr>
+      </p:pic>
+      <p:pic>
+        <p:nvPicPr>
+          <p:cNvPr id="34" name="Image 33">
+            <a:extLst>
+              <a:ext uri="{FF2B5EF4-FFF2-40B4-BE49-F238E27FC236}">
+                <a16:creationId xmlns:a16="http://schemas.microsoft.com/office/drawing/2014/main" id="{B28AED01-4457-CB7B-654F-82EBC6E2B5A9}"/>
+              </a:ext>
+            </a:extLst>
+          </p:cNvPr>
+          <p:cNvPicPr>
+            <a:picLocks noChangeAspect="1"/>
+          </p:cNvPicPr>
+          <p:nvPr/>
+        </p:nvPicPr>
+        <p:blipFill>
+          <a:blip r:embed="rId17"/>
+          <a:stretch>
+            <a:fillRect/>
+          </a:stretch>
+        </p:blipFill>
+        <p:spPr>
+          <a:xfrm>
+            <a:off x="8516177" y="4108059"/>
+            <a:ext cx="345440" cy="345440"/>
+          </a:xfrm>
+          <a:prstGeom prst="rect">
+            <a:avLst/>
+          </a:prstGeom>
+        </p:spPr>
+      </p:pic>
+      <p:pic>
+        <p:nvPicPr>
+          <p:cNvPr id="35" name="Image 34">
+            <a:extLst>
+              <a:ext uri="{FF2B5EF4-FFF2-40B4-BE49-F238E27FC236}">
+                <a16:creationId xmlns:a16="http://schemas.microsoft.com/office/drawing/2014/main" id="{69078A00-EF0B-8217-D5E8-4E318BE9419E}"/>
+              </a:ext>
+            </a:extLst>
+          </p:cNvPr>
+          <p:cNvPicPr>
+            <a:picLocks noChangeAspect="1"/>
+          </p:cNvPicPr>
+          <p:nvPr/>
+        </p:nvPicPr>
+        <p:blipFill>
+          <a:blip r:embed="rId17"/>
+          <a:stretch>
+            <a:fillRect/>
+          </a:stretch>
+        </p:blipFill>
+        <p:spPr>
+          <a:xfrm>
+            <a:off x="7792277" y="5022459"/>
+            <a:ext cx="345440" cy="345440"/>
+          </a:xfrm>
+          <a:prstGeom prst="rect">
+            <a:avLst/>
+          </a:prstGeom>
+        </p:spPr>
+      </p:pic>
+      <p:pic>
+        <p:nvPicPr>
+          <p:cNvPr id="36" name="Image 35">
+            <a:extLst>
+              <a:ext uri="{FF2B5EF4-FFF2-40B4-BE49-F238E27FC236}">
+                <a16:creationId xmlns:a16="http://schemas.microsoft.com/office/drawing/2014/main" id="{34E4FD57-FF4A-6C04-4E5A-57F73B70915F}"/>
+              </a:ext>
+            </a:extLst>
+          </p:cNvPr>
+          <p:cNvPicPr>
+            <a:picLocks noChangeAspect="1"/>
+          </p:cNvPicPr>
+          <p:nvPr/>
+        </p:nvPicPr>
+        <p:blipFill>
+          <a:blip r:embed="rId17"/>
+          <a:stretch>
+            <a:fillRect/>
+          </a:stretch>
+        </p:blipFill>
+        <p:spPr>
+          <a:xfrm>
+            <a:off x="8318057" y="5894173"/>
+            <a:ext cx="345440" cy="345440"/>
+          </a:xfrm>
+          <a:prstGeom prst="rect">
+            <a:avLst/>
+          </a:prstGeom>
+        </p:spPr>
+      </p:pic>
+    </p:spTree>
+    <p:extLst>
+      <p:ext uri="{BB962C8B-B14F-4D97-AF65-F5344CB8AC3E}">
+        <p14:creationId xmlns:p14="http://schemas.microsoft.com/office/powerpoint/2010/main" val="514618393"/>
+      </p:ext>
+    </p:extLst>
+  </p:cSld>
+  <p:clrMapOvr>
+    <a:masterClrMapping/>
+  </p:clrMapOvr>
+</p:sld>
+</file>
+
+<file path=ppt/slides/slide11.xml><?xml version="1.0" encoding="utf-8"?>
+<p:sld xmlns:a="http://schemas.openxmlformats.org/drawingml/2006/main" xmlns:r="http://schemas.openxmlformats.org/officeDocument/2006/relationships" xmlns:p="http://schemas.openxmlformats.org/presentationml/2006/main">
+  <p:cSld>
+    <p:spTree>
+      <p:nvGrpSpPr>
+        <p:cNvPr id="1" name=""/>
+        <p:cNvGrpSpPr/>
+        <p:nvPr/>
+      </p:nvGrpSpPr>
+      <p:grpSpPr>
+        <a:xfrm>
+          <a:off x="0" y="0"/>
+          <a:ext cx="0" cy="0"/>
+          <a:chOff x="0" y="0"/>
+          <a:chExt cx="0" cy="0"/>
+        </a:xfrm>
+      </p:grpSpPr>
+      <p:sp>
+        <p:nvSpPr>
           <p:cNvPr id="4" name="Titre 3">
             <a:extLst>
               <a:ext uri="{FF2B5EF4-FFF2-40B4-BE49-F238E27FC236}">
@@ -20950,7 +18592,7 @@
 </p:sld>
 </file>
 
-<file path=ppt/slides/slide11.xml><?xml version="1.0" encoding="utf-8"?>
+<file path=ppt/slides/slide12.xml><?xml version="1.0" encoding="utf-8"?>
 <p:sld xmlns:a="http://schemas.openxmlformats.org/drawingml/2006/main" xmlns:r="http://schemas.openxmlformats.org/officeDocument/2006/relationships" xmlns:p="http://schemas.openxmlformats.org/presentationml/2006/main">
   <p:cSld>
     <p:spTree>
@@ -20995,34 +18637,42 @@
           </a:p>
         </p:txBody>
       </p:sp>
-      <p:graphicFrame>
-        <p:nvGraphicFramePr>
-          <p:cNvPr id="18" name="Diagramme 17">
+      <p:pic>
+        <p:nvPicPr>
+          <p:cNvPr id="4" name="Image 3" descr="Une image contenant Visage humain, texte, dessin humoristique, verres&#10;&#10;Description générée automatiquement">
             <a:extLst>
               <a:ext uri="{FF2B5EF4-FFF2-40B4-BE49-F238E27FC236}">
-                <a16:creationId xmlns:a16="http://schemas.microsoft.com/office/drawing/2014/main" id="{C6A40649-259A-8B5E-0CBF-59A503F3BFA6}"/>
+                <a16:creationId xmlns:a16="http://schemas.microsoft.com/office/drawing/2014/main" id="{B073243F-2663-F0C9-7CCD-255D4FC32A19}"/>
               </a:ext>
             </a:extLst>
           </p:cNvPr>
-          <p:cNvGraphicFramePr/>
-          <p:nvPr>
-            <p:extLst>
-              <p:ext uri="{D42A27DB-BD31-4B8C-83A1-F6EECF244321}">
-                <p14:modId xmlns:p14="http://schemas.microsoft.com/office/powerpoint/2010/main" val="3222433607"/>
-              </p:ext>
-            </p:extLst>
-          </p:nvPr>
-        </p:nvGraphicFramePr>
-        <p:xfrm>
-          <a:off x="286962" y="2154766"/>
-          <a:ext cx="11618075" cy="4258734"/>
-        </p:xfrm>
-        <a:graphic>
-          <a:graphicData uri="http://schemas.openxmlformats.org/drawingml/2006/diagram">
-            <dgm:relIds xmlns:dgm="http://schemas.openxmlformats.org/drawingml/2006/diagram" xmlns:r="http://schemas.openxmlformats.org/officeDocument/2006/relationships" r:dm="rId2" r:lo="rId3" r:qs="rId4" r:cs="rId5"/>
-          </a:graphicData>
-        </a:graphic>
-      </p:graphicFrame>
+          <p:cNvPicPr>
+            <a:picLocks noChangeAspect="1"/>
+          </p:cNvPicPr>
+          <p:nvPr/>
+        </p:nvPicPr>
+        <p:blipFill>
+          <a:blip r:embed="rId2">
+            <a:extLst>
+              <a:ext uri="{28A0092B-C50C-407E-A947-70E740481C1C}">
+                <a14:useLocalDpi xmlns:a14="http://schemas.microsoft.com/office/drawing/2010/main" val="0"/>
+              </a:ext>
+            </a:extLst>
+          </a:blip>
+          <a:stretch>
+            <a:fillRect/>
+          </a:stretch>
+        </p:blipFill>
+        <p:spPr>
+          <a:xfrm>
+            <a:off x="0" y="1894917"/>
+            <a:ext cx="12192000" cy="4490565"/>
+          </a:xfrm>
+          <a:prstGeom prst="rect">
+            <a:avLst/>
+          </a:prstGeom>
+        </p:spPr>
+      </p:pic>
     </p:spTree>
     <p:extLst>
       <p:ext uri="{BB962C8B-B14F-4D97-AF65-F5344CB8AC3E}">
@@ -21036,7 +18686,7 @@
 </p:sld>
 </file>
 
-<file path=ppt/slides/slide12.xml><?xml version="1.0" encoding="utf-8"?>
+<file path=ppt/slides/slide13.xml><?xml version="1.0" encoding="utf-8"?>
 <p:sld xmlns:a="http://schemas.openxmlformats.org/drawingml/2006/main" xmlns:r="http://schemas.openxmlformats.org/officeDocument/2006/relationships" xmlns:p="http://schemas.openxmlformats.org/presentationml/2006/main">
   <p:cSld>
     <p:spTree>
@@ -21484,7 +19134,7 @@
 </p:sld>
 </file>
 
-<file path=ppt/slides/slide13.xml><?xml version="1.0" encoding="utf-8"?>
+<file path=ppt/slides/slide14.xml><?xml version="1.0" encoding="utf-8"?>
 <p:sld xmlns:a="http://schemas.openxmlformats.org/drawingml/2006/main" xmlns:r="http://schemas.openxmlformats.org/officeDocument/2006/relationships" xmlns:p="http://schemas.openxmlformats.org/presentationml/2006/main">
   <p:cSld>
     <p:spTree>
@@ -21744,7 +19394,7 @@
 </p:sld>
 </file>
 
-<file path=ppt/slides/slide14.xml><?xml version="1.0" encoding="utf-8"?>
+<file path=ppt/slides/slide15.xml><?xml version="1.0" encoding="utf-8"?>
 <p:sld xmlns:a="http://schemas.openxmlformats.org/drawingml/2006/main" xmlns:r="http://schemas.openxmlformats.org/officeDocument/2006/relationships" xmlns:p="http://schemas.openxmlformats.org/presentationml/2006/main">
   <p:cSld>
     <p:spTree>
@@ -21972,7 +19622,7 @@
 </p:sld>
 </file>
 
-<file path=ppt/slides/slide15.xml><?xml version="1.0" encoding="utf-8"?>
+<file path=ppt/slides/slide16.xml><?xml version="1.0" encoding="utf-8"?>
 <p:sld xmlns:a="http://schemas.openxmlformats.org/drawingml/2006/main" xmlns:r="http://schemas.openxmlformats.org/officeDocument/2006/relationships" xmlns:p="http://schemas.openxmlformats.org/presentationml/2006/main">
   <p:cSld>
     <p:spTree>
@@ -21991,10 +19641,38 @@
       </p:grpSpPr>
       <p:sp>
         <p:nvSpPr>
-          <p:cNvPr id="17" name="Rectangle 16">
+          <p:cNvPr id="2" name="Titre 1">
             <a:extLst>
               <a:ext uri="{FF2B5EF4-FFF2-40B4-BE49-F238E27FC236}">
-                <a16:creationId xmlns:a16="http://schemas.microsoft.com/office/drawing/2014/main" id="{B557BAB9-0E64-059E-32CB-2F503F68760F}"/>
+                <a16:creationId xmlns:a16="http://schemas.microsoft.com/office/drawing/2014/main" id="{942BE2F9-3B6F-EFB5-07A3-5F147D4F9326}"/>
+              </a:ext>
+            </a:extLst>
+          </p:cNvPr>
+          <p:cNvSpPr>
+            <a:spLocks noGrp="1"/>
+          </p:cNvSpPr>
+          <p:nvPr>
+            <p:ph type="title"/>
+          </p:nvPr>
+        </p:nvSpPr>
+        <p:spPr/>
+        <p:txBody>
+          <a:bodyPr/>
+          <a:lstStyle/>
+          <a:p>
+            <a:r>
+              <a:rPr lang="fr-FR" dirty="0"/>
+              <a:t>Contacts</a:t>
+            </a:r>
+          </a:p>
+        </p:txBody>
+      </p:sp>
+      <p:sp>
+        <p:nvSpPr>
+          <p:cNvPr id="11" name="Rectangle 10">
+            <a:extLst>
+              <a:ext uri="{FF2B5EF4-FFF2-40B4-BE49-F238E27FC236}">
+                <a16:creationId xmlns:a16="http://schemas.microsoft.com/office/drawing/2014/main" id="{52C3316E-9C56-944B-F3F7-24253D9AA233}"/>
               </a:ext>
             </a:extLst>
           </p:cNvPr>
@@ -22046,10 +19724,10 @@
       </p:sp>
       <p:sp>
         <p:nvSpPr>
-          <p:cNvPr id="16" name="Rectangle 15">
+          <p:cNvPr id="12" name="Rectangle 11">
             <a:extLst>
               <a:ext uri="{FF2B5EF4-FFF2-40B4-BE49-F238E27FC236}">
-                <a16:creationId xmlns:a16="http://schemas.microsoft.com/office/drawing/2014/main" id="{2CD94C28-A9C2-AA35-4211-BBCE02C20508}"/>
+                <a16:creationId xmlns:a16="http://schemas.microsoft.com/office/drawing/2014/main" id="{64610234-12EB-F6E9-DA0E-F552DC5213E2}"/>
               </a:ext>
             </a:extLst>
           </p:cNvPr>
@@ -22101,10 +19779,10 @@
       </p:sp>
       <p:sp>
         <p:nvSpPr>
-          <p:cNvPr id="15" name="Rectangle 14">
+          <p:cNvPr id="18" name="Rectangle 17">
             <a:extLst>
               <a:ext uri="{FF2B5EF4-FFF2-40B4-BE49-F238E27FC236}">
-                <a16:creationId xmlns:a16="http://schemas.microsoft.com/office/drawing/2014/main" id="{3F635A76-DAE5-8C59-A618-C79B4D31B4DE}"/>
+                <a16:creationId xmlns:a16="http://schemas.microsoft.com/office/drawing/2014/main" id="{9B634AC4-DAD1-6E9E-4057-C970FCB7AC40}"/>
               </a:ext>
             </a:extLst>
           </p:cNvPr>
@@ -22156,10 +19834,10 @@
       </p:sp>
       <p:sp>
         <p:nvSpPr>
-          <p:cNvPr id="14" name="Rectangle 13">
+          <p:cNvPr id="20" name="Rectangle 19">
             <a:extLst>
               <a:ext uri="{FF2B5EF4-FFF2-40B4-BE49-F238E27FC236}">
-                <a16:creationId xmlns:a16="http://schemas.microsoft.com/office/drawing/2014/main" id="{1A3177B8-45D8-9F84-B382-753278A9FB88}"/>
+                <a16:creationId xmlns:a16="http://schemas.microsoft.com/office/drawing/2014/main" id="{CAEAB647-3C29-957D-51D6-14A5815ED999}"/>
               </a:ext>
             </a:extLst>
           </p:cNvPr>
@@ -22211,10 +19889,10 @@
       </p:sp>
       <p:graphicFrame>
         <p:nvGraphicFramePr>
-          <p:cNvPr id="13" name="Espace réservé du contenu 12">
+          <p:cNvPr id="21" name="Espace réservé du contenu 12">
             <a:extLst>
               <a:ext uri="{FF2B5EF4-FFF2-40B4-BE49-F238E27FC236}">
-                <a16:creationId xmlns:a16="http://schemas.microsoft.com/office/drawing/2014/main" id="{D6B22519-DD45-FC95-5ADB-76758BBCFF7B}"/>
+                <a16:creationId xmlns:a16="http://schemas.microsoft.com/office/drawing/2014/main" id="{A51D3C36-55CB-6C47-F20C-743D691A83FC}"/>
               </a:ext>
             </a:extLst>
           </p:cNvPr>
@@ -22225,7 +19903,7 @@
             <p:ph idx="1"/>
             <p:extLst>
               <p:ext uri="{D42A27DB-BD31-4B8C-83A1-F6EECF244321}">
-                <p14:modId xmlns:p14="http://schemas.microsoft.com/office/powerpoint/2010/main" val="3902036060"/>
+                <p14:modId xmlns:p14="http://schemas.microsoft.com/office/powerpoint/2010/main" val="385986679"/>
               </p:ext>
             </p:extLst>
           </p:nvPr>
@@ -22242,38 +19920,10 @@
       </p:graphicFrame>
       <p:sp>
         <p:nvSpPr>
-          <p:cNvPr id="2" name="Titre 1">
+          <p:cNvPr id="22" name="ZoneTexte 21">
             <a:extLst>
               <a:ext uri="{FF2B5EF4-FFF2-40B4-BE49-F238E27FC236}">
-                <a16:creationId xmlns:a16="http://schemas.microsoft.com/office/drawing/2014/main" id="{942BE2F9-3B6F-EFB5-07A3-5F147D4F9326}"/>
-              </a:ext>
-            </a:extLst>
-          </p:cNvPr>
-          <p:cNvSpPr>
-            <a:spLocks noGrp="1"/>
-          </p:cNvSpPr>
-          <p:nvPr>
-            <p:ph type="title"/>
-          </p:nvPr>
-        </p:nvSpPr>
-        <p:spPr/>
-        <p:txBody>
-          <a:bodyPr/>
-          <a:lstStyle/>
-          <a:p>
-            <a:r>
-              <a:rPr lang="fr-FR" dirty="0"/>
-              <a:t>Contacts</a:t>
-            </a:r>
-          </a:p>
-        </p:txBody>
-      </p:sp>
-      <p:sp>
-        <p:nvSpPr>
-          <p:cNvPr id="19" name="ZoneTexte 18">
-            <a:extLst>
-              <a:ext uri="{FF2B5EF4-FFF2-40B4-BE49-F238E27FC236}">
-                <a16:creationId xmlns:a16="http://schemas.microsoft.com/office/drawing/2014/main" id="{C0A9C083-5C6C-2422-3683-7046225D7976}"/>
+                <a16:creationId xmlns:a16="http://schemas.microsoft.com/office/drawing/2014/main" id="{AA6D04F8-7108-C9BF-5B40-DD57198F3930}"/>
               </a:ext>
             </a:extLst>
           </p:cNvPr>
@@ -24634,10 +22284,10 @@
       </p:sp>
       <p:graphicFrame>
         <p:nvGraphicFramePr>
-          <p:cNvPr id="10" name="Tableau 9">
+          <p:cNvPr id="2" name="Tableau 1">
             <a:extLst>
               <a:ext uri="{FF2B5EF4-FFF2-40B4-BE49-F238E27FC236}">
-                <a16:creationId xmlns:a16="http://schemas.microsoft.com/office/drawing/2014/main" id="{9B1F2A96-1698-6DEB-B16B-008ADA38EB56}"/>
+                <a16:creationId xmlns:a16="http://schemas.microsoft.com/office/drawing/2014/main" id="{B773D9C4-9E83-59DC-D2F6-5887A7849EE6}"/>
               </a:ext>
             </a:extLst>
           </p:cNvPr>
@@ -24647,14 +22297,14 @@
           <p:nvPr>
             <p:extLst>
               <p:ext uri="{D42A27DB-BD31-4B8C-83A1-F6EECF244321}">
-                <p14:modId xmlns:p14="http://schemas.microsoft.com/office/powerpoint/2010/main" val="2074455294"/>
+                <p14:modId xmlns:p14="http://schemas.microsoft.com/office/powerpoint/2010/main" val="2040752491"/>
               </p:ext>
             </p:extLst>
           </p:nvPr>
         </p:nvGraphicFramePr>
         <p:xfrm>
-          <a:off x="383425" y="1757890"/>
-          <a:ext cx="11122777" cy="4452410"/>
+          <a:off x="232230" y="1267506"/>
+          <a:ext cx="11727540" cy="5292951"/>
         </p:xfrm>
         <a:graphic>
           <a:graphicData uri="http://schemas.openxmlformats.org/drawingml/2006/table">
@@ -24663,21 +22313,21 @@
                 <a:tableStyleId>{8EC20E35-A176-4012-BC5E-935CFFF8708E}</a:tableStyleId>
               </a:tblPr>
               <a:tblGrid>
-                <a:gridCol w="2778875">
+                <a:gridCol w="2685141">
                   <a:extLst>
                     <a:ext uri="{9D8B030D-6E8A-4147-A177-3AD203B41FA5}">
                       <a16:colId xmlns:a16="http://schemas.microsoft.com/office/drawing/2014/main" val="896188279"/>
                     </a:ext>
                   </a:extLst>
                 </a:gridCol>
-                <a:gridCol w="4229101">
+                <a:gridCol w="4703870">
                   <a:extLst>
                     <a:ext uri="{9D8B030D-6E8A-4147-A177-3AD203B41FA5}">
                       <a16:colId xmlns:a16="http://schemas.microsoft.com/office/drawing/2014/main" val="537142263"/>
                     </a:ext>
                   </a:extLst>
                 </a:gridCol>
-                <a:gridCol w="4114801">
+                <a:gridCol w="4338529">
                   <a:extLst>
                     <a:ext uri="{9D8B030D-6E8A-4147-A177-3AD203B41FA5}">
                       <a16:colId xmlns:a16="http://schemas.microsoft.com/office/drawing/2014/main" val="2544072414"/>
@@ -24685,7 +22335,7 @@
                   </a:extLst>
                 </a:gridCol>
               </a:tblGrid>
-              <a:tr h="2226205">
+              <a:tr h="2681546">
                 <a:tc>
                   <a:txBody>
                     <a:bodyPr/>
@@ -24866,7 +22516,7 @@
                     <a:p>
                       <a:pPr algn="ctr"/>
                       <a:r>
-                        <a:rPr lang="fr-FR" sz="2000" b="0" i="0" u="none" dirty="0">
+                        <a:rPr lang="fr-FR" sz="1600" b="0" i="0" u="none" dirty="0">
                           <a:solidFill>
                             <a:schemeClr val="tx1"/>
                           </a:solidFill>
@@ -24879,20 +22529,93 @@
                     <a:p>
                       <a:pPr algn="ctr"/>
                       <a:r>
-                        <a:rPr lang="fr-FR" sz="2000" b="0" i="0" u="none" dirty="0">
+                        <a:rPr lang="fr-FR" sz="1600" b="0" i="0" u="none" dirty="0" err="1">
                           <a:solidFill>
                             <a:schemeClr val="tx1"/>
                           </a:solidFill>
                           <a:latin typeface="Arial" panose="020B0604020202020204" pitchFamily="34" charset="0"/>
                           <a:cs typeface="Arial" panose="020B0604020202020204" pitchFamily="34" charset="0"/>
                         </a:rPr>
-                        <a:t>React-router</a:t>
+                        <a:t>React</a:t>
+                      </a:r>
+                      <a:r>
+                        <a:rPr lang="fr-FR" sz="1600" b="0" i="0" u="none" dirty="0">
+                          <a:solidFill>
+                            <a:schemeClr val="tx1"/>
+                          </a:solidFill>
+                          <a:latin typeface="Arial" panose="020B0604020202020204" pitchFamily="34" charset="0"/>
+                          <a:cs typeface="Arial" panose="020B0604020202020204" pitchFamily="34" charset="0"/>
+                        </a:rPr>
+                        <a:t>-router</a:t>
                       </a:r>
                     </a:p>
                     <a:p>
                       <a:pPr algn="ctr"/>
                       <a:r>
-                        <a:rPr lang="fr-FR" sz="2000" b="0" i="0" u="none" dirty="0">
+                        <a:rPr lang="fr-FR" sz="1600" b="0" i="0" u="none" dirty="0" err="1">
+                          <a:solidFill>
+                            <a:schemeClr val="tx1"/>
+                          </a:solidFill>
+                          <a:latin typeface="Arial" panose="020B0604020202020204" pitchFamily="34" charset="0"/>
+                          <a:cs typeface="Arial" panose="020B0604020202020204" pitchFamily="34" charset="0"/>
+                        </a:rPr>
+                        <a:t>React</a:t>
+                      </a:r>
+                      <a:r>
+                        <a:rPr lang="fr-FR" sz="1600" b="0" i="0" u="none" dirty="0">
+                          <a:solidFill>
+                            <a:schemeClr val="tx1"/>
+                          </a:solidFill>
+                          <a:latin typeface="Arial" panose="020B0604020202020204" pitchFamily="34" charset="0"/>
+                          <a:cs typeface="Arial" panose="020B0604020202020204" pitchFamily="34" charset="0"/>
+                        </a:rPr>
+                        <a:t>-transition-group</a:t>
+                      </a:r>
+                    </a:p>
+                    <a:p>
+                      <a:pPr algn="ctr"/>
+                      <a:r>
+                        <a:rPr lang="fr-FR" sz="1600" b="0" i="0" u="none" dirty="0" err="1">
+                          <a:solidFill>
+                            <a:schemeClr val="tx1"/>
+                          </a:solidFill>
+                          <a:latin typeface="Arial" panose="020B0604020202020204" pitchFamily="34" charset="0"/>
+                          <a:cs typeface="Arial" panose="020B0604020202020204" pitchFamily="34" charset="0"/>
+                        </a:rPr>
+                        <a:t>React</a:t>
+                      </a:r>
+                      <a:r>
+                        <a:rPr lang="fr-FR" sz="1600" b="0" i="0" u="none" dirty="0">
+                          <a:solidFill>
+                            <a:schemeClr val="tx1"/>
+                          </a:solidFill>
+                          <a:latin typeface="Arial" panose="020B0604020202020204" pitchFamily="34" charset="0"/>
+                          <a:cs typeface="Arial" panose="020B0604020202020204" pitchFamily="34" charset="0"/>
+                        </a:rPr>
+                        <a:t>-to-</a:t>
+                      </a:r>
+                      <a:r>
+                        <a:rPr lang="fr-FR" sz="1600" b="0" i="0" u="none" dirty="0" err="1">
+                          <a:solidFill>
+                            <a:schemeClr val="tx1"/>
+                          </a:solidFill>
+                          <a:latin typeface="Arial" panose="020B0604020202020204" pitchFamily="34" charset="0"/>
+                          <a:cs typeface="Arial" panose="020B0604020202020204" pitchFamily="34" charset="0"/>
+                        </a:rPr>
+                        <a:t>print</a:t>
+                      </a:r>
+                      <a:endParaRPr lang="fr-FR" sz="1600" b="0" i="0" u="none" dirty="0">
+                        <a:solidFill>
+                          <a:schemeClr val="tx1"/>
+                        </a:solidFill>
+                        <a:latin typeface="Arial" panose="020B0604020202020204" pitchFamily="34" charset="0"/>
+                        <a:cs typeface="Arial" panose="020B0604020202020204" pitchFamily="34" charset="0"/>
+                      </a:endParaRPr>
+                    </a:p>
+                    <a:p>
+                      <a:pPr algn="ctr"/>
+                      <a:r>
+                        <a:rPr lang="fr-FR" sz="1600" b="0" i="0" u="none" dirty="0">
                           <a:solidFill>
                             <a:schemeClr val="tx1"/>
                           </a:solidFill>
@@ -24902,7 +22625,7 @@
                         <a:t>React-</a:t>
                       </a:r>
                       <a:r>
-                        <a:rPr lang="fr-FR" sz="2000" b="0" i="0" u="none" dirty="0" err="1">
+                        <a:rPr lang="fr-FR" sz="1600" b="0" i="0" u="none" dirty="0" err="1">
                           <a:solidFill>
                             <a:schemeClr val="tx1"/>
                           </a:solidFill>
@@ -24911,7 +22634,7 @@
                         </a:rPr>
                         <a:t>pdf</a:t>
                       </a:r>
-                      <a:endParaRPr lang="fr-FR" sz="2000" b="0" i="0" u="none" dirty="0">
+                      <a:endParaRPr lang="fr-FR" sz="1600" b="0" i="0" u="none" dirty="0">
                         <a:solidFill>
                           <a:schemeClr val="tx1"/>
                         </a:solidFill>
@@ -24964,7 +22687,7 @@
                   </a:ext>
                 </a:extLst>
               </a:tr>
-              <a:tr h="2226205">
+              <a:tr h="2611405">
                 <a:tc>
                   <a:txBody>
                     <a:bodyPr/>
@@ -25034,21 +22757,14 @@
                           <a:latin typeface="Arial" panose="020B0604020202020204" pitchFamily="34" charset="0"/>
                           <a:cs typeface="Arial" panose="020B0604020202020204" pitchFamily="34" charset="0"/>
                         </a:rPr>
-                        <a:t>Simple</a:t>
+                        <a:t>Standard, simple</a:t>
                       </a:r>
                       <a:r>
                         <a:rPr lang="fr-FR" sz="2400" dirty="0">
                           <a:latin typeface="Arial" panose="020B0604020202020204" pitchFamily="34" charset="0"/>
                           <a:cs typeface="Arial" panose="020B0604020202020204" pitchFamily="34" charset="0"/>
                         </a:rPr>
-                        <a:t> et </a:t>
-                      </a:r>
-                      <a:r>
-                        <a:rPr lang="fr-FR" sz="2400" b="1" dirty="0">
-                          <a:latin typeface="Arial" panose="020B0604020202020204" pitchFamily="34" charset="0"/>
-                          <a:cs typeface="Arial" panose="020B0604020202020204" pitchFamily="34" charset="0"/>
-                        </a:rPr>
-                        <a:t>suffisant</a:t>
+                        <a:t> </a:t>
                       </a:r>
                     </a:p>
                     <a:p>
@@ -25062,7 +22778,14 @@
                           <a:latin typeface="Arial" panose="020B0604020202020204" pitchFamily="34" charset="0"/>
                           <a:cs typeface="Arial" panose="020B0604020202020204" pitchFamily="34" charset="0"/>
                         </a:rPr>
-                        <a:t>Offre des possibilités d’animations futures</a:t>
+                        <a:t>et </a:t>
+                      </a:r>
+                      <a:r>
+                        <a:rPr lang="fr-FR" sz="2400" b="1" dirty="0">
+                          <a:latin typeface="Arial" panose="020B0604020202020204" pitchFamily="34" charset="0"/>
+                          <a:cs typeface="Arial" panose="020B0604020202020204" pitchFamily="34" charset="0"/>
+                        </a:rPr>
+                        <a:t>suffisant</a:t>
                       </a:r>
                     </a:p>
                   </a:txBody>
@@ -25143,11 +22866,32 @@
                         </a:spcAft>
                       </a:pPr>
                       <a:r>
+                        <a:rPr lang="fr-FR" sz="2400" b="1" dirty="0">
+                          <a:latin typeface="Arial" panose="020B0604020202020204" pitchFamily="34" charset="0"/>
+                          <a:cs typeface="Arial" panose="020B0604020202020204" pitchFamily="34" charset="0"/>
+                        </a:rPr>
+                        <a:t>Simplifie</a:t>
+                      </a:r>
+                      <a:r>
                         <a:rPr lang="fr-FR" sz="2400" dirty="0">
                           <a:latin typeface="Arial" panose="020B0604020202020204" pitchFamily="34" charset="0"/>
                           <a:cs typeface="Arial" panose="020B0604020202020204" pitchFamily="34" charset="0"/>
                         </a:rPr>
-                        <a:t>Simplifie le développement</a:t>
+                        <a:t> le développement</a:t>
+                      </a:r>
+                    </a:p>
+                    <a:p>
+                      <a:pPr algn="ctr">
+                        <a:spcAft>
+                          <a:spcPts val="1200"/>
+                        </a:spcAft>
+                      </a:pPr>
+                      <a:r>
+                        <a:rPr lang="fr-FR" sz="2400" b="1" dirty="0">
+                          <a:latin typeface="Arial" panose="020B0604020202020204" pitchFamily="34" charset="0"/>
+                          <a:cs typeface="Arial" panose="020B0604020202020204" pitchFamily="34" charset="0"/>
+                        </a:rPr>
+                        <a:t>Très populaire</a:t>
                       </a:r>
                     </a:p>
                   </a:txBody>
@@ -25199,6 +22943,215 @@
           </a:graphicData>
         </a:graphic>
       </p:graphicFrame>
+      <p:pic>
+        <p:nvPicPr>
+          <p:cNvPr id="3" name="Graphique 2" descr="Atome avec un remplissage uni">
+            <a:extLst>
+              <a:ext uri="{FF2B5EF4-FFF2-40B4-BE49-F238E27FC236}">
+                <a16:creationId xmlns:a16="http://schemas.microsoft.com/office/drawing/2014/main" id="{7475BAEA-3A80-377A-4226-84A7795BC7FB}"/>
+              </a:ext>
+            </a:extLst>
+          </p:cNvPr>
+          <p:cNvPicPr>
+            <a:picLocks noChangeAspect="1"/>
+          </p:cNvPicPr>
+          <p:nvPr/>
+        </p:nvPicPr>
+        <p:blipFill>
+          <a:blip r:embed="rId2">
+            <a:extLst>
+              <a:ext uri="{28A0092B-C50C-407E-A947-70E740481C1C}">
+                <a14:useLocalDpi xmlns:a14="http://schemas.microsoft.com/office/drawing/2010/main" val="0"/>
+              </a:ext>
+              <a:ext uri="{96DAC541-7B7A-43D3-8B79-37D633B846F1}">
+                <asvg:svgBlip xmlns:asvg="http://schemas.microsoft.com/office/drawing/2016/SVG/main" r:embed="rId3"/>
+              </a:ext>
+            </a:extLst>
+          </a:blip>
+          <a:stretch>
+            <a:fillRect/>
+          </a:stretch>
+        </p:blipFill>
+        <p:spPr>
+          <a:xfrm>
+            <a:off x="8104413" y="1582057"/>
+            <a:ext cx="914400" cy="914400"/>
+          </a:xfrm>
+          <a:prstGeom prst="rect">
+            <a:avLst/>
+          </a:prstGeom>
+        </p:spPr>
+      </p:pic>
+      <p:pic>
+        <p:nvPicPr>
+          <p:cNvPr id="4" name="Picture 2">
+            <a:extLst>
+              <a:ext uri="{FF2B5EF4-FFF2-40B4-BE49-F238E27FC236}">
+                <a16:creationId xmlns:a16="http://schemas.microsoft.com/office/drawing/2014/main" id="{D98A567D-01C8-72B1-6AE4-7E907B125AEA}"/>
+              </a:ext>
+            </a:extLst>
+          </p:cNvPr>
+          <p:cNvPicPr>
+            <a:picLocks noChangeAspect="1" noChangeArrowheads="1"/>
+          </p:cNvPicPr>
+          <p:nvPr/>
+        </p:nvPicPr>
+        <p:blipFill rotWithShape="1">
+          <a:blip r:embed="rId4">
+            <a:extLst>
+              <a:ext uri="{28A0092B-C50C-407E-A947-70E740481C1C}">
+                <a14:useLocalDpi xmlns:a14="http://schemas.microsoft.com/office/drawing/2010/main" val="0"/>
+              </a:ext>
+            </a:extLst>
+          </a:blip>
+          <a:srcRect l="12633" t="18943" r="12367" b="20432"/>
+          <a:stretch/>
+        </p:blipFill>
+        <p:spPr bwMode="auto">
+          <a:xfrm>
+            <a:off x="3421855" y="2640806"/>
+            <a:ext cx="571501" cy="461963"/>
+          </a:xfrm>
+          <a:prstGeom prst="rect">
+            <a:avLst/>
+          </a:prstGeom>
+          <a:noFill/>
+          <a:extLst>
+            <a:ext uri="{909E8E84-426E-40DD-AFC4-6F175D3DCCD1}">
+              <a14:hiddenFill xmlns:a14="http://schemas.microsoft.com/office/drawing/2010/main">
+                <a:solidFill>
+                  <a:srgbClr val="FFFFFF"/>
+                </a:solidFill>
+              </a14:hiddenFill>
+            </a:ext>
+          </a:extLst>
+        </p:spPr>
+      </p:pic>
+      <p:pic>
+        <p:nvPicPr>
+          <p:cNvPr id="6" name="Picture 4" descr="HTML5 – Logos Download">
+            <a:extLst>
+              <a:ext uri="{FF2B5EF4-FFF2-40B4-BE49-F238E27FC236}">
+                <a16:creationId xmlns:a16="http://schemas.microsoft.com/office/drawing/2014/main" id="{BAF8DA36-1AD3-F391-7541-2719AAF9AEBE}"/>
+              </a:ext>
+            </a:extLst>
+          </p:cNvPr>
+          <p:cNvPicPr>
+            <a:picLocks noChangeAspect="1" noChangeArrowheads="1"/>
+          </p:cNvPicPr>
+          <p:nvPr/>
+        </p:nvPicPr>
+        <p:blipFill>
+          <a:blip r:embed="rId5">
+            <a:extLst>
+              <a:ext uri="{28A0092B-C50C-407E-A947-70E740481C1C}">
+                <a14:useLocalDpi xmlns:a14="http://schemas.microsoft.com/office/drawing/2010/main" val="0"/>
+              </a:ext>
+            </a:extLst>
+          </a:blip>
+          <a:srcRect/>
+          <a:stretch>
+            <a:fillRect/>
+          </a:stretch>
+        </p:blipFill>
+        <p:spPr bwMode="auto">
+          <a:xfrm>
+            <a:off x="3477205" y="1643015"/>
+            <a:ext cx="460800" cy="460800"/>
+          </a:xfrm>
+          <a:prstGeom prst="rect">
+            <a:avLst/>
+          </a:prstGeom>
+          <a:noFill/>
+          <a:extLst>
+            <a:ext uri="{909E8E84-426E-40DD-AFC4-6F175D3DCCD1}">
+              <a14:hiddenFill xmlns:a14="http://schemas.microsoft.com/office/drawing/2010/main">
+                <a:solidFill>
+                  <a:srgbClr val="FFFFFF"/>
+                </a:solidFill>
+              </a14:hiddenFill>
+            </a:ext>
+          </a:extLst>
+        </p:spPr>
+      </p:pic>
+      <p:pic>
+        <p:nvPicPr>
+          <p:cNvPr id="7" name="Image 6" descr="Une image contenant Graphique, Bleu électrique, symbole, capture d’écran&#10;&#10;Description générée automatiquement">
+            <a:extLst>
+              <a:ext uri="{FF2B5EF4-FFF2-40B4-BE49-F238E27FC236}">
+                <a16:creationId xmlns:a16="http://schemas.microsoft.com/office/drawing/2014/main" id="{43C88F98-7852-454D-60D5-3A2611465D95}"/>
+              </a:ext>
+            </a:extLst>
+          </p:cNvPr>
+          <p:cNvPicPr>
+            <a:picLocks noChangeAspect="1"/>
+          </p:cNvPicPr>
+          <p:nvPr/>
+        </p:nvPicPr>
+        <p:blipFill rotWithShape="1">
+          <a:blip r:embed="rId6"/>
+          <a:srcRect l="11007" t="6123" r="11133" b="5986"/>
+          <a:stretch/>
+        </p:blipFill>
+        <p:spPr>
+          <a:xfrm>
+            <a:off x="3503503" y="2141910"/>
+            <a:ext cx="408204" cy="460800"/>
+          </a:xfrm>
+          <a:prstGeom prst="rect">
+            <a:avLst/>
+          </a:prstGeom>
+        </p:spPr>
+      </p:pic>
+      <p:pic>
+        <p:nvPicPr>
+          <p:cNvPr id="8" name="Picture 6" descr="JavaScript – Logos Download">
+            <a:extLst>
+              <a:ext uri="{FF2B5EF4-FFF2-40B4-BE49-F238E27FC236}">
+                <a16:creationId xmlns:a16="http://schemas.microsoft.com/office/drawing/2014/main" id="{1E85618C-AEFB-BB68-31DF-4DBAA7B826F5}"/>
+              </a:ext>
+            </a:extLst>
+          </p:cNvPr>
+          <p:cNvPicPr>
+            <a:picLocks noChangeAspect="1" noChangeArrowheads="1"/>
+          </p:cNvPicPr>
+          <p:nvPr/>
+        </p:nvPicPr>
+        <p:blipFill>
+          <a:blip r:embed="rId7">
+            <a:extLst>
+              <a:ext uri="{28A0092B-C50C-407E-A947-70E740481C1C}">
+                <a14:useLocalDpi xmlns:a14="http://schemas.microsoft.com/office/drawing/2010/main" val="0"/>
+              </a:ext>
+            </a:extLst>
+          </a:blip>
+          <a:srcRect/>
+          <a:stretch>
+            <a:fillRect/>
+          </a:stretch>
+        </p:blipFill>
+        <p:spPr bwMode="auto">
+          <a:xfrm>
+            <a:off x="3472441" y="3141459"/>
+            <a:ext cx="460800" cy="460800"/>
+          </a:xfrm>
+          <a:prstGeom prst="roundRect">
+            <a:avLst>
+              <a:gd name="adj" fmla="val 9949"/>
+            </a:avLst>
+          </a:prstGeom>
+          <a:noFill/>
+          <a:extLst>
+            <a:ext uri="{909E8E84-426E-40DD-AFC4-6F175D3DCCD1}">
+              <a14:hiddenFill xmlns:a14="http://schemas.microsoft.com/office/drawing/2010/main">
+                <a:solidFill>
+                  <a:srgbClr val="FFFFFF"/>
+                </a:solidFill>
+              </a14:hiddenFill>
+            </a:ext>
+          </a:extLst>
+        </p:spPr>
+      </p:pic>
     </p:spTree>
     <p:extLst>
       <p:ext uri="{BB962C8B-B14F-4D97-AF65-F5344CB8AC3E}">
@@ -25260,35 +23213,64 @@
       </p:sp>
       <p:sp>
         <p:nvSpPr>
-          <p:cNvPr id="3" name="Espace réservé du contenu 2">
+          <p:cNvPr id="9" name="ZoneTexte 8">
             <a:extLst>
               <a:ext uri="{FF2B5EF4-FFF2-40B4-BE49-F238E27FC236}">
-                <a16:creationId xmlns:a16="http://schemas.microsoft.com/office/drawing/2014/main" id="{4F2B4CFB-3DF0-6664-D3BD-0425922135B7}"/>
+                <a16:creationId xmlns:a16="http://schemas.microsoft.com/office/drawing/2014/main" id="{C7756A48-7BBB-B07E-B910-2A8EBF17D5AD}"/>
               </a:ext>
             </a:extLst>
           </p:cNvPr>
-          <p:cNvSpPr>
-            <a:spLocks noGrp="1"/>
-          </p:cNvSpPr>
-          <p:nvPr>
-            <p:ph idx="1"/>
-          </p:nvPr>
+          <p:cNvSpPr txBox="1"/>
+          <p:nvPr/>
         </p:nvSpPr>
-        <p:spPr/>
+        <p:spPr>
+          <a:xfrm>
+            <a:off x="7889136" y="6550223"/>
+            <a:ext cx="7560305" cy="307777"/>
+          </a:xfrm>
+          <a:prstGeom prst="rect">
+            <a:avLst/>
+          </a:prstGeom>
+          <a:noFill/>
+        </p:spPr>
         <p:txBody>
-          <a:bodyPr/>
+          <a:bodyPr wrap="square">
+            <a:spAutoFit/>
+          </a:bodyPr>
           <a:lstStyle/>
           <a:p>
-            <a:endParaRPr lang="fr-FR" dirty="0"/>
+            <a:r>
+              <a:rPr lang="fr-FR" sz="1400" b="0" i="0" dirty="0">
+                <a:effectLst/>
+                <a:latin typeface="Inter"/>
+              </a:rPr>
+              <a:t>* Selon le </a:t>
+            </a:r>
+            <a:r>
+              <a:rPr lang="fr-FR" sz="1400" b="0" i="0" u="sng" dirty="0">
+                <a:solidFill>
+                  <a:srgbClr val="0070C0"/>
+                </a:solidFill>
+                <a:effectLst/>
+                <a:latin typeface="Inter"/>
+                <a:hlinkClick r:id="rId3"/>
+              </a:rPr>
+              <a:t>rapport 2023 sur l’état des APIs - postman.com</a:t>
+            </a:r>
+            <a:endParaRPr lang="fr-FR" sz="1400" dirty="0">
+              <a:solidFill>
+                <a:srgbClr val="0070C0"/>
+              </a:solidFill>
+            </a:endParaRPr>
           </a:p>
         </p:txBody>
       </p:sp>
       <p:graphicFrame>
         <p:nvGraphicFramePr>
-          <p:cNvPr id="4" name="Tableau 3">
+          <p:cNvPr id="5" name="Tableau 4">
             <a:extLst>
               <a:ext uri="{FF2B5EF4-FFF2-40B4-BE49-F238E27FC236}">
-                <a16:creationId xmlns:a16="http://schemas.microsoft.com/office/drawing/2014/main" id="{27E7E54A-9201-E876-E688-A5B210109BDC}"/>
+                <a16:creationId xmlns:a16="http://schemas.microsoft.com/office/drawing/2014/main" id="{17D16232-7A65-C7B3-CB31-A5774495023B}"/>
               </a:ext>
             </a:extLst>
           </p:cNvPr>
@@ -25298,14 +23280,14 @@
           <p:nvPr>
             <p:extLst>
               <p:ext uri="{D42A27DB-BD31-4B8C-83A1-F6EECF244321}">
-                <p14:modId xmlns:p14="http://schemas.microsoft.com/office/powerpoint/2010/main" val="2007922445"/>
+                <p14:modId xmlns:p14="http://schemas.microsoft.com/office/powerpoint/2010/main" val="3913413052"/>
               </p:ext>
             </p:extLst>
           </p:nvPr>
         </p:nvGraphicFramePr>
         <p:xfrm>
-          <a:off x="177425" y="1513945"/>
-          <a:ext cx="11837149" cy="4974697"/>
+          <a:off x="177425" y="1187359"/>
+          <a:ext cx="11837149" cy="5101976"/>
         </p:xfrm>
         <a:graphic>
           <a:graphicData uri="http://schemas.openxmlformats.org/drawingml/2006/table">
@@ -25343,7 +23325,7 @@
                   </a:extLst>
                 </a:gridCol>
               </a:tblGrid>
-              <a:tr h="522287">
+              <a:tr h="572735">
                 <a:tc>
                   <a:txBody>
                     <a:bodyPr/>
@@ -25616,7 +23598,7 @@
                   </a:ext>
                 </a:extLst>
               </a:tr>
-              <a:tr h="2226205">
+              <a:tr h="2088006">
                 <a:tc>
                   <a:txBody>
                     <a:bodyPr/>
@@ -25687,29 +23669,6 @@
                           <a:spcPts val="1200"/>
                         </a:spcAft>
                       </a:pPr>
-                      <a:r>
-                        <a:rPr lang="fr-FR" sz="3200" b="1" u="none" dirty="0">
-                          <a:solidFill>
-                            <a:schemeClr val="tx1"/>
-                          </a:solidFill>
-                          <a:latin typeface="Arial" panose="020B0604020202020204" pitchFamily="34" charset="0"/>
-                          <a:cs typeface="Arial" panose="020B0604020202020204" pitchFamily="34" charset="0"/>
-                        </a:rPr>
-                        <a:t>Node.js</a:t>
-                      </a:r>
-                    </a:p>
-                    <a:p>
-                      <a:pPr algn="ctr"/>
-                      <a:r>
-                        <a:rPr lang="fr-FR" sz="2000" b="0" i="0" u="none" dirty="0" err="1">
-                          <a:solidFill>
-                            <a:schemeClr val="tx1"/>
-                          </a:solidFill>
-                          <a:latin typeface="Arial" panose="020B0604020202020204" pitchFamily="34" charset="0"/>
-                          <a:cs typeface="Arial" panose="020B0604020202020204" pitchFamily="34" charset="0"/>
-                        </a:rPr>
-                        <a:t>Nodemailer</a:t>
-                      </a:r>
                       <a:endParaRPr lang="fr-FR" sz="2000" b="0" i="0" u="none" dirty="0">
                         <a:solidFill>
                           <a:schemeClr val="tx1"/>
@@ -25717,19 +23676,6 @@
                         <a:latin typeface="Arial" panose="020B0604020202020204" pitchFamily="34" charset="0"/>
                         <a:cs typeface="Arial" panose="020B0604020202020204" pitchFamily="34" charset="0"/>
                       </a:endParaRPr>
-                    </a:p>
-                    <a:p>
-                      <a:pPr algn="ctr"/>
-                      <a:r>
-                        <a:rPr lang="fr-FR" sz="2000" b="0" i="0" u="none" dirty="0">
-                          <a:solidFill>
-                            <a:schemeClr val="tx1"/>
-                          </a:solidFill>
-                          <a:latin typeface="Arial" panose="020B0604020202020204" pitchFamily="34" charset="0"/>
-                          <a:cs typeface="Arial" panose="020B0604020202020204" pitchFamily="34" charset="0"/>
-                        </a:rPr>
-                        <a:t>Passport.js</a:t>
-                      </a:r>
                     </a:p>
                   </a:txBody>
                   <a:tcPr marL="0" marR="0" marT="0" marB="0" anchor="ctr">
@@ -25950,7 +23896,7 @@
                   </a:ext>
                 </a:extLst>
               </a:tr>
-              <a:tr h="2226205">
+              <a:tr h="2441235">
                 <a:tc>
                   <a:txBody>
                     <a:bodyPr/>
@@ -26196,18 +24142,74 @@
                         </a:spcAft>
                       </a:pPr>
                       <a:r>
-                        <a:rPr lang="fr-FR" sz="2400" dirty="0">
+                        <a:rPr lang="fr-FR" sz="2400" b="1" dirty="0">
                           <a:latin typeface="Arial" panose="020B0604020202020204" pitchFamily="34" charset="0"/>
                           <a:cs typeface="Arial" panose="020B0604020202020204" pitchFamily="34" charset="0"/>
                         </a:rPr>
-                        <a:t>Favorise une </a:t>
+                        <a:t>86% </a:t>
+                      </a:r>
+                      <a:r>
+                        <a:rPr lang="fr-FR" sz="2400" b="0" dirty="0">
+                          <a:latin typeface="Arial" panose="020B0604020202020204" pitchFamily="34" charset="0"/>
+                          <a:cs typeface="Arial" panose="020B0604020202020204" pitchFamily="34" charset="0"/>
+                        </a:rPr>
+                        <a:t>des API </a:t>
                       </a:r>
                       <a:r>
                         <a:rPr lang="fr-FR" sz="2400" b="1" dirty="0">
                           <a:latin typeface="Arial" panose="020B0604020202020204" pitchFamily="34" charset="0"/>
                           <a:cs typeface="Arial" panose="020B0604020202020204" pitchFamily="34" charset="0"/>
                         </a:rPr>
-                        <a:t>interaction flexible et efficace entre applications et services</a:t>
+                        <a:t>sont des API REST*</a:t>
+                      </a:r>
+                    </a:p>
+                    <a:p>
+                      <a:pPr algn="ctr">
+                        <a:spcAft>
+                          <a:spcPts val="1200"/>
+                        </a:spcAft>
+                      </a:pPr>
+                      <a:r>
+                        <a:rPr lang="fr-FR" sz="2400" b="0" dirty="0">
+                          <a:latin typeface="Arial" panose="020B0604020202020204" pitchFamily="34" charset="0"/>
+                          <a:cs typeface="Arial" panose="020B0604020202020204" pitchFamily="34" charset="0"/>
+                        </a:rPr>
+                        <a:t>Se base sur le </a:t>
+                      </a:r>
+                      <a:r>
+                        <a:rPr lang="fr-FR" sz="2400" b="1" dirty="0">
+                          <a:latin typeface="Arial" panose="020B0604020202020204" pitchFamily="34" charset="0"/>
+                          <a:cs typeface="Arial" panose="020B0604020202020204" pitchFamily="34" charset="0"/>
+                        </a:rPr>
+                        <a:t>protocole HTTP</a:t>
+                      </a:r>
+                    </a:p>
+                    <a:p>
+                      <a:pPr algn="ctr">
+                        <a:spcAft>
+                          <a:spcPts val="1200"/>
+                        </a:spcAft>
+                      </a:pPr>
+                      <a:r>
+                        <a:rPr lang="fr-FR" sz="2400" b="1" dirty="0">
+                          <a:latin typeface="Arial" panose="020B0604020202020204" pitchFamily="34" charset="0"/>
+                          <a:cs typeface="Arial" panose="020B0604020202020204" pitchFamily="34" charset="0"/>
+                        </a:rPr>
+                        <a:t>Simple </a:t>
+                      </a:r>
+                      <a:r>
+                        <a:rPr lang="fr-FR" sz="2400" b="0" dirty="0">
+                          <a:latin typeface="Arial" panose="020B0604020202020204" pitchFamily="34" charset="0"/>
+                          <a:cs typeface="Arial" panose="020B0604020202020204" pitchFamily="34" charset="0"/>
+                        </a:rPr>
+                        <a:t>et</a:t>
+                      </a:r>
+                      <a:r>
+                        <a:rPr lang="fr-FR" sz="2400" b="1" dirty="0">
+                          <a:latin typeface="Arial" panose="020B0604020202020204" pitchFamily="34" charset="0"/>
+                          <a:cs typeface="Arial" panose="020B0604020202020204" pitchFamily="34" charset="0"/>
+                        </a:rPr>
+                        <a:t> standardisé</a:t>
                       </a:r>
                     </a:p>
                   </a:txBody>
@@ -26259,6 +24261,178 @@
           </a:graphicData>
         </a:graphic>
       </p:graphicFrame>
+      <p:pic>
+        <p:nvPicPr>
+          <p:cNvPr id="10" name="Picture 2" descr="Node (Node.JS) – Logos Download">
+            <a:extLst>
+              <a:ext uri="{FF2B5EF4-FFF2-40B4-BE49-F238E27FC236}">
+                <a16:creationId xmlns:a16="http://schemas.microsoft.com/office/drawing/2014/main" id="{D7740D84-F046-2981-3D16-C202F583A1E9}"/>
+              </a:ext>
+            </a:extLst>
+          </p:cNvPr>
+          <p:cNvPicPr>
+            <a:picLocks noChangeAspect="1" noChangeArrowheads="1"/>
+          </p:cNvPicPr>
+          <p:nvPr/>
+        </p:nvPicPr>
+        <p:blipFill>
+          <a:blip r:embed="rId4">
+            <a:extLst>
+              <a:ext uri="{28A0092B-C50C-407E-A947-70E740481C1C}">
+                <a14:useLocalDpi xmlns:a14="http://schemas.microsoft.com/office/drawing/2010/main" val="0"/>
+              </a:ext>
+            </a:extLst>
+          </a:blip>
+          <a:srcRect/>
+          <a:stretch>
+            <a:fillRect/>
+          </a:stretch>
+        </p:blipFill>
+        <p:spPr bwMode="auto">
+          <a:xfrm>
+            <a:off x="3005478" y="2194133"/>
+            <a:ext cx="1945609" cy="1191020"/>
+          </a:xfrm>
+          <a:prstGeom prst="rect">
+            <a:avLst/>
+          </a:prstGeom>
+          <a:noFill/>
+          <a:effectLst>
+            <a:glow rad="88900">
+              <a:schemeClr val="bg1">
+                <a:alpha val="84000"/>
+              </a:schemeClr>
+            </a:glow>
+          </a:effectLst>
+          <a:extLst>
+            <a:ext uri="{909E8E84-426E-40DD-AFC4-6F175D3DCCD1}">
+              <a14:hiddenFill xmlns:a14="http://schemas.microsoft.com/office/drawing/2010/main">
+                <a:solidFill>
+                  <a:srgbClr val="FFFFFF"/>
+                </a:solidFill>
+              </a14:hiddenFill>
+            </a:ext>
+          </a:extLst>
+        </p:spPr>
+      </p:pic>
+      <p:pic>
+        <p:nvPicPr>
+          <p:cNvPr id="11" name="Picture 4" descr="MySQL – Logos Download">
+            <a:extLst>
+              <a:ext uri="{FF2B5EF4-FFF2-40B4-BE49-F238E27FC236}">
+                <a16:creationId xmlns:a16="http://schemas.microsoft.com/office/drawing/2014/main" id="{9960D718-7413-C337-E2B2-97032B9AB0D0}"/>
+              </a:ext>
+            </a:extLst>
+          </p:cNvPr>
+          <p:cNvPicPr>
+            <a:picLocks noChangeAspect="1" noChangeArrowheads="1"/>
+          </p:cNvPicPr>
+          <p:nvPr/>
+        </p:nvPicPr>
+        <p:blipFill>
+          <a:blip r:embed="rId5">
+            <a:extLst>
+              <a:ext uri="{28A0092B-C50C-407E-A947-70E740481C1C}">
+                <a14:useLocalDpi xmlns:a14="http://schemas.microsoft.com/office/drawing/2010/main" val="0"/>
+              </a:ext>
+            </a:extLst>
+          </a:blip>
+          <a:srcRect/>
+          <a:stretch>
+            <a:fillRect/>
+          </a:stretch>
+        </p:blipFill>
+        <p:spPr bwMode="auto">
+          <a:xfrm>
+            <a:off x="5705652" y="2250030"/>
+            <a:ext cx="780694" cy="460800"/>
+          </a:xfrm>
+          <a:prstGeom prst="roundRect">
+            <a:avLst>
+              <a:gd name="adj" fmla="val 21318"/>
+            </a:avLst>
+          </a:prstGeom>
+          <a:noFill/>
+          <a:effectLst/>
+          <a:extLst>
+            <a:ext uri="{909E8E84-426E-40DD-AFC4-6F175D3DCCD1}">
+              <a14:hiddenFill xmlns:a14="http://schemas.microsoft.com/office/drawing/2010/main">
+                <a:solidFill>
+                  <a:srgbClr val="FFFFFF"/>
+                </a:solidFill>
+              </a14:hiddenFill>
+            </a:ext>
+          </a:extLst>
+        </p:spPr>
+      </p:pic>
+      <p:pic>
+        <p:nvPicPr>
+          <p:cNvPr id="12" name="Image 11" descr="Une image contenant capture d’écran, carré, conception, cube&#10;&#10;Description générée automatiquement">
+            <a:extLst>
+              <a:ext uri="{FF2B5EF4-FFF2-40B4-BE49-F238E27FC236}">
+                <a16:creationId xmlns:a16="http://schemas.microsoft.com/office/drawing/2014/main" id="{43619D70-56FE-C662-C5BA-458A8A1E5BA6}"/>
+              </a:ext>
+            </a:extLst>
+          </p:cNvPr>
+          <p:cNvPicPr>
+            <a:picLocks noChangeAspect="1"/>
+          </p:cNvPicPr>
+          <p:nvPr/>
+        </p:nvPicPr>
+        <p:blipFill>
+          <a:blip r:embed="rId6"/>
+          <a:stretch>
+            <a:fillRect/>
+          </a:stretch>
+        </p:blipFill>
+        <p:spPr>
+          <a:xfrm>
+            <a:off x="5797488" y="2888296"/>
+            <a:ext cx="398530" cy="460800"/>
+          </a:xfrm>
+          <a:prstGeom prst="rect">
+            <a:avLst/>
+          </a:prstGeom>
+        </p:spPr>
+      </p:pic>
+      <p:pic>
+        <p:nvPicPr>
+          <p:cNvPr id="13" name="Espace réservé du contenu 6" descr="Nuage contour">
+            <a:extLst>
+              <a:ext uri="{FF2B5EF4-FFF2-40B4-BE49-F238E27FC236}">
+                <a16:creationId xmlns:a16="http://schemas.microsoft.com/office/drawing/2014/main" id="{46C903C3-EC65-C5C5-1677-9E81A3655266}"/>
+              </a:ext>
+            </a:extLst>
+          </p:cNvPr>
+          <p:cNvPicPr>
+            <a:picLocks noGrp="1" noChangeAspect="1"/>
+          </p:cNvPicPr>
+          <p:nvPr>
+            <p:ph idx="1"/>
+          </p:nvPr>
+        </p:nvPicPr>
+        <p:blipFill>
+          <a:blip r:embed="rId7">
+            <a:extLst>
+              <a:ext uri="{28A0092B-C50C-407E-A947-70E740481C1C}">
+                <a14:useLocalDpi xmlns:a14="http://schemas.microsoft.com/office/drawing/2010/main" val="0"/>
+              </a:ext>
+              <a:ext uri="{96DAC541-7B7A-43D3-8B79-37D633B846F1}">
+                <asvg:svgBlip xmlns:asvg="http://schemas.microsoft.com/office/drawing/2016/SVG/main" r:embed="rId8"/>
+              </a:ext>
+            </a:extLst>
+          </a:blip>
+          <a:stretch>
+            <a:fillRect/>
+          </a:stretch>
+        </p:blipFill>
+        <p:spPr>
+          <a:xfrm>
+            <a:off x="10099274" y="1958083"/>
+            <a:ext cx="752747" cy="752747"/>
+          </a:xfrm>
+        </p:spPr>
+      </p:pic>
     </p:spTree>
     <p:extLst>
       <p:ext uri="{BB962C8B-B14F-4D97-AF65-F5344CB8AC3E}">
@@ -26319,10 +24493,932 @@
       </p:sp>
       <p:sp>
         <p:nvSpPr>
-          <p:cNvPr id="10" name="Ellipse 9">
+          <p:cNvPr id="10" name="Espace réservé du contenu 10">
             <a:extLst>
               <a:ext uri="{FF2B5EF4-FFF2-40B4-BE49-F238E27FC236}">
-                <a16:creationId xmlns:a16="http://schemas.microsoft.com/office/drawing/2014/main" id="{60D7A9BB-9C68-75DD-1091-0D0151B9FE05}"/>
+                <a16:creationId xmlns:a16="http://schemas.microsoft.com/office/drawing/2014/main" id="{4C698F99-D943-B05D-C01A-0A308CD703A6}"/>
+              </a:ext>
+            </a:extLst>
+          </p:cNvPr>
+          <p:cNvSpPr>
+            <a:spLocks noGrp="1"/>
+          </p:cNvSpPr>
+          <p:nvPr>
+            <p:ph idx="1"/>
+          </p:nvPr>
+        </p:nvSpPr>
+        <p:spPr>
+          <a:xfrm>
+            <a:off x="838200" y="1825625"/>
+            <a:ext cx="10515600" cy="4351338"/>
+          </a:xfrm>
+        </p:spPr>
+        <p:txBody>
+          <a:bodyPr/>
+          <a:lstStyle/>
+          <a:p>
+            <a:endParaRPr lang="fr-FR"/>
+          </a:p>
+        </p:txBody>
+      </p:sp>
+      <p:graphicFrame>
+        <p:nvGraphicFramePr>
+          <p:cNvPr id="14" name="Tableau 13">
+            <a:extLst>
+              <a:ext uri="{FF2B5EF4-FFF2-40B4-BE49-F238E27FC236}">
+                <a16:creationId xmlns:a16="http://schemas.microsoft.com/office/drawing/2014/main" id="{1C1CB537-D9CF-1A34-0147-E9D09C1B3345}"/>
+              </a:ext>
+            </a:extLst>
+          </p:cNvPr>
+          <p:cNvGraphicFramePr>
+            <a:graphicFrameLocks noGrp="1"/>
+          </p:cNvGraphicFramePr>
+          <p:nvPr>
+            <p:extLst>
+              <p:ext uri="{D42A27DB-BD31-4B8C-83A1-F6EECF244321}">
+                <p14:modId xmlns:p14="http://schemas.microsoft.com/office/powerpoint/2010/main" val="2949181829"/>
+              </p:ext>
+            </p:extLst>
+          </p:nvPr>
+        </p:nvGraphicFramePr>
+        <p:xfrm>
+          <a:off x="232230" y="1267506"/>
+          <a:ext cx="11727541" cy="5292951"/>
+        </p:xfrm>
+        <a:graphic>
+          <a:graphicData uri="http://schemas.openxmlformats.org/drawingml/2006/table">
+            <a:tbl>
+              <a:tblPr firstCol="1" bandRow="1">
+                <a:tableStyleId>{8EC20E35-A176-4012-BC5E-935CFFF8708E}</a:tableStyleId>
+              </a:tblPr>
+              <a:tblGrid>
+                <a:gridCol w="1443541">
+                  <a:extLst>
+                    <a:ext uri="{9D8B030D-6E8A-4147-A177-3AD203B41FA5}">
+                      <a16:colId xmlns:a16="http://schemas.microsoft.com/office/drawing/2014/main" val="896188279"/>
+                    </a:ext>
+                  </a:extLst>
+                </a:gridCol>
+                <a:gridCol w="3428000">
+                  <a:extLst>
+                    <a:ext uri="{9D8B030D-6E8A-4147-A177-3AD203B41FA5}">
+                      <a16:colId xmlns:a16="http://schemas.microsoft.com/office/drawing/2014/main" val="537142263"/>
+                    </a:ext>
+                  </a:extLst>
+                </a:gridCol>
+                <a:gridCol w="3428000">
+                  <a:extLst>
+                    <a:ext uri="{9D8B030D-6E8A-4147-A177-3AD203B41FA5}">
+                      <a16:colId xmlns:a16="http://schemas.microsoft.com/office/drawing/2014/main" val="2544072414"/>
+                    </a:ext>
+                  </a:extLst>
+                </a:gridCol>
+                <a:gridCol w="3428000">
+                  <a:extLst>
+                    <a:ext uri="{9D8B030D-6E8A-4147-A177-3AD203B41FA5}">
+                      <a16:colId xmlns:a16="http://schemas.microsoft.com/office/drawing/2014/main" val="2292023878"/>
+                    </a:ext>
+                  </a:extLst>
+                </a:gridCol>
+              </a:tblGrid>
+              <a:tr h="2681546">
+                <a:tc>
+                  <a:txBody>
+                    <a:bodyPr/>
+                    <a:lstStyle/>
+                    <a:p>
+                      <a:pPr algn="ctr"/>
+                      <a:r>
+                        <a:rPr lang="fr-FR" sz="2400" b="1" u="none" dirty="0">
+                          <a:solidFill>
+                            <a:schemeClr val="bg1"/>
+                          </a:solidFill>
+                          <a:latin typeface="Arial" panose="020B0604020202020204" pitchFamily="34" charset="0"/>
+                          <a:cs typeface="Arial" panose="020B0604020202020204" pitchFamily="34" charset="0"/>
+                        </a:rPr>
+                        <a:t>CHOIX</a:t>
+                      </a:r>
+                      <a:endParaRPr lang="fr-FR" sz="2400" b="1" i="0" u="none" dirty="0">
+                        <a:solidFill>
+                          <a:schemeClr val="bg1"/>
+                        </a:solidFill>
+                        <a:latin typeface="Arial" panose="020B0604020202020204" pitchFamily="34" charset="0"/>
+                        <a:cs typeface="Arial" panose="020B0604020202020204" pitchFamily="34" charset="0"/>
+                      </a:endParaRPr>
+                    </a:p>
+                  </a:txBody>
+                  <a:tcPr anchor="ctr">
+                    <a:lnL>
+                      <a:noFill/>
+                    </a:lnL>
+                    <a:lnR>
+                      <a:noFill/>
+                    </a:lnR>
+                    <a:lnT w="25400" cmpd="sng">
+                      <a:noFill/>
+                    </a:lnT>
+                    <a:lnB w="12700" cap="flat" cmpd="sng" algn="ctr">
+                      <a:solidFill>
+                        <a:schemeClr val="bg1"/>
+                      </a:solidFill>
+                      <a:prstDash val="solid"/>
+                      <a:round/>
+                      <a:headEnd type="none" w="med" len="med"/>
+                      <a:tailEnd type="none" w="med" len="med"/>
+                    </a:lnB>
+                    <a:lnTlToBr w="12700" cmpd="sng">
+                      <a:noFill/>
+                      <a:prstDash val="solid"/>
+                    </a:lnTlToBr>
+                    <a:lnBlToTr w="12700" cmpd="sng">
+                      <a:noFill/>
+                      <a:prstDash val="solid"/>
+                    </a:lnBlToTr>
+                  </a:tcPr>
+                </a:tc>
+                <a:tc>
+                  <a:txBody>
+                    <a:bodyPr/>
+                    <a:lstStyle/>
+                    <a:p>
+                      <a:pPr algn="ctr">
+                        <a:lnSpc>
+                          <a:spcPct val="100000"/>
+                        </a:lnSpc>
+                      </a:pPr>
+                      <a:endParaRPr lang="fr-FR" sz="2800" b="1" dirty="0"/>
+                    </a:p>
+                  </a:txBody>
+                  <a:tcPr anchor="ctr">
+                    <a:lnL>
+                      <a:noFill/>
+                    </a:lnL>
+                    <a:lnR w="12700" cap="flat" cmpd="sng" algn="ctr">
+                      <a:solidFill>
+                        <a:schemeClr val="tx1"/>
+                      </a:solidFill>
+                      <a:prstDash val="solid"/>
+                      <a:round/>
+                      <a:headEnd type="none" w="med" len="med"/>
+                      <a:tailEnd type="none" w="med" len="med"/>
+                    </a:lnR>
+                    <a:lnT w="25400" cmpd="sng">
+                      <a:noFill/>
+                    </a:lnT>
+                    <a:lnB w="12700" cap="flat" cmpd="sng" algn="ctr">
+                      <a:solidFill>
+                        <a:schemeClr val="tx1"/>
+                      </a:solidFill>
+                      <a:prstDash val="solid"/>
+                      <a:round/>
+                      <a:headEnd type="none" w="med" len="med"/>
+                      <a:tailEnd type="none" w="med" len="med"/>
+                    </a:lnB>
+                    <a:lnTlToBr w="12700" cmpd="sng">
+                      <a:noFill/>
+                      <a:prstDash val="solid"/>
+                    </a:lnTlToBr>
+                    <a:lnBlToTr w="12700" cmpd="sng">
+                      <a:noFill/>
+                      <a:prstDash val="solid"/>
+                    </a:lnBlToTr>
+                    <a:solidFill>
+                      <a:srgbClr val="FFF4E8"/>
+                    </a:solidFill>
+                  </a:tcPr>
+                </a:tc>
+                <a:tc>
+                  <a:txBody>
+                    <a:bodyPr/>
+                    <a:lstStyle/>
+                    <a:p>
+                      <a:pPr algn="ctr">
+                        <a:lnSpc>
+                          <a:spcPct val="100000"/>
+                        </a:lnSpc>
+                      </a:pPr>
+                      <a:endParaRPr lang="fr-FR" sz="2800" dirty="0"/>
+                    </a:p>
+                  </a:txBody>
+                  <a:tcPr anchor="ctr">
+                    <a:lnL w="12700" cap="flat" cmpd="sng" algn="ctr">
+                      <a:solidFill>
+                        <a:schemeClr val="tx1"/>
+                      </a:solidFill>
+                      <a:prstDash val="solid"/>
+                      <a:round/>
+                      <a:headEnd type="none" w="med" len="med"/>
+                      <a:tailEnd type="none" w="med" len="med"/>
+                    </a:lnL>
+                    <a:lnR w="12700" cap="flat" cmpd="sng" algn="ctr">
+                      <a:solidFill>
+                        <a:schemeClr val="tx1"/>
+                      </a:solidFill>
+                      <a:prstDash val="solid"/>
+                      <a:round/>
+                      <a:headEnd type="none" w="med" len="med"/>
+                      <a:tailEnd type="none" w="med" len="med"/>
+                    </a:lnR>
+                    <a:lnT w="25400" cmpd="sng">
+                      <a:noFill/>
+                    </a:lnT>
+                    <a:lnB w="12700" cap="flat" cmpd="sng" algn="ctr">
+                      <a:solidFill>
+                        <a:schemeClr val="tx1"/>
+                      </a:solidFill>
+                      <a:prstDash val="solid"/>
+                      <a:round/>
+                      <a:headEnd type="none" w="med" len="med"/>
+                      <a:tailEnd type="none" w="med" len="med"/>
+                    </a:lnB>
+                    <a:lnTlToBr w="12700" cmpd="sng">
+                      <a:noFill/>
+                      <a:prstDash val="solid"/>
+                    </a:lnTlToBr>
+                    <a:lnBlToTr w="12700" cmpd="sng">
+                      <a:noFill/>
+                      <a:prstDash val="solid"/>
+                    </a:lnBlToTr>
+                    <a:solidFill>
+                      <a:srgbClr val="FFF4E8"/>
+                    </a:solidFill>
+                  </a:tcPr>
+                </a:tc>
+                <a:tc>
+                  <a:txBody>
+                    <a:bodyPr/>
+                    <a:lstStyle/>
+                    <a:p>
+                      <a:pPr algn="ctr">
+                        <a:lnSpc>
+                          <a:spcPct val="100000"/>
+                        </a:lnSpc>
+                      </a:pPr>
+                      <a:endParaRPr lang="fr-FR" sz="2800" b="1" dirty="0"/>
+                    </a:p>
+                    <a:p>
+                      <a:pPr algn="ctr">
+                        <a:lnSpc>
+                          <a:spcPct val="100000"/>
+                        </a:lnSpc>
+                      </a:pPr>
+                      <a:r>
+                        <a:rPr lang="fr-FR" sz="2800" b="1" dirty="0"/>
+                        <a:t>Passport.js</a:t>
+                      </a:r>
+                    </a:p>
+                  </a:txBody>
+                  <a:tcPr anchor="ctr">
+                    <a:lnL w="12700" cap="flat" cmpd="sng" algn="ctr">
+                      <a:solidFill>
+                        <a:schemeClr val="tx1"/>
+                      </a:solidFill>
+                      <a:prstDash val="solid"/>
+                      <a:round/>
+                      <a:headEnd type="none" w="med" len="med"/>
+                      <a:tailEnd type="none" w="med" len="med"/>
+                    </a:lnL>
+                    <a:lnR>
+                      <a:noFill/>
+                    </a:lnR>
+                    <a:lnT w="25400" cmpd="sng">
+                      <a:noFill/>
+                    </a:lnT>
+                    <a:lnB w="12700" cap="flat" cmpd="sng" algn="ctr">
+                      <a:solidFill>
+                        <a:schemeClr val="tx1"/>
+                      </a:solidFill>
+                      <a:prstDash val="solid"/>
+                      <a:round/>
+                      <a:headEnd type="none" w="med" len="med"/>
+                      <a:tailEnd type="none" w="med" len="med"/>
+                    </a:lnB>
+                    <a:lnTlToBr w="12700" cmpd="sng">
+                      <a:noFill/>
+                      <a:prstDash val="solid"/>
+                    </a:lnTlToBr>
+                    <a:lnBlToTr w="12700" cmpd="sng">
+                      <a:noFill/>
+                      <a:prstDash val="solid"/>
+                    </a:lnBlToTr>
+                    <a:solidFill>
+                      <a:srgbClr val="FFF4E8"/>
+                    </a:solidFill>
+                  </a:tcPr>
+                </a:tc>
+                <a:extLst>
+                  <a:ext uri="{0D108BD9-81ED-4DB2-BD59-A6C34878D82A}">
+                    <a16:rowId xmlns:a16="http://schemas.microsoft.com/office/drawing/2014/main" val="1714541593"/>
+                  </a:ext>
+                </a:extLst>
+              </a:tr>
+              <a:tr h="2611405">
+                <a:tc>
+                  <a:txBody>
+                    <a:bodyPr/>
+                    <a:lstStyle/>
+                    <a:p>
+                      <a:pPr algn="ctr"/>
+                      <a:r>
+                        <a:rPr lang="fr-FR" sz="2400" b="1" u="none" dirty="0">
+                          <a:solidFill>
+                            <a:schemeClr val="bg1"/>
+                          </a:solidFill>
+                          <a:latin typeface="Arial" panose="020B0604020202020204" pitchFamily="34" charset="0"/>
+                          <a:cs typeface="Arial" panose="020B0604020202020204" pitchFamily="34" charset="0"/>
+                        </a:rPr>
+                        <a:t>EXPLICATIONS</a:t>
+                      </a:r>
+                      <a:endParaRPr lang="fr-FR" sz="2400" b="1" i="0" u="none" dirty="0">
+                        <a:solidFill>
+                          <a:schemeClr val="bg1"/>
+                        </a:solidFill>
+                        <a:latin typeface="Arial" panose="020B0604020202020204" pitchFamily="34" charset="0"/>
+                        <a:cs typeface="Arial" panose="020B0604020202020204" pitchFamily="34" charset="0"/>
+                      </a:endParaRPr>
+                    </a:p>
+                  </a:txBody>
+                  <a:tcPr marL="36000" marR="36000" marT="36000" marB="36000" anchor="ctr">
+                    <a:lnL>
+                      <a:noFill/>
+                    </a:lnL>
+                    <a:lnR>
+                      <a:noFill/>
+                    </a:lnR>
+                    <a:lnT w="12700" cap="flat" cmpd="sng" algn="ctr">
+                      <a:solidFill>
+                        <a:schemeClr val="bg1"/>
+                      </a:solidFill>
+                      <a:prstDash val="solid"/>
+                      <a:round/>
+                      <a:headEnd type="none" w="med" len="med"/>
+                      <a:tailEnd type="none" w="med" len="med"/>
+                    </a:lnT>
+                    <a:lnB w="25400" cmpd="sng">
+                      <a:noFill/>
+                    </a:lnB>
+                    <a:lnTlToBr w="12700" cmpd="sng">
+                      <a:noFill/>
+                      <a:prstDash val="solid"/>
+                    </a:lnTlToBr>
+                    <a:lnBlToTr w="12700" cmpd="sng">
+                      <a:noFill/>
+                      <a:prstDash val="solid"/>
+                    </a:lnBlToTr>
+                  </a:tcPr>
+                </a:tc>
+                <a:tc>
+                  <a:txBody>
+                    <a:bodyPr/>
+                    <a:lstStyle/>
+                    <a:p>
+                      <a:pPr algn="ctr">
+                        <a:lnSpc>
+                          <a:spcPct val="100000"/>
+                        </a:lnSpc>
+                        <a:spcAft>
+                          <a:spcPts val="1200"/>
+                        </a:spcAft>
+                      </a:pPr>
+                      <a:r>
+                        <a:rPr lang="fr-FR" sz="2000" kern="1200" dirty="0">
+                          <a:solidFill>
+                            <a:schemeClr val="dk1"/>
+                          </a:solidFill>
+                          <a:effectLst/>
+                          <a:latin typeface="+mn-lt"/>
+                          <a:ea typeface="+mn-ea"/>
+                          <a:cs typeface="+mn-cs"/>
+                        </a:rPr>
+                        <a:t>Assure </a:t>
+                      </a:r>
+                      <a:r>
+                        <a:rPr lang="fr-FR" sz="2000" b="1" kern="1200" dirty="0">
+                          <a:solidFill>
+                            <a:schemeClr val="dk1"/>
+                          </a:solidFill>
+                          <a:effectLst/>
+                          <a:latin typeface="+mn-lt"/>
+                          <a:ea typeface="+mn-ea"/>
+                          <a:cs typeface="+mn-cs"/>
+                        </a:rPr>
+                        <a:t>l'envoi sécurisé de mails </a:t>
+                      </a:r>
+                      <a:r>
+                        <a:rPr lang="fr-FR" sz="2000" kern="1200" dirty="0">
+                          <a:solidFill>
+                            <a:schemeClr val="dk1"/>
+                          </a:solidFill>
+                          <a:effectLst/>
+                          <a:latin typeface="+mn-lt"/>
+                          <a:ea typeface="+mn-ea"/>
+                          <a:cs typeface="+mn-cs"/>
+                        </a:rPr>
+                        <a:t>de confirmation</a:t>
+                      </a:r>
+                    </a:p>
+                    <a:p>
+                      <a:pPr algn="ctr">
+                        <a:lnSpc>
+                          <a:spcPct val="100000"/>
+                        </a:lnSpc>
+                        <a:spcAft>
+                          <a:spcPts val="1200"/>
+                        </a:spcAft>
+                      </a:pPr>
+                      <a:r>
+                        <a:rPr lang="fr-FR" sz="2000" kern="1200" dirty="0">
+                          <a:solidFill>
+                            <a:schemeClr val="dk1"/>
+                          </a:solidFill>
+                          <a:effectLst/>
+                          <a:latin typeface="+mn-lt"/>
+                          <a:ea typeface="+mn-ea"/>
+                          <a:cs typeface="+mn-cs"/>
+                        </a:rPr>
+                        <a:t>Cohérent avec notre choix de développer en </a:t>
+                      </a:r>
+                      <a:r>
+                        <a:rPr lang="fr-FR" sz="2000" b="1" kern="1200" dirty="0">
+                          <a:solidFill>
+                            <a:schemeClr val="dk1"/>
+                          </a:solidFill>
+                          <a:effectLst/>
+                          <a:latin typeface="+mn-lt"/>
+                          <a:ea typeface="+mn-ea"/>
+                          <a:cs typeface="+mn-cs"/>
+                        </a:rPr>
+                        <a:t>Node.js</a:t>
+                      </a:r>
+                      <a:endParaRPr lang="fr-FR" sz="3200" b="1" dirty="0"/>
+                    </a:p>
+                  </a:txBody>
+                  <a:tcPr anchor="ctr">
+                    <a:lnL>
+                      <a:noFill/>
+                    </a:lnL>
+                    <a:lnR w="12700" cap="flat" cmpd="sng" algn="ctr">
+                      <a:solidFill>
+                        <a:schemeClr val="tx1"/>
+                      </a:solidFill>
+                      <a:prstDash val="solid"/>
+                      <a:round/>
+                      <a:headEnd type="none" w="med" len="med"/>
+                      <a:tailEnd type="none" w="med" len="med"/>
+                    </a:lnR>
+                    <a:lnT w="12700" cap="flat" cmpd="sng" algn="ctr">
+                      <a:solidFill>
+                        <a:schemeClr val="tx1"/>
+                      </a:solidFill>
+                      <a:prstDash val="solid"/>
+                      <a:round/>
+                      <a:headEnd type="none" w="med" len="med"/>
+                      <a:tailEnd type="none" w="med" len="med"/>
+                    </a:lnT>
+                    <a:lnB w="25400" cmpd="sng">
+                      <a:noFill/>
+                    </a:lnB>
+                    <a:lnTlToBr w="12700" cmpd="sng">
+                      <a:noFill/>
+                      <a:prstDash val="solid"/>
+                    </a:lnTlToBr>
+                    <a:lnBlToTr w="12700" cmpd="sng">
+                      <a:noFill/>
+                      <a:prstDash val="solid"/>
+                    </a:lnBlToTr>
+                    <a:solidFill>
+                      <a:srgbClr val="8BC7B1"/>
+                    </a:solidFill>
+                  </a:tcPr>
+                </a:tc>
+                <a:tc>
+                  <a:txBody>
+                    <a:bodyPr/>
+                    <a:lstStyle/>
+                    <a:p>
+                      <a:pPr algn="ctr">
+                        <a:lnSpc>
+                          <a:spcPct val="100000"/>
+                        </a:lnSpc>
+                        <a:spcAft>
+                          <a:spcPts val="1200"/>
+                        </a:spcAft>
+                      </a:pPr>
+                      <a:r>
+                        <a:rPr lang="fr-FR" sz="2000" kern="1200" dirty="0">
+                          <a:solidFill>
+                            <a:schemeClr val="dk1"/>
+                          </a:solidFill>
+                          <a:effectLst/>
+                          <a:latin typeface="+mn-lt"/>
+                          <a:ea typeface="+mn-ea"/>
+                          <a:cs typeface="+mn-cs"/>
+                        </a:rPr>
+                        <a:t>Aide à la </a:t>
+                      </a:r>
+                      <a:r>
+                        <a:rPr lang="fr-FR" sz="2000" b="1" kern="1200" dirty="0">
+                          <a:solidFill>
+                            <a:schemeClr val="dk1"/>
+                          </a:solidFill>
+                          <a:effectLst/>
+                          <a:latin typeface="+mn-lt"/>
+                          <a:ea typeface="+mn-ea"/>
+                          <a:cs typeface="+mn-cs"/>
+                        </a:rPr>
+                        <a:t>gestion du jeton </a:t>
+                      </a:r>
+                      <a:r>
+                        <a:rPr lang="fr-FR" sz="2000" kern="1200" dirty="0">
+                          <a:solidFill>
+                            <a:schemeClr val="dk1"/>
+                          </a:solidFill>
+                          <a:effectLst/>
+                          <a:latin typeface="+mn-lt"/>
+                          <a:ea typeface="+mn-ea"/>
+                          <a:cs typeface="+mn-cs"/>
+                        </a:rPr>
+                        <a:t>d'authentification de manière </a:t>
+                      </a:r>
+                      <a:r>
+                        <a:rPr lang="fr-FR" sz="2000" b="1" kern="1200" dirty="0">
+                          <a:solidFill>
+                            <a:schemeClr val="dk1"/>
+                          </a:solidFill>
+                          <a:effectLst/>
+                          <a:latin typeface="+mn-lt"/>
+                          <a:ea typeface="+mn-ea"/>
+                          <a:cs typeface="+mn-cs"/>
+                        </a:rPr>
+                        <a:t>simple</a:t>
+                      </a:r>
+                      <a:r>
+                        <a:rPr lang="fr-FR" sz="2000" kern="1200" dirty="0">
+                          <a:solidFill>
+                            <a:schemeClr val="dk1"/>
+                          </a:solidFill>
+                          <a:effectLst/>
+                          <a:latin typeface="+mn-lt"/>
+                          <a:ea typeface="+mn-ea"/>
+                          <a:cs typeface="+mn-cs"/>
+                        </a:rPr>
+                        <a:t> et </a:t>
+                      </a:r>
+                      <a:r>
+                        <a:rPr lang="fr-FR" sz="2000" b="1" kern="1200" dirty="0">
+                          <a:solidFill>
+                            <a:schemeClr val="dk1"/>
+                          </a:solidFill>
+                          <a:effectLst/>
+                          <a:latin typeface="+mn-lt"/>
+                          <a:ea typeface="+mn-ea"/>
+                          <a:cs typeface="+mn-cs"/>
+                        </a:rPr>
+                        <a:t>sécurisée</a:t>
+                      </a:r>
+                    </a:p>
+                  </a:txBody>
+                  <a:tcPr anchor="ctr">
+                    <a:lnL w="12700" cap="flat" cmpd="sng" algn="ctr">
+                      <a:solidFill>
+                        <a:schemeClr val="tx1"/>
+                      </a:solidFill>
+                      <a:prstDash val="solid"/>
+                      <a:round/>
+                      <a:headEnd type="none" w="med" len="med"/>
+                      <a:tailEnd type="none" w="med" len="med"/>
+                    </a:lnL>
+                    <a:lnR w="12700" cap="flat" cmpd="sng" algn="ctr">
+                      <a:solidFill>
+                        <a:schemeClr val="tx1"/>
+                      </a:solidFill>
+                      <a:prstDash val="solid"/>
+                      <a:round/>
+                      <a:headEnd type="none" w="med" len="med"/>
+                      <a:tailEnd type="none" w="med" len="med"/>
+                    </a:lnR>
+                    <a:lnT w="12700" cap="flat" cmpd="sng" algn="ctr">
+                      <a:solidFill>
+                        <a:schemeClr val="tx1"/>
+                      </a:solidFill>
+                      <a:prstDash val="solid"/>
+                      <a:round/>
+                      <a:headEnd type="none" w="med" len="med"/>
+                      <a:tailEnd type="none" w="med" len="med"/>
+                    </a:lnT>
+                    <a:lnB w="25400" cmpd="sng">
+                      <a:noFill/>
+                    </a:lnB>
+                    <a:lnTlToBr w="12700" cmpd="sng">
+                      <a:noFill/>
+                      <a:prstDash val="solid"/>
+                    </a:lnTlToBr>
+                    <a:lnBlToTr w="12700" cmpd="sng">
+                      <a:noFill/>
+                      <a:prstDash val="solid"/>
+                    </a:lnBlToTr>
+                    <a:solidFill>
+                      <a:srgbClr val="8BC7B1"/>
+                    </a:solidFill>
+                  </a:tcPr>
+                </a:tc>
+                <a:tc>
+                  <a:txBody>
+                    <a:bodyPr/>
+                    <a:lstStyle/>
+                    <a:p>
+                      <a:pPr algn="ctr">
+                        <a:lnSpc>
+                          <a:spcPct val="100000"/>
+                        </a:lnSpc>
+                        <a:spcAft>
+                          <a:spcPts val="1200"/>
+                        </a:spcAft>
+                      </a:pPr>
+                      <a:r>
+                        <a:rPr lang="fr-FR" sz="2000" b="1" kern="1200" dirty="0">
+                          <a:solidFill>
+                            <a:schemeClr val="dk1"/>
+                          </a:solidFill>
+                          <a:effectLst/>
+                          <a:latin typeface="+mn-lt"/>
+                          <a:ea typeface="+mn-ea"/>
+                          <a:cs typeface="+mn-cs"/>
+                        </a:rPr>
+                        <a:t>Solution simple </a:t>
+                      </a:r>
+                      <a:r>
+                        <a:rPr lang="fr-FR" sz="2000" b="0" kern="1200" dirty="0">
+                          <a:solidFill>
+                            <a:schemeClr val="dk1"/>
+                          </a:solidFill>
+                          <a:effectLst/>
+                          <a:latin typeface="+mn-lt"/>
+                          <a:ea typeface="+mn-ea"/>
+                          <a:cs typeface="+mn-cs"/>
+                        </a:rPr>
+                        <a:t>et</a:t>
+                      </a:r>
+                      <a:r>
+                        <a:rPr lang="fr-FR" sz="2000" b="1" kern="1200" dirty="0">
+                          <a:solidFill>
+                            <a:schemeClr val="dk1"/>
+                          </a:solidFill>
+                          <a:effectLst/>
+                          <a:latin typeface="+mn-lt"/>
+                          <a:ea typeface="+mn-ea"/>
+                          <a:cs typeface="+mn-cs"/>
+                        </a:rPr>
+                        <a:t> adaptable </a:t>
+                      </a:r>
+                      <a:r>
+                        <a:rPr lang="fr-FR" sz="2000" b="0" kern="1200" dirty="0">
+                          <a:solidFill>
+                            <a:schemeClr val="dk1"/>
+                          </a:solidFill>
+                          <a:effectLst/>
+                          <a:latin typeface="+mn-lt"/>
+                          <a:ea typeface="+mn-ea"/>
+                          <a:cs typeface="+mn-cs"/>
+                        </a:rPr>
+                        <a:t>pour gérer l’authentification</a:t>
+                      </a:r>
+                    </a:p>
+                  </a:txBody>
+                  <a:tcPr anchor="ctr">
+                    <a:lnL w="12700" cap="flat" cmpd="sng" algn="ctr">
+                      <a:solidFill>
+                        <a:schemeClr val="tx1"/>
+                      </a:solidFill>
+                      <a:prstDash val="solid"/>
+                      <a:round/>
+                      <a:headEnd type="none" w="med" len="med"/>
+                      <a:tailEnd type="none" w="med" len="med"/>
+                    </a:lnL>
+                    <a:lnR>
+                      <a:noFill/>
+                    </a:lnR>
+                    <a:lnT w="12700" cap="flat" cmpd="sng" algn="ctr">
+                      <a:solidFill>
+                        <a:schemeClr val="tx1"/>
+                      </a:solidFill>
+                      <a:prstDash val="solid"/>
+                      <a:round/>
+                      <a:headEnd type="none" w="med" len="med"/>
+                      <a:tailEnd type="none" w="med" len="med"/>
+                    </a:lnT>
+                    <a:lnB w="25400" cmpd="sng">
+                      <a:noFill/>
+                    </a:lnB>
+                    <a:lnTlToBr w="12700" cmpd="sng">
+                      <a:noFill/>
+                      <a:prstDash val="solid"/>
+                    </a:lnTlToBr>
+                    <a:lnBlToTr w="12700" cmpd="sng">
+                      <a:noFill/>
+                      <a:prstDash val="solid"/>
+                    </a:lnBlToTr>
+                    <a:solidFill>
+                      <a:srgbClr val="8BC7B1"/>
+                    </a:solidFill>
+                  </a:tcPr>
+                </a:tc>
+                <a:extLst>
+                  <a:ext uri="{0D108BD9-81ED-4DB2-BD59-A6C34878D82A}">
+                    <a16:rowId xmlns:a16="http://schemas.microsoft.com/office/drawing/2014/main" val="1793754349"/>
+                  </a:ext>
+                </a:extLst>
+              </a:tr>
+            </a:tbl>
+          </a:graphicData>
+        </a:graphic>
+      </p:graphicFrame>
+      <p:pic>
+        <p:nvPicPr>
+          <p:cNvPr id="15" name="Image 14" descr="Une image contenant Graphique, capture d’écran, graphisme, Police&#10;&#10;Description générée automatiquement">
+            <a:extLst>
+              <a:ext uri="{FF2B5EF4-FFF2-40B4-BE49-F238E27FC236}">
+                <a16:creationId xmlns:a16="http://schemas.microsoft.com/office/drawing/2014/main" id="{C4A5BB55-2419-589F-32BB-E77420B88A52}"/>
+              </a:ext>
+            </a:extLst>
+          </p:cNvPr>
+          <p:cNvPicPr>
+            <a:picLocks noChangeAspect="1"/>
+          </p:cNvPicPr>
+          <p:nvPr/>
+        </p:nvPicPr>
+        <p:blipFill>
+          <a:blip r:embed="rId2">
+            <a:extLst>
+              <a:ext uri="{BEBA8EAE-BF5A-486C-A8C5-ECC9F3942E4B}">
+                <a14:imgProps xmlns:a14="http://schemas.microsoft.com/office/drawing/2010/main">
+                  <a14:imgLayer r:embed="rId3">
+                    <a14:imgEffect>
+                      <a14:saturation sat="300000"/>
+                    </a14:imgEffect>
+                  </a14:imgLayer>
+                </a14:imgProps>
+              </a:ext>
+            </a:extLst>
+          </a:blip>
+          <a:stretch>
+            <a:fillRect/>
+          </a:stretch>
+        </p:blipFill>
+        <p:spPr>
+          <a:xfrm>
+            <a:off x="2023965" y="1590943"/>
+            <a:ext cx="2701821" cy="1838057"/>
+          </a:xfrm>
+          <a:prstGeom prst="rect">
+            <a:avLst/>
+          </a:prstGeom>
+        </p:spPr>
+      </p:pic>
+      <p:pic>
+        <p:nvPicPr>
+          <p:cNvPr id="16" name="Image 15" descr="Une image contenant Graphique, capture d’écran, Police, graphisme&#10;&#10;Description générée automatiquement">
+            <a:extLst>
+              <a:ext uri="{FF2B5EF4-FFF2-40B4-BE49-F238E27FC236}">
+                <a16:creationId xmlns:a16="http://schemas.microsoft.com/office/drawing/2014/main" id="{B39A3ED4-E766-4B13-205C-B62571D81C78}"/>
+              </a:ext>
+            </a:extLst>
+          </p:cNvPr>
+          <p:cNvPicPr>
+            <a:picLocks noChangeAspect="1"/>
+          </p:cNvPicPr>
+          <p:nvPr/>
+        </p:nvPicPr>
+        <p:blipFill rotWithShape="1">
+          <a:blip r:embed="rId4"/>
+          <a:srcRect l="27250" t="30498" r="26500" b="30445"/>
+          <a:stretch/>
+        </p:blipFill>
+        <p:spPr>
+          <a:xfrm>
+            <a:off x="5416187" y="1860229"/>
+            <a:ext cx="2735573" cy="1299484"/>
+          </a:xfrm>
+          <a:prstGeom prst="roundRect">
+            <a:avLst>
+              <a:gd name="adj" fmla="val 10923"/>
+            </a:avLst>
+          </a:prstGeom>
+        </p:spPr>
+      </p:pic>
+      <p:pic>
+        <p:nvPicPr>
+          <p:cNvPr id="17" name="Picture 4" descr="User Management React Template built with React, Node.js and PostgreSQL ...">
+            <a:extLst>
+              <a:ext uri="{FF2B5EF4-FFF2-40B4-BE49-F238E27FC236}">
+                <a16:creationId xmlns:a16="http://schemas.microsoft.com/office/drawing/2014/main" id="{F5BC401B-D545-62DF-682B-07209DB49E1C}"/>
+              </a:ext>
+            </a:extLst>
+          </p:cNvPr>
+          <p:cNvPicPr>
+            <a:picLocks noChangeAspect="1" noChangeArrowheads="1"/>
+          </p:cNvPicPr>
+          <p:nvPr/>
+        </p:nvPicPr>
+        <p:blipFill>
+          <a:blip r:embed="rId5">
+            <a:extLst>
+              <a:ext uri="{28A0092B-C50C-407E-A947-70E740481C1C}">
+                <a14:useLocalDpi xmlns:a14="http://schemas.microsoft.com/office/drawing/2010/main" val="0"/>
+              </a:ext>
+            </a:extLst>
+          </a:blip>
+          <a:srcRect/>
+          <a:stretch>
+            <a:fillRect/>
+          </a:stretch>
+        </p:blipFill>
+        <p:spPr bwMode="auto">
+          <a:xfrm>
+            <a:off x="9822802" y="1590943"/>
+            <a:ext cx="1028700" cy="1028700"/>
+          </a:xfrm>
+          <a:prstGeom prst="rect">
+            <a:avLst/>
+          </a:prstGeom>
+          <a:noFill/>
+          <a:extLst>
+            <a:ext uri="{909E8E84-426E-40DD-AFC4-6F175D3DCCD1}">
+              <a14:hiddenFill xmlns:a14="http://schemas.microsoft.com/office/drawing/2010/main">
+                <a:solidFill>
+                  <a:srgbClr val="FFFFFF"/>
+                </a:solidFill>
+              </a14:hiddenFill>
+            </a:ext>
+          </a:extLst>
+        </p:spPr>
+      </p:pic>
+    </p:spTree>
+    <p:extLst>
+      <p:ext uri="{BB962C8B-B14F-4D97-AF65-F5344CB8AC3E}">
+        <p14:creationId xmlns:p14="http://schemas.microsoft.com/office/powerpoint/2010/main" val="649920403"/>
+      </p:ext>
+    </p:extLst>
+  </p:cSld>
+  <p:clrMapOvr>
+    <a:masterClrMapping/>
+  </p:clrMapOvr>
+</p:sld>
+</file>
+
+<file path=ppt/slides/slide8.xml><?xml version="1.0" encoding="utf-8"?>
+<p:sld xmlns:a="http://schemas.openxmlformats.org/drawingml/2006/main" xmlns:r="http://schemas.openxmlformats.org/officeDocument/2006/relationships" xmlns:p="http://schemas.openxmlformats.org/presentationml/2006/main">
+  <p:cSld>
+    <p:spTree>
+      <p:nvGrpSpPr>
+        <p:cNvPr id="1" name=""/>
+        <p:cNvGrpSpPr/>
+        <p:nvPr/>
+      </p:nvGrpSpPr>
+      <p:grpSpPr>
+        <a:xfrm>
+          <a:off x="0" y="0"/>
+          <a:ext cx="0" cy="0"/>
+          <a:chOff x="0" y="0"/>
+          <a:chExt cx="0" cy="0"/>
+        </a:xfrm>
+      </p:grpSpPr>
+      <p:sp>
+        <p:nvSpPr>
+          <p:cNvPr id="2" name="Titre 1">
+            <a:extLst>
+              <a:ext uri="{FF2B5EF4-FFF2-40B4-BE49-F238E27FC236}">
+                <a16:creationId xmlns:a16="http://schemas.microsoft.com/office/drawing/2014/main" id="{942BE2F9-3B6F-EFB5-07A3-5F147D4F9326}"/>
+              </a:ext>
+            </a:extLst>
+          </p:cNvPr>
+          <p:cNvSpPr>
+            <a:spLocks noGrp="1"/>
+          </p:cNvSpPr>
+          <p:nvPr>
+            <p:ph type="title"/>
+          </p:nvPr>
+        </p:nvSpPr>
+        <p:spPr/>
+        <p:txBody>
+          <a:bodyPr>
+            <a:normAutofit/>
+          </a:bodyPr>
+          <a:lstStyle/>
+          <a:p>
+            <a:r>
+              <a:rPr lang="fr-FR" sz="4000" dirty="0"/>
+              <a:t>Recommandation gestion sécurité</a:t>
+            </a:r>
+          </a:p>
+        </p:txBody>
+      </p:sp>
+      <p:sp>
+        <p:nvSpPr>
+          <p:cNvPr id="3" name="Ellipse 2">
+            <a:extLst>
+              <a:ext uri="{FF2B5EF4-FFF2-40B4-BE49-F238E27FC236}">
+                <a16:creationId xmlns:a16="http://schemas.microsoft.com/office/drawing/2014/main" id="{52C2E5DE-50BE-9632-A049-10FB84AA04C9}"/>
               </a:ext>
             </a:extLst>
           </p:cNvPr>
@@ -26384,10 +25480,10 @@
       </p:sp>
       <p:sp>
         <p:nvSpPr>
-          <p:cNvPr id="14" name="Ellipse 13">
+          <p:cNvPr id="4" name="Ellipse 3">
             <a:extLst>
               <a:ext uri="{FF2B5EF4-FFF2-40B4-BE49-F238E27FC236}">
-                <a16:creationId xmlns:a16="http://schemas.microsoft.com/office/drawing/2014/main" id="{12FD1595-5234-A8C5-4A34-0881F8B3E1AE}"/>
+                <a16:creationId xmlns:a16="http://schemas.microsoft.com/office/drawing/2014/main" id="{B1300D02-759D-BD3C-79F9-08ED43EA9C3A}"/>
               </a:ext>
             </a:extLst>
           </p:cNvPr>
@@ -26398,7 +25494,7 @@
         </p:nvSpPr>
         <p:spPr>
           <a:xfrm>
-            <a:off x="7625475" y="4254750"/>
+            <a:off x="6503571" y="4894772"/>
             <a:ext cx="1800000" cy="1800000"/>
           </a:xfrm>
           <a:prstGeom prst="ellipse">
@@ -26441,10 +25537,10 @@
       </p:sp>
       <p:sp>
         <p:nvSpPr>
-          <p:cNvPr id="15" name="Ellipse 14">
+          <p:cNvPr id="5" name="Ellipse 4">
             <a:extLst>
               <a:ext uri="{FF2B5EF4-FFF2-40B4-BE49-F238E27FC236}">
-                <a16:creationId xmlns:a16="http://schemas.microsoft.com/office/drawing/2014/main" id="{FD3906DA-38A2-F2A3-5F86-48533E871518}"/>
+                <a16:creationId xmlns:a16="http://schemas.microsoft.com/office/drawing/2014/main" id="{F8751822-DE53-AF4A-4EB5-CC134A55236E}"/>
               </a:ext>
             </a:extLst>
           </p:cNvPr>
@@ -26455,7 +25551,7 @@
         </p:nvSpPr>
         <p:spPr>
           <a:xfrm>
-            <a:off x="7625475" y="2129925"/>
+            <a:off x="7597991" y="2529000"/>
             <a:ext cx="1800000" cy="1800000"/>
           </a:xfrm>
           <a:prstGeom prst="ellipse">
@@ -26505,10 +25601,10 @@
       </p:sp>
       <p:sp>
         <p:nvSpPr>
-          <p:cNvPr id="16" name="Ellipse 15">
+          <p:cNvPr id="6" name="Ellipse 5">
             <a:extLst>
               <a:ext uri="{FF2B5EF4-FFF2-40B4-BE49-F238E27FC236}">
-                <a16:creationId xmlns:a16="http://schemas.microsoft.com/office/drawing/2014/main" id="{54F874C5-2BC5-ABDB-0D18-E885E904A28D}"/>
+                <a16:creationId xmlns:a16="http://schemas.microsoft.com/office/drawing/2014/main" id="{4134ECB6-2A3D-2A85-032A-C85209D6FDAE}"/>
               </a:ext>
             </a:extLst>
           </p:cNvPr>
@@ -26555,24 +25651,24 @@
             <a:pPr algn="ctr"/>
             <a:r>
               <a:rPr lang="fr-FR" sz="2000" b="1" dirty="0"/>
-              <a:t>Utilisation HTTPS</a:t>
+              <a:t>Protocole TLS*</a:t>
             </a:r>
           </a:p>
           <a:p>
             <a:pPr algn="ctr"/>
             <a:r>
-              <a:rPr lang="fr-FR" sz="1400" dirty="0"/>
-              <a:t>Chiffrage des données</a:t>
+              <a:rPr lang="fr-FR" sz="1600" dirty="0"/>
+              <a:t>(Transport Layer Security)</a:t>
             </a:r>
           </a:p>
         </p:txBody>
       </p:sp>
       <p:sp>
         <p:nvSpPr>
-          <p:cNvPr id="17" name="Ellipse 16">
+          <p:cNvPr id="7" name="Ellipse 6">
             <a:extLst>
               <a:ext uri="{FF2B5EF4-FFF2-40B4-BE49-F238E27FC236}">
-                <a16:creationId xmlns:a16="http://schemas.microsoft.com/office/drawing/2014/main" id="{4D1238FF-D1AE-3C34-5864-529F61246946}"/>
+                <a16:creationId xmlns:a16="http://schemas.microsoft.com/office/drawing/2014/main" id="{B6AF83E2-DBFC-D125-B303-AE539D2A3D03}"/>
               </a:ext>
             </a:extLst>
           </p:cNvPr>
@@ -26583,64 +25679,7 @@
         </p:nvSpPr>
         <p:spPr>
           <a:xfrm>
-            <a:off x="5220675" y="5036188"/>
-            <a:ext cx="1800000" cy="1800000"/>
-          </a:xfrm>
-          <a:prstGeom prst="ellipse">
-            <a:avLst/>
-          </a:prstGeom>
-          <a:solidFill>
-            <a:srgbClr val="8BC7B1"/>
-          </a:solidFill>
-          <a:ln>
-            <a:noFill/>
-          </a:ln>
-        </p:spPr>
-        <p:style>
-          <a:lnRef idx="2">
-            <a:schemeClr val="accent1">
-              <a:shade val="15000"/>
-            </a:schemeClr>
-          </a:lnRef>
-          <a:fillRef idx="1">
-            <a:schemeClr val="accent1"/>
-          </a:fillRef>
-          <a:effectRef idx="0">
-            <a:schemeClr val="accent1"/>
-          </a:effectRef>
-          <a:fontRef idx="minor">
-            <a:schemeClr val="lt1"/>
-          </a:fontRef>
-        </p:style>
-        <p:txBody>
-          <a:bodyPr wrap="square" lIns="0" tIns="0" rIns="0" bIns="0" rtlCol="0" anchor="ctr"/>
-          <a:lstStyle/>
-          <a:p>
-            <a:pPr algn="ctr"/>
-            <a:r>
-              <a:rPr lang="fr-FR" b="1" dirty="0"/>
-              <a:t>Mécanisme de protection</a:t>
-            </a:r>
-          </a:p>
-        </p:txBody>
-      </p:sp>
-      <p:sp>
-        <p:nvSpPr>
-          <p:cNvPr id="18" name="Ellipse 17">
-            <a:extLst>
-              <a:ext uri="{FF2B5EF4-FFF2-40B4-BE49-F238E27FC236}">
-                <a16:creationId xmlns:a16="http://schemas.microsoft.com/office/drawing/2014/main" id="{06848ECA-EC83-E5E0-7AA3-A47986900A68}"/>
-              </a:ext>
-            </a:extLst>
-          </p:cNvPr>
-          <p:cNvSpPr>
-            <a:spLocks noChangeAspect="1"/>
-          </p:cNvSpPr>
-          <p:nvPr/>
-        </p:nvSpPr>
-        <p:spPr>
-          <a:xfrm>
-            <a:off x="2766525" y="4254750"/>
+            <a:off x="3871612" y="4894772"/>
             <a:ext cx="1800000" cy="1800000"/>
           </a:xfrm>
           <a:prstGeom prst="ellipse">
@@ -26683,10 +25722,10 @@
       </p:sp>
       <p:sp>
         <p:nvSpPr>
-          <p:cNvPr id="19" name="Ellipse 18">
+          <p:cNvPr id="8" name="Ellipse 7">
             <a:extLst>
               <a:ext uri="{FF2B5EF4-FFF2-40B4-BE49-F238E27FC236}">
-                <a16:creationId xmlns:a16="http://schemas.microsoft.com/office/drawing/2014/main" id="{21E1AF47-B439-B905-FF2E-D94DA141E54B}"/>
+                <a16:creationId xmlns:a16="http://schemas.microsoft.com/office/drawing/2014/main" id="{DECFE7DB-38B7-6577-2612-87057E5CC9EE}"/>
               </a:ext>
             </a:extLst>
           </p:cNvPr>
@@ -26697,7 +25736,7 @@
         </p:nvSpPr>
         <p:spPr>
           <a:xfrm>
-            <a:off x="2766525" y="2129925"/>
+            <a:off x="2766525" y="2484549"/>
             <a:ext cx="1800000" cy="1800000"/>
           </a:xfrm>
           <a:prstGeom prst="ellipse">
@@ -26740,10 +25779,10 @@
       </p:sp>
       <p:sp>
         <p:nvSpPr>
-          <p:cNvPr id="20" name="Flèche : haut 19">
+          <p:cNvPr id="9" name="Flèche : haut 8">
             <a:extLst>
               <a:ext uri="{FF2B5EF4-FFF2-40B4-BE49-F238E27FC236}">
-                <a16:creationId xmlns:a16="http://schemas.microsoft.com/office/drawing/2014/main" id="{82CA3C1D-526D-5CEC-6FAE-C43AA7522617}"/>
+                <a16:creationId xmlns:a16="http://schemas.microsoft.com/office/drawing/2014/main" id="{B9D9434E-129B-BFCC-1501-2050350D0B89}"/>
               </a:ext>
             </a:extLst>
           </p:cNvPr>
@@ -26793,10 +25832,10 @@
       </p:sp>
       <p:sp>
         <p:nvSpPr>
-          <p:cNvPr id="21" name="Flèche : haut 20">
+          <p:cNvPr id="11" name="Flèche : haut 10">
             <a:extLst>
               <a:ext uri="{FF2B5EF4-FFF2-40B4-BE49-F238E27FC236}">
-                <a16:creationId xmlns:a16="http://schemas.microsoft.com/office/drawing/2014/main" id="{FE8CAA32-5B34-35F1-747D-8F70DE72F9EC}"/>
+                <a16:creationId xmlns:a16="http://schemas.microsoft.com/office/drawing/2014/main" id="{6AA07E7F-D107-1732-90AE-A1A38F3D6C7E}"/>
               </a:ext>
             </a:extLst>
           </p:cNvPr>
@@ -26804,8 +25843,8 @@
           <p:nvPr/>
         </p:nvSpPr>
         <p:spPr>
-          <a:xfrm flipH="1" flipV="1">
-            <a:off x="5875949" y="4781637"/>
+          <a:xfrm rot="4135949">
+            <a:off x="7090547" y="3669504"/>
             <a:ext cx="440101" cy="222680"/>
           </a:xfrm>
           <a:prstGeom prst="upArrow">
@@ -26846,10 +25885,10 @@
       </p:sp>
       <p:sp>
         <p:nvSpPr>
-          <p:cNvPr id="22" name="Flèche : haut 21">
+          <p:cNvPr id="12" name="Flèche : haut 11">
             <a:extLst>
               <a:ext uri="{FF2B5EF4-FFF2-40B4-BE49-F238E27FC236}">
-                <a16:creationId xmlns:a16="http://schemas.microsoft.com/office/drawing/2014/main" id="{9B47F80F-B7A1-6DD7-985C-F9EF5276055D}"/>
+                <a16:creationId xmlns:a16="http://schemas.microsoft.com/office/drawing/2014/main" id="{2509B1D5-E993-08AE-38A2-C2494894CC21}"/>
               </a:ext>
             </a:extLst>
           </p:cNvPr>
@@ -26857,8 +25896,8 @@
           <p:nvPr/>
         </p:nvSpPr>
         <p:spPr>
-          <a:xfrm rot="3611700">
-            <a:off x="7060085" y="3563944"/>
+          <a:xfrm rot="20239353" flipV="1">
+            <a:off x="6554661" y="4676087"/>
             <a:ext cx="440101" cy="222680"/>
           </a:xfrm>
           <a:prstGeom prst="upArrow">
@@ -26899,10 +25938,10 @@
       </p:sp>
       <p:sp>
         <p:nvSpPr>
-          <p:cNvPr id="23" name="Flèche : haut 22">
+          <p:cNvPr id="13" name="Flèche : haut 12">
             <a:extLst>
               <a:ext uri="{FF2B5EF4-FFF2-40B4-BE49-F238E27FC236}">
-                <a16:creationId xmlns:a16="http://schemas.microsoft.com/office/drawing/2014/main" id="{318D7825-9F5D-5317-62BD-B9F7A401FF44}"/>
+                <a16:creationId xmlns:a16="http://schemas.microsoft.com/office/drawing/2014/main" id="{6893BA91-08E3-FABC-D864-F9D483FE680B}"/>
               </a:ext>
             </a:extLst>
           </p:cNvPr>
@@ -26910,8 +25949,8 @@
           <p:nvPr/>
         </p:nvSpPr>
         <p:spPr>
-          <a:xfrm rot="17988300" flipV="1">
-            <a:off x="7006613" y="4339644"/>
+          <a:xfrm rot="17729073" flipH="1">
+            <a:off x="4713032" y="3668323"/>
             <a:ext cx="440101" cy="222680"/>
           </a:xfrm>
           <a:prstGeom prst="upArrow">
@@ -26952,10 +25991,10 @@
       </p:sp>
       <p:sp>
         <p:nvSpPr>
-          <p:cNvPr id="24" name="Flèche : haut 23">
+          <p:cNvPr id="26" name="Flèche : haut 25">
             <a:extLst>
               <a:ext uri="{FF2B5EF4-FFF2-40B4-BE49-F238E27FC236}">
-                <a16:creationId xmlns:a16="http://schemas.microsoft.com/office/drawing/2014/main" id="{741C9903-A641-A96E-A2CB-0267854791C4}"/>
+                <a16:creationId xmlns:a16="http://schemas.microsoft.com/office/drawing/2014/main" id="{D5399F87-A00C-5566-75C8-41FF6D54BD30}"/>
               </a:ext>
             </a:extLst>
           </p:cNvPr>
@@ -26963,61 +26002,8 @@
           <p:nvPr/>
         </p:nvSpPr>
         <p:spPr>
-          <a:xfrm rot="17988300" flipH="1">
-            <a:off x="4770910" y="3519494"/>
-            <a:ext cx="440101" cy="222680"/>
-          </a:xfrm>
-          <a:prstGeom prst="upArrow">
-            <a:avLst>
-              <a:gd name="adj1" fmla="val 64593"/>
-              <a:gd name="adj2" fmla="val 50613"/>
-            </a:avLst>
-          </a:prstGeom>
-          <a:solidFill>
-            <a:srgbClr val="C5A073"/>
-          </a:solidFill>
-          <a:ln w="19050"/>
-        </p:spPr>
-        <p:style>
-          <a:lnRef idx="2">
-            <a:schemeClr val="accent1">
-              <a:shade val="15000"/>
-            </a:schemeClr>
-          </a:lnRef>
-          <a:fillRef idx="1">
-            <a:schemeClr val="accent1"/>
-          </a:fillRef>
-          <a:effectRef idx="0">
-            <a:schemeClr val="accent1"/>
-          </a:effectRef>
-          <a:fontRef idx="minor">
-            <a:schemeClr val="lt1"/>
-          </a:fontRef>
-        </p:style>
-        <p:txBody>
-          <a:bodyPr rtlCol="0" anchor="ctr"/>
-          <a:lstStyle/>
-          <a:p>
-            <a:pPr algn="ctr"/>
-            <a:endParaRPr lang="fr-FR"/>
-          </a:p>
-        </p:txBody>
-      </p:sp>
-      <p:sp>
-        <p:nvSpPr>
-          <p:cNvPr id="25" name="Flèche : haut 24">
-            <a:extLst>
-              <a:ext uri="{FF2B5EF4-FFF2-40B4-BE49-F238E27FC236}">
-                <a16:creationId xmlns:a16="http://schemas.microsoft.com/office/drawing/2014/main" id="{8EF6E771-EF64-DBEB-CB93-3EDBF9F649D2}"/>
-              </a:ext>
-            </a:extLst>
-          </p:cNvPr>
-          <p:cNvSpPr/>
-          <p:nvPr/>
-        </p:nvSpPr>
-        <p:spPr>
-          <a:xfrm rot="3611700" flipH="1" flipV="1">
-            <a:off x="4746013" y="4295194"/>
+          <a:xfrm rot="1451036" flipH="1" flipV="1">
+            <a:off x="5222030" y="4671942"/>
             <a:ext cx="440101" cy="222680"/>
           </a:xfrm>
           <a:prstGeom prst="upArrow">
@@ -27058,10 +26044,10 @@
       </p:sp>
       <p:pic>
         <p:nvPicPr>
-          <p:cNvPr id="27" name="Graphique 26" descr="Bouclier coche avec un remplissage uni">
+          <p:cNvPr id="28" name="Graphique 27" descr="Bouclier coche avec un remplissage uni">
             <a:extLst>
               <a:ext uri="{FF2B5EF4-FFF2-40B4-BE49-F238E27FC236}">
-                <a16:creationId xmlns:a16="http://schemas.microsoft.com/office/drawing/2014/main" id="{B7EEA3A1-B006-2614-9A25-5DB1B0955F33}"/>
+                <a16:creationId xmlns:a16="http://schemas.microsoft.com/office/drawing/2014/main" id="{62DAEE3B-B224-5B68-A661-E6BEFC771560}"/>
               </a:ext>
             </a:extLst>
           </p:cNvPr>
@@ -27095,372 +26081,46 @@
           </a:prstGeom>
         </p:spPr>
       </p:pic>
-    </p:spTree>
-    <p:extLst>
-      <p:ext uri="{BB962C8B-B14F-4D97-AF65-F5344CB8AC3E}">
-        <p14:creationId xmlns:p14="http://schemas.microsoft.com/office/powerpoint/2010/main" val="649920403"/>
-      </p:ext>
-    </p:extLst>
-  </p:cSld>
-  <p:clrMapOvr>
-    <a:masterClrMapping/>
-  </p:clrMapOvr>
-</p:sld>
-</file>
-
-<file path=ppt/slides/slide8.xml><?xml version="1.0" encoding="utf-8"?>
-<p:sld xmlns:a="http://schemas.openxmlformats.org/drawingml/2006/main" xmlns:r="http://schemas.openxmlformats.org/officeDocument/2006/relationships" xmlns:p="http://schemas.openxmlformats.org/presentationml/2006/main">
-  <p:cSld>
-    <p:spTree>
-      <p:nvGrpSpPr>
-        <p:cNvPr id="1" name=""/>
-        <p:cNvGrpSpPr/>
-        <p:nvPr/>
-      </p:nvGrpSpPr>
-      <p:grpSpPr>
-        <a:xfrm>
-          <a:off x="0" y="0"/>
-          <a:ext cx="0" cy="0"/>
-          <a:chOff x="0" y="0"/>
-          <a:chExt cx="0" cy="0"/>
-        </a:xfrm>
-      </p:grpSpPr>
       <p:sp>
         <p:nvSpPr>
-          <p:cNvPr id="2" name="Titre 1">
+          <p:cNvPr id="29" name="ZoneTexte 28">
             <a:extLst>
               <a:ext uri="{FF2B5EF4-FFF2-40B4-BE49-F238E27FC236}">
-                <a16:creationId xmlns:a16="http://schemas.microsoft.com/office/drawing/2014/main" id="{942BE2F9-3B6F-EFB5-07A3-5F147D4F9326}"/>
+                <a16:creationId xmlns:a16="http://schemas.microsoft.com/office/drawing/2014/main" id="{6BC99144-6817-A5CF-31CC-BC174C5E503E}"/>
               </a:ext>
             </a:extLst>
           </p:cNvPr>
-          <p:cNvSpPr>
-            <a:spLocks noGrp="1"/>
-          </p:cNvSpPr>
-          <p:nvPr>
-            <p:ph type="title"/>
-          </p:nvPr>
+          <p:cNvSpPr txBox="1"/>
+          <p:nvPr/>
         </p:nvSpPr>
-        <p:spPr/>
+        <p:spPr>
+          <a:xfrm>
+            <a:off x="7432652" y="6528411"/>
+            <a:ext cx="5196412" cy="307777"/>
+          </a:xfrm>
+          <a:prstGeom prst="rect">
+            <a:avLst/>
+          </a:prstGeom>
+          <a:noFill/>
+        </p:spPr>
         <p:txBody>
-          <a:bodyPr/>
+          <a:bodyPr wrap="square">
+            <a:spAutoFit/>
+          </a:bodyPr>
           <a:lstStyle/>
           <a:p>
+            <a:pPr algn="ctr"/>
             <a:r>
-              <a:rPr lang="fr-FR" dirty="0"/>
-              <a:t>Maintenance du site</a:t>
+              <a:rPr lang="fr-FR" sz="1400" dirty="0"/>
+              <a:t>* Protège la communication en chiffrant des données</a:t>
             </a:r>
           </a:p>
         </p:txBody>
       </p:sp>
-      <p:graphicFrame>
-        <p:nvGraphicFramePr>
-          <p:cNvPr id="7" name="Espace réservé du contenu 6">
-            <a:extLst>
-              <a:ext uri="{FF2B5EF4-FFF2-40B4-BE49-F238E27FC236}">
-                <a16:creationId xmlns:a16="http://schemas.microsoft.com/office/drawing/2014/main" id="{85DDDFEA-D4B5-E407-7A2E-CD7DB23505B1}"/>
-              </a:ext>
-            </a:extLst>
-          </p:cNvPr>
-          <p:cNvGraphicFramePr>
-            <a:graphicFrameLocks noGrp="1"/>
-          </p:cNvGraphicFramePr>
-          <p:nvPr>
-            <p:ph idx="1"/>
-            <p:extLst>
-              <p:ext uri="{D42A27DB-BD31-4B8C-83A1-F6EECF244321}">
-                <p14:modId xmlns:p14="http://schemas.microsoft.com/office/powerpoint/2010/main" val="4245219770"/>
-              </p:ext>
-            </p:extLst>
-          </p:nvPr>
-        </p:nvGraphicFramePr>
-        <p:xfrm>
-          <a:off x="284999" y="1162050"/>
-          <a:ext cx="11612475" cy="5695950"/>
-        </p:xfrm>
-        <a:graphic>
-          <a:graphicData uri="http://schemas.openxmlformats.org/drawingml/2006/diagram">
-            <dgm:relIds xmlns:dgm="http://schemas.openxmlformats.org/drawingml/2006/diagram" xmlns:r="http://schemas.openxmlformats.org/officeDocument/2006/relationships" r:dm="rId2" r:lo="rId3" r:qs="rId4" r:cs="rId5"/>
-          </a:graphicData>
-        </a:graphic>
-      </p:graphicFrame>
-      <p:pic>
-        <p:nvPicPr>
-          <p:cNvPr id="9" name="Graphique 8" descr="Écran avec un remplissage uni">
-            <a:extLst>
-              <a:ext uri="{FF2B5EF4-FFF2-40B4-BE49-F238E27FC236}">
-                <a16:creationId xmlns:a16="http://schemas.microsoft.com/office/drawing/2014/main" id="{90DEB87F-6CFD-02D2-0C43-56C2D1EAAAFA}"/>
-              </a:ext>
-            </a:extLst>
-          </p:cNvPr>
-          <p:cNvPicPr>
-            <a:picLocks noChangeAspect="1"/>
-          </p:cNvPicPr>
-          <p:nvPr/>
-        </p:nvPicPr>
-        <p:blipFill>
-          <a:blip r:embed="rId7">
-            <a:extLst>
-              <a:ext uri="{28A0092B-C50C-407E-A947-70E740481C1C}">
-                <a14:useLocalDpi xmlns:a14="http://schemas.microsoft.com/office/drawing/2010/main" val="0"/>
-              </a:ext>
-              <a:ext uri="{96DAC541-7B7A-43D3-8B79-37D633B846F1}">
-                <asvg:svgBlip xmlns:asvg="http://schemas.microsoft.com/office/drawing/2016/SVG/main" r:embed="rId8"/>
-              </a:ext>
-            </a:extLst>
-          </a:blip>
-          <a:stretch>
-            <a:fillRect/>
-          </a:stretch>
-        </p:blipFill>
-        <p:spPr>
-          <a:xfrm>
-            <a:off x="427874" y="5971204"/>
-            <a:ext cx="612000" cy="612000"/>
-          </a:xfrm>
-          <a:prstGeom prst="rect">
-            <a:avLst/>
-          </a:prstGeom>
-        </p:spPr>
-      </p:pic>
-      <p:pic>
-        <p:nvPicPr>
-          <p:cNvPr id="11" name="Graphique 10" descr="Base de données avec un remplissage uni">
-            <a:extLst>
-              <a:ext uri="{FF2B5EF4-FFF2-40B4-BE49-F238E27FC236}">
-                <a16:creationId xmlns:a16="http://schemas.microsoft.com/office/drawing/2014/main" id="{361D2C6D-8974-C735-42CC-544A971576D5}"/>
-              </a:ext>
-            </a:extLst>
-          </p:cNvPr>
-          <p:cNvPicPr>
-            <a:picLocks noChangeAspect="1"/>
-          </p:cNvPicPr>
-          <p:nvPr/>
-        </p:nvPicPr>
-        <p:blipFill>
-          <a:blip r:embed="rId9">
-            <a:extLst>
-              <a:ext uri="{28A0092B-C50C-407E-A947-70E740481C1C}">
-                <a14:useLocalDpi xmlns:a14="http://schemas.microsoft.com/office/drawing/2010/main" val="0"/>
-              </a:ext>
-              <a:ext uri="{96DAC541-7B7A-43D3-8B79-37D633B846F1}">
-                <asvg:svgBlip xmlns:asvg="http://schemas.microsoft.com/office/drawing/2016/SVG/main" r:embed="rId10"/>
-              </a:ext>
-            </a:extLst>
-          </a:blip>
-          <a:stretch>
-            <a:fillRect/>
-          </a:stretch>
-        </p:blipFill>
-        <p:spPr>
-          <a:xfrm>
-            <a:off x="923850" y="5048403"/>
-            <a:ext cx="612000" cy="612000"/>
-          </a:xfrm>
-          <a:prstGeom prst="rect">
-            <a:avLst/>
-          </a:prstGeom>
-        </p:spPr>
-      </p:pic>
-      <p:pic>
-        <p:nvPicPr>
-          <p:cNvPr id="13" name="Graphique 12" descr="Avance rapide avec un remplissage uni">
-            <a:extLst>
-              <a:ext uri="{FF2B5EF4-FFF2-40B4-BE49-F238E27FC236}">
-                <a16:creationId xmlns:a16="http://schemas.microsoft.com/office/drawing/2014/main" id="{67624EDC-EC91-FE8F-A7B7-02885B761BCD}"/>
-              </a:ext>
-            </a:extLst>
-          </p:cNvPr>
-          <p:cNvPicPr>
-            <a:picLocks noChangeAspect="1"/>
-          </p:cNvPicPr>
-          <p:nvPr/>
-        </p:nvPicPr>
-        <p:blipFill>
-          <a:blip r:embed="rId11">
-            <a:extLst>
-              <a:ext uri="{28A0092B-C50C-407E-A947-70E740481C1C}">
-                <a14:useLocalDpi xmlns:a14="http://schemas.microsoft.com/office/drawing/2010/main" val="0"/>
-              </a:ext>
-              <a:ext uri="{96DAC541-7B7A-43D3-8B79-37D633B846F1}">
-                <asvg:svgBlip xmlns:asvg="http://schemas.microsoft.com/office/drawing/2016/SVG/main" r:embed="rId12"/>
-              </a:ext>
-            </a:extLst>
-          </a:blip>
-          <a:stretch>
-            <a:fillRect/>
-          </a:stretch>
-        </p:blipFill>
-        <p:spPr>
-          <a:xfrm>
-            <a:off x="1156260" y="4148462"/>
-            <a:ext cx="612000" cy="612000"/>
-          </a:xfrm>
-          <a:prstGeom prst="rect">
-            <a:avLst/>
-          </a:prstGeom>
-        </p:spPr>
-      </p:pic>
-      <p:pic>
-        <p:nvPicPr>
-          <p:cNvPr id="15" name="Graphique 14" descr="Bouclier coche avec un remplissage uni">
-            <a:extLst>
-              <a:ext uri="{FF2B5EF4-FFF2-40B4-BE49-F238E27FC236}">
-                <a16:creationId xmlns:a16="http://schemas.microsoft.com/office/drawing/2014/main" id="{2D40F6D4-641C-5960-FA9C-9C5119840B67}"/>
-              </a:ext>
-            </a:extLst>
-          </p:cNvPr>
-          <p:cNvPicPr>
-            <a:picLocks noChangeAspect="1"/>
-          </p:cNvPicPr>
-          <p:nvPr/>
-        </p:nvPicPr>
-        <p:blipFill>
-          <a:blip r:embed="rId13">
-            <a:extLst>
-              <a:ext uri="{28A0092B-C50C-407E-A947-70E740481C1C}">
-                <a14:useLocalDpi xmlns:a14="http://schemas.microsoft.com/office/drawing/2010/main" val="0"/>
-              </a:ext>
-              <a:ext uri="{96DAC541-7B7A-43D3-8B79-37D633B846F1}">
-                <asvg:svgBlip xmlns:asvg="http://schemas.microsoft.com/office/drawing/2016/SVG/main" r:embed="rId14"/>
-              </a:ext>
-            </a:extLst>
-          </a:blip>
-          <a:stretch>
-            <a:fillRect/>
-          </a:stretch>
-        </p:blipFill>
-        <p:spPr>
-          <a:xfrm>
-            <a:off x="1153650" y="3248521"/>
-            <a:ext cx="612000" cy="612000"/>
-          </a:xfrm>
-          <a:prstGeom prst="rect">
-            <a:avLst/>
-          </a:prstGeom>
-        </p:spPr>
-      </p:pic>
-      <p:pic>
-        <p:nvPicPr>
-          <p:cNvPr id="17" name="Graphique 16" descr="Synchronisation avec le cloud avec un remplissage uni">
-            <a:extLst>
-              <a:ext uri="{FF2B5EF4-FFF2-40B4-BE49-F238E27FC236}">
-                <a16:creationId xmlns:a16="http://schemas.microsoft.com/office/drawing/2014/main" id="{C299886D-FE18-9D36-DD2A-0740A422CBA4}"/>
-              </a:ext>
-            </a:extLst>
-          </p:cNvPr>
-          <p:cNvPicPr>
-            <a:picLocks noChangeAspect="1"/>
-          </p:cNvPicPr>
-          <p:nvPr/>
-        </p:nvPicPr>
-        <p:blipFill>
-          <a:blip r:embed="rId15">
-            <a:extLst>
-              <a:ext uri="{28A0092B-C50C-407E-A947-70E740481C1C}">
-                <a14:useLocalDpi xmlns:a14="http://schemas.microsoft.com/office/drawing/2010/main" val="0"/>
-              </a:ext>
-              <a:ext uri="{96DAC541-7B7A-43D3-8B79-37D633B846F1}">
-                <asvg:svgBlip xmlns:asvg="http://schemas.microsoft.com/office/drawing/2016/SVG/main" r:embed="rId16"/>
-              </a:ext>
-            </a:extLst>
-          </a:blip>
-          <a:stretch>
-            <a:fillRect/>
-          </a:stretch>
-        </p:blipFill>
-        <p:spPr>
-          <a:xfrm>
-            <a:off x="923850" y="2333550"/>
-            <a:ext cx="612000" cy="612000"/>
-          </a:xfrm>
-          <a:prstGeom prst="rect">
-            <a:avLst/>
-          </a:prstGeom>
-        </p:spPr>
-      </p:pic>
-      <p:pic>
-        <p:nvPicPr>
-          <p:cNvPr id="19" name="Graphique 18" descr="Répéter avec un remplissage uni">
-            <a:extLst>
-              <a:ext uri="{FF2B5EF4-FFF2-40B4-BE49-F238E27FC236}">
-                <a16:creationId xmlns:a16="http://schemas.microsoft.com/office/drawing/2014/main" id="{23D8B537-EAAC-BBEF-34A1-489B2277A2BC}"/>
-              </a:ext>
-            </a:extLst>
-          </p:cNvPr>
-          <p:cNvPicPr>
-            <a:picLocks noChangeAspect="1"/>
-          </p:cNvPicPr>
-          <p:nvPr/>
-        </p:nvPicPr>
-        <p:blipFill>
-          <a:blip r:embed="rId17">
-            <a:extLst>
-              <a:ext uri="{28A0092B-C50C-407E-A947-70E740481C1C}">
-                <a14:useLocalDpi xmlns:a14="http://schemas.microsoft.com/office/drawing/2010/main" val="0"/>
-              </a:ext>
-              <a:ext uri="{96DAC541-7B7A-43D3-8B79-37D633B846F1}">
-                <asvg:svgBlip xmlns:asvg="http://schemas.microsoft.com/office/drawing/2016/SVG/main" r:embed="rId18"/>
-              </a:ext>
-            </a:extLst>
-          </a:blip>
-          <a:stretch>
-            <a:fillRect/>
-          </a:stretch>
-        </p:blipFill>
-        <p:spPr>
-          <a:xfrm>
-            <a:off x="427874" y="1459281"/>
-            <a:ext cx="612000" cy="612000"/>
-          </a:xfrm>
-          <a:prstGeom prst="rect">
-            <a:avLst/>
-          </a:prstGeom>
-        </p:spPr>
-      </p:pic>
-      <p:pic>
-        <p:nvPicPr>
-          <p:cNvPr id="23" name="Graphique 22" descr="Point d’interrogation avec un remplissage uni">
-            <a:extLst>
-              <a:ext uri="{FF2B5EF4-FFF2-40B4-BE49-F238E27FC236}">
-                <a16:creationId xmlns:a16="http://schemas.microsoft.com/office/drawing/2014/main" id="{133ADA6F-FFA4-9DEA-5A2E-6C46352FF647}"/>
-              </a:ext>
-            </a:extLst>
-          </p:cNvPr>
-          <p:cNvPicPr>
-            <a:picLocks noChangeAspect="1"/>
-          </p:cNvPicPr>
-          <p:nvPr/>
-        </p:nvPicPr>
-        <p:blipFill>
-          <a:blip r:embed="rId19">
-            <a:extLst>
-              <a:ext uri="{28A0092B-C50C-407E-A947-70E740481C1C}">
-                <a14:useLocalDpi xmlns:a14="http://schemas.microsoft.com/office/drawing/2010/main" val="0"/>
-              </a:ext>
-              <a:ext uri="{96DAC541-7B7A-43D3-8B79-37D633B846F1}">
-                <asvg:svgBlip xmlns:asvg="http://schemas.microsoft.com/office/drawing/2016/SVG/main" r:embed="rId20"/>
-              </a:ext>
-            </a:extLst>
-          </a:blip>
-          <a:stretch>
-            <a:fillRect/>
-          </a:stretch>
-        </p:blipFill>
-        <p:spPr>
-          <a:xfrm>
-            <a:off x="597694" y="6105923"/>
-            <a:ext cx="277236" cy="277236"/>
-          </a:xfrm>
-          <a:prstGeom prst="rect">
-            <a:avLst/>
-          </a:prstGeom>
-        </p:spPr>
-      </p:pic>
     </p:spTree>
     <p:extLst>
       <p:ext uri="{BB962C8B-B14F-4D97-AF65-F5344CB8AC3E}">
-        <p14:creationId xmlns:p14="http://schemas.microsoft.com/office/powerpoint/2010/main" val="2143396034"/>
+        <p14:creationId xmlns:p14="http://schemas.microsoft.com/office/powerpoint/2010/main" val="957368497"/>
       </p:ext>
     </p:extLst>
   </p:cSld>
@@ -27510,17 +26170,17 @@
           <a:p>
             <a:r>
               <a:rPr lang="fr-FR" dirty="0"/>
-              <a:t>Documents liés aux projets</a:t>
+              <a:t>Maintenance du site</a:t>
             </a:r>
           </a:p>
         </p:txBody>
       </p:sp>
       <p:graphicFrame>
         <p:nvGraphicFramePr>
-          <p:cNvPr id="6" name="Espace réservé du contenu 5">
+          <p:cNvPr id="5" name="Espace réservé du contenu 6">
             <a:extLst>
               <a:ext uri="{FF2B5EF4-FFF2-40B4-BE49-F238E27FC236}">
-                <a16:creationId xmlns:a16="http://schemas.microsoft.com/office/drawing/2014/main" id="{15466363-0577-41B8-BA82-65454DBF2E70}"/>
+                <a16:creationId xmlns:a16="http://schemas.microsoft.com/office/drawing/2014/main" id="{EA2E00EA-66B9-562B-2FA6-B78B42F96BB6}"/>
               </a:ext>
             </a:extLst>
           </p:cNvPr>
@@ -27531,14 +26191,14 @@
             <p:ph idx="1"/>
             <p:extLst>
               <p:ext uri="{D42A27DB-BD31-4B8C-83A1-F6EECF244321}">
-                <p14:modId xmlns:p14="http://schemas.microsoft.com/office/powerpoint/2010/main" val="3254428582"/>
+                <p14:modId xmlns:p14="http://schemas.microsoft.com/office/powerpoint/2010/main" val="3663533302"/>
               </p:ext>
             </p:extLst>
           </p:nvPr>
         </p:nvGraphicFramePr>
         <p:xfrm>
-          <a:off x="838200" y="1825625"/>
-          <a:ext cx="10515600" cy="4351338"/>
+          <a:off x="284999" y="1162050"/>
+          <a:ext cx="11612475" cy="5695950"/>
         </p:xfrm>
         <a:graphic>
           <a:graphicData uri="http://schemas.openxmlformats.org/drawingml/2006/diagram">
@@ -27548,10 +26208,10 @@
       </p:graphicFrame>
       <p:pic>
         <p:nvPicPr>
-          <p:cNvPr id="10" name="Graphique 9" descr="Apprentissage des langues à distance contour">
+          <p:cNvPr id="6" name="Graphique 5" descr="Écran avec un remplissage uni">
             <a:extLst>
               <a:ext uri="{FF2B5EF4-FFF2-40B4-BE49-F238E27FC236}">
-                <a16:creationId xmlns:a16="http://schemas.microsoft.com/office/drawing/2014/main" id="{BD159E9C-4D21-6062-242A-C08DC4C9E7F6}"/>
+                <a16:creationId xmlns:a16="http://schemas.microsoft.com/office/drawing/2014/main" id="{028FFA38-47D9-F2E9-1717-42C45854CF3D}"/>
               </a:ext>
             </a:extLst>
           </p:cNvPr>
@@ -27577,8 +26237,8 @@
         </p:blipFill>
         <p:spPr>
           <a:xfrm>
-            <a:off x="2508445" y="5557373"/>
-            <a:ext cx="540000" cy="540000"/>
+            <a:off x="427874" y="5971204"/>
+            <a:ext cx="612000" cy="612000"/>
           </a:xfrm>
           <a:prstGeom prst="rect">
             <a:avLst/>
@@ -27587,10 +26247,10 @@
       </p:pic>
       <p:pic>
         <p:nvPicPr>
-          <p:cNvPr id="14" name="Graphique 13" descr="Presse-papiers partiellement vérifié avec un remplissage uni">
+          <p:cNvPr id="8" name="Graphique 7" descr="Base de données avec un remplissage uni">
             <a:extLst>
               <a:ext uri="{FF2B5EF4-FFF2-40B4-BE49-F238E27FC236}">
-                <a16:creationId xmlns:a16="http://schemas.microsoft.com/office/drawing/2014/main" id="{649D94CD-57AC-2BFF-A557-C625ACA04455}"/>
+                <a16:creationId xmlns:a16="http://schemas.microsoft.com/office/drawing/2014/main" id="{9177391A-03D4-E6F9-B5BC-AA77AD23F01F}"/>
               </a:ext>
             </a:extLst>
           </p:cNvPr>
@@ -27616,8 +26276,8 @@
         </p:blipFill>
         <p:spPr>
           <a:xfrm>
-            <a:off x="2508445" y="4625480"/>
-            <a:ext cx="540000" cy="540000"/>
+            <a:off x="923850" y="5048403"/>
+            <a:ext cx="612000" cy="612000"/>
           </a:xfrm>
           <a:prstGeom prst="rect">
             <a:avLst/>
@@ -27626,10 +26286,10 @@
       </p:pic>
       <p:pic>
         <p:nvPicPr>
-          <p:cNvPr id="18" name="Graphique 17" descr="Engrenages avec un remplissage uni">
+          <p:cNvPr id="10" name="Graphique 9" descr="Avance rapide avec un remplissage uni">
             <a:extLst>
               <a:ext uri="{FF2B5EF4-FFF2-40B4-BE49-F238E27FC236}">
-                <a16:creationId xmlns:a16="http://schemas.microsoft.com/office/drawing/2014/main" id="{6B49CC5E-A086-3952-0112-70B80EEDEC1A}"/>
+                <a16:creationId xmlns:a16="http://schemas.microsoft.com/office/drawing/2014/main" id="{EBDD3B6D-649B-03D8-F60D-95D9ACB2CADB}"/>
               </a:ext>
             </a:extLst>
           </p:cNvPr>
@@ -27655,8 +26315,8 @@
         </p:blipFill>
         <p:spPr>
           <a:xfrm>
-            <a:off x="2508445" y="3740779"/>
-            <a:ext cx="540000" cy="540000"/>
+            <a:off x="1156260" y="4148462"/>
+            <a:ext cx="612000" cy="612000"/>
           </a:xfrm>
           <a:prstGeom prst="rect">
             <a:avLst/>
@@ -27665,10 +26325,10 @@
       </p:pic>
       <p:pic>
         <p:nvPicPr>
-          <p:cNvPr id="21" name="Graphique 20" descr="Plan avec un remplissage uni">
+          <p:cNvPr id="12" name="Graphique 11" descr="Bouclier coche avec un remplissage uni">
             <a:extLst>
               <a:ext uri="{FF2B5EF4-FFF2-40B4-BE49-F238E27FC236}">
-                <a16:creationId xmlns:a16="http://schemas.microsoft.com/office/drawing/2014/main" id="{E929C302-82C6-8DB1-E0FF-C39CBF0904E4}"/>
+                <a16:creationId xmlns:a16="http://schemas.microsoft.com/office/drawing/2014/main" id="{DC0D5795-EBF6-5681-4B6B-7CF9DFEE5CA0}"/>
               </a:ext>
             </a:extLst>
           </p:cNvPr>
@@ -27694,8 +26354,8 @@
         </p:blipFill>
         <p:spPr>
           <a:xfrm>
-            <a:off x="2508445" y="1914381"/>
-            <a:ext cx="540000" cy="540000"/>
+            <a:off x="1153650" y="3248521"/>
+            <a:ext cx="612000" cy="612000"/>
           </a:xfrm>
           <a:prstGeom prst="rect">
             <a:avLst/>
@@ -27704,10 +26364,10 @@
       </p:pic>
       <p:pic>
         <p:nvPicPr>
-          <p:cNvPr id="24" name="Graphique 23" descr="Porte-bloc avec un remplissage uni">
+          <p:cNvPr id="14" name="Graphique 13" descr="Synchronisation avec le cloud avec un remplissage uni">
             <a:extLst>
               <a:ext uri="{FF2B5EF4-FFF2-40B4-BE49-F238E27FC236}">
-                <a16:creationId xmlns:a16="http://schemas.microsoft.com/office/drawing/2014/main" id="{70844C5B-069B-6A1B-FE2F-F4EBD48B2B1B}"/>
+                <a16:creationId xmlns:a16="http://schemas.microsoft.com/office/drawing/2014/main" id="{BB737382-25CF-EC70-743E-40738D8E2491}"/>
               </a:ext>
             </a:extLst>
           </p:cNvPr>
@@ -27733,8 +26393,8 @@
         </p:blipFill>
         <p:spPr>
           <a:xfrm>
-            <a:off x="2508445" y="2819960"/>
-            <a:ext cx="540000" cy="540000"/>
+            <a:off x="923850" y="2333550"/>
+            <a:ext cx="612000" cy="612000"/>
           </a:xfrm>
           <a:prstGeom prst="rect">
             <a:avLst/>
@@ -27743,10 +26403,10 @@
       </p:pic>
       <p:pic>
         <p:nvPicPr>
-          <p:cNvPr id="32" name="Image 31">
+          <p:cNvPr id="16" name="Graphique 15" descr="Répéter avec un remplissage uni">
             <a:extLst>
               <a:ext uri="{FF2B5EF4-FFF2-40B4-BE49-F238E27FC236}">
-                <a16:creationId xmlns:a16="http://schemas.microsoft.com/office/drawing/2014/main" id="{B6C80091-A2EF-5810-6765-DA6554E26760}"/>
+                <a16:creationId xmlns:a16="http://schemas.microsoft.com/office/drawing/2014/main" id="{3DEBB7C3-0B57-AC82-6FD9-10944874A00A}"/>
               </a:ext>
             </a:extLst>
           </p:cNvPr>
@@ -27756,15 +26416,24 @@
           <p:nvPr/>
         </p:nvPicPr>
         <p:blipFill>
-          <a:blip r:embed="rId17"/>
+          <a:blip r:embed="rId17">
+            <a:extLst>
+              <a:ext uri="{28A0092B-C50C-407E-A947-70E740481C1C}">
+                <a14:useLocalDpi xmlns:a14="http://schemas.microsoft.com/office/drawing/2010/main" val="0"/>
+              </a:ext>
+              <a:ext uri="{96DAC541-7B7A-43D3-8B79-37D633B846F1}">
+                <asvg:svgBlip xmlns:asvg="http://schemas.microsoft.com/office/drawing/2016/SVG/main" r:embed="rId18"/>
+              </a:ext>
+            </a:extLst>
+          </a:blip>
           <a:stretch>
             <a:fillRect/>
           </a:stretch>
         </p:blipFill>
         <p:spPr>
           <a:xfrm>
-            <a:off x="7216140" y="2281661"/>
-            <a:ext cx="345440" cy="345440"/>
+            <a:off x="427874" y="1459281"/>
+            <a:ext cx="612000" cy="612000"/>
           </a:xfrm>
           <a:prstGeom prst="rect">
             <a:avLst/>
@@ -27773,10 +26442,10 @@
       </p:pic>
       <p:pic>
         <p:nvPicPr>
-          <p:cNvPr id="33" name="Image 32">
+          <p:cNvPr id="18" name="Graphique 17" descr="Point d’interrogation avec un remplissage uni">
             <a:extLst>
               <a:ext uri="{FF2B5EF4-FFF2-40B4-BE49-F238E27FC236}">
-                <a16:creationId xmlns:a16="http://schemas.microsoft.com/office/drawing/2014/main" id="{E2660E6F-3E57-2977-2E41-34E5E85118AF}"/>
+                <a16:creationId xmlns:a16="http://schemas.microsoft.com/office/drawing/2014/main" id="{67E6522F-1503-9D9A-D28F-62160B3188B4}"/>
               </a:ext>
             </a:extLst>
           </p:cNvPr>
@@ -27786,105 +26455,24 @@
           <p:nvPr/>
         </p:nvPicPr>
         <p:blipFill>
-          <a:blip r:embed="rId17"/>
+          <a:blip r:embed="rId19">
+            <a:extLst>
+              <a:ext uri="{28A0092B-C50C-407E-A947-70E740481C1C}">
+                <a14:useLocalDpi xmlns:a14="http://schemas.microsoft.com/office/drawing/2010/main" val="0"/>
+              </a:ext>
+              <a:ext uri="{96DAC541-7B7A-43D3-8B79-37D633B846F1}">
+                <asvg:svgBlip xmlns:asvg="http://schemas.microsoft.com/office/drawing/2016/SVG/main" r:embed="rId20"/>
+              </a:ext>
+            </a:extLst>
+          </a:blip>
           <a:stretch>
             <a:fillRect/>
           </a:stretch>
         </p:blipFill>
         <p:spPr>
           <a:xfrm>
-            <a:off x="8798117" y="3187240"/>
-            <a:ext cx="345440" cy="345440"/>
-          </a:xfrm>
-          <a:prstGeom prst="rect">
-            <a:avLst/>
-          </a:prstGeom>
-        </p:spPr>
-      </p:pic>
-      <p:pic>
-        <p:nvPicPr>
-          <p:cNvPr id="34" name="Image 33">
-            <a:extLst>
-              <a:ext uri="{FF2B5EF4-FFF2-40B4-BE49-F238E27FC236}">
-                <a16:creationId xmlns:a16="http://schemas.microsoft.com/office/drawing/2014/main" id="{B28AED01-4457-CB7B-654F-82EBC6E2B5A9}"/>
-              </a:ext>
-            </a:extLst>
-          </p:cNvPr>
-          <p:cNvPicPr>
-            <a:picLocks noChangeAspect="1"/>
-          </p:cNvPicPr>
-          <p:nvPr/>
-        </p:nvPicPr>
-        <p:blipFill>
-          <a:blip r:embed="rId17"/>
-          <a:stretch>
-            <a:fillRect/>
-          </a:stretch>
-        </p:blipFill>
-        <p:spPr>
-          <a:xfrm>
-            <a:off x="8516177" y="4108059"/>
-            <a:ext cx="345440" cy="345440"/>
-          </a:xfrm>
-          <a:prstGeom prst="rect">
-            <a:avLst/>
-          </a:prstGeom>
-        </p:spPr>
-      </p:pic>
-      <p:pic>
-        <p:nvPicPr>
-          <p:cNvPr id="35" name="Image 34">
-            <a:extLst>
-              <a:ext uri="{FF2B5EF4-FFF2-40B4-BE49-F238E27FC236}">
-                <a16:creationId xmlns:a16="http://schemas.microsoft.com/office/drawing/2014/main" id="{69078A00-EF0B-8217-D5E8-4E318BE9419E}"/>
-              </a:ext>
-            </a:extLst>
-          </p:cNvPr>
-          <p:cNvPicPr>
-            <a:picLocks noChangeAspect="1"/>
-          </p:cNvPicPr>
-          <p:nvPr/>
-        </p:nvPicPr>
-        <p:blipFill>
-          <a:blip r:embed="rId17"/>
-          <a:stretch>
-            <a:fillRect/>
-          </a:stretch>
-        </p:blipFill>
-        <p:spPr>
-          <a:xfrm>
-            <a:off x="7792277" y="5022459"/>
-            <a:ext cx="345440" cy="345440"/>
-          </a:xfrm>
-          <a:prstGeom prst="rect">
-            <a:avLst/>
-          </a:prstGeom>
-        </p:spPr>
-      </p:pic>
-      <p:pic>
-        <p:nvPicPr>
-          <p:cNvPr id="36" name="Image 35">
-            <a:extLst>
-              <a:ext uri="{FF2B5EF4-FFF2-40B4-BE49-F238E27FC236}">
-                <a16:creationId xmlns:a16="http://schemas.microsoft.com/office/drawing/2014/main" id="{34E4FD57-FF4A-6C04-4E5A-57F73B70915F}"/>
-              </a:ext>
-            </a:extLst>
-          </p:cNvPr>
-          <p:cNvPicPr>
-            <a:picLocks noChangeAspect="1"/>
-          </p:cNvPicPr>
-          <p:nvPr/>
-        </p:nvPicPr>
-        <p:blipFill>
-          <a:blip r:embed="rId17"/>
-          <a:stretch>
-            <a:fillRect/>
-          </a:stretch>
-        </p:blipFill>
-        <p:spPr>
-          <a:xfrm>
-            <a:off x="8318057" y="5894173"/>
-            <a:ext cx="345440" cy="345440"/>
+            <a:off x="597694" y="6105923"/>
+            <a:ext cx="277236" cy="277236"/>
           </a:xfrm>
           <a:prstGeom prst="rect">
             <a:avLst/>
@@ -27894,7 +26482,7 @@
     </p:spTree>
     <p:extLst>
       <p:ext uri="{BB962C8B-B14F-4D97-AF65-F5344CB8AC3E}">
-        <p14:creationId xmlns:p14="http://schemas.microsoft.com/office/powerpoint/2010/main" val="514618393"/>
+        <p14:creationId xmlns:p14="http://schemas.microsoft.com/office/powerpoint/2010/main" val="2143396034"/>
       </p:ext>
     </p:extLst>
   </p:cSld>
